--- a/Slides/Module 03.1 Trusting TypeScript.pptx
+++ b/Slides/Module 03.1 Trusting TypeScript.pptx
@@ -19856,7 +19856,7 @@
           </a:ln>
           <a:extLst>
             <a:ext uri="{C572A759-6A51-4108-AA02-DFA0A04FC94B}">
-              <ma14:wrappingTextBoxFlag xmlns:ma14="http://schemas.microsoft.com/office/mac/drawingml/2011/main" xmlns:a14="http://schemas.microsoft.com/office/drawing/2010/main" xmlns:m="http://schemas.openxmlformats.org/officeDocument/2006/math" xmlns="" val="1"/>
+              <ma14:wrappingTextBoxFlag xmlns="" xmlns:m="http://schemas.openxmlformats.org/officeDocument/2006/math" xmlns:a14="http://schemas.microsoft.com/office/drawing/2010/main" xmlns:ma14="http://schemas.microsoft.com/office/mac/drawingml/2011/main" val="1"/>
             </a:ext>
           </a:extLst>
         </p:spPr>
@@ -20335,7 +20335,7 @@
           </a:ln>
           <a:extLst>
             <a:ext uri="{C572A759-6A51-4108-AA02-DFA0A04FC94B}">
-              <ma14:wrappingTextBoxFlag xmlns:ma14="http://schemas.microsoft.com/office/mac/drawingml/2011/main" xmlns:a14="http://schemas.microsoft.com/office/drawing/2010/main" xmlns:m="http://schemas.openxmlformats.org/officeDocument/2006/math" xmlns="" val="1"/>
+              <ma14:wrappingTextBoxFlag xmlns="" xmlns:m="http://schemas.openxmlformats.org/officeDocument/2006/math" xmlns:a14="http://schemas.microsoft.com/office/drawing/2010/main" xmlns:ma14="http://schemas.microsoft.com/office/mac/drawingml/2011/main" val="1"/>
             </a:ext>
           </a:extLst>
         </p:spPr>
@@ -25573,7 +25573,7 @@
           </a:ln>
           <a:extLst>
             <a:ext uri="{C572A759-6A51-4108-AA02-DFA0A04FC94B}">
-              <ma14:wrappingTextBoxFlag xmlns="" xmlns:m="http://schemas.openxmlformats.org/officeDocument/2006/math" xmlns:a14="http://schemas.microsoft.com/office/drawing/2010/main" xmlns:ma14="http://schemas.microsoft.com/office/mac/drawingml/2011/main" val="1"/>
+              <ma14:wrappingTextBoxFlag xmlns:ma14="http://schemas.microsoft.com/office/mac/drawingml/2011/main" xmlns:a14="http://schemas.microsoft.com/office/drawing/2010/main" xmlns:m="http://schemas.openxmlformats.org/officeDocument/2006/math" xmlns="" val="1"/>
             </a:ext>
           </a:extLst>
         </p:spPr>
@@ -25911,7 +25911,7 @@
           </a:ln>
           <a:extLst>
             <a:ext uri="{C572A759-6A51-4108-AA02-DFA0A04FC94B}">
-              <ma14:wrappingTextBoxFlag xmlns="" xmlns:m="http://schemas.openxmlformats.org/officeDocument/2006/math" xmlns:a14="http://schemas.microsoft.com/office/drawing/2010/main" xmlns:ma14="http://schemas.microsoft.com/office/mac/drawingml/2011/main" val="1"/>
+              <ma14:wrappingTextBoxFlag xmlns:ma14="http://schemas.microsoft.com/office/mac/drawingml/2011/main" xmlns:a14="http://schemas.microsoft.com/office/drawing/2010/main" xmlns:m="http://schemas.openxmlformats.org/officeDocument/2006/math" xmlns="" val="1"/>
             </a:ext>
           </a:extLst>
         </p:spPr>
@@ -26292,7 +26292,7 @@
           </a:ln>
           <a:extLst>
             <a:ext uri="{C572A759-6A51-4108-AA02-DFA0A04FC94B}">
-              <ma14:wrappingTextBoxFlag xmlns="" xmlns:m="http://schemas.openxmlformats.org/officeDocument/2006/math" xmlns:a14="http://schemas.microsoft.com/office/drawing/2010/main" xmlns:ma14="http://schemas.microsoft.com/office/mac/drawingml/2011/main" val="1"/>
+              <ma14:wrappingTextBoxFlag xmlns:ma14="http://schemas.microsoft.com/office/mac/drawingml/2011/main" xmlns:a14="http://schemas.microsoft.com/office/drawing/2010/main" xmlns:m="http://schemas.openxmlformats.org/officeDocument/2006/math" xmlns="" val="1"/>
             </a:ext>
           </a:extLst>
         </p:spPr>
@@ -26329,7 +26329,7 @@
           </a:ln>
           <a:extLst>
             <a:ext uri="{C572A759-6A51-4108-AA02-DFA0A04FC94B}">
-              <ma14:wrappingTextBoxFlag xmlns="" xmlns:m="http://schemas.openxmlformats.org/officeDocument/2006/math" xmlns:a14="http://schemas.microsoft.com/office/drawing/2010/main" xmlns:ma14="http://schemas.microsoft.com/office/mac/drawingml/2011/main" val="1"/>
+              <ma14:wrappingTextBoxFlag xmlns:ma14="http://schemas.microsoft.com/office/mac/drawingml/2011/main" xmlns:a14="http://schemas.microsoft.com/office/drawing/2010/main" xmlns:m="http://schemas.openxmlformats.org/officeDocument/2006/math" xmlns="" val="1"/>
             </a:ext>
           </a:extLst>
         </p:spPr>
@@ -26392,7 +26392,7 @@
             </a:ln>
             <a:extLst>
               <a:ext uri="{C572A759-6A51-4108-AA02-DFA0A04FC94B}">
-                <ma14:wrappingTextBoxFlag xmlns="" xmlns:m="http://schemas.openxmlformats.org/officeDocument/2006/math" xmlns:a14="http://schemas.microsoft.com/office/drawing/2010/main" xmlns:ma14="http://schemas.microsoft.com/office/mac/drawingml/2011/main" val="1"/>
+                <ma14:wrappingTextBoxFlag xmlns:ma14="http://schemas.microsoft.com/office/mac/drawingml/2011/main" xmlns:a14="http://schemas.microsoft.com/office/drawing/2010/main" xmlns:m="http://schemas.openxmlformats.org/officeDocument/2006/math" xmlns="" val="1"/>
               </a:ext>
             </a:extLst>
           </p:spPr>
@@ -35291,7 +35291,7 @@
           </a:ln>
           <a:extLst>
             <a:ext uri="{C572A759-6A51-4108-AA02-DFA0A04FC94B}">
-              <ma14:wrappingTextBoxFlag xmlns="" xmlns:m="http://schemas.openxmlformats.org/officeDocument/2006/math" xmlns:a14="http://schemas.microsoft.com/office/drawing/2010/main" xmlns:ma14="http://schemas.microsoft.com/office/mac/drawingml/2011/main" val="1"/>
+              <ma14:wrappingTextBoxFlag xmlns:ma14="http://schemas.microsoft.com/office/mac/drawingml/2011/main" xmlns:a14="http://schemas.microsoft.com/office/drawing/2010/main" xmlns:m="http://schemas.openxmlformats.org/officeDocument/2006/math" xmlns="" val="1"/>
             </a:ext>
           </a:extLst>
         </p:spPr>
@@ -35792,7 +35792,7 @@
           </a:ln>
           <a:extLst>
             <a:ext uri="{C572A759-6A51-4108-AA02-DFA0A04FC94B}">
-              <ma14:wrappingTextBoxFlag xmlns="" xmlns:m="http://schemas.openxmlformats.org/officeDocument/2006/math" xmlns:a14="http://schemas.microsoft.com/office/drawing/2010/main" xmlns:ma14="http://schemas.microsoft.com/office/mac/drawingml/2011/main" val="1"/>
+              <ma14:wrappingTextBoxFlag xmlns:ma14="http://schemas.microsoft.com/office/mac/drawingml/2011/main" xmlns:a14="http://schemas.microsoft.com/office/drawing/2010/main" xmlns:m="http://schemas.openxmlformats.org/officeDocument/2006/math" xmlns="" val="1"/>
             </a:ext>
           </a:extLst>
         </p:spPr>
@@ -36284,7 +36284,7 @@
           </a:ln>
           <a:extLst>
             <a:ext uri="{C572A759-6A51-4108-AA02-DFA0A04FC94B}">
-              <ma14:wrappingTextBoxFlag xmlns:ma14="http://schemas.microsoft.com/office/mac/drawingml/2011/main" xmlns:a14="http://schemas.microsoft.com/office/drawing/2010/main" xmlns:m="http://schemas.openxmlformats.org/officeDocument/2006/math" xmlns="" val="1"/>
+              <ma14:wrappingTextBoxFlag xmlns="" xmlns:m="http://schemas.openxmlformats.org/officeDocument/2006/math" xmlns:a14="http://schemas.microsoft.com/office/drawing/2010/main" xmlns:ma14="http://schemas.microsoft.com/office/mac/drawingml/2011/main" val="1"/>
             </a:ext>
           </a:extLst>
         </p:spPr>
@@ -36819,7 +36819,7 @@
           </a:ln>
           <a:extLst>
             <a:ext uri="{C572A759-6A51-4108-AA02-DFA0A04FC94B}">
-              <ma14:wrappingTextBoxFlag xmlns="" xmlns:m="http://schemas.openxmlformats.org/officeDocument/2006/math" xmlns:a14="http://schemas.microsoft.com/office/drawing/2010/main" xmlns:ma14="http://schemas.microsoft.com/office/mac/drawingml/2011/main" val="1"/>
+              <ma14:wrappingTextBoxFlag xmlns:ma14="http://schemas.microsoft.com/office/mac/drawingml/2011/main" xmlns:a14="http://schemas.microsoft.com/office/drawing/2010/main" xmlns:m="http://schemas.openxmlformats.org/officeDocument/2006/math" xmlns="" val="1"/>
             </a:ext>
           </a:extLst>
         </p:spPr>

--- a/Slides/Module 03.1 Trusting TypeScript.pptx
+++ b/Slides/Module 03.1 Trusting TypeScript.pptx
@@ -5,34 +5,36 @@
     <p:sldMasterId id="2147483648" r:id="rId1"/>
   </p:sldMasterIdLst>
   <p:notesMasterIdLst>
-    <p:notesMasterId r:id="rId17"/>
+    <p:notesMasterId r:id="rId19"/>
   </p:notesMasterIdLst>
   <p:sldIdLst>
     <p:sldId id="485" r:id="rId2"/>
     <p:sldId id="579" r:id="rId3"/>
     <p:sldId id="652" r:id="rId4"/>
     <p:sldId id="653" r:id="rId5"/>
-    <p:sldId id="583" r:id="rId6"/>
-    <p:sldId id="657" r:id="rId7"/>
-    <p:sldId id="666" r:id="rId8"/>
-    <p:sldId id="668" r:id="rId9"/>
-    <p:sldId id="669" r:id="rId10"/>
-    <p:sldId id="670" r:id="rId11"/>
-    <p:sldId id="665" r:id="rId12"/>
-    <p:sldId id="672" r:id="rId13"/>
-    <p:sldId id="674" r:id="rId14"/>
-    <p:sldId id="675" r:id="rId15"/>
-    <p:sldId id="676" r:id="rId16"/>
+    <p:sldId id="677" r:id="rId6"/>
+    <p:sldId id="678" r:id="rId7"/>
+    <p:sldId id="583" r:id="rId8"/>
+    <p:sldId id="679" r:id="rId9"/>
+    <p:sldId id="666" r:id="rId10"/>
+    <p:sldId id="668" r:id="rId11"/>
+    <p:sldId id="669" r:id="rId12"/>
+    <p:sldId id="670" r:id="rId13"/>
+    <p:sldId id="665" r:id="rId14"/>
+    <p:sldId id="672" r:id="rId15"/>
+    <p:sldId id="674" r:id="rId16"/>
+    <p:sldId id="675" r:id="rId17"/>
+    <p:sldId id="676" r:id="rId18"/>
   </p:sldIdLst>
   <p:sldSz cx="12192000" cy="6858000"/>
   <p:notesSz cx="6858000" cy="9144000"/>
   <p:embeddedFontLst>
     <p:embeddedFont>
       <p:font typeface="Verdana" panose="020B0604030504040204" pitchFamily="34" charset="0"/>
-      <p:regular r:id="rId18"/>
-      <p:bold r:id="rId19"/>
-      <p:italic r:id="rId20"/>
-      <p:boldItalic r:id="rId21"/>
+      <p:regular r:id="rId20"/>
+      <p:bold r:id="rId21"/>
+      <p:italic r:id="rId22"/>
+      <p:boldItalic r:id="rId23"/>
     </p:embeddedFont>
   </p:embeddedFontLst>
   <p:defaultTextStyle>
@@ -139,8 +141,10 @@
             <p14:sldId id="579"/>
             <p14:sldId id="652"/>
             <p14:sldId id="653"/>
+            <p14:sldId id="677"/>
+            <p14:sldId id="678"/>
             <p14:sldId id="583"/>
-            <p14:sldId id="657"/>
+            <p14:sldId id="679"/>
             <p14:sldId id="666"/>
             <p14:sldId id="668"/>
             <p14:sldId id="669"/>
@@ -249,7 +253,7 @@
           <a:p>
             <a:fld id="{7C7E5181-6CF5-45F7-A87A-E0E0B1FD7549}" type="datetimeFigureOut">
               <a:rPr lang="en-US" smtClean="0"/>
-              <a:t>1/1/26</a:t>
+              <a:t>1/2/26</a:t>
             </a:fld>
             <a:endParaRPr lang="en-US"/>
           </a:p>
@@ -608,6 +612,301 @@
         <p:cNvPr id="1" name="">
           <a:extLst>
             <a:ext uri="{FF2B5EF4-FFF2-40B4-BE49-F238E27FC236}">
+              <a16:creationId xmlns:a16="http://schemas.microsoft.com/office/drawing/2014/main" id="{62E3D2D4-3B06-92DD-2ABB-088B1DBA788F}"/>
+            </a:ext>
+          </a:extLst>
+        </p:cNvPr>
+        <p:cNvGrpSpPr/>
+        <p:nvPr/>
+      </p:nvGrpSpPr>
+      <p:grpSpPr>
+        <a:xfrm>
+          <a:off x="0" y="0"/>
+          <a:ext cx="0" cy="0"/>
+          <a:chOff x="0" y="0"/>
+          <a:chExt cx="0" cy="0"/>
+        </a:xfrm>
+      </p:grpSpPr>
+      <p:sp>
+        <p:nvSpPr>
+          <p:cNvPr id="2" name="Slide Image Placeholder 1">
+            <a:extLst>
+              <a:ext uri="{FF2B5EF4-FFF2-40B4-BE49-F238E27FC236}">
+                <a16:creationId xmlns:a16="http://schemas.microsoft.com/office/drawing/2014/main" id="{E9A101BA-48A2-D84E-4FC4-92812349A7FD}"/>
+              </a:ext>
+            </a:extLst>
+          </p:cNvPr>
+          <p:cNvSpPr>
+            <a:spLocks noGrp="1" noRot="1" noChangeAspect="1"/>
+          </p:cNvSpPr>
+          <p:nvPr>
+            <p:ph type="sldImg"/>
+          </p:nvPr>
+        </p:nvSpPr>
+        <p:spPr/>
+      </p:sp>
+      <p:sp>
+        <p:nvSpPr>
+          <p:cNvPr id="3" name="Notes Placeholder 2">
+            <a:extLst>
+              <a:ext uri="{FF2B5EF4-FFF2-40B4-BE49-F238E27FC236}">
+                <a16:creationId xmlns:a16="http://schemas.microsoft.com/office/drawing/2014/main" id="{56C17B64-C914-2D5D-3BBC-4469E3D1FD1F}"/>
+              </a:ext>
+            </a:extLst>
+          </p:cNvPr>
+          <p:cNvSpPr>
+            <a:spLocks noGrp="1"/>
+          </p:cNvSpPr>
+          <p:nvPr>
+            <p:ph type="body" idx="1"/>
+          </p:nvPr>
+        </p:nvSpPr>
+        <p:spPr/>
+        <p:txBody>
+          <a:bodyPr/>
+          <a:lstStyle/>
+          <a:p>
+            <a:r>
+              <a:rPr lang="en-US" dirty="0"/>
+              <a:t>Not all inputs to your programs can be trusted to have any particular shape or form!</a:t>
+            </a:r>
+          </a:p>
+          <a:p>
+            <a:endParaRPr lang="en-US" dirty="0"/>
+          </a:p>
+          <a:p>
+            <a:r>
+              <a:rPr lang="en-US" dirty="0"/>
+              <a:t>When you give an input to a website through a web browser, the code on the web browser will make sure the request has a specific format. But the nature of web applications is that those submissions can </a:t>
+            </a:r>
+            <a:r>
+              <a:rPr lang="en-US" i="1" dirty="0"/>
+              <a:t>always </a:t>
+            </a:r>
+            <a:r>
+              <a:rPr lang="en-US" i="0" dirty="0"/>
+              <a:t>be done in different ways, without the same guardrails.</a:t>
+            </a:r>
+          </a:p>
+          <a:p>
+            <a:endParaRPr lang="en-US" i="0" dirty="0"/>
+          </a:p>
+          <a:p>
+            <a:r>
+              <a:rPr lang="en-US" i="0" dirty="0"/>
+              <a:t>On the upper right we show the same action of creating a </a:t>
+            </a:r>
+            <a:r>
+              <a:rPr lang="en-US" i="0" dirty="0" err="1"/>
+              <a:t>GameNite</a:t>
+            </a:r>
+            <a:r>
+              <a:rPr lang="en-US" i="0" dirty="0"/>
+              <a:t> account being done through the “Postman” program (there’s a Postman tutorial on the website), and on the command line with a command-line “curl” command. (You can get “curl” commands out of Postman too.)</a:t>
+            </a:r>
+            <a:endParaRPr lang="en-US" dirty="0"/>
+          </a:p>
+        </p:txBody>
+      </p:sp>
+      <p:sp>
+        <p:nvSpPr>
+          <p:cNvPr id="4" name="Slide Number Placeholder 3">
+            <a:extLst>
+              <a:ext uri="{FF2B5EF4-FFF2-40B4-BE49-F238E27FC236}">
+                <a16:creationId xmlns:a16="http://schemas.microsoft.com/office/drawing/2014/main" id="{2FF8C9A4-B2EE-6557-8062-EF8775204CD1}"/>
+              </a:ext>
+            </a:extLst>
+          </p:cNvPr>
+          <p:cNvSpPr>
+            <a:spLocks noGrp="1"/>
+          </p:cNvSpPr>
+          <p:nvPr>
+            <p:ph type="sldNum" sz="quarter" idx="5"/>
+          </p:nvPr>
+        </p:nvSpPr>
+        <p:spPr/>
+        <p:txBody>
+          <a:bodyPr/>
+          <a:lstStyle/>
+          <a:p>
+            <a:fld id="{07937F07-1250-4CCE-B198-1B2887014F41}" type="slidenum">
+              <a:rPr lang="en-US" smtClean="0"/>
+              <a:t>10</a:t>
+            </a:fld>
+            <a:endParaRPr lang="en-US"/>
+          </a:p>
+        </p:txBody>
+      </p:sp>
+    </p:spTree>
+    <p:extLst>
+      <p:ext uri="{BB962C8B-B14F-4D97-AF65-F5344CB8AC3E}">
+        <p14:creationId xmlns:p14="http://schemas.microsoft.com/office/powerpoint/2010/main" val="2619626549"/>
+      </p:ext>
+    </p:extLst>
+  </p:cSld>
+  <p:clrMapOvr>
+    <a:masterClrMapping/>
+  </p:clrMapOvr>
+</p:notes>
+</file>
+
+<file path=ppt/notesSlides/notesSlide11.xml><?xml version="1.0" encoding="utf-8"?>
+<p:notes xmlns:a="http://schemas.openxmlformats.org/drawingml/2006/main" xmlns:r="http://schemas.openxmlformats.org/officeDocument/2006/relationships" xmlns:p="http://schemas.openxmlformats.org/presentationml/2006/main">
+  <p:cSld>
+    <p:spTree>
+      <p:nvGrpSpPr>
+        <p:cNvPr id="1" name="">
+          <a:extLst>
+            <a:ext uri="{FF2B5EF4-FFF2-40B4-BE49-F238E27FC236}">
+              <a16:creationId xmlns:a16="http://schemas.microsoft.com/office/drawing/2014/main" id="{4FD3F2F5-3486-F3D4-01BD-3A260D56A411}"/>
+            </a:ext>
+          </a:extLst>
+        </p:cNvPr>
+        <p:cNvGrpSpPr/>
+        <p:nvPr/>
+      </p:nvGrpSpPr>
+      <p:grpSpPr>
+        <a:xfrm>
+          <a:off x="0" y="0"/>
+          <a:ext cx="0" cy="0"/>
+          <a:chOff x="0" y="0"/>
+          <a:chExt cx="0" cy="0"/>
+        </a:xfrm>
+      </p:grpSpPr>
+      <p:sp>
+        <p:nvSpPr>
+          <p:cNvPr id="2" name="Slide Image Placeholder 1">
+            <a:extLst>
+              <a:ext uri="{FF2B5EF4-FFF2-40B4-BE49-F238E27FC236}">
+                <a16:creationId xmlns:a16="http://schemas.microsoft.com/office/drawing/2014/main" id="{77BA9310-4DD7-173D-212C-E57A29B49F37}"/>
+              </a:ext>
+            </a:extLst>
+          </p:cNvPr>
+          <p:cNvSpPr>
+            <a:spLocks noGrp="1" noRot="1" noChangeAspect="1"/>
+          </p:cNvSpPr>
+          <p:nvPr>
+            <p:ph type="sldImg"/>
+          </p:nvPr>
+        </p:nvSpPr>
+        <p:spPr/>
+      </p:sp>
+      <p:sp>
+        <p:nvSpPr>
+          <p:cNvPr id="3" name="Notes Placeholder 2">
+            <a:extLst>
+              <a:ext uri="{FF2B5EF4-FFF2-40B4-BE49-F238E27FC236}">
+                <a16:creationId xmlns:a16="http://schemas.microsoft.com/office/drawing/2014/main" id="{1EFC2DE8-FE51-C4EA-5FC3-AEBE167FCF82}"/>
+              </a:ext>
+            </a:extLst>
+          </p:cNvPr>
+          <p:cNvSpPr>
+            <a:spLocks noGrp="1"/>
+          </p:cNvSpPr>
+          <p:nvPr>
+            <p:ph type="body" idx="1"/>
+          </p:nvPr>
+        </p:nvSpPr>
+        <p:spPr/>
+        <p:txBody>
+          <a:bodyPr/>
+          <a:lstStyle/>
+          <a:p>
+            <a:r>
+              <a:rPr lang="en-US" dirty="0"/>
+              <a:t>TypeScript has a way of dealing with inputs when you can’t trust that the input is going to obey any sort of contract: the unknown type.</a:t>
+            </a:r>
+          </a:p>
+          <a:p>
+            <a:endParaRPr lang="en-US" dirty="0"/>
+          </a:p>
+          <a:p>
+            <a:r>
+              <a:rPr lang="en-US" dirty="0"/>
+              <a:t>(click)</a:t>
+            </a:r>
+          </a:p>
+          <a:p>
+            <a:r>
+              <a:rPr lang="en-US" dirty="0"/>
+              <a:t>If you have an unknown value and you try to do pretty much anything to it (such as cast it to uppercase like it’s a string), TypeScript will yell at you. </a:t>
+            </a:r>
+          </a:p>
+          <a:p>
+            <a:endParaRPr lang="en-US" dirty="0"/>
+          </a:p>
+          <a:p>
+            <a:r>
+              <a:rPr lang="en-US" dirty="0"/>
+              <a:t>(click)</a:t>
+            </a:r>
+          </a:p>
+          <a:p>
+            <a:r>
+              <a:rPr lang="en-US" dirty="0"/>
+              <a:t>But if you check that it’s a string first with JavaScript’s </a:t>
+            </a:r>
+            <a:r>
+              <a:rPr lang="en-US" dirty="0" err="1"/>
+              <a:t>typeof</a:t>
+            </a:r>
+            <a:r>
+              <a:rPr lang="en-US" dirty="0"/>
+              <a:t> function, TypeScript will then remember that you’ve checked that it’s a string.</a:t>
+            </a:r>
+          </a:p>
+        </p:txBody>
+      </p:sp>
+      <p:sp>
+        <p:nvSpPr>
+          <p:cNvPr id="4" name="Slide Number Placeholder 3">
+            <a:extLst>
+              <a:ext uri="{FF2B5EF4-FFF2-40B4-BE49-F238E27FC236}">
+                <a16:creationId xmlns:a16="http://schemas.microsoft.com/office/drawing/2014/main" id="{9BF8BCC5-B2AB-557F-2B03-6F1C9309125F}"/>
+              </a:ext>
+            </a:extLst>
+          </p:cNvPr>
+          <p:cNvSpPr>
+            <a:spLocks noGrp="1"/>
+          </p:cNvSpPr>
+          <p:nvPr>
+            <p:ph type="sldNum" sz="quarter" idx="5"/>
+          </p:nvPr>
+        </p:nvSpPr>
+        <p:spPr/>
+        <p:txBody>
+          <a:bodyPr/>
+          <a:lstStyle/>
+          <a:p>
+            <a:fld id="{07937F07-1250-4CCE-B198-1B2887014F41}" type="slidenum">
+              <a:rPr lang="en-US" smtClean="0"/>
+              <a:t>11</a:t>
+            </a:fld>
+            <a:endParaRPr lang="en-US"/>
+          </a:p>
+        </p:txBody>
+      </p:sp>
+    </p:spTree>
+    <p:extLst>
+      <p:ext uri="{BB962C8B-B14F-4D97-AF65-F5344CB8AC3E}">
+        <p14:creationId xmlns:p14="http://schemas.microsoft.com/office/powerpoint/2010/main" val="2639117819"/>
+      </p:ext>
+    </p:extLst>
+  </p:cSld>
+  <p:clrMapOvr>
+    <a:masterClrMapping/>
+  </p:clrMapOvr>
+</p:notes>
+</file>
+
+<file path=ppt/notesSlides/notesSlide12.xml><?xml version="1.0" encoding="utf-8"?>
+<p:notes xmlns:a="http://schemas.openxmlformats.org/drawingml/2006/main" xmlns:r="http://schemas.openxmlformats.org/officeDocument/2006/relationships" xmlns:p="http://schemas.openxmlformats.org/presentationml/2006/main">
+  <p:cSld>
+    <p:spTree>
+      <p:nvGrpSpPr>
+        <p:cNvPr id="1" name="">
+          <a:extLst>
+            <a:ext uri="{FF2B5EF4-FFF2-40B4-BE49-F238E27FC236}">
               <a16:creationId xmlns:a16="http://schemas.microsoft.com/office/drawing/2014/main" id="{6E45B551-2ACB-87DF-621E-8CF85F2285DD}"/>
             </a:ext>
           </a:extLst>
@@ -664,8 +963,37 @@
           <a:p>
             <a:r>
               <a:rPr lang="en-US" dirty="0"/>
-              <a:t>This was just about shortest code I could come up with to use straightforward TypeScript to reliably take an unknown piece of data and get record with a string username and a string password.</a:t>
-            </a:r>
+              <a:t>This was just about shortest code I could come up with to use straightforward TypeScript to reliably take an unknown piece of data and get record with a string username and a string password. It’s not simple!</a:t>
+            </a:r>
+          </a:p>
+          <a:p>
+            <a:endParaRPr lang="en-US" dirty="0"/>
+          </a:p>
+          <a:p>
+            <a:pPr marL="0" marR="0" lvl="0" indent="0" algn="l" defTabSz="914400" rtl="0" eaLnBrk="1" fontAlgn="auto" latinLnBrk="0" hangingPunct="1">
+              <a:lnSpc>
+                <a:spcPct val="100000"/>
+              </a:lnSpc>
+              <a:spcBef>
+                <a:spcPts val="0"/>
+              </a:spcBef>
+              <a:spcAft>
+                <a:spcPts val="0"/>
+              </a:spcAft>
+              <a:buClrTx/>
+              <a:buSzTx/>
+              <a:buFontTx/>
+              <a:buNone/>
+              <a:tabLst/>
+              <a:defRPr/>
+            </a:pPr>
+            <a:r>
+              <a:rPr lang="en-US" dirty="0"/>
+              <a:t>TypeScript makes us do all the work ourselves if we want to check that a value actually matches the structure that its type suggests. This is difficult and error-prone in practice.</a:t>
+            </a:r>
+          </a:p>
+          <a:p>
+            <a:endParaRPr lang="en-US" dirty="0"/>
           </a:p>
         </p:txBody>
       </p:sp>
@@ -692,7 +1020,7 @@
           <a:p>
             <a:fld id="{07937F07-1250-4CCE-B198-1B2887014F41}" type="slidenum">
               <a:rPr lang="en-US" smtClean="0"/>
-              <a:t>10</a:t>
+              <a:t>12</a:t>
             </a:fld>
             <a:endParaRPr lang="en-US"/>
           </a:p>
@@ -711,7 +1039,7 @@
 </p:notes>
 </file>
 
-<file path=ppt/notesSlides/notesSlide11.xml><?xml version="1.0" encoding="utf-8"?>
+<file path=ppt/notesSlides/notesSlide13.xml><?xml version="1.0" encoding="utf-8"?>
 <p:notes xmlns:a="http://schemas.openxmlformats.org/drawingml/2006/main" xmlns:r="http://schemas.openxmlformats.org/officeDocument/2006/relationships" xmlns:p="http://schemas.openxmlformats.org/presentationml/2006/main">
   <p:cSld>
     <p:spTree>
@@ -775,7 +1103,7 @@
           <a:p>
             <a:r>
               <a:rPr lang="en-US" dirty="0"/>
-              <a:t>Zod is a library that lets us create representations of the TypeScript types we want to enforce, and then use a function like </a:t>
+              <a:t>Zod is a library that makes our job easier — we can create Zod representations of the TypeScript types, and then use a function like </a:t>
             </a:r>
             <a:r>
               <a:rPr lang="en-US" dirty="0" err="1"/>
@@ -837,7 +1165,7 @@
           <a:p>
             <a:fld id="{07937F07-1250-4CCE-B198-1B2887014F41}" type="slidenum">
               <a:rPr lang="en-US" smtClean="0"/>
-              <a:t>11</a:t>
+              <a:t>13</a:t>
             </a:fld>
             <a:endParaRPr lang="en-US"/>
           </a:p>
@@ -856,7 +1184,7 @@
 </p:notes>
 </file>
 
-<file path=ppt/notesSlides/notesSlide12.xml><?xml version="1.0" encoding="utf-8"?>
+<file path=ppt/notesSlides/notesSlide14.xml><?xml version="1.0" encoding="utf-8"?>
 <p:notes xmlns:a="http://schemas.openxmlformats.org/drawingml/2006/main" xmlns:r="http://schemas.openxmlformats.org/officeDocument/2006/relationships" xmlns:p="http://schemas.openxmlformats.org/presentationml/2006/main">
   <p:cSld>
     <p:spTree>
@@ -935,7 +1263,7 @@
           <a:p>
             <a:r>
               <a:rPr lang="en-US" dirty="0"/>
-              <a:t>The third line covers an enormous amount of validation — it ensures that our web server will only respond to specific requests that send JSON data (we’ll be using JSON data a lot in the class, there’s an article about it in the </a:t>
+              <a:t>The third line (where the first arrow is pointing) covers an enormous amount of validation — it ensures that our web server will only respond to specific requests that send JSON data (we’ll be using JSON data a lot in the class, there’s an article about it in the </a:t>
             </a:r>
             <a:r>
               <a:rPr lang="en-US" dirty="0" err="1"/>
@@ -966,7 +1294,7 @@
             </a:r>
             <a:r>
               <a:rPr lang="en-US" dirty="0"/>
-              <a:t>` be treated as an `Auth` is no good — it’s only allowed because the express library treats untrusted request bodies as “any”, not as “unknown.” This makes the express server a lot easier to use… and also makes it a lot easier to make errors.</a:t>
+              <a:t>` be treated as an `Auth` (where the second arrow is pointing) has some really unfortunate typescript happening. If you read this line, it looks like you’re now able to trust that the request body matches the `Auth` type. But this is not true. This line only works in Typescript because the express library treats untrusted request bodies as “any”, not as “unknown.” This makes the express server a lot easier to use… and also makes it a lot easier to make errors.</a:t>
             </a:r>
           </a:p>
           <a:p>
@@ -1032,7 +1360,7 @@
           <a:p>
             <a:fld id="{07937F07-1250-4CCE-B198-1B2887014F41}" type="slidenum">
               <a:rPr lang="en-US" smtClean="0"/>
-              <a:t>12</a:t>
+              <a:t>14</a:t>
             </a:fld>
             <a:endParaRPr lang="en-US"/>
           </a:p>
@@ -1051,7 +1379,7 @@
 </p:notes>
 </file>
 
-<file path=ppt/notesSlides/notesSlide13.xml><?xml version="1.0" encoding="utf-8"?>
+<file path=ppt/notesSlides/notesSlide15.xml><?xml version="1.0" encoding="utf-8"?>
 <p:notes xmlns:a="http://schemas.openxmlformats.org/drawingml/2006/main" xmlns:r="http://schemas.openxmlformats.org/officeDocument/2006/relationships" xmlns:p="http://schemas.openxmlformats.org/presentationml/2006/main">
   <p:cSld>
     <p:spTree>
@@ -1173,13 +1501,24 @@
           <a:p>
             <a:r>
               <a:rPr lang="en-US" dirty="0"/>
-              <a:t>True answer: something like { username: 4, password: secret } will trigger </a:t>
+              <a:t>True answer: something like { username: 4, password: “secret” } will try to invoke the </a:t>
             </a:r>
             <a:r>
               <a:rPr lang="en-US" dirty="0" err="1"/>
               <a:t>toUpperCase</a:t>
             </a:r>
-            <a:endParaRPr lang="en-US" dirty="0"/>
+            <a:r>
+              <a:rPr lang="en-US" dirty="0"/>
+              <a:t> method of the numeric value 4, but JavaScript numbers don’t have </a:t>
+            </a:r>
+            <a:r>
+              <a:rPr lang="en-US" dirty="0" err="1"/>
+              <a:t>toUpperCase</a:t>
+            </a:r>
+            <a:r>
+              <a:rPr lang="en-US" dirty="0"/>
+              <a:t> methods — only strings do!</a:t>
+            </a:r>
           </a:p>
         </p:txBody>
       </p:sp>
@@ -1206,7 +1545,7 @@
           <a:p>
             <a:fld id="{07937F07-1250-4CCE-B198-1B2887014F41}" type="slidenum">
               <a:rPr lang="en-US" smtClean="0"/>
-              <a:t>13</a:t>
+              <a:t>15</a:t>
             </a:fld>
             <a:endParaRPr lang="en-US"/>
           </a:p>
@@ -1225,7 +1564,7 @@
 </p:notes>
 </file>
 
-<file path=ppt/notesSlides/notesSlide14.xml><?xml version="1.0" encoding="utf-8"?>
+<file path=ppt/notesSlides/notesSlide16.xml><?xml version="1.0" encoding="utf-8"?>
 <p:notes xmlns:a="http://schemas.openxmlformats.org/drawingml/2006/main" xmlns:r="http://schemas.openxmlformats.org/officeDocument/2006/relationships" xmlns:p="http://schemas.openxmlformats.org/presentationml/2006/main">
   <p:cSld>
     <p:spTree>
@@ -1317,7 +1656,7 @@
           <a:p>
             <a:fld id="{07937F07-1250-4CCE-B198-1B2887014F41}" type="slidenum">
               <a:rPr lang="en-US" smtClean="0"/>
-              <a:t>14</a:t>
+              <a:t>16</a:t>
             </a:fld>
             <a:endParaRPr lang="en-US"/>
           </a:p>
@@ -1336,7 +1675,7 @@
 </p:notes>
 </file>
 
-<file path=ppt/notesSlides/notesSlide15.xml><?xml version="1.0" encoding="utf-8"?>
+<file path=ppt/notesSlides/notesSlide17.xml><?xml version="1.0" encoding="utf-8"?>
 <p:notes xmlns:a="http://schemas.openxmlformats.org/drawingml/2006/main" xmlns:r="http://schemas.openxmlformats.org/officeDocument/2006/relationships" xmlns:p="http://schemas.openxmlformats.org/presentationml/2006/main">
   <p:cSld>
     <p:spTree>
@@ -1437,7 +1776,7 @@
           <a:p>
             <a:fld id="{07937F07-1250-4CCE-B198-1B2887014F41}" type="slidenum">
               <a:rPr lang="en-US" smtClean="0"/>
-              <a:t>15</a:t>
+              <a:t>17</a:t>
             </a:fld>
             <a:endParaRPr lang="en-US"/>
           </a:p>
@@ -1844,7 +2183,13 @@
   <p:cSld>
     <p:spTree>
       <p:nvGrpSpPr>
-        <p:cNvPr id="1" name=""/>
+        <p:cNvPr id="1" name="">
+          <a:extLst>
+            <a:ext uri="{FF2B5EF4-FFF2-40B4-BE49-F238E27FC236}">
+              <a16:creationId xmlns:a16="http://schemas.microsoft.com/office/drawing/2014/main" id="{B2FF5021-3CA2-6D6D-0AF1-7FEE23771826}"/>
+            </a:ext>
+          </a:extLst>
+        </p:cNvPr>
         <p:cNvGrpSpPr/>
         <p:nvPr/>
       </p:nvGrpSpPr>
@@ -1858,7 +2203,13 @@
       </p:grpSpPr>
       <p:sp>
         <p:nvSpPr>
-          <p:cNvPr id="2" name="Slide Image Placeholder 1"/>
+          <p:cNvPr id="2" name="Slide Image Placeholder 1">
+            <a:extLst>
+              <a:ext uri="{FF2B5EF4-FFF2-40B4-BE49-F238E27FC236}">
+                <a16:creationId xmlns:a16="http://schemas.microsoft.com/office/drawing/2014/main" id="{308E98A6-CC49-7C9B-6554-082FEC5FD4D8}"/>
+              </a:ext>
+            </a:extLst>
+          </p:cNvPr>
           <p:cNvSpPr>
             <a:spLocks noGrp="1" noRot="1" noChangeAspect="1"/>
           </p:cNvSpPr>
@@ -1870,7 +2221,13 @@
       </p:sp>
       <p:sp>
         <p:nvSpPr>
-          <p:cNvPr id="3" name="Notes Placeholder 2"/>
+          <p:cNvPr id="3" name="Notes Placeholder 2">
+            <a:extLst>
+              <a:ext uri="{FF2B5EF4-FFF2-40B4-BE49-F238E27FC236}">
+                <a16:creationId xmlns:a16="http://schemas.microsoft.com/office/drawing/2014/main" id="{7902B779-AA7F-56AE-126B-D02E9917C299}"/>
+              </a:ext>
+            </a:extLst>
+          </p:cNvPr>
           <p:cNvSpPr>
             <a:spLocks noGrp="1"/>
           </p:cNvSpPr>
@@ -1883,84 +2240,47 @@
           <a:bodyPr/>
           <a:lstStyle/>
           <a:p>
-            <a:pPr marL="0" marR="0" lvl="0" indent="0" algn="l" defTabSz="914400" rtl="0" eaLnBrk="1" fontAlgn="auto" latinLnBrk="0" hangingPunct="1">
-              <a:lnSpc>
-                <a:spcPct val="100000"/>
-              </a:lnSpc>
-              <a:spcBef>
-                <a:spcPts val="0"/>
-              </a:spcBef>
-              <a:spcAft>
-                <a:spcPts val="0"/>
-              </a:spcAft>
-              <a:buClrTx/>
-              <a:buSzTx/>
-              <a:buFontTx/>
-              <a:buNone/>
-              <a:tabLst/>
-              <a:defRPr/>
-            </a:pPr>
             <a:r>
               <a:rPr lang="en-US" dirty="0"/>
-              <a:t>Unlike some languages, the type contracts in TypeScript are </a:t>
+              <a:t>This is something we’ll return to later, but the answer to “which inputs should we test” is that we don’t need to test this function with -3 or null.</a:t>
+            </a:r>
+          </a:p>
+          <a:p>
+            <a:endParaRPr lang="en-US" dirty="0"/>
+          </a:p>
+          <a:p>
+            <a:r>
+              <a:rPr lang="en-US" dirty="0"/>
+              <a:t>When we’re talking about testing a </a:t>
             </a:r>
             <a:r>
               <a:rPr lang="en-US" i="1" dirty="0"/>
-              <a:t>totally unchecked</a:t>
-            </a:r>
-            <a:r>
-              <a:rPr lang="en-US" i="0" dirty="0"/>
-              <a:t> — Node will happily run the function with an argument that doesn’t have type “number,” just as it will happily run it on an input that violates the “nonnegative integer” contract in the precondition. This is fundamental to TypeScript but can be very confusing if you’re used to types in languages that aren’t Python and JavaScript.</a:t>
-            </a:r>
-          </a:p>
-          <a:p>
-            <a:pPr marL="0" marR="0" lvl="0" indent="0" algn="l" defTabSz="914400" rtl="0" eaLnBrk="1" fontAlgn="auto" latinLnBrk="0" hangingPunct="1">
-              <a:lnSpc>
-                <a:spcPct val="100000"/>
-              </a:lnSpc>
-              <a:spcBef>
-                <a:spcPts val="0"/>
-              </a:spcBef>
-              <a:spcAft>
-                <a:spcPts val="0"/>
-              </a:spcAft>
-              <a:buClrTx/>
-              <a:buSzTx/>
-              <a:buFontTx/>
-              <a:buNone/>
-              <a:tabLst/>
-              <a:defRPr/>
-            </a:pPr>
-            <a:endParaRPr lang="en-US" i="0" dirty="0"/>
-          </a:p>
-          <a:p>
-            <a:pPr marL="0" marR="0" lvl="0" indent="0" algn="l" defTabSz="914400" rtl="0" eaLnBrk="1" fontAlgn="auto" latinLnBrk="0" hangingPunct="1">
-              <a:lnSpc>
-                <a:spcPct val="100000"/>
-              </a:lnSpc>
-              <a:spcBef>
-                <a:spcPts val="0"/>
-              </a:spcBef>
-              <a:spcAft>
-                <a:spcPts val="0"/>
-              </a:spcAft>
-              <a:buClrTx/>
-              <a:buSzTx/>
-              <a:buFontTx/>
-              <a:buNone/>
-              <a:tabLst/>
-              <a:defRPr/>
-            </a:pPr>
-            <a:r>
-              <a:rPr lang="en-US" i="0" dirty="0"/>
-              <a:t>So why are we using TypeScript at all? Well, a lot of people obviously find a lot of value in using TypeScript, and we’re using it in this course for a reason.</a:t>
+              <a:t>specific</a:t>
+            </a:r>
+            <a:r>
+              <a:rPr lang="en-US" dirty="0"/>
+              <a:t> function, we’re really talking about writing a </a:t>
+            </a:r>
+            <a:r>
+              <a:rPr lang="en-US" i="1" dirty="0"/>
+              <a:t>unit test</a:t>
+            </a:r>
+            <a:r>
+              <a:rPr lang="en-US" dirty="0"/>
+              <a:t>, that tests an isolated part of a program. Other parts of the program are responsible for respecting the contracts on our function, but that’s a problem for integration testing, which we’ll talk about more in a future lecture.</a:t>
             </a:r>
           </a:p>
         </p:txBody>
       </p:sp>
       <p:sp>
         <p:nvSpPr>
-          <p:cNvPr id="4" name="Slide Number Placeholder 3"/>
+          <p:cNvPr id="4" name="Slide Number Placeholder 3">
+            <a:extLst>
+              <a:ext uri="{FF2B5EF4-FFF2-40B4-BE49-F238E27FC236}">
+                <a16:creationId xmlns:a16="http://schemas.microsoft.com/office/drawing/2014/main" id="{E5DB4872-4723-D3D0-0A11-CB70DA990E54}"/>
+              </a:ext>
+            </a:extLst>
+          </p:cNvPr>
           <p:cNvSpPr>
             <a:spLocks noGrp="1"/>
           </p:cNvSpPr>
@@ -1984,7 +2304,7 @@
     </p:spTree>
     <p:extLst>
       <p:ext uri="{BB962C8B-B14F-4D97-AF65-F5344CB8AC3E}">
-        <p14:creationId xmlns:p14="http://schemas.microsoft.com/office/powerpoint/2010/main" val="2171515413"/>
+        <p14:creationId xmlns:p14="http://schemas.microsoft.com/office/powerpoint/2010/main" val="285188433"/>
       </p:ext>
     </p:extLst>
   </p:cSld>
@@ -1995,6 +2315,142 @@
 </file>
 
 <file path=ppt/notesSlides/notesSlide6.xml><?xml version="1.0" encoding="utf-8"?>
+<p:notes xmlns:a="http://schemas.openxmlformats.org/drawingml/2006/main" xmlns:r="http://schemas.openxmlformats.org/officeDocument/2006/relationships" xmlns:p="http://schemas.openxmlformats.org/presentationml/2006/main">
+  <p:cSld>
+    <p:spTree>
+      <p:nvGrpSpPr>
+        <p:cNvPr id="1" name="">
+          <a:extLst>
+            <a:ext uri="{FF2B5EF4-FFF2-40B4-BE49-F238E27FC236}">
+              <a16:creationId xmlns:a16="http://schemas.microsoft.com/office/drawing/2014/main" id="{0BB6BEAC-F725-C4E1-E3F5-13E46DAC0E51}"/>
+            </a:ext>
+          </a:extLst>
+        </p:cNvPr>
+        <p:cNvGrpSpPr/>
+        <p:nvPr/>
+      </p:nvGrpSpPr>
+      <p:grpSpPr>
+        <a:xfrm>
+          <a:off x="0" y="0"/>
+          <a:ext cx="0" cy="0"/>
+          <a:chOff x="0" y="0"/>
+          <a:chExt cx="0" cy="0"/>
+        </a:xfrm>
+      </p:grpSpPr>
+      <p:sp>
+        <p:nvSpPr>
+          <p:cNvPr id="2" name="Slide Image Placeholder 1">
+            <a:extLst>
+              <a:ext uri="{FF2B5EF4-FFF2-40B4-BE49-F238E27FC236}">
+                <a16:creationId xmlns:a16="http://schemas.microsoft.com/office/drawing/2014/main" id="{03E5F866-E661-8CEF-2F7F-8F5E5E0BDA71}"/>
+              </a:ext>
+            </a:extLst>
+          </p:cNvPr>
+          <p:cNvSpPr>
+            <a:spLocks noGrp="1" noRot="1" noChangeAspect="1"/>
+          </p:cNvSpPr>
+          <p:nvPr>
+            <p:ph type="sldImg"/>
+          </p:nvPr>
+        </p:nvSpPr>
+        <p:spPr/>
+      </p:sp>
+      <p:sp>
+        <p:nvSpPr>
+          <p:cNvPr id="3" name="Notes Placeholder 2">
+            <a:extLst>
+              <a:ext uri="{FF2B5EF4-FFF2-40B4-BE49-F238E27FC236}">
+                <a16:creationId xmlns:a16="http://schemas.microsoft.com/office/drawing/2014/main" id="{95818EFE-4BFB-AD50-5114-38EC9EA205EE}"/>
+              </a:ext>
+            </a:extLst>
+          </p:cNvPr>
+          <p:cNvSpPr>
+            <a:spLocks noGrp="1"/>
+          </p:cNvSpPr>
+          <p:nvPr>
+            <p:ph type="body" idx="1"/>
+          </p:nvPr>
+        </p:nvSpPr>
+        <p:spPr/>
+        <p:txBody>
+          <a:bodyPr/>
+          <a:lstStyle/>
+          <a:p>
+            <a:r>
+              <a:rPr lang="en-US" dirty="0"/>
+              <a:t>This is something we’ll return to later, but the answer to “which inputs should we test” is that we don’t need to test this function with -3 or null.</a:t>
+            </a:r>
+          </a:p>
+          <a:p>
+            <a:endParaRPr lang="en-US" dirty="0"/>
+          </a:p>
+          <a:p>
+            <a:r>
+              <a:rPr lang="en-US" dirty="0"/>
+              <a:t>When we’re talking about testing a </a:t>
+            </a:r>
+            <a:r>
+              <a:rPr lang="en-US" i="1" dirty="0"/>
+              <a:t>specific</a:t>
+            </a:r>
+            <a:r>
+              <a:rPr lang="en-US" dirty="0"/>
+              <a:t> function, we’re really talking about writing a </a:t>
+            </a:r>
+            <a:r>
+              <a:rPr lang="en-US" i="1" dirty="0"/>
+              <a:t>unit test</a:t>
+            </a:r>
+            <a:r>
+              <a:rPr lang="en-US" dirty="0"/>
+              <a:t>, that tests an isolated part of a program. Other parts of the program are responsible for respecting the contracts on our function, but that’s a problem for integration testing, which we’ll talk about more in a future lecture.</a:t>
+            </a:r>
+          </a:p>
+        </p:txBody>
+      </p:sp>
+      <p:sp>
+        <p:nvSpPr>
+          <p:cNvPr id="4" name="Slide Number Placeholder 3">
+            <a:extLst>
+              <a:ext uri="{FF2B5EF4-FFF2-40B4-BE49-F238E27FC236}">
+                <a16:creationId xmlns:a16="http://schemas.microsoft.com/office/drawing/2014/main" id="{C4542B2E-F2E4-E00C-7ED1-0AFC8C501506}"/>
+              </a:ext>
+            </a:extLst>
+          </p:cNvPr>
+          <p:cNvSpPr>
+            <a:spLocks noGrp="1"/>
+          </p:cNvSpPr>
+          <p:nvPr>
+            <p:ph type="sldNum" sz="quarter" idx="5"/>
+          </p:nvPr>
+        </p:nvSpPr>
+        <p:spPr/>
+        <p:txBody>
+          <a:bodyPr/>
+          <a:lstStyle/>
+          <a:p>
+            <a:fld id="{07937F07-1250-4CCE-B198-1B2887014F41}" type="slidenum">
+              <a:rPr lang="en-US" smtClean="0"/>
+              <a:t>6</a:t>
+            </a:fld>
+            <a:endParaRPr lang="en-US"/>
+          </a:p>
+        </p:txBody>
+      </p:sp>
+    </p:spTree>
+    <p:extLst>
+      <p:ext uri="{BB962C8B-B14F-4D97-AF65-F5344CB8AC3E}">
+        <p14:creationId xmlns:p14="http://schemas.microsoft.com/office/powerpoint/2010/main" val="3735509330"/>
+      </p:ext>
+    </p:extLst>
+  </p:cSld>
+  <p:clrMapOvr>
+    <a:masterClrMapping/>
+  </p:clrMapOvr>
+</p:notes>
+</file>
+
+<file path=ppt/notesSlides/notesSlide7.xml><?xml version="1.0" encoding="utf-8"?>
 <p:notes xmlns:a="http://schemas.openxmlformats.org/drawingml/2006/main" xmlns:r="http://schemas.openxmlformats.org/officeDocument/2006/relationships" xmlns:p="http://schemas.openxmlformats.org/presentationml/2006/main">
   <p:cSld>
     <p:spTree>
@@ -2038,21 +2494,78 @@
           <a:bodyPr/>
           <a:lstStyle/>
           <a:p>
+            <a:pPr marL="0" marR="0" lvl="0" indent="0" algn="l" defTabSz="914400" rtl="0" eaLnBrk="1" fontAlgn="auto" latinLnBrk="0" hangingPunct="1">
+              <a:lnSpc>
+                <a:spcPct val="100000"/>
+              </a:lnSpc>
+              <a:spcBef>
+                <a:spcPts val="0"/>
+              </a:spcBef>
+              <a:spcAft>
+                <a:spcPts val="0"/>
+              </a:spcAft>
+              <a:buClrTx/>
+              <a:buSzTx/>
+              <a:buFontTx/>
+              <a:buNone/>
+              <a:tabLst/>
+              <a:defRPr/>
+            </a:pPr>
             <a:r>
               <a:rPr lang="en-US" dirty="0"/>
-              <a:t>The reality is that different software projects use TypeScript in fundamentally different ways. It’s possible, in most cases, to make choices in a project that make mistakes less likely. Our project code sets up the </a:t>
-            </a:r>
-            <a:r>
-              <a:rPr lang="en-US" dirty="0" err="1"/>
-              <a:t>ESLint</a:t>
-            </a:r>
-            <a:r>
-              <a:rPr lang="en-US" dirty="0"/>
-              <a:t> linter with a lot of rules that enforce this strict use of TypeScript.</a:t>
-            </a:r>
-          </a:p>
-          <a:p>
-            <a:endParaRPr lang="en-US" dirty="0"/>
+              <a:t>This brings us to a critical point about TypeScript, and one that can be really surprising at first. </a:t>
+            </a:r>
+          </a:p>
+          <a:p>
+            <a:pPr marL="0" marR="0" lvl="0" indent="0" algn="l" defTabSz="914400" rtl="0" eaLnBrk="1" fontAlgn="auto" latinLnBrk="0" hangingPunct="1">
+              <a:lnSpc>
+                <a:spcPct val="100000"/>
+              </a:lnSpc>
+              <a:spcBef>
+                <a:spcPts val="0"/>
+              </a:spcBef>
+              <a:spcAft>
+                <a:spcPts val="0"/>
+              </a:spcAft>
+              <a:buClrTx/>
+              <a:buSzTx/>
+              <a:buFontTx/>
+              <a:buNone/>
+              <a:tabLst/>
+              <a:defRPr/>
+            </a:pPr>
+            <a:endParaRPr lang="en-US" i="0" dirty="0"/>
+          </a:p>
+          <a:p>
+            <a:pPr marL="0" marR="0" lvl="0" indent="0" algn="l" defTabSz="914400" rtl="0" eaLnBrk="1" fontAlgn="auto" latinLnBrk="0" hangingPunct="1">
+              <a:lnSpc>
+                <a:spcPct val="100000"/>
+              </a:lnSpc>
+              <a:spcBef>
+                <a:spcPts val="0"/>
+              </a:spcBef>
+              <a:spcAft>
+                <a:spcPts val="0"/>
+              </a:spcAft>
+              <a:buClrTx/>
+              <a:buSzTx/>
+              <a:buFontTx/>
+              <a:buNone/>
+              <a:tabLst/>
+              <a:defRPr/>
+            </a:pPr>
+            <a:r>
+              <a:rPr lang="en-US" i="0" dirty="0"/>
+              <a:t>In Java, we’d need to be concerned that some malicious function would call an analogue of “</a:t>
+            </a:r>
+            <a:r>
+              <a:rPr lang="en-US" i="0" dirty="0" err="1"/>
+              <a:t>helloNTimes</a:t>
+            </a:r>
+            <a:r>
+              <a:rPr lang="en-US" i="0" dirty="0"/>
+              <a:t>” with a negative number, but there’d be no way to call it with a value of some completely unexpected type: Java would never allow such a thing to happen.</a:t>
+            </a:r>
           </a:p>
         </p:txBody>
       </p:sp>
@@ -2073,7 +2586,7 @@
           <a:p>
             <a:fld id="{07937F07-1250-4CCE-B198-1B2887014F41}" type="slidenum">
               <a:rPr lang="en-US" smtClean="0"/>
-              <a:t>6</a:t>
+              <a:t>7</a:t>
             </a:fld>
             <a:endParaRPr lang="en-US"/>
           </a:p>
@@ -2082,7 +2595,7 @@
     </p:spTree>
     <p:extLst>
       <p:ext uri="{BB962C8B-B14F-4D97-AF65-F5344CB8AC3E}">
-        <p14:creationId xmlns:p14="http://schemas.microsoft.com/office/powerpoint/2010/main" val="2694065363"/>
+        <p14:creationId xmlns:p14="http://schemas.microsoft.com/office/powerpoint/2010/main" val="2171515413"/>
       </p:ext>
     </p:extLst>
   </p:cSld>
@@ -2092,7 +2605,261 @@
 </p:notes>
 </file>
 
-<file path=ppt/notesSlides/notesSlide7.xml><?xml version="1.0" encoding="utf-8"?>
+<file path=ppt/notesSlides/notesSlide8.xml><?xml version="1.0" encoding="utf-8"?>
+<p:notes xmlns:a="http://schemas.openxmlformats.org/drawingml/2006/main" xmlns:r="http://schemas.openxmlformats.org/officeDocument/2006/relationships" xmlns:p="http://schemas.openxmlformats.org/presentationml/2006/main">
+  <p:cSld>
+    <p:spTree>
+      <p:nvGrpSpPr>
+        <p:cNvPr id="1" name="">
+          <a:extLst>
+            <a:ext uri="{FF2B5EF4-FFF2-40B4-BE49-F238E27FC236}">
+              <a16:creationId xmlns:a16="http://schemas.microsoft.com/office/drawing/2014/main" id="{389F92EF-EA7C-F0E3-7E16-E78A231E2AFB}"/>
+            </a:ext>
+          </a:extLst>
+        </p:cNvPr>
+        <p:cNvGrpSpPr/>
+        <p:nvPr/>
+      </p:nvGrpSpPr>
+      <p:grpSpPr>
+        <a:xfrm>
+          <a:off x="0" y="0"/>
+          <a:ext cx="0" cy="0"/>
+          <a:chOff x="0" y="0"/>
+          <a:chExt cx="0" cy="0"/>
+        </a:xfrm>
+      </p:grpSpPr>
+      <p:sp>
+        <p:nvSpPr>
+          <p:cNvPr id="2" name="Slide Image Placeholder 1">
+            <a:extLst>
+              <a:ext uri="{FF2B5EF4-FFF2-40B4-BE49-F238E27FC236}">
+                <a16:creationId xmlns:a16="http://schemas.microsoft.com/office/drawing/2014/main" id="{6F8C4B27-BF1C-B8D8-3117-99262E9C8E44}"/>
+              </a:ext>
+            </a:extLst>
+          </p:cNvPr>
+          <p:cNvSpPr>
+            <a:spLocks noGrp="1" noRot="1" noChangeAspect="1"/>
+          </p:cNvSpPr>
+          <p:nvPr>
+            <p:ph type="sldImg"/>
+          </p:nvPr>
+        </p:nvSpPr>
+        <p:spPr/>
+      </p:sp>
+      <p:sp>
+        <p:nvSpPr>
+          <p:cNvPr id="3" name="Notes Placeholder 2">
+            <a:extLst>
+              <a:ext uri="{FF2B5EF4-FFF2-40B4-BE49-F238E27FC236}">
+                <a16:creationId xmlns:a16="http://schemas.microsoft.com/office/drawing/2014/main" id="{FE47DE24-FCE8-CA74-234B-0B8F88F116AF}"/>
+              </a:ext>
+            </a:extLst>
+          </p:cNvPr>
+          <p:cNvSpPr>
+            <a:spLocks noGrp="1"/>
+          </p:cNvSpPr>
+          <p:nvPr>
+            <p:ph type="body" idx="1"/>
+          </p:nvPr>
+        </p:nvSpPr>
+        <p:spPr/>
+        <p:txBody>
+          <a:bodyPr/>
+          <a:lstStyle/>
+          <a:p>
+            <a:pPr marL="0" marR="0" lvl="0" indent="0" algn="l" defTabSz="914400" rtl="0" eaLnBrk="1" fontAlgn="auto" latinLnBrk="0" hangingPunct="1">
+              <a:lnSpc>
+                <a:spcPct val="100000"/>
+              </a:lnSpc>
+              <a:spcBef>
+                <a:spcPts val="0"/>
+              </a:spcBef>
+              <a:spcAft>
+                <a:spcPts val="0"/>
+              </a:spcAft>
+              <a:buClrTx/>
+              <a:buSzTx/>
+              <a:buFontTx/>
+              <a:buNone/>
+              <a:tabLst/>
+              <a:defRPr/>
+            </a:pPr>
+            <a:r>
+              <a:rPr lang="en-US" dirty="0"/>
+              <a:t>Unlike some languages, the type contracts in TypeScript are </a:t>
+            </a:r>
+            <a:r>
+              <a:rPr lang="en-US" i="1" dirty="0"/>
+              <a:t>totally unchecked</a:t>
+            </a:r>
+            <a:r>
+              <a:rPr lang="en-US" i="0" dirty="0"/>
+              <a:t> — Node will happily run the function with an argument that is not a JavaScript number at all, just as it will happily run it on an input that violates the “nonnegative integer” contract in the precondition. This is fundamental to TypeScript but can be very confusing if you’re used to types in languages that aren’t Python and JavaScript.</a:t>
+            </a:r>
+          </a:p>
+          <a:p>
+            <a:pPr marL="0" marR="0" lvl="0" indent="0" algn="l" defTabSz="914400" rtl="0" eaLnBrk="1" fontAlgn="auto" latinLnBrk="0" hangingPunct="1">
+              <a:lnSpc>
+                <a:spcPct val="100000"/>
+              </a:lnSpc>
+              <a:spcBef>
+                <a:spcPts val="0"/>
+              </a:spcBef>
+              <a:spcAft>
+                <a:spcPts val="0"/>
+              </a:spcAft>
+              <a:buClrTx/>
+              <a:buSzTx/>
+              <a:buFontTx/>
+              <a:buNone/>
+              <a:tabLst/>
+              <a:defRPr/>
+            </a:pPr>
+            <a:endParaRPr lang="en-US" i="0" dirty="0"/>
+          </a:p>
+          <a:p>
+            <a:pPr marL="0" marR="0" lvl="0" indent="0" algn="l" defTabSz="914400" rtl="0" eaLnBrk="1" fontAlgn="auto" latinLnBrk="0" hangingPunct="1">
+              <a:lnSpc>
+                <a:spcPct val="100000"/>
+              </a:lnSpc>
+              <a:spcBef>
+                <a:spcPts val="0"/>
+              </a:spcBef>
+              <a:spcAft>
+                <a:spcPts val="0"/>
+              </a:spcAft>
+              <a:buClrTx/>
+              <a:buSzTx/>
+              <a:buFontTx/>
+              <a:buNone/>
+              <a:tabLst/>
+              <a:defRPr/>
+            </a:pPr>
+            <a:r>
+              <a:rPr lang="en-US" i="0" dirty="0"/>
+              <a:t>So why are we using TypeScript at all? Well, a lot of people obviously find a lot of value in using TypeScript, and we’re using it in this course for a reason. </a:t>
+            </a:r>
+            <a:r>
+              <a:rPr lang="en-US" dirty="0"/>
+              <a:t>The reality is that different software projects use TypeScript in fundamentally different ways. It’s possible, in most cases, to make choices in a project that make mistakes less likely. In general, the more you TypeScript type to prevent violating a function’s contracts, the faster you’ll find bugs, and the less you’ll need to rely on your integration tests to find issues.</a:t>
+            </a:r>
+          </a:p>
+          <a:p>
+            <a:pPr marL="0" marR="0" lvl="0" indent="0" algn="l" defTabSz="914400" rtl="0" eaLnBrk="1" fontAlgn="auto" latinLnBrk="0" hangingPunct="1">
+              <a:lnSpc>
+                <a:spcPct val="100000"/>
+              </a:lnSpc>
+              <a:spcBef>
+                <a:spcPts val="0"/>
+              </a:spcBef>
+              <a:spcAft>
+                <a:spcPts val="0"/>
+              </a:spcAft>
+              <a:buClrTx/>
+              <a:buSzTx/>
+              <a:buFontTx/>
+              <a:buNone/>
+              <a:tabLst/>
+              <a:defRPr/>
+            </a:pPr>
+            <a:endParaRPr lang="en-US" dirty="0"/>
+          </a:p>
+          <a:p>
+            <a:pPr marL="0" marR="0" lvl="0" indent="0" algn="l" defTabSz="914400" rtl="0" eaLnBrk="1" fontAlgn="auto" latinLnBrk="0" hangingPunct="1">
+              <a:lnSpc>
+                <a:spcPct val="100000"/>
+              </a:lnSpc>
+              <a:spcBef>
+                <a:spcPts val="0"/>
+              </a:spcBef>
+              <a:spcAft>
+                <a:spcPts val="0"/>
+              </a:spcAft>
+              <a:buClrTx/>
+              <a:buSzTx/>
+              <a:buFontTx/>
+              <a:buNone/>
+              <a:tabLst/>
+              <a:defRPr/>
+            </a:pPr>
+            <a:r>
+              <a:rPr lang="en-US" dirty="0"/>
+              <a:t>Our project code sets up the </a:t>
+            </a:r>
+            <a:r>
+              <a:rPr lang="en-US" dirty="0" err="1"/>
+              <a:t>ESLint</a:t>
+            </a:r>
+            <a:r>
+              <a:rPr lang="en-US" dirty="0"/>
+              <a:t> linter with a lot of rules that enforce this strict use of TypeScript.</a:t>
+            </a:r>
+          </a:p>
+          <a:p>
+            <a:pPr marL="0" marR="0" lvl="0" indent="0" algn="l" defTabSz="914400" rtl="0" eaLnBrk="1" fontAlgn="auto" latinLnBrk="0" hangingPunct="1">
+              <a:lnSpc>
+                <a:spcPct val="100000"/>
+              </a:lnSpc>
+              <a:spcBef>
+                <a:spcPts val="0"/>
+              </a:spcBef>
+              <a:spcAft>
+                <a:spcPts val="0"/>
+              </a:spcAft>
+              <a:buClrTx/>
+              <a:buSzTx/>
+              <a:buFontTx/>
+              <a:buNone/>
+              <a:tabLst/>
+              <a:defRPr/>
+            </a:pPr>
+            <a:endParaRPr lang="en-US" i="0" dirty="0"/>
+          </a:p>
+        </p:txBody>
+      </p:sp>
+      <p:sp>
+        <p:nvSpPr>
+          <p:cNvPr id="4" name="Slide Number Placeholder 3">
+            <a:extLst>
+              <a:ext uri="{FF2B5EF4-FFF2-40B4-BE49-F238E27FC236}">
+                <a16:creationId xmlns:a16="http://schemas.microsoft.com/office/drawing/2014/main" id="{B114256B-7FE2-DC76-E3A4-8C13F828D829}"/>
+              </a:ext>
+            </a:extLst>
+          </p:cNvPr>
+          <p:cNvSpPr>
+            <a:spLocks noGrp="1"/>
+          </p:cNvSpPr>
+          <p:nvPr>
+            <p:ph type="sldNum" sz="quarter" idx="5"/>
+          </p:nvPr>
+        </p:nvSpPr>
+        <p:spPr/>
+        <p:txBody>
+          <a:bodyPr/>
+          <a:lstStyle/>
+          <a:p>
+            <a:fld id="{07937F07-1250-4CCE-B198-1B2887014F41}" type="slidenum">
+              <a:rPr lang="en-US" smtClean="0"/>
+              <a:t>8</a:t>
+            </a:fld>
+            <a:endParaRPr lang="en-US"/>
+          </a:p>
+        </p:txBody>
+      </p:sp>
+    </p:spTree>
+    <p:extLst>
+      <p:ext uri="{BB962C8B-B14F-4D97-AF65-F5344CB8AC3E}">
+        <p14:creationId xmlns:p14="http://schemas.microsoft.com/office/powerpoint/2010/main" val="2683380555"/>
+      </p:ext>
+    </p:extLst>
+  </p:cSld>
+  <p:clrMapOvr>
+    <a:masterClrMapping/>
+  </p:clrMapOvr>
+</p:notes>
+</file>
+
+<file path=ppt/notesSlides/notesSlide9.xml><?xml version="1.0" encoding="utf-8"?>
 <p:notes xmlns:a="http://schemas.openxmlformats.org/drawingml/2006/main" xmlns:r="http://schemas.openxmlformats.org/officeDocument/2006/relationships" xmlns:p="http://schemas.openxmlformats.org/presentationml/2006/main">
   <p:cSld>
     <p:spTree>
@@ -2228,7 +2995,7 @@
           <a:p>
             <a:fld id="{07937F07-1250-4CCE-B198-1B2887014F41}" type="slidenum">
               <a:rPr lang="en-US" smtClean="0"/>
-              <a:t>7</a:t>
+              <a:t>9</a:t>
             </a:fld>
             <a:endParaRPr lang="en-US"/>
           </a:p>
@@ -2238,301 +3005,6 @@
     <p:extLst>
       <p:ext uri="{BB962C8B-B14F-4D97-AF65-F5344CB8AC3E}">
         <p14:creationId xmlns:p14="http://schemas.microsoft.com/office/powerpoint/2010/main" val="3875022826"/>
-      </p:ext>
-    </p:extLst>
-  </p:cSld>
-  <p:clrMapOvr>
-    <a:masterClrMapping/>
-  </p:clrMapOvr>
-</p:notes>
-</file>
-
-<file path=ppt/notesSlides/notesSlide8.xml><?xml version="1.0" encoding="utf-8"?>
-<p:notes xmlns:a="http://schemas.openxmlformats.org/drawingml/2006/main" xmlns:r="http://schemas.openxmlformats.org/officeDocument/2006/relationships" xmlns:p="http://schemas.openxmlformats.org/presentationml/2006/main">
-  <p:cSld>
-    <p:spTree>
-      <p:nvGrpSpPr>
-        <p:cNvPr id="1" name="">
-          <a:extLst>
-            <a:ext uri="{FF2B5EF4-FFF2-40B4-BE49-F238E27FC236}">
-              <a16:creationId xmlns:a16="http://schemas.microsoft.com/office/drawing/2014/main" id="{62E3D2D4-3B06-92DD-2ABB-088B1DBA788F}"/>
-            </a:ext>
-          </a:extLst>
-        </p:cNvPr>
-        <p:cNvGrpSpPr/>
-        <p:nvPr/>
-      </p:nvGrpSpPr>
-      <p:grpSpPr>
-        <a:xfrm>
-          <a:off x="0" y="0"/>
-          <a:ext cx="0" cy="0"/>
-          <a:chOff x="0" y="0"/>
-          <a:chExt cx="0" cy="0"/>
-        </a:xfrm>
-      </p:grpSpPr>
-      <p:sp>
-        <p:nvSpPr>
-          <p:cNvPr id="2" name="Slide Image Placeholder 1">
-            <a:extLst>
-              <a:ext uri="{FF2B5EF4-FFF2-40B4-BE49-F238E27FC236}">
-                <a16:creationId xmlns:a16="http://schemas.microsoft.com/office/drawing/2014/main" id="{E9A101BA-48A2-D84E-4FC4-92812349A7FD}"/>
-              </a:ext>
-            </a:extLst>
-          </p:cNvPr>
-          <p:cNvSpPr>
-            <a:spLocks noGrp="1" noRot="1" noChangeAspect="1"/>
-          </p:cNvSpPr>
-          <p:nvPr>
-            <p:ph type="sldImg"/>
-          </p:nvPr>
-        </p:nvSpPr>
-        <p:spPr/>
-      </p:sp>
-      <p:sp>
-        <p:nvSpPr>
-          <p:cNvPr id="3" name="Notes Placeholder 2">
-            <a:extLst>
-              <a:ext uri="{FF2B5EF4-FFF2-40B4-BE49-F238E27FC236}">
-                <a16:creationId xmlns:a16="http://schemas.microsoft.com/office/drawing/2014/main" id="{56C17B64-C914-2D5D-3BBC-4469E3D1FD1F}"/>
-              </a:ext>
-            </a:extLst>
-          </p:cNvPr>
-          <p:cNvSpPr>
-            <a:spLocks noGrp="1"/>
-          </p:cNvSpPr>
-          <p:nvPr>
-            <p:ph type="body" idx="1"/>
-          </p:nvPr>
-        </p:nvSpPr>
-        <p:spPr/>
-        <p:txBody>
-          <a:bodyPr/>
-          <a:lstStyle/>
-          <a:p>
-            <a:r>
-              <a:rPr lang="en-US" dirty="0"/>
-              <a:t>Not all inputs to your programs can be trusted to have any particular shape or form, however!</a:t>
-            </a:r>
-          </a:p>
-          <a:p>
-            <a:endParaRPr lang="en-US" dirty="0"/>
-          </a:p>
-          <a:p>
-            <a:r>
-              <a:rPr lang="en-US" dirty="0"/>
-              <a:t>When you give an input to a website through a web browser, the code on the web browser will make sure the request has a specific format. But the nature of web applications is that those submissions can </a:t>
-            </a:r>
-            <a:r>
-              <a:rPr lang="en-US" i="1" dirty="0"/>
-              <a:t>always </a:t>
-            </a:r>
-            <a:r>
-              <a:rPr lang="en-US" i="0" dirty="0"/>
-              <a:t>be done in different ways, without the same guardrails.</a:t>
-            </a:r>
-          </a:p>
-          <a:p>
-            <a:endParaRPr lang="en-US" i="0" dirty="0"/>
-          </a:p>
-          <a:p>
-            <a:r>
-              <a:rPr lang="en-US" i="0" dirty="0"/>
-              <a:t>On the upper right we show the same action of creating a </a:t>
-            </a:r>
-            <a:r>
-              <a:rPr lang="en-US" i="0" dirty="0" err="1"/>
-              <a:t>GameNite</a:t>
-            </a:r>
-            <a:r>
-              <a:rPr lang="en-US" i="0" dirty="0"/>
-              <a:t> account being done through the “Postman” program (there’s a Postman tutorial on the website), and on the command line with a command-line “curl” command. (You can get “curl” commands out of Postman too.)</a:t>
-            </a:r>
-            <a:endParaRPr lang="en-US" dirty="0"/>
-          </a:p>
-        </p:txBody>
-      </p:sp>
-      <p:sp>
-        <p:nvSpPr>
-          <p:cNvPr id="4" name="Slide Number Placeholder 3">
-            <a:extLst>
-              <a:ext uri="{FF2B5EF4-FFF2-40B4-BE49-F238E27FC236}">
-                <a16:creationId xmlns:a16="http://schemas.microsoft.com/office/drawing/2014/main" id="{2FF8C9A4-B2EE-6557-8062-EF8775204CD1}"/>
-              </a:ext>
-            </a:extLst>
-          </p:cNvPr>
-          <p:cNvSpPr>
-            <a:spLocks noGrp="1"/>
-          </p:cNvSpPr>
-          <p:nvPr>
-            <p:ph type="sldNum" sz="quarter" idx="5"/>
-          </p:nvPr>
-        </p:nvSpPr>
-        <p:spPr/>
-        <p:txBody>
-          <a:bodyPr/>
-          <a:lstStyle/>
-          <a:p>
-            <a:fld id="{07937F07-1250-4CCE-B198-1B2887014F41}" type="slidenum">
-              <a:rPr lang="en-US" smtClean="0"/>
-              <a:t>8</a:t>
-            </a:fld>
-            <a:endParaRPr lang="en-US"/>
-          </a:p>
-        </p:txBody>
-      </p:sp>
-    </p:spTree>
-    <p:extLst>
-      <p:ext uri="{BB962C8B-B14F-4D97-AF65-F5344CB8AC3E}">
-        <p14:creationId xmlns:p14="http://schemas.microsoft.com/office/powerpoint/2010/main" val="2619626549"/>
-      </p:ext>
-    </p:extLst>
-  </p:cSld>
-  <p:clrMapOvr>
-    <a:masterClrMapping/>
-  </p:clrMapOvr>
-</p:notes>
-</file>
-
-<file path=ppt/notesSlides/notesSlide9.xml><?xml version="1.0" encoding="utf-8"?>
-<p:notes xmlns:a="http://schemas.openxmlformats.org/drawingml/2006/main" xmlns:r="http://schemas.openxmlformats.org/officeDocument/2006/relationships" xmlns:p="http://schemas.openxmlformats.org/presentationml/2006/main">
-  <p:cSld>
-    <p:spTree>
-      <p:nvGrpSpPr>
-        <p:cNvPr id="1" name="">
-          <a:extLst>
-            <a:ext uri="{FF2B5EF4-FFF2-40B4-BE49-F238E27FC236}">
-              <a16:creationId xmlns:a16="http://schemas.microsoft.com/office/drawing/2014/main" id="{4FD3F2F5-3486-F3D4-01BD-3A260D56A411}"/>
-            </a:ext>
-          </a:extLst>
-        </p:cNvPr>
-        <p:cNvGrpSpPr/>
-        <p:nvPr/>
-      </p:nvGrpSpPr>
-      <p:grpSpPr>
-        <a:xfrm>
-          <a:off x="0" y="0"/>
-          <a:ext cx="0" cy="0"/>
-          <a:chOff x="0" y="0"/>
-          <a:chExt cx="0" cy="0"/>
-        </a:xfrm>
-      </p:grpSpPr>
-      <p:sp>
-        <p:nvSpPr>
-          <p:cNvPr id="2" name="Slide Image Placeholder 1">
-            <a:extLst>
-              <a:ext uri="{FF2B5EF4-FFF2-40B4-BE49-F238E27FC236}">
-                <a16:creationId xmlns:a16="http://schemas.microsoft.com/office/drawing/2014/main" id="{77BA9310-4DD7-173D-212C-E57A29B49F37}"/>
-              </a:ext>
-            </a:extLst>
-          </p:cNvPr>
-          <p:cNvSpPr>
-            <a:spLocks noGrp="1" noRot="1" noChangeAspect="1"/>
-          </p:cNvSpPr>
-          <p:nvPr>
-            <p:ph type="sldImg"/>
-          </p:nvPr>
-        </p:nvSpPr>
-        <p:spPr/>
-      </p:sp>
-      <p:sp>
-        <p:nvSpPr>
-          <p:cNvPr id="3" name="Notes Placeholder 2">
-            <a:extLst>
-              <a:ext uri="{FF2B5EF4-FFF2-40B4-BE49-F238E27FC236}">
-                <a16:creationId xmlns:a16="http://schemas.microsoft.com/office/drawing/2014/main" id="{1EFC2DE8-FE51-C4EA-5FC3-AEBE167FCF82}"/>
-              </a:ext>
-            </a:extLst>
-          </p:cNvPr>
-          <p:cNvSpPr>
-            <a:spLocks noGrp="1"/>
-          </p:cNvSpPr>
-          <p:nvPr>
-            <p:ph type="body" idx="1"/>
-          </p:nvPr>
-        </p:nvSpPr>
-        <p:spPr/>
-        <p:txBody>
-          <a:bodyPr/>
-          <a:lstStyle/>
-          <a:p>
-            <a:r>
-              <a:rPr lang="en-US" dirty="0"/>
-              <a:t>TypeScript has a way of dealing with inputs when you can’t trust that the input is going to obey any sort of contract: the unknown type.</a:t>
-            </a:r>
-          </a:p>
-          <a:p>
-            <a:endParaRPr lang="en-US" dirty="0"/>
-          </a:p>
-          <a:p>
-            <a:r>
-              <a:rPr lang="en-US" dirty="0"/>
-              <a:t>(click)</a:t>
-            </a:r>
-          </a:p>
-          <a:p>
-            <a:r>
-              <a:rPr lang="en-US" dirty="0"/>
-              <a:t>If you have an unknown value and you try to do pretty much anything to it (such as cast it to uppercase like it’s a string), TypeScript will yell at you. </a:t>
-            </a:r>
-          </a:p>
-          <a:p>
-            <a:endParaRPr lang="en-US" dirty="0"/>
-          </a:p>
-          <a:p>
-            <a:r>
-              <a:rPr lang="en-US" dirty="0"/>
-              <a:t>(click)</a:t>
-            </a:r>
-          </a:p>
-          <a:p>
-            <a:r>
-              <a:rPr lang="en-US" dirty="0"/>
-              <a:t>But if you check that it’s a string first with JavaScript’s </a:t>
-            </a:r>
-            <a:r>
-              <a:rPr lang="en-US" dirty="0" err="1"/>
-              <a:t>typeof</a:t>
-            </a:r>
-            <a:r>
-              <a:rPr lang="en-US" dirty="0"/>
-              <a:t> function, TypeScript will then remember that you’ve checked that it’s a string.</a:t>
-            </a:r>
-          </a:p>
-        </p:txBody>
-      </p:sp>
-      <p:sp>
-        <p:nvSpPr>
-          <p:cNvPr id="4" name="Slide Number Placeholder 3">
-            <a:extLst>
-              <a:ext uri="{FF2B5EF4-FFF2-40B4-BE49-F238E27FC236}">
-                <a16:creationId xmlns:a16="http://schemas.microsoft.com/office/drawing/2014/main" id="{9BF8BCC5-B2AB-557F-2B03-6F1C9309125F}"/>
-              </a:ext>
-            </a:extLst>
-          </p:cNvPr>
-          <p:cNvSpPr>
-            <a:spLocks noGrp="1"/>
-          </p:cNvSpPr>
-          <p:nvPr>
-            <p:ph type="sldNum" sz="quarter" idx="5"/>
-          </p:nvPr>
-        </p:nvSpPr>
-        <p:spPr/>
-        <p:txBody>
-          <a:bodyPr/>
-          <a:lstStyle/>
-          <a:p>
-            <a:fld id="{07937F07-1250-4CCE-B198-1B2887014F41}" type="slidenum">
-              <a:rPr lang="en-US" smtClean="0"/>
-              <a:t>9</a:t>
-            </a:fld>
-            <a:endParaRPr lang="en-US"/>
-          </a:p>
-        </p:txBody>
-      </p:sp>
-    </p:spTree>
-    <p:extLst>
-      <p:ext uri="{BB962C8B-B14F-4D97-AF65-F5344CB8AC3E}">
-        <p14:creationId xmlns:p14="http://schemas.microsoft.com/office/powerpoint/2010/main" val="2639117819"/>
       </p:ext>
     </p:extLst>
   </p:cSld>
@@ -2696,7 +3168,7 @@
           <a:p>
             <a:fld id="{5D2A64DE-480B-420F-9649-4F8E696E08E0}" type="datetime1">
               <a:rPr lang="en-US" smtClean="0"/>
-              <a:t>1/1/26</a:t>
+              <a:t>1/2/26</a:t>
             </a:fld>
             <a:endParaRPr lang="en-US"/>
           </a:p>
@@ -3020,7 +3492,7 @@
           <a:p>
             <a:fld id="{EA476A42-A091-4468-A075-64A31BE59948}" type="datetime1">
               <a:rPr lang="en-US" smtClean="0"/>
-              <a:t>1/1/26</a:t>
+              <a:t>1/2/26</a:t>
             </a:fld>
             <a:endParaRPr lang="en-US"/>
           </a:p>
@@ -3218,7 +3690,7 @@
           <a:p>
             <a:fld id="{0D3616D0-8311-4107-9726-6B805E7D05BA}" type="datetime1">
               <a:rPr lang="en-US" smtClean="0"/>
-              <a:t>1/1/26</a:t>
+              <a:t>1/2/26</a:t>
             </a:fld>
             <a:endParaRPr lang="en-US"/>
           </a:p>
@@ -3426,7 +3898,7 @@
           <a:p>
             <a:fld id="{3BC2557A-5C88-417A-A763-5AC779462A5F}" type="datetime1">
               <a:rPr lang="en-US" smtClean="0"/>
-              <a:t>1/1/26</a:t>
+              <a:t>1/2/26</a:t>
             </a:fld>
             <a:endParaRPr lang="en-US"/>
           </a:p>
@@ -3848,7 +4320,7 @@
           <a:p>
             <a:fld id="{07C7BFD4-467E-4EDE-93EA-052F5B39A4E5}" type="datetime1">
               <a:rPr lang="en-US" smtClean="0"/>
-              <a:t>1/1/26</a:t>
+              <a:t>1/2/26</a:t>
             </a:fld>
             <a:endParaRPr lang="en-US"/>
           </a:p>
@@ -4098,7 +4570,7 @@
           <a:p>
             <a:fld id="{07C7BFD4-467E-4EDE-93EA-052F5B39A4E5}" type="datetime1">
               <a:rPr lang="en-US" smtClean="0"/>
-              <a:t>1/1/26</a:t>
+              <a:t>1/2/26</a:t>
             </a:fld>
             <a:endParaRPr lang="en-US"/>
           </a:p>
@@ -4280,7 +4752,7 @@
           <a:p>
             <a:fld id="{109E55A0-C911-4F03-82FC-7E5926047D46}" type="datetime1">
               <a:rPr lang="en-US" smtClean="0"/>
-              <a:t>1/1/26</a:t>
+              <a:t>1/2/26</a:t>
             </a:fld>
             <a:endParaRPr lang="en-US"/>
           </a:p>
@@ -4593,7 +5065,7 @@
           <a:p>
             <a:fld id="{A533CBE2-D5BE-47AC-ADC2-9CDFC1D0CF90}" type="datetime1">
               <a:rPr lang="en-US" smtClean="0"/>
-              <a:t>1/1/26</a:t>
+              <a:t>1/2/26</a:t>
             </a:fld>
             <a:endParaRPr lang="en-US"/>
           </a:p>
@@ -4894,7 +5366,7 @@
           <a:p>
             <a:fld id="{39B7EDB1-CE74-4951-85A2-0B01C2128E28}" type="datetime1">
               <a:rPr lang="en-US" smtClean="0"/>
-              <a:t>1/1/26</a:t>
+              <a:t>1/2/26</a:t>
             </a:fld>
             <a:endParaRPr lang="en-US"/>
           </a:p>
@@ -5342,7 +5814,7 @@
           <a:p>
             <a:fld id="{2BC7EB92-A5C2-4807-A9DC-9EDE6CBFB241}" type="datetime1">
               <a:rPr lang="en-US" smtClean="0"/>
-              <a:t>1/1/26</a:t>
+              <a:t>1/2/26</a:t>
             </a:fld>
             <a:endParaRPr lang="en-US"/>
           </a:p>
@@ -5455,7 +5927,7 @@
           <a:p>
             <a:fld id="{2B7B7EE0-7771-4CD5-9B2B-3550753A54A1}" type="datetime1">
               <a:rPr lang="en-US" smtClean="0"/>
-              <a:t>1/1/26</a:t>
+              <a:t>1/2/26</a:t>
             </a:fld>
             <a:endParaRPr lang="en-US"/>
           </a:p>
@@ -5766,7 +6238,7 @@
           <a:p>
             <a:fld id="{F8B318B3-0E87-4416-A9B8-D891968C2727}" type="datetime1">
               <a:rPr lang="en-US" smtClean="0"/>
-              <a:t>1/1/26</a:t>
+              <a:t>1/2/26</a:t>
             </a:fld>
             <a:endParaRPr lang="en-US"/>
           </a:p>
@@ -6007,7 +6479,7 @@
           <a:p>
             <a:fld id="{54D997E8-DDEE-43F1-8D9B-F8A1E11DE488}" type="datetime1">
               <a:rPr lang="en-US" smtClean="0"/>
-              <a:t>1/1/26</a:t>
+              <a:t>1/2/26</a:t>
             </a:fld>
             <a:endParaRPr lang="en-US"/>
           </a:p>
@@ -6679,6 +7151,1996 @@
         <p:cNvPr id="1" name="">
           <a:extLst>
             <a:ext uri="{FF2B5EF4-FFF2-40B4-BE49-F238E27FC236}">
+              <a16:creationId xmlns:a16="http://schemas.microsoft.com/office/drawing/2014/main" id="{AA8E99D1-3EFE-CC1D-4232-46A4B4731ED9}"/>
+            </a:ext>
+          </a:extLst>
+        </p:cNvPr>
+        <p:cNvGrpSpPr/>
+        <p:nvPr/>
+      </p:nvGrpSpPr>
+      <p:grpSpPr>
+        <a:xfrm>
+          <a:off x="0" y="0"/>
+          <a:ext cx="0" cy="0"/>
+          <a:chOff x="0" y="0"/>
+          <a:chExt cx="0" cy="0"/>
+        </a:xfrm>
+      </p:grpSpPr>
+      <p:sp>
+        <p:nvSpPr>
+          <p:cNvPr id="2" name="Title 1">
+            <a:extLst>
+              <a:ext uri="{FF2B5EF4-FFF2-40B4-BE49-F238E27FC236}">
+                <a16:creationId xmlns:a16="http://schemas.microsoft.com/office/drawing/2014/main" id="{57DCDC19-47F1-62C9-F77F-A3DD8994E0CF}"/>
+              </a:ext>
+            </a:extLst>
+          </p:cNvPr>
+          <p:cNvSpPr>
+            <a:spLocks noGrp="1"/>
+          </p:cNvSpPr>
+          <p:nvPr>
+            <p:ph type="title"/>
+          </p:nvPr>
+        </p:nvSpPr>
+        <p:spPr/>
+        <p:txBody>
+          <a:bodyPr/>
+          <a:lstStyle/>
+          <a:p>
+            <a:r>
+              <a:rPr lang="en-US" dirty="0"/>
+              <a:t>Untrusted Inputs</a:t>
+            </a:r>
+          </a:p>
+        </p:txBody>
+      </p:sp>
+      <p:sp>
+        <p:nvSpPr>
+          <p:cNvPr id="7" name="Content Placeholder 6">
+            <a:extLst>
+              <a:ext uri="{FF2B5EF4-FFF2-40B4-BE49-F238E27FC236}">
+                <a16:creationId xmlns:a16="http://schemas.microsoft.com/office/drawing/2014/main" id="{B07DBF23-21C5-DE37-E827-58241A3AB489}"/>
+              </a:ext>
+            </a:extLst>
+          </p:cNvPr>
+          <p:cNvSpPr>
+            <a:spLocks noGrp="1"/>
+          </p:cNvSpPr>
+          <p:nvPr>
+            <p:ph idx="1"/>
+          </p:nvPr>
+        </p:nvSpPr>
+        <p:spPr/>
+        <p:txBody>
+          <a:bodyPr>
+            <a:normAutofit/>
+          </a:bodyPr>
+          <a:lstStyle/>
+          <a:p>
+            <a:pPr marL="0" indent="0">
+              <a:buNone/>
+            </a:pPr>
+            <a:r>
+              <a:rPr lang="en-US" dirty="0"/>
+              <a:t>Any input given to a web app</a:t>
+            </a:r>
+            <a:br>
+              <a:rPr lang="en-US" dirty="0"/>
+            </a:br>
+            <a:r>
+              <a:rPr lang="en-US" dirty="0"/>
+              <a:t>can also be given by other</a:t>
+            </a:r>
+            <a:br>
+              <a:rPr lang="en-US" dirty="0"/>
+            </a:br>
+            <a:r>
+              <a:rPr lang="en-US" dirty="0"/>
+              <a:t>means…</a:t>
+            </a:r>
+          </a:p>
+        </p:txBody>
+      </p:sp>
+      <p:sp>
+        <p:nvSpPr>
+          <p:cNvPr id="4" name="Slide Number Placeholder 3">
+            <a:extLst>
+              <a:ext uri="{FF2B5EF4-FFF2-40B4-BE49-F238E27FC236}">
+                <a16:creationId xmlns:a16="http://schemas.microsoft.com/office/drawing/2014/main" id="{49BF43A1-E0F6-792E-915A-F1EE88354758}"/>
+              </a:ext>
+            </a:extLst>
+          </p:cNvPr>
+          <p:cNvSpPr>
+            <a:spLocks noGrp="1"/>
+          </p:cNvSpPr>
+          <p:nvPr>
+            <p:ph type="sldNum" sz="quarter" idx="12"/>
+          </p:nvPr>
+        </p:nvSpPr>
+        <p:spPr/>
+        <p:txBody>
+          <a:bodyPr/>
+          <a:lstStyle/>
+          <a:p>
+            <a:fld id="{20F37917-FD3A-4669-9018-DA04BCDD3D75}" type="slidenum">
+              <a:rPr lang="en-US" smtClean="0"/>
+              <a:pPr/>
+              <a:t>10</a:t>
+            </a:fld>
+            <a:endParaRPr lang="en-US" dirty="0"/>
+          </a:p>
+        </p:txBody>
+      </p:sp>
+      <p:sp>
+        <p:nvSpPr>
+          <p:cNvPr id="3" name="TextBox 2">
+            <a:extLst>
+              <a:ext uri="{FF2B5EF4-FFF2-40B4-BE49-F238E27FC236}">
+                <a16:creationId xmlns:a16="http://schemas.microsoft.com/office/drawing/2014/main" id="{26933C7F-EDFD-7B22-60C3-822A5D294EDA}"/>
+              </a:ext>
+            </a:extLst>
+          </p:cNvPr>
+          <p:cNvSpPr txBox="1"/>
+          <p:nvPr/>
+        </p:nvSpPr>
+        <p:spPr>
+          <a:xfrm>
+            <a:off x="2151529" y="739588"/>
+            <a:ext cx="0" cy="0"/>
+          </a:xfrm>
+          <a:prstGeom prst="rect">
+            <a:avLst/>
+          </a:prstGeom>
+          <a:noFill/>
+          <a:ln>
+            <a:noFill/>
+          </a:ln>
+        </p:spPr>
+        <p:style>
+          <a:lnRef idx="2">
+            <a:schemeClr val="accent1">
+              <a:shade val="50000"/>
+            </a:schemeClr>
+          </a:lnRef>
+          <a:fillRef idx="1">
+            <a:schemeClr val="accent1"/>
+          </a:fillRef>
+          <a:effectRef idx="0">
+            <a:schemeClr val="accent1"/>
+          </a:effectRef>
+          <a:fontRef idx="minor">
+            <a:schemeClr val="lt1"/>
+          </a:fontRef>
+        </p:style>
+        <p:txBody>
+          <a:bodyPr rot="0" spcFirstLastPara="0" vertOverflow="overflow" horzOverflow="overflow" vert="horz" wrap="none" lIns="91440" tIns="45720" rIns="91440" bIns="45720" numCol="1" spcCol="0" rtlCol="0" fromWordArt="0" anchor="ctr" anchorCtr="0" forceAA="0" compatLnSpc="1">
+            <a:prstTxWarp prst="textNoShape">
+              <a:avLst/>
+            </a:prstTxWarp>
+            <a:noAutofit/>
+          </a:bodyPr>
+          <a:lstStyle/>
+          <a:p>
+            <a:pPr algn="l"/>
+            <a:endParaRPr lang="en-US" dirty="0">
+              <a:solidFill>
+                <a:schemeClr val="tx1"/>
+              </a:solidFill>
+            </a:endParaRPr>
+          </a:p>
+        </p:txBody>
+      </p:sp>
+      <p:sp>
+        <p:nvSpPr>
+          <p:cNvPr id="14" name="TextBox 13">
+            <a:extLst>
+              <a:ext uri="{FF2B5EF4-FFF2-40B4-BE49-F238E27FC236}">
+                <a16:creationId xmlns:a16="http://schemas.microsoft.com/office/drawing/2014/main" id="{1A5354DA-E2DB-A31F-8480-DB5EC910D95D}"/>
+              </a:ext>
+            </a:extLst>
+          </p:cNvPr>
+          <p:cNvSpPr txBox="1"/>
+          <p:nvPr/>
+        </p:nvSpPr>
+        <p:spPr>
+          <a:xfrm>
+            <a:off x="-3227294" y="-1169894"/>
+            <a:ext cx="0" cy="0"/>
+          </a:xfrm>
+          <a:prstGeom prst="rect">
+            <a:avLst/>
+          </a:prstGeom>
+          <a:noFill/>
+          <a:ln>
+            <a:noFill/>
+          </a:ln>
+        </p:spPr>
+        <p:style>
+          <a:lnRef idx="2">
+            <a:schemeClr val="accent1">
+              <a:shade val="50000"/>
+            </a:schemeClr>
+          </a:lnRef>
+          <a:fillRef idx="1">
+            <a:schemeClr val="accent1"/>
+          </a:fillRef>
+          <a:effectRef idx="0">
+            <a:schemeClr val="accent1"/>
+          </a:effectRef>
+          <a:fontRef idx="minor">
+            <a:schemeClr val="lt1"/>
+          </a:fontRef>
+        </p:style>
+        <p:txBody>
+          <a:bodyPr rot="0" spcFirstLastPara="0" vertOverflow="overflow" horzOverflow="overflow" vert="horz" wrap="none" lIns="91440" tIns="45720" rIns="91440" bIns="45720" numCol="1" spcCol="0" rtlCol="0" fromWordArt="0" anchor="ctr" anchorCtr="0" forceAA="0" compatLnSpc="1">
+            <a:prstTxWarp prst="textNoShape">
+              <a:avLst/>
+            </a:prstTxWarp>
+            <a:noAutofit/>
+          </a:bodyPr>
+          <a:lstStyle/>
+          <a:p>
+            <a:pPr algn="l"/>
+            <a:endParaRPr lang="en-US" dirty="0">
+              <a:solidFill>
+                <a:schemeClr val="tx1"/>
+              </a:solidFill>
+            </a:endParaRPr>
+          </a:p>
+        </p:txBody>
+      </p:sp>
+      <p:pic>
+        <p:nvPicPr>
+          <p:cNvPr id="8" name="Picture 7">
+            <a:extLst>
+              <a:ext uri="{FF2B5EF4-FFF2-40B4-BE49-F238E27FC236}">
+                <a16:creationId xmlns:a16="http://schemas.microsoft.com/office/drawing/2014/main" id="{A27C73C2-A36E-1690-B592-29A0DCEE9962}"/>
+              </a:ext>
+            </a:extLst>
+          </p:cNvPr>
+          <p:cNvPicPr>
+            <a:picLocks noChangeAspect="1"/>
+          </p:cNvPicPr>
+          <p:nvPr/>
+        </p:nvPicPr>
+        <p:blipFill>
+          <a:blip r:embed="rId3"/>
+          <a:stretch>
+            <a:fillRect/>
+          </a:stretch>
+        </p:blipFill>
+        <p:spPr>
+          <a:xfrm>
+            <a:off x="2623477" y="2533505"/>
+            <a:ext cx="3130123" cy="3096705"/>
+          </a:xfrm>
+          <a:prstGeom prst="rect">
+            <a:avLst/>
+          </a:prstGeom>
+        </p:spPr>
+        <p:style>
+          <a:lnRef idx="2">
+            <a:schemeClr val="accent2">
+              <a:shade val="15000"/>
+            </a:schemeClr>
+          </a:lnRef>
+          <a:fillRef idx="1">
+            <a:schemeClr val="accent2"/>
+          </a:fillRef>
+          <a:effectRef idx="0">
+            <a:schemeClr val="accent2"/>
+          </a:effectRef>
+          <a:fontRef idx="minor">
+            <a:schemeClr val="lt1"/>
+          </a:fontRef>
+        </p:style>
+      </p:pic>
+      <p:sp>
+        <p:nvSpPr>
+          <p:cNvPr id="9" name="TextBox 8">
+            <a:extLst>
+              <a:ext uri="{FF2B5EF4-FFF2-40B4-BE49-F238E27FC236}">
+                <a16:creationId xmlns:a16="http://schemas.microsoft.com/office/drawing/2014/main" id="{05900EFC-DE70-FBE8-2791-FB2B07B74AEB}"/>
+              </a:ext>
+            </a:extLst>
+          </p:cNvPr>
+          <p:cNvSpPr txBox="1"/>
+          <p:nvPr/>
+        </p:nvSpPr>
+        <p:spPr>
+          <a:xfrm>
+            <a:off x="354676" y="5630210"/>
+            <a:ext cx="11482647" cy="831182"/>
+          </a:xfrm>
+          <a:prstGeom prst="rect">
+            <a:avLst/>
+          </a:prstGeom>
+          <a:noFill/>
+          <a:ln>
+            <a:solidFill>
+              <a:schemeClr val="accent1"/>
+            </a:solidFill>
+          </a:ln>
+        </p:spPr>
+        <p:style>
+          <a:lnRef idx="2">
+            <a:schemeClr val="accent1">
+              <a:shade val="50000"/>
+            </a:schemeClr>
+          </a:lnRef>
+          <a:fillRef idx="1">
+            <a:schemeClr val="accent1"/>
+          </a:fillRef>
+          <a:effectRef idx="0">
+            <a:schemeClr val="accent1"/>
+          </a:effectRef>
+          <a:fontRef idx="minor">
+            <a:schemeClr val="lt1"/>
+          </a:fontRef>
+        </p:style>
+        <p:txBody>
+          <a:bodyPr rot="0" spcFirstLastPara="0" vertOverflow="overflow" horzOverflow="overflow" vert="horz" wrap="square" lIns="91440" tIns="45720" rIns="91440" bIns="45720" numCol="1" spcCol="0" rtlCol="0" fromWordArt="0" anchor="ctr" anchorCtr="0" forceAA="0" compatLnSpc="1">
+            <a:prstTxWarp prst="textNoShape">
+              <a:avLst/>
+            </a:prstTxWarp>
+            <a:noAutofit/>
+          </a:bodyPr>
+          <a:lstStyle/>
+          <a:p>
+            <a:r>
+              <a:rPr lang="en-US" dirty="0">
+                <a:solidFill>
+                  <a:schemeClr val="accent2">
+                    <a:lumMod val="50000"/>
+                  </a:schemeClr>
+                </a:solidFill>
+                <a:latin typeface="Menlo" panose="020B0609030804020204" pitchFamily="49" charset="0"/>
+                <a:ea typeface="Menlo" panose="020B0609030804020204" pitchFamily="49" charset="0"/>
+                <a:cs typeface="Menlo" panose="020B0609030804020204" pitchFamily="49" charset="0"/>
+              </a:rPr>
+              <a:t>curl https://</a:t>
+            </a:r>
+            <a:r>
+              <a:rPr lang="en-US" dirty="0" err="1">
+                <a:solidFill>
+                  <a:schemeClr val="accent2">
+                    <a:lumMod val="50000"/>
+                  </a:schemeClr>
+                </a:solidFill>
+                <a:latin typeface="Menlo" panose="020B0609030804020204" pitchFamily="49" charset="0"/>
+                <a:ea typeface="Menlo" panose="020B0609030804020204" pitchFamily="49" charset="0"/>
+                <a:cs typeface="Menlo" panose="020B0609030804020204" pitchFamily="49" charset="0"/>
+              </a:rPr>
+              <a:t>strategy.town</a:t>
+            </a:r>
+            <a:r>
+              <a:rPr lang="en-US" dirty="0">
+                <a:solidFill>
+                  <a:schemeClr val="accent2">
+                    <a:lumMod val="50000"/>
+                  </a:schemeClr>
+                </a:solidFill>
+                <a:latin typeface="Menlo" panose="020B0609030804020204" pitchFamily="49" charset="0"/>
+                <a:ea typeface="Menlo" panose="020B0609030804020204" pitchFamily="49" charset="0"/>
+                <a:cs typeface="Menlo" panose="020B0609030804020204" pitchFamily="49" charset="0"/>
+              </a:rPr>
+              <a:t>/</a:t>
+            </a:r>
+            <a:r>
+              <a:rPr lang="en-US" dirty="0" err="1">
+                <a:solidFill>
+                  <a:schemeClr val="accent2">
+                    <a:lumMod val="50000"/>
+                  </a:schemeClr>
+                </a:solidFill>
+                <a:latin typeface="Menlo" panose="020B0609030804020204" pitchFamily="49" charset="0"/>
+                <a:ea typeface="Menlo" panose="020B0609030804020204" pitchFamily="49" charset="0"/>
+                <a:cs typeface="Menlo" panose="020B0609030804020204" pitchFamily="49" charset="0"/>
+              </a:rPr>
+              <a:t>api</a:t>
+            </a:r>
+            <a:r>
+              <a:rPr lang="en-US" dirty="0">
+                <a:solidFill>
+                  <a:schemeClr val="accent2">
+                    <a:lumMod val="50000"/>
+                  </a:schemeClr>
+                </a:solidFill>
+                <a:latin typeface="Menlo" panose="020B0609030804020204" pitchFamily="49" charset="0"/>
+                <a:ea typeface="Menlo" panose="020B0609030804020204" pitchFamily="49" charset="0"/>
+                <a:cs typeface="Menlo" panose="020B0609030804020204" pitchFamily="49" charset="0"/>
+              </a:rPr>
+              <a:t>/user/signup -H 'Content-Type: application/</a:t>
+            </a:r>
+            <a:r>
+              <a:rPr lang="en-US" dirty="0" err="1">
+                <a:solidFill>
+                  <a:schemeClr val="accent2">
+                    <a:lumMod val="50000"/>
+                  </a:schemeClr>
+                </a:solidFill>
+                <a:latin typeface="Menlo" panose="020B0609030804020204" pitchFamily="49" charset="0"/>
+                <a:ea typeface="Menlo" panose="020B0609030804020204" pitchFamily="49" charset="0"/>
+                <a:cs typeface="Menlo" panose="020B0609030804020204" pitchFamily="49" charset="0"/>
+              </a:rPr>
+              <a:t>json</a:t>
+            </a:r>
+            <a:r>
+              <a:rPr lang="en-US" dirty="0">
+                <a:solidFill>
+                  <a:schemeClr val="accent2">
+                    <a:lumMod val="50000"/>
+                  </a:schemeClr>
+                </a:solidFill>
+                <a:latin typeface="Menlo" panose="020B0609030804020204" pitchFamily="49" charset="0"/>
+                <a:ea typeface="Menlo" panose="020B0609030804020204" pitchFamily="49" charset="0"/>
+                <a:cs typeface="Menlo" panose="020B0609030804020204" pitchFamily="49" charset="0"/>
+              </a:rPr>
+              <a:t>' \</a:t>
+            </a:r>
+          </a:p>
+          <a:p>
+            <a:r>
+              <a:rPr lang="en-US" dirty="0">
+                <a:solidFill>
+                  <a:schemeClr val="accent2">
+                    <a:lumMod val="50000"/>
+                  </a:schemeClr>
+                </a:solidFill>
+                <a:latin typeface="Menlo" panose="020B0609030804020204" pitchFamily="49" charset="0"/>
+                <a:ea typeface="Menlo" panose="020B0609030804020204" pitchFamily="49" charset="0"/>
+                <a:cs typeface="Menlo" panose="020B0609030804020204" pitchFamily="49" charset="0"/>
+              </a:rPr>
+              <a:t>  --data '{ "username": "</a:t>
+            </a:r>
+            <a:r>
+              <a:rPr lang="en-US" dirty="0" err="1">
+                <a:solidFill>
+                  <a:schemeClr val="accent2">
+                    <a:lumMod val="50000"/>
+                  </a:schemeClr>
+                </a:solidFill>
+                <a:latin typeface="Menlo" panose="020B0609030804020204" pitchFamily="49" charset="0"/>
+                <a:ea typeface="Menlo" panose="020B0609030804020204" pitchFamily="49" charset="0"/>
+                <a:cs typeface="Menlo" panose="020B0609030804020204" pitchFamily="49" charset="0"/>
+              </a:rPr>
+              <a:t>trugamer</a:t>
+            </a:r>
+            <a:r>
+              <a:rPr lang="en-US" dirty="0">
+                <a:solidFill>
+                  <a:schemeClr val="accent2">
+                    <a:lumMod val="50000"/>
+                  </a:schemeClr>
+                </a:solidFill>
+                <a:latin typeface="Menlo" panose="020B0609030804020204" pitchFamily="49" charset="0"/>
+                <a:ea typeface="Menlo" panose="020B0609030804020204" pitchFamily="49" charset="0"/>
+                <a:cs typeface="Menlo" panose="020B0609030804020204" pitchFamily="49" charset="0"/>
+              </a:rPr>
+              <a:t>", "password": "Hunter2" }'</a:t>
+            </a:r>
+          </a:p>
+        </p:txBody>
+      </p:sp>
+      <p:pic>
+        <p:nvPicPr>
+          <p:cNvPr id="10" name="Picture 9">
+            <a:extLst>
+              <a:ext uri="{FF2B5EF4-FFF2-40B4-BE49-F238E27FC236}">
+                <a16:creationId xmlns:a16="http://schemas.microsoft.com/office/drawing/2014/main" id="{4020EB59-7465-48E2-D307-42A460E296D6}"/>
+              </a:ext>
+            </a:extLst>
+          </p:cNvPr>
+          <p:cNvPicPr>
+            <a:picLocks noChangeAspect="1"/>
+          </p:cNvPicPr>
+          <p:nvPr/>
+        </p:nvPicPr>
+        <p:blipFill>
+          <a:blip r:embed="rId4"/>
+          <a:stretch>
+            <a:fillRect/>
+          </a:stretch>
+        </p:blipFill>
+        <p:spPr>
+          <a:xfrm>
+            <a:off x="5753600" y="1505653"/>
+            <a:ext cx="6083723" cy="4124557"/>
+          </a:xfrm>
+          <a:prstGeom prst="rect">
+            <a:avLst/>
+          </a:prstGeom>
+          <a:ln>
+            <a:solidFill>
+              <a:schemeClr val="accent1"/>
+            </a:solidFill>
+          </a:ln>
+        </p:spPr>
+      </p:pic>
+      <p:sp>
+        <p:nvSpPr>
+          <p:cNvPr id="12" name="TextBox 11">
+            <a:extLst>
+              <a:ext uri="{FF2B5EF4-FFF2-40B4-BE49-F238E27FC236}">
+                <a16:creationId xmlns:a16="http://schemas.microsoft.com/office/drawing/2014/main" id="{AF846D40-6CA3-FF19-8447-AC098381090C}"/>
+              </a:ext>
+            </a:extLst>
+          </p:cNvPr>
+          <p:cNvSpPr txBox="1"/>
+          <p:nvPr/>
+        </p:nvSpPr>
+        <p:spPr>
+          <a:xfrm>
+            <a:off x="1841157" y="2001795"/>
+            <a:ext cx="0" cy="0"/>
+          </a:xfrm>
+          <a:prstGeom prst="rect">
+            <a:avLst/>
+          </a:prstGeom>
+          <a:noFill/>
+          <a:ln>
+            <a:noFill/>
+          </a:ln>
+        </p:spPr>
+        <p:style>
+          <a:lnRef idx="2">
+            <a:schemeClr val="accent1">
+              <a:shade val="50000"/>
+            </a:schemeClr>
+          </a:lnRef>
+          <a:fillRef idx="1">
+            <a:schemeClr val="accent1"/>
+          </a:fillRef>
+          <a:effectRef idx="0">
+            <a:schemeClr val="accent1"/>
+          </a:effectRef>
+          <a:fontRef idx="minor">
+            <a:schemeClr val="lt1"/>
+          </a:fontRef>
+        </p:style>
+        <p:txBody>
+          <a:bodyPr rot="0" spcFirstLastPara="0" vertOverflow="overflow" horzOverflow="overflow" vert="horz" wrap="none" lIns="91440" tIns="45720" rIns="91440" bIns="45720" numCol="1" spcCol="0" rtlCol="0" fromWordArt="0" anchor="ctr" anchorCtr="0" forceAA="0" compatLnSpc="1">
+            <a:prstTxWarp prst="textNoShape">
+              <a:avLst/>
+            </a:prstTxWarp>
+            <a:noAutofit/>
+          </a:bodyPr>
+          <a:lstStyle/>
+          <a:p>
+            <a:pPr algn="l"/>
+            <a:endParaRPr lang="en-US" dirty="0">
+              <a:solidFill>
+                <a:schemeClr val="tx1"/>
+              </a:solidFill>
+            </a:endParaRPr>
+          </a:p>
+        </p:txBody>
+      </p:sp>
+      <p:sp>
+        <p:nvSpPr>
+          <p:cNvPr id="13" name="TextBox 12">
+            <a:extLst>
+              <a:ext uri="{FF2B5EF4-FFF2-40B4-BE49-F238E27FC236}">
+                <a16:creationId xmlns:a16="http://schemas.microsoft.com/office/drawing/2014/main" id="{A6AAFFBB-2531-3239-1536-926BA1CE3E55}"/>
+              </a:ext>
+            </a:extLst>
+          </p:cNvPr>
+          <p:cNvSpPr txBox="1"/>
+          <p:nvPr/>
+        </p:nvSpPr>
+        <p:spPr>
+          <a:xfrm>
+            <a:off x="3524865" y="1828800"/>
+            <a:ext cx="0" cy="0"/>
+          </a:xfrm>
+          <a:prstGeom prst="rect">
+            <a:avLst/>
+          </a:prstGeom>
+          <a:noFill/>
+          <a:ln>
+            <a:noFill/>
+          </a:ln>
+        </p:spPr>
+        <p:style>
+          <a:lnRef idx="2">
+            <a:schemeClr val="accent1">
+              <a:shade val="50000"/>
+            </a:schemeClr>
+          </a:lnRef>
+          <a:fillRef idx="1">
+            <a:schemeClr val="accent1"/>
+          </a:fillRef>
+          <a:effectRef idx="0">
+            <a:schemeClr val="accent1"/>
+          </a:effectRef>
+          <a:fontRef idx="minor">
+            <a:schemeClr val="lt1"/>
+          </a:fontRef>
+        </p:style>
+        <p:txBody>
+          <a:bodyPr rot="0" spcFirstLastPara="0" vertOverflow="overflow" horzOverflow="overflow" vert="horz" wrap="none" lIns="91440" tIns="45720" rIns="91440" bIns="45720" numCol="1" spcCol="0" rtlCol="0" fromWordArt="0" anchor="ctr" anchorCtr="0" forceAA="0" compatLnSpc="1">
+            <a:prstTxWarp prst="textNoShape">
+              <a:avLst/>
+            </a:prstTxWarp>
+            <a:noAutofit/>
+          </a:bodyPr>
+          <a:lstStyle/>
+          <a:p>
+            <a:pPr algn="l"/>
+            <a:endParaRPr lang="en-US" dirty="0">
+              <a:solidFill>
+                <a:schemeClr val="tx1"/>
+              </a:solidFill>
+            </a:endParaRPr>
+          </a:p>
+        </p:txBody>
+      </p:sp>
+    </p:spTree>
+    <p:extLst>
+      <p:ext uri="{BB962C8B-B14F-4D97-AF65-F5344CB8AC3E}">
+        <p14:creationId xmlns:p14="http://schemas.microsoft.com/office/powerpoint/2010/main" val="3569258405"/>
+      </p:ext>
+    </p:extLst>
+  </p:cSld>
+  <p:clrMapOvr>
+    <a:masterClrMapping/>
+  </p:clrMapOvr>
+</p:sld>
+</file>
+
+<file path=ppt/slides/slide11.xml><?xml version="1.0" encoding="utf-8"?>
+<p:sld xmlns:a="http://schemas.openxmlformats.org/drawingml/2006/main" xmlns:r="http://schemas.openxmlformats.org/officeDocument/2006/relationships" xmlns:p="http://schemas.openxmlformats.org/presentationml/2006/main">
+  <p:cSld>
+    <p:spTree>
+      <p:nvGrpSpPr>
+        <p:cNvPr id="1" name="">
+          <a:extLst>
+            <a:ext uri="{FF2B5EF4-FFF2-40B4-BE49-F238E27FC236}">
+              <a16:creationId xmlns:a16="http://schemas.microsoft.com/office/drawing/2014/main" id="{DE2C4F2E-07F2-D81B-66BA-BB4EF1E927FD}"/>
+            </a:ext>
+          </a:extLst>
+        </p:cNvPr>
+        <p:cNvGrpSpPr/>
+        <p:nvPr/>
+      </p:nvGrpSpPr>
+      <p:grpSpPr>
+        <a:xfrm>
+          <a:off x="0" y="0"/>
+          <a:ext cx="0" cy="0"/>
+          <a:chOff x="0" y="0"/>
+          <a:chExt cx="0" cy="0"/>
+        </a:xfrm>
+      </p:grpSpPr>
+      <p:sp>
+        <p:nvSpPr>
+          <p:cNvPr id="2" name="Title 1">
+            <a:extLst>
+              <a:ext uri="{FF2B5EF4-FFF2-40B4-BE49-F238E27FC236}">
+                <a16:creationId xmlns:a16="http://schemas.microsoft.com/office/drawing/2014/main" id="{08941892-B670-C220-0AC5-0F82ECC89AAE}"/>
+              </a:ext>
+            </a:extLst>
+          </p:cNvPr>
+          <p:cNvSpPr>
+            <a:spLocks noGrp="1"/>
+          </p:cNvSpPr>
+          <p:nvPr>
+            <p:ph type="title"/>
+          </p:nvPr>
+        </p:nvSpPr>
+        <p:spPr/>
+        <p:txBody>
+          <a:bodyPr/>
+          <a:lstStyle/>
+          <a:p>
+            <a:r>
+              <a:rPr lang="en-US" dirty="0"/>
+              <a:t>Untrusted Inputs should be </a:t>
+            </a:r>
+            <a:r>
+              <a:rPr lang="en-US" dirty="0">
+                <a:solidFill>
+                  <a:srgbClr val="FF0000"/>
+                </a:solidFill>
+                <a:latin typeface="Menlo" panose="020B0609030804020204" pitchFamily="49" charset="0"/>
+                <a:ea typeface="Menlo" panose="020B0609030804020204" pitchFamily="49" charset="0"/>
+                <a:cs typeface="Menlo" panose="020B0609030804020204" pitchFamily="49" charset="0"/>
+              </a:rPr>
+              <a:t>unknown</a:t>
+            </a:r>
+          </a:p>
+        </p:txBody>
+      </p:sp>
+      <p:sp>
+        <p:nvSpPr>
+          <p:cNvPr id="4" name="Slide Number Placeholder 3">
+            <a:extLst>
+              <a:ext uri="{FF2B5EF4-FFF2-40B4-BE49-F238E27FC236}">
+                <a16:creationId xmlns:a16="http://schemas.microsoft.com/office/drawing/2014/main" id="{789D95B4-F24B-7C04-70AB-3D4867516548}"/>
+              </a:ext>
+            </a:extLst>
+          </p:cNvPr>
+          <p:cNvSpPr>
+            <a:spLocks noGrp="1"/>
+          </p:cNvSpPr>
+          <p:nvPr>
+            <p:ph type="sldNum" sz="quarter" idx="12"/>
+          </p:nvPr>
+        </p:nvSpPr>
+        <p:spPr/>
+        <p:txBody>
+          <a:bodyPr/>
+          <a:lstStyle/>
+          <a:p>
+            <a:fld id="{20F37917-FD3A-4669-9018-DA04BCDD3D75}" type="slidenum">
+              <a:rPr lang="en-US" smtClean="0"/>
+              <a:pPr/>
+              <a:t>11</a:t>
+            </a:fld>
+            <a:endParaRPr lang="en-US" dirty="0"/>
+          </a:p>
+        </p:txBody>
+      </p:sp>
+      <p:sp>
+        <p:nvSpPr>
+          <p:cNvPr id="3" name="TextBox 2">
+            <a:extLst>
+              <a:ext uri="{FF2B5EF4-FFF2-40B4-BE49-F238E27FC236}">
+                <a16:creationId xmlns:a16="http://schemas.microsoft.com/office/drawing/2014/main" id="{CAB67779-0FD8-1EDF-670B-3D3FBE19B5F4}"/>
+              </a:ext>
+            </a:extLst>
+          </p:cNvPr>
+          <p:cNvSpPr txBox="1"/>
+          <p:nvPr/>
+        </p:nvSpPr>
+        <p:spPr>
+          <a:xfrm>
+            <a:off x="2151529" y="739588"/>
+            <a:ext cx="0" cy="0"/>
+          </a:xfrm>
+          <a:prstGeom prst="rect">
+            <a:avLst/>
+          </a:prstGeom>
+          <a:noFill/>
+          <a:ln>
+            <a:noFill/>
+          </a:ln>
+        </p:spPr>
+        <p:style>
+          <a:lnRef idx="2">
+            <a:schemeClr val="accent1">
+              <a:shade val="50000"/>
+            </a:schemeClr>
+          </a:lnRef>
+          <a:fillRef idx="1">
+            <a:schemeClr val="accent1"/>
+          </a:fillRef>
+          <a:effectRef idx="0">
+            <a:schemeClr val="accent1"/>
+          </a:effectRef>
+          <a:fontRef idx="minor">
+            <a:schemeClr val="lt1"/>
+          </a:fontRef>
+        </p:style>
+        <p:txBody>
+          <a:bodyPr rot="0" spcFirstLastPara="0" vertOverflow="overflow" horzOverflow="overflow" vert="horz" wrap="none" lIns="91440" tIns="45720" rIns="91440" bIns="45720" numCol="1" spcCol="0" rtlCol="0" fromWordArt="0" anchor="ctr" anchorCtr="0" forceAA="0" compatLnSpc="1">
+            <a:prstTxWarp prst="textNoShape">
+              <a:avLst/>
+            </a:prstTxWarp>
+            <a:noAutofit/>
+          </a:bodyPr>
+          <a:lstStyle/>
+          <a:p>
+            <a:pPr algn="l"/>
+            <a:endParaRPr lang="en-US" dirty="0">
+              <a:solidFill>
+                <a:schemeClr val="tx1"/>
+              </a:solidFill>
+            </a:endParaRPr>
+          </a:p>
+        </p:txBody>
+      </p:sp>
+      <p:sp>
+        <p:nvSpPr>
+          <p:cNvPr id="14" name="TextBox 13">
+            <a:extLst>
+              <a:ext uri="{FF2B5EF4-FFF2-40B4-BE49-F238E27FC236}">
+                <a16:creationId xmlns:a16="http://schemas.microsoft.com/office/drawing/2014/main" id="{24032205-46D0-6F87-1E21-A5DECCF9C4C9}"/>
+              </a:ext>
+            </a:extLst>
+          </p:cNvPr>
+          <p:cNvSpPr txBox="1"/>
+          <p:nvPr/>
+        </p:nvSpPr>
+        <p:spPr>
+          <a:xfrm>
+            <a:off x="-3227294" y="-1169894"/>
+            <a:ext cx="0" cy="0"/>
+          </a:xfrm>
+          <a:prstGeom prst="rect">
+            <a:avLst/>
+          </a:prstGeom>
+          <a:noFill/>
+          <a:ln>
+            <a:noFill/>
+          </a:ln>
+        </p:spPr>
+        <p:style>
+          <a:lnRef idx="2">
+            <a:schemeClr val="accent1">
+              <a:shade val="50000"/>
+            </a:schemeClr>
+          </a:lnRef>
+          <a:fillRef idx="1">
+            <a:schemeClr val="accent1"/>
+          </a:fillRef>
+          <a:effectRef idx="0">
+            <a:schemeClr val="accent1"/>
+          </a:effectRef>
+          <a:fontRef idx="minor">
+            <a:schemeClr val="lt1"/>
+          </a:fontRef>
+        </p:style>
+        <p:txBody>
+          <a:bodyPr rot="0" spcFirstLastPara="0" vertOverflow="overflow" horzOverflow="overflow" vert="horz" wrap="none" lIns="91440" tIns="45720" rIns="91440" bIns="45720" numCol="1" spcCol="0" rtlCol="0" fromWordArt="0" anchor="ctr" anchorCtr="0" forceAA="0" compatLnSpc="1">
+            <a:prstTxWarp prst="textNoShape">
+              <a:avLst/>
+            </a:prstTxWarp>
+            <a:noAutofit/>
+          </a:bodyPr>
+          <a:lstStyle/>
+          <a:p>
+            <a:pPr algn="l"/>
+            <a:endParaRPr lang="en-US" dirty="0">
+              <a:solidFill>
+                <a:schemeClr val="tx1"/>
+              </a:solidFill>
+            </a:endParaRPr>
+          </a:p>
+        </p:txBody>
+      </p:sp>
+      <p:sp>
+        <p:nvSpPr>
+          <p:cNvPr id="6" name="Content Placeholder 5">
+            <a:extLst>
+              <a:ext uri="{FF2B5EF4-FFF2-40B4-BE49-F238E27FC236}">
+                <a16:creationId xmlns:a16="http://schemas.microsoft.com/office/drawing/2014/main" id="{45FD9428-A4EC-DE5B-666A-02FAA3D7F1C8}"/>
+              </a:ext>
+            </a:extLst>
+          </p:cNvPr>
+          <p:cNvSpPr>
+            <a:spLocks noGrp="1"/>
+          </p:cNvSpPr>
+          <p:nvPr>
+            <p:ph idx="1"/>
+          </p:nvPr>
+        </p:nvSpPr>
+        <p:spPr>
+          <a:xfrm>
+            <a:off x="838199" y="1500160"/>
+            <a:ext cx="10515599" cy="4856190"/>
+          </a:xfrm>
+        </p:spPr>
+        <p:txBody>
+          <a:bodyPr>
+            <a:normAutofit lnSpcReduction="10000"/>
+          </a:bodyPr>
+          <a:lstStyle/>
+          <a:p>
+            <a:r>
+              <a:rPr lang="en-US" dirty="0"/>
+              <a:t>The appropriate TypeScript type for an unknown value is </a:t>
+            </a:r>
+            <a:r>
+              <a:rPr lang="en-US" dirty="0">
+                <a:latin typeface="Menlo" panose="020B0609030804020204" pitchFamily="49" charset="0"/>
+                <a:ea typeface="Menlo" panose="020B0609030804020204" pitchFamily="49" charset="0"/>
+                <a:cs typeface="Menlo" panose="020B0609030804020204" pitchFamily="49" charset="0"/>
+              </a:rPr>
+              <a:t>unknown</a:t>
+            </a:r>
+          </a:p>
+          <a:p>
+            <a:pPr marL="0" indent="0">
+              <a:buNone/>
+            </a:pPr>
+            <a:endParaRPr lang="en-US" dirty="0">
+              <a:latin typeface="Menlo" panose="020B0609030804020204" pitchFamily="49" charset="0"/>
+              <a:ea typeface="Menlo" panose="020B0609030804020204" pitchFamily="49" charset="0"/>
+              <a:cs typeface="Menlo" panose="020B0609030804020204" pitchFamily="49" charset="0"/>
+            </a:endParaRPr>
+          </a:p>
+          <a:p>
+            <a:pPr marL="0" indent="0">
+              <a:buNone/>
+            </a:pPr>
+            <a:r>
+              <a:rPr lang="en-US" sz="2000" dirty="0">
+                <a:solidFill>
+                  <a:srgbClr val="002060"/>
+                </a:solidFill>
+                <a:latin typeface="Menlo" panose="020B0609030804020204" pitchFamily="49" charset="0"/>
+                <a:ea typeface="Menlo" panose="020B0609030804020204" pitchFamily="49" charset="0"/>
+                <a:cs typeface="Menlo" panose="020B0609030804020204" pitchFamily="49" charset="0"/>
+              </a:rPr>
+              <a:t>function</a:t>
+            </a:r>
+            <a:r>
+              <a:rPr lang="en-US" sz="2000" dirty="0">
+                <a:latin typeface="Menlo" panose="020B0609030804020204" pitchFamily="49" charset="0"/>
+                <a:ea typeface="Menlo" panose="020B0609030804020204" pitchFamily="49" charset="0"/>
+                <a:cs typeface="Menlo" panose="020B0609030804020204" pitchFamily="49" charset="0"/>
+              </a:rPr>
+              <a:t> </a:t>
+            </a:r>
+            <a:r>
+              <a:rPr lang="en-US" sz="2000" dirty="0" err="1">
+                <a:solidFill>
+                  <a:schemeClr val="accent4">
+                    <a:lumMod val="50000"/>
+                  </a:schemeClr>
+                </a:solidFill>
+                <a:latin typeface="Menlo" panose="020B0609030804020204" pitchFamily="49" charset="0"/>
+                <a:ea typeface="Menlo" panose="020B0609030804020204" pitchFamily="49" charset="0"/>
+                <a:cs typeface="Menlo" panose="020B0609030804020204" pitchFamily="49" charset="0"/>
+              </a:rPr>
+              <a:t>lookAtMe</a:t>
+            </a:r>
+            <a:r>
+              <a:rPr lang="en-US" sz="2000" dirty="0">
+                <a:latin typeface="Menlo" panose="020B0609030804020204" pitchFamily="49" charset="0"/>
+                <a:ea typeface="Menlo" panose="020B0609030804020204" pitchFamily="49" charset="0"/>
+                <a:cs typeface="Menlo" panose="020B0609030804020204" pitchFamily="49" charset="0"/>
+              </a:rPr>
+              <a:t>(</a:t>
+            </a:r>
+            <a:r>
+              <a:rPr lang="en-US" sz="2000" dirty="0">
+                <a:solidFill>
+                  <a:srgbClr val="002060"/>
+                </a:solidFill>
+                <a:latin typeface="Menlo" panose="020B0609030804020204" pitchFamily="49" charset="0"/>
+                <a:ea typeface="Menlo" panose="020B0609030804020204" pitchFamily="49" charset="0"/>
+                <a:cs typeface="Menlo" panose="020B0609030804020204" pitchFamily="49" charset="0"/>
+              </a:rPr>
+              <a:t>input</a:t>
+            </a:r>
+            <a:r>
+              <a:rPr lang="en-US" sz="2000" dirty="0">
+                <a:latin typeface="Menlo" panose="020B0609030804020204" pitchFamily="49" charset="0"/>
+                <a:ea typeface="Menlo" panose="020B0609030804020204" pitchFamily="49" charset="0"/>
+                <a:cs typeface="Menlo" panose="020B0609030804020204" pitchFamily="49" charset="0"/>
+              </a:rPr>
+              <a:t>: </a:t>
+            </a:r>
+            <a:r>
+              <a:rPr lang="en-US" sz="2000" dirty="0">
+                <a:solidFill>
+                  <a:srgbClr val="0070C0"/>
+                </a:solidFill>
+                <a:latin typeface="Menlo" panose="020B0609030804020204" pitchFamily="49" charset="0"/>
+                <a:ea typeface="Menlo" panose="020B0609030804020204" pitchFamily="49" charset="0"/>
+                <a:cs typeface="Menlo" panose="020B0609030804020204" pitchFamily="49" charset="0"/>
+              </a:rPr>
+              <a:t>unknown</a:t>
+            </a:r>
+            <a:r>
+              <a:rPr lang="en-US" sz="2000" dirty="0">
+                <a:latin typeface="Menlo" panose="020B0609030804020204" pitchFamily="49" charset="0"/>
+                <a:ea typeface="Menlo" panose="020B0609030804020204" pitchFamily="49" charset="0"/>
+                <a:cs typeface="Menlo" panose="020B0609030804020204" pitchFamily="49" charset="0"/>
+              </a:rPr>
+              <a:t>) {</a:t>
+            </a:r>
+          </a:p>
+          <a:p>
+            <a:pPr marL="0" indent="0">
+              <a:buNone/>
+            </a:pPr>
+            <a:r>
+              <a:rPr lang="en-US" sz="2000" dirty="0">
+                <a:latin typeface="Menlo" panose="020B0609030804020204" pitchFamily="49" charset="0"/>
+                <a:ea typeface="Menlo" panose="020B0609030804020204" pitchFamily="49" charset="0"/>
+                <a:cs typeface="Menlo" panose="020B0609030804020204" pitchFamily="49" charset="0"/>
+              </a:rPr>
+              <a:t>  </a:t>
+            </a:r>
+            <a:r>
+              <a:rPr lang="en-US" sz="2000" dirty="0" err="1">
+                <a:latin typeface="Menlo" panose="020B0609030804020204" pitchFamily="49" charset="0"/>
+                <a:ea typeface="Menlo" panose="020B0609030804020204" pitchFamily="49" charset="0"/>
+                <a:cs typeface="Menlo" panose="020B0609030804020204" pitchFamily="49" charset="0"/>
+              </a:rPr>
+              <a:t>console.log</a:t>
+            </a:r>
+            <a:r>
+              <a:rPr lang="en-US" sz="2000" dirty="0">
+                <a:latin typeface="Menlo" panose="020B0609030804020204" pitchFamily="49" charset="0"/>
+                <a:ea typeface="Menlo" panose="020B0609030804020204" pitchFamily="49" charset="0"/>
+                <a:cs typeface="Menlo" panose="020B0609030804020204" pitchFamily="49" charset="0"/>
+              </a:rPr>
+              <a:t>(</a:t>
+            </a:r>
+            <a:r>
+              <a:rPr lang="en-US" sz="2000" dirty="0" err="1">
+                <a:solidFill>
+                  <a:srgbClr val="002060"/>
+                </a:solidFill>
+                <a:latin typeface="Menlo" panose="020B0609030804020204" pitchFamily="49" charset="0"/>
+                <a:ea typeface="Menlo" panose="020B0609030804020204" pitchFamily="49" charset="0"/>
+                <a:cs typeface="Menlo" panose="020B0609030804020204" pitchFamily="49" charset="0"/>
+              </a:rPr>
+              <a:t>input</a:t>
+            </a:r>
+            <a:r>
+              <a:rPr lang="en-US" sz="2000" dirty="0" err="1">
+                <a:latin typeface="Menlo" panose="020B0609030804020204" pitchFamily="49" charset="0"/>
+                <a:ea typeface="Menlo" panose="020B0609030804020204" pitchFamily="49" charset="0"/>
+                <a:cs typeface="Menlo" panose="020B0609030804020204" pitchFamily="49" charset="0"/>
+              </a:rPr>
+              <a:t>.</a:t>
+            </a:r>
+            <a:r>
+              <a:rPr lang="en-US" sz="2000" dirty="0" err="1">
+                <a:solidFill>
+                  <a:schemeClr val="accent4">
+                    <a:lumMod val="50000"/>
+                  </a:schemeClr>
+                </a:solidFill>
+                <a:latin typeface="Menlo" panose="020B0609030804020204" pitchFamily="49" charset="0"/>
+                <a:ea typeface="Menlo" panose="020B0609030804020204" pitchFamily="49" charset="0"/>
+                <a:cs typeface="Menlo" panose="020B0609030804020204" pitchFamily="49" charset="0"/>
+              </a:rPr>
+              <a:t>toUpperCase</a:t>
+            </a:r>
+            <a:r>
+              <a:rPr lang="en-US" sz="2000" dirty="0">
+                <a:latin typeface="Menlo" panose="020B0609030804020204" pitchFamily="49" charset="0"/>
+                <a:ea typeface="Menlo" panose="020B0609030804020204" pitchFamily="49" charset="0"/>
+                <a:cs typeface="Menlo" panose="020B0609030804020204" pitchFamily="49" charset="0"/>
+              </a:rPr>
+              <a:t>());</a:t>
+            </a:r>
+          </a:p>
+          <a:p>
+            <a:pPr marL="0" indent="0">
+              <a:buNone/>
+            </a:pPr>
+            <a:r>
+              <a:rPr lang="en-US" sz="2000" dirty="0">
+                <a:latin typeface="Menlo" panose="020B0609030804020204" pitchFamily="49" charset="0"/>
+                <a:ea typeface="Menlo" panose="020B0609030804020204" pitchFamily="49" charset="0"/>
+                <a:cs typeface="Menlo" panose="020B0609030804020204" pitchFamily="49" charset="0"/>
+              </a:rPr>
+              <a:t> </a:t>
+            </a:r>
+            <a:r>
+              <a:rPr lang="en-US" sz="2000" dirty="0">
+                <a:solidFill>
+                  <a:srgbClr val="AF00DB"/>
+                </a:solidFill>
+                <a:latin typeface="Menlo" panose="020B0609030804020204" pitchFamily="49" charset="0"/>
+                <a:ea typeface="Menlo" panose="020B0609030804020204" pitchFamily="49" charset="0"/>
+                <a:cs typeface="Menlo" panose="020B0609030804020204" pitchFamily="49" charset="0"/>
+              </a:rPr>
+              <a:t> </a:t>
+            </a:r>
+            <a:r>
+              <a:rPr lang="en-US" sz="2000" dirty="0">
+                <a:solidFill>
+                  <a:srgbClr val="AF00DB"/>
+                </a:solidFill>
+                <a:latin typeface="Menlo" panose="020B0609030804020204" pitchFamily="49" charset="0"/>
+              </a:rPr>
+              <a:t>if</a:t>
+            </a:r>
+            <a:r>
+              <a:rPr lang="en-US" sz="2000" dirty="0">
+                <a:latin typeface="Menlo" panose="020B0609030804020204" pitchFamily="49" charset="0"/>
+                <a:ea typeface="Menlo" panose="020B0609030804020204" pitchFamily="49" charset="0"/>
+                <a:cs typeface="Menlo" panose="020B0609030804020204" pitchFamily="49" charset="0"/>
+              </a:rPr>
+              <a:t> (</a:t>
+            </a:r>
+            <a:r>
+              <a:rPr lang="en-US" sz="2000" dirty="0" err="1">
+                <a:solidFill>
+                  <a:srgbClr val="002060"/>
+                </a:solidFill>
+                <a:latin typeface="Menlo" panose="020B0609030804020204" pitchFamily="49" charset="0"/>
+                <a:ea typeface="Menlo" panose="020B0609030804020204" pitchFamily="49" charset="0"/>
+                <a:cs typeface="Menlo" panose="020B0609030804020204" pitchFamily="49" charset="0"/>
+              </a:rPr>
+              <a:t>typeof</a:t>
+            </a:r>
+            <a:r>
+              <a:rPr lang="en-US" sz="2000" dirty="0">
+                <a:solidFill>
+                  <a:srgbClr val="002060"/>
+                </a:solidFill>
+                <a:latin typeface="Menlo" panose="020B0609030804020204" pitchFamily="49" charset="0"/>
+                <a:ea typeface="Menlo" panose="020B0609030804020204" pitchFamily="49" charset="0"/>
+                <a:cs typeface="Menlo" panose="020B0609030804020204" pitchFamily="49" charset="0"/>
+              </a:rPr>
+              <a:t> input </a:t>
+            </a:r>
+            <a:r>
+              <a:rPr lang="en-US" sz="2000" dirty="0">
+                <a:latin typeface="Menlo" panose="020B0609030804020204" pitchFamily="49" charset="0"/>
+                <a:ea typeface="Menlo" panose="020B0609030804020204" pitchFamily="49" charset="0"/>
+                <a:cs typeface="Menlo" panose="020B0609030804020204" pitchFamily="49" charset="0"/>
+              </a:rPr>
+              <a:t>=== </a:t>
+            </a:r>
+            <a:r>
+              <a:rPr lang="en-US" sz="2000" dirty="0">
+                <a:solidFill>
+                  <a:srgbClr val="C00000"/>
+                </a:solidFill>
+                <a:latin typeface="Menlo" panose="020B0609030804020204" pitchFamily="49" charset="0"/>
+                <a:ea typeface="Menlo" panose="020B0609030804020204" pitchFamily="49" charset="0"/>
+                <a:cs typeface="Menlo" panose="020B0609030804020204" pitchFamily="49" charset="0"/>
+              </a:rPr>
+              <a:t>"string"</a:t>
+            </a:r>
+            <a:r>
+              <a:rPr lang="en-US" sz="2000" dirty="0">
+                <a:latin typeface="Menlo" panose="020B0609030804020204" pitchFamily="49" charset="0"/>
+                <a:ea typeface="Menlo" panose="020B0609030804020204" pitchFamily="49" charset="0"/>
+                <a:cs typeface="Menlo" panose="020B0609030804020204" pitchFamily="49" charset="0"/>
+              </a:rPr>
+              <a:t>) {</a:t>
+            </a:r>
+          </a:p>
+          <a:p>
+            <a:pPr marL="0" indent="0">
+              <a:buNone/>
+            </a:pPr>
+            <a:r>
+              <a:rPr lang="en-US" sz="2000" dirty="0">
+                <a:latin typeface="Menlo" panose="020B0609030804020204" pitchFamily="49" charset="0"/>
+                <a:ea typeface="Menlo" panose="020B0609030804020204" pitchFamily="49" charset="0"/>
+                <a:cs typeface="Menlo" panose="020B0609030804020204" pitchFamily="49" charset="0"/>
+              </a:rPr>
+              <a:t>    </a:t>
+            </a:r>
+            <a:r>
+              <a:rPr lang="en-US" sz="2000" dirty="0" err="1">
+                <a:solidFill>
+                  <a:srgbClr val="002060"/>
+                </a:solidFill>
+                <a:latin typeface="Menlo" panose="020B0609030804020204" pitchFamily="49" charset="0"/>
+                <a:ea typeface="Menlo" panose="020B0609030804020204" pitchFamily="49" charset="0"/>
+                <a:cs typeface="Menlo" panose="020B0609030804020204" pitchFamily="49" charset="0"/>
+              </a:rPr>
+              <a:t>console</a:t>
+            </a:r>
+            <a:r>
+              <a:rPr lang="en-US" sz="2000" dirty="0" err="1">
+                <a:latin typeface="Menlo" panose="020B0609030804020204" pitchFamily="49" charset="0"/>
+                <a:ea typeface="Menlo" panose="020B0609030804020204" pitchFamily="49" charset="0"/>
+                <a:cs typeface="Menlo" panose="020B0609030804020204" pitchFamily="49" charset="0"/>
+              </a:rPr>
+              <a:t>.</a:t>
+            </a:r>
+            <a:r>
+              <a:rPr lang="en-US" sz="2000" dirty="0" err="1">
+                <a:solidFill>
+                  <a:schemeClr val="accent4">
+                    <a:lumMod val="50000"/>
+                  </a:schemeClr>
+                </a:solidFill>
+                <a:latin typeface="Menlo" panose="020B0609030804020204" pitchFamily="49" charset="0"/>
+                <a:ea typeface="Menlo" panose="020B0609030804020204" pitchFamily="49" charset="0"/>
+                <a:cs typeface="Menlo" panose="020B0609030804020204" pitchFamily="49" charset="0"/>
+              </a:rPr>
+              <a:t>log</a:t>
+            </a:r>
+            <a:r>
+              <a:rPr lang="en-US" sz="2000" dirty="0">
+                <a:latin typeface="Menlo" panose="020B0609030804020204" pitchFamily="49" charset="0"/>
+                <a:ea typeface="Menlo" panose="020B0609030804020204" pitchFamily="49" charset="0"/>
+                <a:cs typeface="Menlo" panose="020B0609030804020204" pitchFamily="49" charset="0"/>
+              </a:rPr>
+              <a:t>(</a:t>
+            </a:r>
+            <a:r>
+              <a:rPr lang="en-US" sz="2000" dirty="0" err="1">
+                <a:solidFill>
+                  <a:srgbClr val="002060"/>
+                </a:solidFill>
+                <a:latin typeface="Menlo" panose="020B0609030804020204" pitchFamily="49" charset="0"/>
+                <a:ea typeface="Menlo" panose="020B0609030804020204" pitchFamily="49" charset="0"/>
+                <a:cs typeface="Menlo" panose="020B0609030804020204" pitchFamily="49" charset="0"/>
+              </a:rPr>
+              <a:t>input</a:t>
+            </a:r>
+            <a:r>
+              <a:rPr lang="en-US" sz="2000" dirty="0" err="1">
+                <a:latin typeface="Menlo" panose="020B0609030804020204" pitchFamily="49" charset="0"/>
+                <a:ea typeface="Menlo" panose="020B0609030804020204" pitchFamily="49" charset="0"/>
+                <a:cs typeface="Menlo" panose="020B0609030804020204" pitchFamily="49" charset="0"/>
+              </a:rPr>
+              <a:t>.</a:t>
+            </a:r>
+            <a:r>
+              <a:rPr lang="en-US" sz="2000" dirty="0" err="1">
+                <a:solidFill>
+                  <a:schemeClr val="accent4">
+                    <a:lumMod val="50000"/>
+                  </a:schemeClr>
+                </a:solidFill>
+                <a:latin typeface="Menlo" panose="020B0609030804020204" pitchFamily="49" charset="0"/>
+                <a:ea typeface="Menlo" panose="020B0609030804020204" pitchFamily="49" charset="0"/>
+                <a:cs typeface="Menlo" panose="020B0609030804020204" pitchFamily="49" charset="0"/>
+              </a:rPr>
+              <a:t>toUpperCase</a:t>
+            </a:r>
+            <a:r>
+              <a:rPr lang="en-US" sz="2000" dirty="0">
+                <a:latin typeface="Menlo" panose="020B0609030804020204" pitchFamily="49" charset="0"/>
+                <a:ea typeface="Menlo" panose="020B0609030804020204" pitchFamily="49" charset="0"/>
+                <a:cs typeface="Menlo" panose="020B0609030804020204" pitchFamily="49" charset="0"/>
+              </a:rPr>
+              <a:t>());</a:t>
+            </a:r>
+          </a:p>
+          <a:p>
+            <a:pPr marL="0" indent="0">
+              <a:buNone/>
+            </a:pPr>
+            <a:r>
+              <a:rPr lang="en-US" sz="2000" dirty="0">
+                <a:latin typeface="Menlo" panose="020B0609030804020204" pitchFamily="49" charset="0"/>
+                <a:ea typeface="Menlo" panose="020B0609030804020204" pitchFamily="49" charset="0"/>
+                <a:cs typeface="Menlo" panose="020B0609030804020204" pitchFamily="49" charset="0"/>
+              </a:rPr>
+              <a:t>  }</a:t>
+            </a:r>
+          </a:p>
+          <a:p>
+            <a:pPr marL="0" indent="0">
+              <a:buNone/>
+            </a:pPr>
+            <a:r>
+              <a:rPr lang="en-US" sz="2000" dirty="0">
+                <a:latin typeface="Menlo" panose="020B0609030804020204" pitchFamily="49" charset="0"/>
+                <a:ea typeface="Menlo" panose="020B0609030804020204" pitchFamily="49" charset="0"/>
+                <a:cs typeface="Menlo" panose="020B0609030804020204" pitchFamily="49" charset="0"/>
+              </a:rPr>
+              <a:t>}</a:t>
+            </a:r>
+            <a:br>
+              <a:rPr lang="en-US" sz="2100" dirty="0">
+                <a:latin typeface="Menlo" panose="020B0609030804020204" pitchFamily="49" charset="0"/>
+                <a:ea typeface="Menlo" panose="020B0609030804020204" pitchFamily="49" charset="0"/>
+                <a:cs typeface="Menlo" panose="020B0609030804020204" pitchFamily="49" charset="0"/>
+              </a:rPr>
+            </a:br>
+            <a:endParaRPr lang="en-US" sz="2100" dirty="0">
+              <a:latin typeface="Menlo" panose="020B0609030804020204" pitchFamily="49" charset="0"/>
+              <a:ea typeface="Menlo" panose="020B0609030804020204" pitchFamily="49" charset="0"/>
+              <a:cs typeface="Menlo" panose="020B0609030804020204" pitchFamily="49" charset="0"/>
+            </a:endParaRPr>
+          </a:p>
+          <a:p>
+            <a:r>
+              <a:rPr lang="en-US" dirty="0">
+                <a:latin typeface="Calibri" panose="020F0502020204030204" pitchFamily="34" charset="0"/>
+                <a:ea typeface="Menlo" panose="020B0609030804020204" pitchFamily="49" charset="0"/>
+                <a:cs typeface="Calibri" panose="020F0502020204030204" pitchFamily="34" charset="0"/>
+              </a:rPr>
+              <a:t>If you use the </a:t>
+            </a:r>
+            <a:r>
+              <a:rPr lang="en-US" dirty="0">
+                <a:solidFill>
+                  <a:srgbClr val="FF0000"/>
+                </a:solidFill>
+                <a:latin typeface="Menlo" panose="020B0609030804020204" pitchFamily="49" charset="0"/>
+                <a:ea typeface="Menlo" panose="020B0609030804020204" pitchFamily="49" charset="0"/>
+                <a:cs typeface="Menlo" panose="020B0609030804020204" pitchFamily="49" charset="0"/>
+              </a:rPr>
+              <a:t>any</a:t>
+            </a:r>
+            <a:r>
+              <a:rPr lang="en-US" dirty="0">
+                <a:latin typeface="Calibri" panose="020F0502020204030204" pitchFamily="34" charset="0"/>
+                <a:ea typeface="Menlo" panose="020B0609030804020204" pitchFamily="49" charset="0"/>
+                <a:cs typeface="Calibri" panose="020F0502020204030204" pitchFamily="34" charset="0"/>
+              </a:rPr>
+              <a:t> type instead, TypeScript will just say “ok, I guess you know what you’re doing”</a:t>
+            </a:r>
+          </a:p>
+          <a:p>
+            <a:pPr marL="0" indent="0">
+              <a:buNone/>
+            </a:pPr>
+            <a:endParaRPr lang="en-US" dirty="0">
+              <a:latin typeface="Menlo" panose="020B0609030804020204" pitchFamily="49" charset="0"/>
+              <a:ea typeface="Menlo" panose="020B0609030804020204" pitchFamily="49" charset="0"/>
+              <a:cs typeface="Menlo" panose="020B0609030804020204" pitchFamily="49" charset="0"/>
+            </a:endParaRPr>
+          </a:p>
+          <a:p>
+            <a:endParaRPr lang="en-US" dirty="0">
+              <a:latin typeface="Menlo" panose="020B0609030804020204" pitchFamily="49" charset="0"/>
+              <a:ea typeface="Menlo" panose="020B0609030804020204" pitchFamily="49" charset="0"/>
+              <a:cs typeface="Menlo" panose="020B0609030804020204" pitchFamily="49" charset="0"/>
+            </a:endParaRPr>
+          </a:p>
+        </p:txBody>
+      </p:sp>
+      <p:sp>
+        <p:nvSpPr>
+          <p:cNvPr id="11" name="AutoShape 9">
+            <a:extLst>
+              <a:ext uri="{FF2B5EF4-FFF2-40B4-BE49-F238E27FC236}">
+                <a16:creationId xmlns:a16="http://schemas.microsoft.com/office/drawing/2014/main" id="{AB28CA65-9D21-D22A-CFE2-BC1D530FA211}"/>
+              </a:ext>
+            </a:extLst>
+          </p:cNvPr>
+          <p:cNvSpPr>
+            <a:spLocks/>
+          </p:cNvSpPr>
+          <p:nvPr/>
+        </p:nvSpPr>
+        <p:spPr bwMode="auto">
+          <a:xfrm>
+            <a:off x="8043888" y="2301189"/>
+            <a:ext cx="3096061" cy="861245"/>
+          </a:xfrm>
+          <a:prstGeom prst="roundRect">
+            <a:avLst>
+              <a:gd name="adj" fmla="val 16667"/>
+            </a:avLst>
+          </a:prstGeom>
+          <a:solidFill>
+            <a:srgbClr val="00B050"/>
+          </a:solidFill>
+          <a:ln w="9525" cap="flat" cmpd="sng">
+            <a:solidFill>
+              <a:srgbClr val="C70000"/>
+            </a:solidFill>
+            <a:prstDash val="solid"/>
+            <a:round/>
+            <a:headEnd type="none" w="med" len="med"/>
+            <a:tailEnd type="triangle" w="med" len="med"/>
+          </a:ln>
+          <a:effectLst>
+            <a:outerShdw blurRad="38100" dist="23000" dir="5400000" algn="ctr" rotWithShape="0">
+              <a:srgbClr val="000000">
+                <a:alpha val="34999"/>
+              </a:srgbClr>
+            </a:outerShdw>
+          </a:effectLst>
+        </p:spPr>
+        <p:txBody>
+          <a:bodyPr lIns="32146" tIns="32146" rIns="32146" bIns="32146" anchor="ctr"/>
+          <a:lstStyle>
+            <a:lvl1pPr defTabSz="457200">
+              <a:defRPr sz="3600">
+                <a:solidFill>
+                  <a:srgbClr val="000000"/>
+                </a:solidFill>
+                <a:latin typeface="Helvetica Neue Light" charset="0"/>
+                <a:ea typeface="Helvetica Neue Light" charset="0"/>
+                <a:cs typeface="Helvetica Neue Light" charset="0"/>
+                <a:sym typeface="Helvetica Neue Light" charset="0"/>
+              </a:defRPr>
+            </a:lvl1pPr>
+            <a:lvl2pPr defTabSz="457200">
+              <a:defRPr sz="3600">
+                <a:solidFill>
+                  <a:srgbClr val="000000"/>
+                </a:solidFill>
+                <a:latin typeface="Helvetica Neue Light" charset="0"/>
+                <a:ea typeface="Helvetica Neue Light" charset="0"/>
+                <a:cs typeface="Helvetica Neue Light" charset="0"/>
+                <a:sym typeface="Helvetica Neue Light" charset="0"/>
+              </a:defRPr>
+            </a:lvl2pPr>
+            <a:lvl3pPr defTabSz="457200">
+              <a:defRPr sz="3600">
+                <a:solidFill>
+                  <a:srgbClr val="000000"/>
+                </a:solidFill>
+                <a:latin typeface="Helvetica Neue Light" charset="0"/>
+                <a:ea typeface="Helvetica Neue Light" charset="0"/>
+                <a:cs typeface="Helvetica Neue Light" charset="0"/>
+                <a:sym typeface="Helvetica Neue Light" charset="0"/>
+              </a:defRPr>
+            </a:lvl3pPr>
+            <a:lvl4pPr defTabSz="457200">
+              <a:defRPr sz="3600">
+                <a:solidFill>
+                  <a:srgbClr val="000000"/>
+                </a:solidFill>
+                <a:latin typeface="Helvetica Neue Light" charset="0"/>
+                <a:ea typeface="Helvetica Neue Light" charset="0"/>
+                <a:cs typeface="Helvetica Neue Light" charset="0"/>
+                <a:sym typeface="Helvetica Neue Light" charset="0"/>
+              </a:defRPr>
+            </a:lvl4pPr>
+            <a:lvl5pPr defTabSz="457200">
+              <a:defRPr sz="3600">
+                <a:solidFill>
+                  <a:srgbClr val="000000"/>
+                </a:solidFill>
+                <a:latin typeface="Helvetica Neue Light" charset="0"/>
+                <a:ea typeface="Helvetica Neue Light" charset="0"/>
+                <a:cs typeface="Helvetica Neue Light" charset="0"/>
+                <a:sym typeface="Helvetica Neue Light" charset="0"/>
+              </a:defRPr>
+            </a:lvl5pPr>
+            <a:lvl6pPr marL="457200" algn="ctr" defTabSz="457200" fontAlgn="base" hangingPunct="0">
+              <a:spcBef>
+                <a:spcPct val="0"/>
+              </a:spcBef>
+              <a:spcAft>
+                <a:spcPct val="0"/>
+              </a:spcAft>
+              <a:defRPr sz="3600">
+                <a:solidFill>
+                  <a:srgbClr val="000000"/>
+                </a:solidFill>
+                <a:latin typeface="Helvetica Neue Light" charset="0"/>
+                <a:ea typeface="Helvetica Neue Light" charset="0"/>
+                <a:cs typeface="Helvetica Neue Light" charset="0"/>
+                <a:sym typeface="Helvetica Neue Light" charset="0"/>
+              </a:defRPr>
+            </a:lvl6pPr>
+            <a:lvl7pPr marL="914400" algn="ctr" defTabSz="457200" fontAlgn="base" hangingPunct="0">
+              <a:spcBef>
+                <a:spcPct val="0"/>
+              </a:spcBef>
+              <a:spcAft>
+                <a:spcPct val="0"/>
+              </a:spcAft>
+              <a:defRPr sz="3600">
+                <a:solidFill>
+                  <a:srgbClr val="000000"/>
+                </a:solidFill>
+                <a:latin typeface="Helvetica Neue Light" charset="0"/>
+                <a:ea typeface="Helvetica Neue Light" charset="0"/>
+                <a:cs typeface="Helvetica Neue Light" charset="0"/>
+                <a:sym typeface="Helvetica Neue Light" charset="0"/>
+              </a:defRPr>
+            </a:lvl7pPr>
+            <a:lvl8pPr marL="1371600" algn="ctr" defTabSz="457200" fontAlgn="base" hangingPunct="0">
+              <a:spcBef>
+                <a:spcPct val="0"/>
+              </a:spcBef>
+              <a:spcAft>
+                <a:spcPct val="0"/>
+              </a:spcAft>
+              <a:defRPr sz="3600">
+                <a:solidFill>
+                  <a:srgbClr val="000000"/>
+                </a:solidFill>
+                <a:latin typeface="Helvetica Neue Light" charset="0"/>
+                <a:ea typeface="Helvetica Neue Light" charset="0"/>
+                <a:cs typeface="Helvetica Neue Light" charset="0"/>
+                <a:sym typeface="Helvetica Neue Light" charset="0"/>
+              </a:defRPr>
+            </a:lvl8pPr>
+            <a:lvl9pPr marL="1828800" algn="ctr" defTabSz="457200" fontAlgn="base" hangingPunct="0">
+              <a:spcBef>
+                <a:spcPct val="0"/>
+              </a:spcBef>
+              <a:spcAft>
+                <a:spcPct val="0"/>
+              </a:spcAft>
+              <a:defRPr sz="3600">
+                <a:solidFill>
+                  <a:srgbClr val="000000"/>
+                </a:solidFill>
+                <a:latin typeface="Helvetica Neue Light" charset="0"/>
+                <a:ea typeface="Helvetica Neue Light" charset="0"/>
+                <a:cs typeface="Helvetica Neue Light" charset="0"/>
+                <a:sym typeface="Helvetica Neue Light" charset="0"/>
+              </a:defRPr>
+            </a:lvl9pPr>
+          </a:lstStyle>
+          <a:p>
+            <a:r>
+              <a:rPr lang="en-US" altLang="en-US" sz="2400" dirty="0">
+                <a:solidFill>
+                  <a:srgbClr val="FFFFFF"/>
+                </a:solidFill>
+                <a:latin typeface="Calibri" panose="020F0502020204030204" pitchFamily="34" charset="0"/>
+                <a:ea typeface="Helvetica" panose="020B0604020202020204" pitchFamily="34" charset="0"/>
+                <a:cs typeface="Calibri" panose="020F0502020204030204" pitchFamily="34" charset="0"/>
+                <a:sym typeface="Helvetica" panose="020B0604020202020204" pitchFamily="34" charset="0"/>
+              </a:rPr>
+              <a:t>TypeScript error here!</a:t>
+            </a:r>
+          </a:p>
+        </p:txBody>
+      </p:sp>
+      <p:cxnSp>
+        <p:nvCxnSpPr>
+          <p:cNvPr id="15" name="Straight Arrow Connector 14">
+            <a:extLst>
+              <a:ext uri="{FF2B5EF4-FFF2-40B4-BE49-F238E27FC236}">
+                <a16:creationId xmlns:a16="http://schemas.microsoft.com/office/drawing/2014/main" id="{8254D0C4-B77E-A70A-08B5-496BD696E952}"/>
+              </a:ext>
+            </a:extLst>
+          </p:cNvPr>
+          <p:cNvCxnSpPr>
+            <a:cxnSpLocks/>
+            <a:stCxn id="11" idx="1"/>
+          </p:cNvCxnSpPr>
+          <p:nvPr/>
+        </p:nvCxnSpPr>
+        <p:spPr>
+          <a:xfrm flipH="1">
+            <a:off x="6341806" y="2731812"/>
+            <a:ext cx="1702082" cy="262111"/>
+          </a:xfrm>
+          <a:prstGeom prst="straightConnector1">
+            <a:avLst/>
+          </a:prstGeom>
+          <a:ln w="127000">
+            <a:solidFill>
+              <a:srgbClr val="00B050"/>
+            </a:solidFill>
+            <a:tailEnd type="triangle"/>
+          </a:ln>
+        </p:spPr>
+        <p:style>
+          <a:lnRef idx="1">
+            <a:schemeClr val="accent1"/>
+          </a:lnRef>
+          <a:fillRef idx="0">
+            <a:schemeClr val="accent1"/>
+          </a:fillRef>
+          <a:effectRef idx="0">
+            <a:schemeClr val="accent1"/>
+          </a:effectRef>
+          <a:fontRef idx="minor">
+            <a:schemeClr val="tx1"/>
+          </a:fontRef>
+        </p:style>
+      </p:cxnSp>
+      <p:cxnSp>
+        <p:nvCxnSpPr>
+          <p:cNvPr id="17" name="Straight Arrow Connector 16">
+            <a:extLst>
+              <a:ext uri="{FF2B5EF4-FFF2-40B4-BE49-F238E27FC236}">
+                <a16:creationId xmlns:a16="http://schemas.microsoft.com/office/drawing/2014/main" id="{5BA6B0B8-7851-E694-4E67-ADC772252335}"/>
+              </a:ext>
+            </a:extLst>
+          </p:cNvPr>
+          <p:cNvCxnSpPr>
+            <a:cxnSpLocks/>
+          </p:cNvCxnSpPr>
+          <p:nvPr/>
+        </p:nvCxnSpPr>
+        <p:spPr>
+          <a:xfrm flipH="1" flipV="1">
+            <a:off x="6341806" y="3928255"/>
+            <a:ext cx="1623423" cy="174801"/>
+          </a:xfrm>
+          <a:prstGeom prst="straightConnector1">
+            <a:avLst/>
+          </a:prstGeom>
+          <a:ln w="127000">
+            <a:solidFill>
+              <a:srgbClr val="00B050"/>
+            </a:solidFill>
+            <a:tailEnd type="triangle"/>
+          </a:ln>
+        </p:spPr>
+        <p:style>
+          <a:lnRef idx="1">
+            <a:schemeClr val="accent1"/>
+          </a:lnRef>
+          <a:fillRef idx="0">
+            <a:schemeClr val="accent1"/>
+          </a:fillRef>
+          <a:effectRef idx="0">
+            <a:schemeClr val="accent1"/>
+          </a:effectRef>
+          <a:fontRef idx="minor">
+            <a:schemeClr val="tx1"/>
+          </a:fontRef>
+        </p:style>
+      </p:cxnSp>
+      <p:sp>
+        <p:nvSpPr>
+          <p:cNvPr id="16" name="AutoShape 9">
+            <a:extLst>
+              <a:ext uri="{FF2B5EF4-FFF2-40B4-BE49-F238E27FC236}">
+                <a16:creationId xmlns:a16="http://schemas.microsoft.com/office/drawing/2014/main" id="{40F315DA-B79C-C615-3DE7-EC73AF2C91A4}"/>
+              </a:ext>
+            </a:extLst>
+          </p:cNvPr>
+          <p:cNvSpPr>
+            <a:spLocks/>
+          </p:cNvSpPr>
+          <p:nvPr/>
+        </p:nvSpPr>
+        <p:spPr bwMode="auto">
+          <a:xfrm>
+            <a:off x="7894753" y="3695566"/>
+            <a:ext cx="1697166" cy="948286"/>
+          </a:xfrm>
+          <a:prstGeom prst="roundRect">
+            <a:avLst>
+              <a:gd name="adj" fmla="val 16667"/>
+            </a:avLst>
+          </a:prstGeom>
+          <a:solidFill>
+            <a:srgbClr val="00B050"/>
+          </a:solidFill>
+          <a:ln w="9525" cap="flat" cmpd="sng">
+            <a:solidFill>
+              <a:srgbClr val="C70000"/>
+            </a:solidFill>
+            <a:prstDash val="solid"/>
+            <a:round/>
+            <a:headEnd type="none" w="med" len="med"/>
+            <a:tailEnd type="triangle" w="med" len="med"/>
+          </a:ln>
+          <a:effectLst>
+            <a:outerShdw blurRad="38100" dist="23000" dir="5400000" algn="ctr" rotWithShape="0">
+              <a:srgbClr val="000000">
+                <a:alpha val="34999"/>
+              </a:srgbClr>
+            </a:outerShdw>
+          </a:effectLst>
+        </p:spPr>
+        <p:txBody>
+          <a:bodyPr lIns="32146" tIns="32146" rIns="32146" bIns="32146" anchor="ctr"/>
+          <a:lstStyle>
+            <a:lvl1pPr defTabSz="457200">
+              <a:defRPr sz="3600">
+                <a:solidFill>
+                  <a:srgbClr val="000000"/>
+                </a:solidFill>
+                <a:latin typeface="Helvetica Neue Light" charset="0"/>
+                <a:ea typeface="Helvetica Neue Light" charset="0"/>
+                <a:cs typeface="Helvetica Neue Light" charset="0"/>
+                <a:sym typeface="Helvetica Neue Light" charset="0"/>
+              </a:defRPr>
+            </a:lvl1pPr>
+            <a:lvl2pPr defTabSz="457200">
+              <a:defRPr sz="3600">
+                <a:solidFill>
+                  <a:srgbClr val="000000"/>
+                </a:solidFill>
+                <a:latin typeface="Helvetica Neue Light" charset="0"/>
+                <a:ea typeface="Helvetica Neue Light" charset="0"/>
+                <a:cs typeface="Helvetica Neue Light" charset="0"/>
+                <a:sym typeface="Helvetica Neue Light" charset="0"/>
+              </a:defRPr>
+            </a:lvl2pPr>
+            <a:lvl3pPr defTabSz="457200">
+              <a:defRPr sz="3600">
+                <a:solidFill>
+                  <a:srgbClr val="000000"/>
+                </a:solidFill>
+                <a:latin typeface="Helvetica Neue Light" charset="0"/>
+                <a:ea typeface="Helvetica Neue Light" charset="0"/>
+                <a:cs typeface="Helvetica Neue Light" charset="0"/>
+                <a:sym typeface="Helvetica Neue Light" charset="0"/>
+              </a:defRPr>
+            </a:lvl3pPr>
+            <a:lvl4pPr defTabSz="457200">
+              <a:defRPr sz="3600">
+                <a:solidFill>
+                  <a:srgbClr val="000000"/>
+                </a:solidFill>
+                <a:latin typeface="Helvetica Neue Light" charset="0"/>
+                <a:ea typeface="Helvetica Neue Light" charset="0"/>
+                <a:cs typeface="Helvetica Neue Light" charset="0"/>
+                <a:sym typeface="Helvetica Neue Light" charset="0"/>
+              </a:defRPr>
+            </a:lvl4pPr>
+            <a:lvl5pPr defTabSz="457200">
+              <a:defRPr sz="3600">
+                <a:solidFill>
+                  <a:srgbClr val="000000"/>
+                </a:solidFill>
+                <a:latin typeface="Helvetica Neue Light" charset="0"/>
+                <a:ea typeface="Helvetica Neue Light" charset="0"/>
+                <a:cs typeface="Helvetica Neue Light" charset="0"/>
+                <a:sym typeface="Helvetica Neue Light" charset="0"/>
+              </a:defRPr>
+            </a:lvl5pPr>
+            <a:lvl6pPr marL="457200" algn="ctr" defTabSz="457200" fontAlgn="base" hangingPunct="0">
+              <a:spcBef>
+                <a:spcPct val="0"/>
+              </a:spcBef>
+              <a:spcAft>
+                <a:spcPct val="0"/>
+              </a:spcAft>
+              <a:defRPr sz="3600">
+                <a:solidFill>
+                  <a:srgbClr val="000000"/>
+                </a:solidFill>
+                <a:latin typeface="Helvetica Neue Light" charset="0"/>
+                <a:ea typeface="Helvetica Neue Light" charset="0"/>
+                <a:cs typeface="Helvetica Neue Light" charset="0"/>
+                <a:sym typeface="Helvetica Neue Light" charset="0"/>
+              </a:defRPr>
+            </a:lvl6pPr>
+            <a:lvl7pPr marL="914400" algn="ctr" defTabSz="457200" fontAlgn="base" hangingPunct="0">
+              <a:spcBef>
+                <a:spcPct val="0"/>
+              </a:spcBef>
+              <a:spcAft>
+                <a:spcPct val="0"/>
+              </a:spcAft>
+              <a:defRPr sz="3600">
+                <a:solidFill>
+                  <a:srgbClr val="000000"/>
+                </a:solidFill>
+                <a:latin typeface="Helvetica Neue Light" charset="0"/>
+                <a:ea typeface="Helvetica Neue Light" charset="0"/>
+                <a:cs typeface="Helvetica Neue Light" charset="0"/>
+                <a:sym typeface="Helvetica Neue Light" charset="0"/>
+              </a:defRPr>
+            </a:lvl7pPr>
+            <a:lvl8pPr marL="1371600" algn="ctr" defTabSz="457200" fontAlgn="base" hangingPunct="0">
+              <a:spcBef>
+                <a:spcPct val="0"/>
+              </a:spcBef>
+              <a:spcAft>
+                <a:spcPct val="0"/>
+              </a:spcAft>
+              <a:defRPr sz="3600">
+                <a:solidFill>
+                  <a:srgbClr val="000000"/>
+                </a:solidFill>
+                <a:latin typeface="Helvetica Neue Light" charset="0"/>
+                <a:ea typeface="Helvetica Neue Light" charset="0"/>
+                <a:cs typeface="Helvetica Neue Light" charset="0"/>
+                <a:sym typeface="Helvetica Neue Light" charset="0"/>
+              </a:defRPr>
+            </a:lvl8pPr>
+            <a:lvl9pPr marL="1828800" algn="ctr" defTabSz="457200" fontAlgn="base" hangingPunct="0">
+              <a:spcBef>
+                <a:spcPct val="0"/>
+              </a:spcBef>
+              <a:spcAft>
+                <a:spcPct val="0"/>
+              </a:spcAft>
+              <a:defRPr sz="3600">
+                <a:solidFill>
+                  <a:srgbClr val="000000"/>
+                </a:solidFill>
+                <a:latin typeface="Helvetica Neue Light" charset="0"/>
+                <a:ea typeface="Helvetica Neue Light" charset="0"/>
+                <a:cs typeface="Helvetica Neue Light" charset="0"/>
+                <a:sym typeface="Helvetica Neue Light" charset="0"/>
+              </a:defRPr>
+            </a:lvl9pPr>
+          </a:lstStyle>
+          <a:p>
+            <a:r>
+              <a:rPr lang="en-US" altLang="en-US" sz="2400" dirty="0">
+                <a:solidFill>
+                  <a:srgbClr val="FFFFFF"/>
+                </a:solidFill>
+                <a:latin typeface="Calibri" panose="020F0502020204030204" pitchFamily="34" charset="0"/>
+                <a:ea typeface="Helvetica" panose="020B0604020202020204" pitchFamily="34" charset="0"/>
+                <a:cs typeface="Calibri" panose="020F0502020204030204" pitchFamily="34" charset="0"/>
+                <a:sym typeface="Helvetica" panose="020B0604020202020204" pitchFamily="34" charset="0"/>
+              </a:rPr>
+              <a:t>it’s ok here!</a:t>
+            </a:r>
+            <a:endParaRPr lang="en-US" altLang="en-US" sz="2400" i="1" dirty="0">
+              <a:solidFill>
+                <a:srgbClr val="FFFFFF"/>
+              </a:solidFill>
+              <a:latin typeface="Calibri" panose="020F0502020204030204" pitchFamily="34" charset="0"/>
+              <a:ea typeface="Helvetica" panose="020B0604020202020204" pitchFamily="34" charset="0"/>
+              <a:cs typeface="Calibri" panose="020F0502020204030204" pitchFamily="34" charset="0"/>
+              <a:sym typeface="Helvetica" panose="020B0604020202020204" pitchFamily="34" charset="0"/>
+            </a:endParaRPr>
+          </a:p>
+        </p:txBody>
+      </p:sp>
+    </p:spTree>
+    <p:extLst>
+      <p:ext uri="{BB962C8B-B14F-4D97-AF65-F5344CB8AC3E}">
+        <p14:creationId xmlns:p14="http://schemas.microsoft.com/office/powerpoint/2010/main" val="1960269477"/>
+      </p:ext>
+    </p:extLst>
+  </p:cSld>
+  <p:clrMapOvr>
+    <a:masterClrMapping/>
+  </p:clrMapOvr>
+  <p:timing>
+    <p:tnLst>
+      <p:par>
+        <p:cTn id="1" dur="indefinite" restart="never" nodeType="tmRoot">
+          <p:childTnLst>
+            <p:seq concurrent="1" nextAc="seek">
+              <p:cTn id="2" dur="indefinite" nodeType="mainSeq">
+                <p:childTnLst>
+                  <p:par>
+                    <p:cTn id="3" fill="hold">
+                      <p:stCondLst>
+                        <p:cond delay="indefinite"/>
+                      </p:stCondLst>
+                      <p:childTnLst>
+                        <p:par>
+                          <p:cTn id="4" fill="hold">
+                            <p:stCondLst>
+                              <p:cond delay="0"/>
+                            </p:stCondLst>
+                            <p:childTnLst>
+                              <p:par>
+                                <p:cTn id="5" presetID="1" presetClass="entr" presetSubtype="0" fill="hold" grpId="0" nodeType="clickEffect">
+                                  <p:stCondLst>
+                                    <p:cond delay="0"/>
+                                  </p:stCondLst>
+                                  <p:childTnLst>
+                                    <p:set>
+                                      <p:cBhvr>
+                                        <p:cTn id="6" dur="1" fill="hold">
+                                          <p:stCondLst>
+                                            <p:cond delay="0"/>
+                                          </p:stCondLst>
+                                        </p:cTn>
+                                        <p:tgtEl>
+                                          <p:spTgt spid="11"/>
+                                        </p:tgtEl>
+                                        <p:attrNameLst>
+                                          <p:attrName>style.visibility</p:attrName>
+                                        </p:attrNameLst>
+                                      </p:cBhvr>
+                                      <p:to>
+                                        <p:strVal val="visible"/>
+                                      </p:to>
+                                    </p:set>
+                                  </p:childTnLst>
+                                </p:cTn>
+                              </p:par>
+                              <p:par>
+                                <p:cTn id="7" presetID="1" presetClass="entr" presetSubtype="0" fill="hold" nodeType="withEffect">
+                                  <p:stCondLst>
+                                    <p:cond delay="0"/>
+                                  </p:stCondLst>
+                                  <p:childTnLst>
+                                    <p:set>
+                                      <p:cBhvr>
+                                        <p:cTn id="8" dur="1" fill="hold">
+                                          <p:stCondLst>
+                                            <p:cond delay="0"/>
+                                          </p:stCondLst>
+                                        </p:cTn>
+                                        <p:tgtEl>
+                                          <p:spTgt spid="15"/>
+                                        </p:tgtEl>
+                                        <p:attrNameLst>
+                                          <p:attrName>style.visibility</p:attrName>
+                                        </p:attrNameLst>
+                                      </p:cBhvr>
+                                      <p:to>
+                                        <p:strVal val="visible"/>
+                                      </p:to>
+                                    </p:set>
+                                  </p:childTnLst>
+                                </p:cTn>
+                              </p:par>
+                            </p:childTnLst>
+                          </p:cTn>
+                        </p:par>
+                      </p:childTnLst>
+                    </p:cTn>
+                  </p:par>
+                  <p:par>
+                    <p:cTn id="9" fill="hold">
+                      <p:stCondLst>
+                        <p:cond delay="indefinite"/>
+                      </p:stCondLst>
+                      <p:childTnLst>
+                        <p:par>
+                          <p:cTn id="10" fill="hold">
+                            <p:stCondLst>
+                              <p:cond delay="0"/>
+                            </p:stCondLst>
+                            <p:childTnLst>
+                              <p:par>
+                                <p:cTn id="11" presetID="1" presetClass="entr" presetSubtype="0" fill="hold" grpId="0" nodeType="clickEffect">
+                                  <p:stCondLst>
+                                    <p:cond delay="0"/>
+                                  </p:stCondLst>
+                                  <p:childTnLst>
+                                    <p:set>
+                                      <p:cBhvr>
+                                        <p:cTn id="12" dur="1" fill="hold">
+                                          <p:stCondLst>
+                                            <p:cond delay="0"/>
+                                          </p:stCondLst>
+                                        </p:cTn>
+                                        <p:tgtEl>
+                                          <p:spTgt spid="16"/>
+                                        </p:tgtEl>
+                                        <p:attrNameLst>
+                                          <p:attrName>style.visibility</p:attrName>
+                                        </p:attrNameLst>
+                                      </p:cBhvr>
+                                      <p:to>
+                                        <p:strVal val="visible"/>
+                                      </p:to>
+                                    </p:set>
+                                  </p:childTnLst>
+                                </p:cTn>
+                              </p:par>
+                              <p:par>
+                                <p:cTn id="13" presetID="1" presetClass="entr" presetSubtype="0" fill="hold" nodeType="withEffect">
+                                  <p:stCondLst>
+                                    <p:cond delay="0"/>
+                                  </p:stCondLst>
+                                  <p:childTnLst>
+                                    <p:set>
+                                      <p:cBhvr>
+                                        <p:cTn id="14" dur="1" fill="hold">
+                                          <p:stCondLst>
+                                            <p:cond delay="0"/>
+                                          </p:stCondLst>
+                                        </p:cTn>
+                                        <p:tgtEl>
+                                          <p:spTgt spid="17"/>
+                                        </p:tgtEl>
+                                        <p:attrNameLst>
+                                          <p:attrName>style.visibility</p:attrName>
+                                        </p:attrNameLst>
+                                      </p:cBhvr>
+                                      <p:to>
+                                        <p:strVal val="visible"/>
+                                      </p:to>
+                                    </p:set>
+                                  </p:childTnLst>
+                                </p:cTn>
+                              </p:par>
+                            </p:childTnLst>
+                          </p:cTn>
+                        </p:par>
+                      </p:childTnLst>
+                    </p:cTn>
+                  </p:par>
+                </p:childTnLst>
+              </p:cTn>
+              <p:prevCondLst>
+                <p:cond evt="onPrev" delay="0">
+                  <p:tgtEl>
+                    <p:sldTgt/>
+                  </p:tgtEl>
+                </p:cond>
+              </p:prevCondLst>
+              <p:nextCondLst>
+                <p:cond evt="onNext" delay="0">
+                  <p:tgtEl>
+                    <p:sldTgt/>
+                  </p:tgtEl>
+                </p:cond>
+              </p:nextCondLst>
+            </p:seq>
+          </p:childTnLst>
+        </p:cTn>
+      </p:par>
+    </p:tnLst>
+    <p:bldLst>
+      <p:bldP spid="11" grpId="0" animBg="1"/>
+      <p:bldP spid="16" grpId="0" animBg="1"/>
+    </p:bldLst>
+  </p:timing>
+</p:sld>
+</file>
+
+<file path=ppt/slides/slide12.xml><?xml version="1.0" encoding="utf-8"?>
+<p:sld xmlns:a="http://schemas.openxmlformats.org/drawingml/2006/main" xmlns:r="http://schemas.openxmlformats.org/officeDocument/2006/relationships" xmlns:p="http://schemas.openxmlformats.org/presentationml/2006/main">
+  <p:cSld>
+    <p:spTree>
+      <p:nvGrpSpPr>
+        <p:cNvPr id="1" name="">
+          <a:extLst>
+            <a:ext uri="{FF2B5EF4-FFF2-40B4-BE49-F238E27FC236}">
               <a16:creationId xmlns:a16="http://schemas.microsoft.com/office/drawing/2014/main" id="{0058F090-0895-49D9-2431-9ABA97330C2C}"/>
             </a:ext>
           </a:extLst>
@@ -6786,7 +9248,7 @@
             <a:fld id="{20F37917-FD3A-4669-9018-DA04BCDD3D75}" type="slidenum">
               <a:rPr lang="en-US" smtClean="0"/>
               <a:pPr/>
-              <a:t>10</a:t>
+              <a:t>12</a:t>
             </a:fld>
             <a:endParaRPr lang="en-US"/>
           </a:p>
@@ -7809,7 +10271,7 @@
 </p:sld>
 </file>
 
-<file path=ppt/slides/slide11.xml><?xml version="1.0" encoding="utf-8"?>
+<file path=ppt/slides/slide13.xml><?xml version="1.0" encoding="utf-8"?>
 <p:sld xmlns:a="http://schemas.openxmlformats.org/drawingml/2006/main" xmlns:r="http://schemas.openxmlformats.org/officeDocument/2006/relationships" xmlns:p="http://schemas.openxmlformats.org/presentationml/2006/main">
   <p:cSld>
     <p:spTree>
@@ -7894,7 +10356,7 @@
             <a:fld id="{20F37917-FD3A-4669-9018-DA04BCDD3D75}" type="slidenum">
               <a:rPr lang="en-US" smtClean="0"/>
               <a:pPr/>
-              <a:t>11</a:t>
+              <a:t>13</a:t>
             </a:fld>
             <a:endParaRPr lang="en-US"/>
           </a:p>
@@ -9139,7 +11601,7 @@
 </p:sld>
 </file>
 
-<file path=ppt/slides/slide12.xml><?xml version="1.0" encoding="utf-8"?>
+<file path=ppt/slides/slide14.xml><?xml version="1.0" encoding="utf-8"?>
 <p:sld xmlns:a="http://schemas.openxmlformats.org/drawingml/2006/main" xmlns:r="http://schemas.openxmlformats.org/officeDocument/2006/relationships" xmlns:p="http://schemas.openxmlformats.org/presentationml/2006/main">
   <p:cSld>
     <p:spTree>
@@ -9214,7 +11676,7 @@
             <a:fld id="{20F37917-FD3A-4669-9018-DA04BCDD3D75}" type="slidenum">
               <a:rPr lang="en-US" smtClean="0"/>
               <a:pPr/>
-              <a:t>12</a:t>
+              <a:t>14</a:t>
             </a:fld>
             <a:endParaRPr lang="en-US"/>
           </a:p>
@@ -11239,7 +13701,7 @@
 </p:sld>
 </file>
 
-<file path=ppt/slides/slide13.xml><?xml version="1.0" encoding="utf-8"?>
+<file path=ppt/slides/slide15.xml><?xml version="1.0" encoding="utf-8"?>
 <p:sld xmlns:a="http://schemas.openxmlformats.org/drawingml/2006/main" xmlns:r="http://schemas.openxmlformats.org/officeDocument/2006/relationships" xmlns:p="http://schemas.openxmlformats.org/presentationml/2006/main" show="0">
   <p:cSld>
     <p:spTree>
@@ -11314,7 +13776,7 @@
             <a:fld id="{20F37917-FD3A-4669-9018-DA04BCDD3D75}" type="slidenum">
               <a:rPr lang="en-US" smtClean="0"/>
               <a:pPr/>
-              <a:t>13</a:t>
+              <a:t>15</a:t>
             </a:fld>
             <a:endParaRPr lang="en-US"/>
           </a:p>
@@ -13116,7 +15578,7 @@
 </p:sld>
 </file>
 
-<file path=ppt/slides/slide14.xml><?xml version="1.0" encoding="utf-8"?>
+<file path=ppt/slides/slide16.xml><?xml version="1.0" encoding="utf-8"?>
 <p:sld xmlns:a="http://schemas.openxmlformats.org/drawingml/2006/main" xmlns:r="http://schemas.openxmlformats.org/officeDocument/2006/relationships" xmlns:p="http://schemas.openxmlformats.org/presentationml/2006/main">
   <p:cSld>
     <p:spTree>
@@ -13162,7 +15624,7 @@
           <a:p>
             <a:r>
               <a:rPr lang="en-US" dirty="0"/>
-              <a:t>Zod In A Tiny Web Server </a:t>
+              <a:t>Improving This Web Server With Zod</a:t>
             </a:r>
           </a:p>
         </p:txBody>
@@ -13191,7 +15653,7 @@
             <a:fld id="{20F37917-FD3A-4669-9018-DA04BCDD3D75}" type="slidenum">
               <a:rPr lang="en-US" smtClean="0"/>
               <a:pPr/>
-              <a:t>14</a:t>
+              <a:t>16</a:t>
             </a:fld>
             <a:endParaRPr lang="en-US"/>
           </a:p>
@@ -13354,12 +15816,20 @@
                 <a:solidFill>
                   <a:srgbClr val="AF00DB"/>
                 </a:solidFill>
-                <a:latin typeface="Menlo" panose="020B0609030804020204" pitchFamily="49" charset="0"/>
+                <a:highlight>
+                  <a:srgbClr val="FFFF00"/>
+                </a:highlight>
+                <a:latin typeface="Menlo" panose="020B0609030804020204" pitchFamily="49" charset="0"/>
+                <a:ea typeface="Menlo" panose="020B0609030804020204" pitchFamily="49" charset="0"/>
+                <a:cs typeface="Menlo" panose="020B0609030804020204" pitchFamily="49" charset="0"/>
               </a:rPr>
               <a:t>import</a:t>
             </a:r>
             <a:r>
               <a:rPr lang="en-US" sz="1800" dirty="0">
+                <a:highlight>
+                  <a:srgbClr val="FFFF00"/>
+                </a:highlight>
                 <a:latin typeface="Menlo" panose="020B0609030804020204" pitchFamily="49" charset="0"/>
                 <a:ea typeface="Menlo" panose="020B0609030804020204" pitchFamily="49" charset="0"/>
                 <a:cs typeface="Menlo" panose="020B0609030804020204" pitchFamily="49" charset="0"/>
@@ -13371,12 +15841,20 @@
                 <a:solidFill>
                   <a:srgbClr val="AF00DB"/>
                 </a:solidFill>
-                <a:latin typeface="Menlo" panose="020B0609030804020204" pitchFamily="49" charset="0"/>
+                <a:highlight>
+                  <a:srgbClr val="FFFF00"/>
+                </a:highlight>
+                <a:latin typeface="Menlo" panose="020B0609030804020204" pitchFamily="49" charset="0"/>
+                <a:ea typeface="Menlo" panose="020B0609030804020204" pitchFamily="49" charset="0"/>
+                <a:cs typeface="Menlo" panose="020B0609030804020204" pitchFamily="49" charset="0"/>
               </a:rPr>
               <a:t>from</a:t>
             </a:r>
             <a:r>
               <a:rPr lang="en-US" sz="1800" dirty="0">
+                <a:highlight>
+                  <a:srgbClr val="FFFF00"/>
+                </a:highlight>
                 <a:latin typeface="Menlo" panose="020B0609030804020204" pitchFamily="49" charset="0"/>
                 <a:ea typeface="Menlo" panose="020B0609030804020204" pitchFamily="49" charset="0"/>
                 <a:cs typeface="Menlo" panose="020B0609030804020204" pitchFamily="49" charset="0"/>
@@ -13388,6 +15866,9 @@
                 <a:solidFill>
                   <a:srgbClr val="C00000"/>
                 </a:solidFill>
+                <a:highlight>
+                  <a:srgbClr val="FFFF00"/>
+                </a:highlight>
                 <a:latin typeface="Menlo" panose="020B0609030804020204" pitchFamily="49" charset="0"/>
                 <a:ea typeface="Menlo" panose="020B0609030804020204" pitchFamily="49" charset="0"/>
                 <a:cs typeface="Menlo" panose="020B0609030804020204" pitchFamily="49" charset="0"/>
@@ -13399,6 +15880,9 @@
                 <a:solidFill>
                   <a:srgbClr val="C00000"/>
                 </a:solidFill>
+                <a:highlight>
+                  <a:srgbClr val="FFFF00"/>
+                </a:highlight>
                 <a:latin typeface="Menlo" panose="020B0609030804020204" pitchFamily="49" charset="0"/>
                 <a:ea typeface="Menlo" panose="020B0609030804020204" pitchFamily="49" charset="0"/>
                 <a:cs typeface="Menlo" panose="020B0609030804020204" pitchFamily="49" charset="0"/>
@@ -13410,6 +15894,9 @@
                 <a:solidFill>
                   <a:srgbClr val="C00000"/>
                 </a:solidFill>
+                <a:highlight>
+                  <a:srgbClr val="FFFF00"/>
+                </a:highlight>
                 <a:latin typeface="Menlo" panose="020B0609030804020204" pitchFamily="49" charset="0"/>
                 <a:ea typeface="Menlo" panose="020B0609030804020204" pitchFamily="49" charset="0"/>
                 <a:cs typeface="Menlo" panose="020B0609030804020204" pitchFamily="49" charset="0"/>
@@ -13418,6 +15905,9 @@
             </a:r>
             <a:r>
               <a:rPr lang="en-US" sz="1800" dirty="0">
+                <a:highlight>
+                  <a:srgbClr val="FFFF00"/>
+                </a:highlight>
                 <a:latin typeface="Menlo" panose="020B0609030804020204" pitchFamily="49" charset="0"/>
                 <a:ea typeface="Menlo" panose="020B0609030804020204" pitchFamily="49" charset="0"/>
                 <a:cs typeface="Menlo" panose="020B0609030804020204" pitchFamily="49" charset="0"/>
@@ -13428,7 +15918,12 @@
               <a:solidFill>
                 <a:srgbClr val="AF00DB"/>
               </a:solidFill>
+              <a:highlight>
+                <a:srgbClr val="FFFF00"/>
+              </a:highlight>
               <a:latin typeface="Menlo" panose="020B0609030804020204" pitchFamily="49" charset="0"/>
+              <a:ea typeface="Menlo" panose="020B0609030804020204" pitchFamily="49" charset="0"/>
+              <a:cs typeface="Menlo" panose="020B0609030804020204" pitchFamily="49" charset="0"/>
             </a:endParaRPr>
           </a:p>
           <a:p>
@@ -13441,21 +15936,16 @@
             <a:r>
               <a:rPr lang="en-US" sz="1800" dirty="0">
                 <a:solidFill>
-                  <a:schemeClr val="bg1">
-                    <a:lumMod val="65000"/>
-                  </a:schemeClr>
-                </a:solidFill>
-                <a:latin typeface="Menlo" panose="020B0609030804020204" pitchFamily="49" charset="0"/>
+                  <a:srgbClr val="AF00DB"/>
+                </a:solidFill>
+                <a:latin typeface="Menlo" panose="020B0609030804020204" pitchFamily="49" charset="0"/>
+                <a:ea typeface="Menlo" panose="020B0609030804020204" pitchFamily="49" charset="0"/>
+                <a:cs typeface="Menlo" panose="020B0609030804020204" pitchFamily="49" charset="0"/>
               </a:rPr>
               <a:t>import</a:t>
             </a:r>
             <a:r>
               <a:rPr lang="en-US" sz="1800" dirty="0">
-                <a:solidFill>
-                  <a:schemeClr val="bg1">
-                    <a:lumMod val="65000"/>
-                  </a:schemeClr>
-                </a:solidFill>
                 <a:latin typeface="Menlo" panose="020B0609030804020204" pitchFamily="49" charset="0"/>
                 <a:ea typeface="Menlo" panose="020B0609030804020204" pitchFamily="49" charset="0"/>
                 <a:cs typeface="Menlo" panose="020B0609030804020204" pitchFamily="49" charset="0"/>
@@ -13465,26 +15955,40 @@
             <a:r>
               <a:rPr lang="en-US" sz="1800" dirty="0">
                 <a:solidFill>
-                  <a:schemeClr val="bg1">
-                    <a:lumMod val="65000"/>
-                  </a:schemeClr>
-                </a:solidFill>
-                <a:latin typeface="Menlo" panose="020B0609030804020204" pitchFamily="49" charset="0"/>
+                  <a:srgbClr val="AF00DB"/>
+                </a:solidFill>
+                <a:latin typeface="Menlo" panose="020B0609030804020204" pitchFamily="49" charset="0"/>
+                <a:ea typeface="Menlo" panose="020B0609030804020204" pitchFamily="49" charset="0"/>
+                <a:cs typeface="Menlo" panose="020B0609030804020204" pitchFamily="49" charset="0"/>
               </a:rPr>
               <a:t>from</a:t>
             </a:r>
             <a:r>
               <a:rPr lang="en-US" sz="1800" dirty="0">
-                <a:solidFill>
-                  <a:schemeClr val="bg1">
-                    <a:lumMod val="65000"/>
-                  </a:schemeClr>
-                </a:solidFill>
-                <a:latin typeface="Menlo" panose="020B0609030804020204" pitchFamily="49" charset="0"/>
-                <a:ea typeface="Menlo" panose="020B0609030804020204" pitchFamily="49" charset="0"/>
-                <a:cs typeface="Menlo" panose="020B0609030804020204" pitchFamily="49" charset="0"/>
-              </a:rPr>
-              <a:t> 'express';</a:t>
+                <a:latin typeface="Menlo" panose="020B0609030804020204" pitchFamily="49" charset="0"/>
+                <a:ea typeface="Menlo" panose="020B0609030804020204" pitchFamily="49" charset="0"/>
+                <a:cs typeface="Menlo" panose="020B0609030804020204" pitchFamily="49" charset="0"/>
+              </a:rPr>
+              <a:t> </a:t>
+            </a:r>
+            <a:r>
+              <a:rPr lang="en-US" sz="1800" dirty="0">
+                <a:solidFill>
+                  <a:srgbClr val="C00000"/>
+                </a:solidFill>
+                <a:latin typeface="Menlo" panose="020B0609030804020204" pitchFamily="49" charset="0"/>
+                <a:ea typeface="Menlo" panose="020B0609030804020204" pitchFamily="49" charset="0"/>
+                <a:cs typeface="Menlo" panose="020B0609030804020204" pitchFamily="49" charset="0"/>
+              </a:rPr>
+              <a:t>'express'</a:t>
+            </a:r>
+            <a:r>
+              <a:rPr lang="en-US" sz="1800" dirty="0">
+                <a:latin typeface="Menlo" panose="020B0609030804020204" pitchFamily="49" charset="0"/>
+                <a:ea typeface="Menlo" panose="020B0609030804020204" pitchFamily="49" charset="0"/>
+                <a:cs typeface="Menlo" panose="020B0609030804020204" pitchFamily="49" charset="0"/>
+              </a:rPr>
+              <a:t>;</a:t>
             </a:r>
           </a:p>
           <a:p>
@@ -13497,15 +16001,42 @@
             <a:r>
               <a:rPr lang="en-US" sz="1800" dirty="0">
                 <a:solidFill>
-                  <a:schemeClr val="bg1">
-                    <a:lumMod val="65000"/>
+                  <a:srgbClr val="002060"/>
+                </a:solidFill>
+                <a:latin typeface="Menlo" panose="020B0609030804020204" pitchFamily="49" charset="0"/>
+                <a:ea typeface="Menlo" panose="020B0609030804020204" pitchFamily="49" charset="0"/>
+                <a:cs typeface="Menlo" panose="020B0609030804020204" pitchFamily="49" charset="0"/>
+              </a:rPr>
+              <a:t>const app </a:t>
+            </a:r>
+            <a:r>
+              <a:rPr lang="en-US" sz="1800" dirty="0">
+                <a:latin typeface="Menlo" panose="020B0609030804020204" pitchFamily="49" charset="0"/>
+                <a:ea typeface="Menlo" panose="020B0609030804020204" pitchFamily="49" charset="0"/>
+                <a:cs typeface="Menlo" panose="020B0609030804020204" pitchFamily="49" charset="0"/>
+              </a:rPr>
+              <a:t>= </a:t>
+            </a:r>
+            <a:r>
+              <a:rPr lang="en-US" sz="1800" dirty="0">
+                <a:solidFill>
+                  <a:schemeClr val="accent4">
+                    <a:lumMod val="50000"/>
                   </a:schemeClr>
                 </a:solidFill>
                 <a:latin typeface="Menlo" panose="020B0609030804020204" pitchFamily="49" charset="0"/>
                 <a:ea typeface="Menlo" panose="020B0609030804020204" pitchFamily="49" charset="0"/>
                 <a:cs typeface="Menlo" panose="020B0609030804020204" pitchFamily="49" charset="0"/>
               </a:rPr>
-              <a:t>const app = express();</a:t>
+              <a:t>express</a:t>
+            </a:r>
+            <a:r>
+              <a:rPr lang="en-US" sz="1800" dirty="0">
+                <a:latin typeface="Menlo" panose="020B0609030804020204" pitchFamily="49" charset="0"/>
+                <a:ea typeface="Menlo" panose="020B0609030804020204" pitchFamily="49" charset="0"/>
+                <a:cs typeface="Menlo" panose="020B0609030804020204" pitchFamily="49" charset="0"/>
+              </a:rPr>
+              <a:t>();</a:t>
             </a:r>
           </a:p>
           <a:p>
@@ -13518,49 +16049,77 @@
             <a:r>
               <a:rPr lang="en-US" sz="1800" dirty="0" err="1">
                 <a:solidFill>
-                  <a:schemeClr val="bg1">
-                    <a:lumMod val="65000"/>
+                  <a:srgbClr val="002060"/>
+                </a:solidFill>
+                <a:latin typeface="Menlo" panose="020B0609030804020204" pitchFamily="49" charset="0"/>
+                <a:ea typeface="Menlo" panose="020B0609030804020204" pitchFamily="49" charset="0"/>
+                <a:cs typeface="Menlo" panose="020B0609030804020204" pitchFamily="49" charset="0"/>
+              </a:rPr>
+              <a:t>app</a:t>
+            </a:r>
+            <a:r>
+              <a:rPr lang="en-US" sz="1800" dirty="0" err="1">
+                <a:latin typeface="Menlo" panose="020B0609030804020204" pitchFamily="49" charset="0"/>
+                <a:ea typeface="Menlo" panose="020B0609030804020204" pitchFamily="49" charset="0"/>
+                <a:cs typeface="Menlo" panose="020B0609030804020204" pitchFamily="49" charset="0"/>
+              </a:rPr>
+              <a:t>.</a:t>
+            </a:r>
+            <a:r>
+              <a:rPr lang="en-US" sz="1800" dirty="0" err="1">
+                <a:solidFill>
+                  <a:schemeClr val="accent4">
+                    <a:lumMod val="50000"/>
                   </a:schemeClr>
                 </a:solidFill>
                 <a:latin typeface="Menlo" panose="020B0609030804020204" pitchFamily="49" charset="0"/>
                 <a:ea typeface="Menlo" panose="020B0609030804020204" pitchFamily="49" charset="0"/>
                 <a:cs typeface="Menlo" panose="020B0609030804020204" pitchFamily="49" charset="0"/>
               </a:rPr>
-              <a:t>app.use</a:t>
-            </a:r>
-            <a:r>
-              <a:rPr lang="en-US" sz="1800" dirty="0">
-                <a:solidFill>
-                  <a:schemeClr val="bg1">
-                    <a:lumMod val="65000"/>
+              <a:t>use</a:t>
+            </a:r>
+            <a:r>
+              <a:rPr lang="en-US" sz="1800" dirty="0">
+                <a:latin typeface="Menlo" panose="020B0609030804020204" pitchFamily="49" charset="0"/>
+                <a:ea typeface="Menlo" panose="020B0609030804020204" pitchFamily="49" charset="0"/>
+                <a:cs typeface="Menlo" panose="020B0609030804020204" pitchFamily="49" charset="0"/>
+              </a:rPr>
+              <a:t>(</a:t>
+            </a:r>
+            <a:r>
+              <a:rPr lang="en-US" sz="1800" dirty="0" err="1">
+                <a:solidFill>
+                  <a:srgbClr val="002060"/>
+                </a:solidFill>
+                <a:latin typeface="Menlo" panose="020B0609030804020204" pitchFamily="49" charset="0"/>
+                <a:ea typeface="Menlo" panose="020B0609030804020204" pitchFamily="49" charset="0"/>
+                <a:cs typeface="Menlo" panose="020B0609030804020204" pitchFamily="49" charset="0"/>
+              </a:rPr>
+              <a:t>express</a:t>
+            </a:r>
+            <a:r>
+              <a:rPr lang="en-US" sz="1800" dirty="0" err="1">
+                <a:latin typeface="Menlo" panose="020B0609030804020204" pitchFamily="49" charset="0"/>
+                <a:ea typeface="Menlo" panose="020B0609030804020204" pitchFamily="49" charset="0"/>
+                <a:cs typeface="Menlo" panose="020B0609030804020204" pitchFamily="49" charset="0"/>
+              </a:rPr>
+              <a:t>.</a:t>
+            </a:r>
+            <a:r>
+              <a:rPr lang="en-US" sz="1800" dirty="0" err="1">
+                <a:solidFill>
+                  <a:schemeClr val="accent4">
+                    <a:lumMod val="50000"/>
                   </a:schemeClr>
                 </a:solidFill>
                 <a:latin typeface="Menlo" panose="020B0609030804020204" pitchFamily="49" charset="0"/>
                 <a:ea typeface="Menlo" panose="020B0609030804020204" pitchFamily="49" charset="0"/>
                 <a:cs typeface="Menlo" panose="020B0609030804020204" pitchFamily="49" charset="0"/>
               </a:rPr>
-              <a:t>(</a:t>
-            </a:r>
-            <a:r>
-              <a:rPr lang="en-US" sz="1800" dirty="0" err="1">
-                <a:solidFill>
-                  <a:schemeClr val="bg1">
-                    <a:lumMod val="65000"/>
-                  </a:schemeClr>
-                </a:solidFill>
-                <a:latin typeface="Menlo" panose="020B0609030804020204" pitchFamily="49" charset="0"/>
-                <a:ea typeface="Menlo" panose="020B0609030804020204" pitchFamily="49" charset="0"/>
-                <a:cs typeface="Menlo" panose="020B0609030804020204" pitchFamily="49" charset="0"/>
-              </a:rPr>
-              <a:t>express.json</a:t>
-            </a:r>
-            <a:r>
-              <a:rPr lang="en-US" sz="1800" dirty="0">
-                <a:solidFill>
-                  <a:schemeClr val="bg1">
-                    <a:lumMod val="65000"/>
-                  </a:schemeClr>
-                </a:solidFill>
+              <a:t>json</a:t>
+            </a:r>
+            <a:r>
+              <a:rPr lang="en-US" sz="1800" dirty="0">
                 <a:latin typeface="Menlo" panose="020B0609030804020204" pitchFamily="49" charset="0"/>
                 <a:ea typeface="Menlo" panose="020B0609030804020204" pitchFamily="49" charset="0"/>
                 <a:cs typeface="Menlo" panose="020B0609030804020204" pitchFamily="49" charset="0"/>
@@ -13602,6 +16161,9 @@
                 <a:solidFill>
                   <a:srgbClr val="002060"/>
                 </a:solidFill>
+                <a:highlight>
+                  <a:srgbClr val="FFFF00"/>
+                </a:highlight>
                 <a:latin typeface="Menlo" panose="020B0609030804020204" pitchFamily="49" charset="0"/>
                 <a:ea typeface="Menlo" panose="020B0609030804020204" pitchFamily="49" charset="0"/>
                 <a:cs typeface="Menlo" panose="020B0609030804020204" pitchFamily="49" charset="0"/>
@@ -13610,6 +16172,9 @@
             </a:r>
             <a:r>
               <a:rPr lang="en-US" sz="1800" dirty="0">
+                <a:highlight>
+                  <a:srgbClr val="FFFF00"/>
+                </a:highlight>
                 <a:latin typeface="Menlo" panose="020B0609030804020204" pitchFamily="49" charset="0"/>
                 <a:ea typeface="Menlo" panose="020B0609030804020204" pitchFamily="49" charset="0"/>
                 <a:cs typeface="Menlo" panose="020B0609030804020204" pitchFamily="49" charset="0"/>
@@ -13621,6 +16186,9 @@
                 <a:solidFill>
                   <a:srgbClr val="0070C0"/>
                 </a:solidFill>
+                <a:highlight>
+                  <a:srgbClr val="FFFF00"/>
+                </a:highlight>
                 <a:latin typeface="Menlo" panose="020B0609030804020204" pitchFamily="49" charset="0"/>
                 <a:ea typeface="Menlo" panose="020B0609030804020204" pitchFamily="49" charset="0"/>
                 <a:cs typeface="Menlo" panose="020B0609030804020204" pitchFamily="49" charset="0"/>
@@ -13629,6 +16197,9 @@
             </a:r>
             <a:r>
               <a:rPr lang="en-US" sz="1800" dirty="0">
+                <a:highlight>
+                  <a:srgbClr val="FFFF00"/>
+                </a:highlight>
                 <a:latin typeface="Menlo" panose="020B0609030804020204" pitchFamily="49" charset="0"/>
                 <a:ea typeface="Menlo" panose="020B0609030804020204" pitchFamily="49" charset="0"/>
                 <a:cs typeface="Menlo" panose="020B0609030804020204" pitchFamily="49" charset="0"/>
@@ -13637,6 +16208,9 @@
             </a:r>
             <a:r>
               <a:rPr lang="en-US" sz="1800" dirty="0" err="1">
+                <a:highlight>
+                  <a:srgbClr val="FFFF00"/>
+                </a:highlight>
                 <a:latin typeface="Menlo" panose="020B0609030804020204" pitchFamily="49" charset="0"/>
                 <a:ea typeface="Menlo" panose="020B0609030804020204" pitchFamily="49" charset="0"/>
                 <a:cs typeface="Menlo" panose="020B0609030804020204" pitchFamily="49" charset="0"/>
@@ -13650,6 +16224,9 @@
                     <a:lumMod val="50000"/>
                   </a:schemeClr>
                 </a:solidFill>
+                <a:highlight>
+                  <a:srgbClr val="FFFF00"/>
+                </a:highlight>
                 <a:latin typeface="Menlo" panose="020B0609030804020204" pitchFamily="49" charset="0"/>
                 <a:ea typeface="Menlo" panose="020B0609030804020204" pitchFamily="49" charset="0"/>
                 <a:cs typeface="Menlo" panose="020B0609030804020204" pitchFamily="49" charset="0"/>
@@ -13658,6 +16235,9 @@
             </a:r>
             <a:r>
               <a:rPr lang="en-US" sz="1800" dirty="0">
+                <a:highlight>
+                  <a:srgbClr val="FFFF00"/>
+                </a:highlight>
                 <a:latin typeface="Menlo" panose="020B0609030804020204" pitchFamily="49" charset="0"/>
                 <a:ea typeface="Menlo" panose="020B0609030804020204" pitchFamily="49" charset="0"/>
                 <a:cs typeface="Menlo" panose="020B0609030804020204" pitchFamily="49" charset="0"/>
@@ -13669,6 +16249,9 @@
                 <a:solidFill>
                   <a:srgbClr val="002060"/>
                 </a:solidFill>
+                <a:highlight>
+                  <a:srgbClr val="FFFF00"/>
+                </a:highlight>
                 <a:latin typeface="Menlo" panose="020B0609030804020204" pitchFamily="49" charset="0"/>
                 <a:ea typeface="Menlo" panose="020B0609030804020204" pitchFamily="49" charset="0"/>
                 <a:cs typeface="Menlo" panose="020B0609030804020204" pitchFamily="49" charset="0"/>
@@ -13677,6 +16260,9 @@
             </a:r>
             <a:r>
               <a:rPr lang="en-US" sz="1800" dirty="0">
+                <a:highlight>
+                  <a:srgbClr val="FFFF00"/>
+                </a:highlight>
                 <a:latin typeface="Menlo" panose="020B0609030804020204" pitchFamily="49" charset="0"/>
                 <a:ea typeface="Menlo" panose="020B0609030804020204" pitchFamily="49" charset="0"/>
                 <a:cs typeface="Menlo" panose="020B0609030804020204" pitchFamily="49" charset="0"/>
@@ -13685,6 +16271,9 @@
             </a:r>
             <a:r>
               <a:rPr lang="en-US" sz="1800" dirty="0" err="1">
+                <a:highlight>
+                  <a:srgbClr val="FFFF00"/>
+                </a:highlight>
                 <a:latin typeface="Menlo" panose="020B0609030804020204" pitchFamily="49" charset="0"/>
                 <a:ea typeface="Menlo" panose="020B0609030804020204" pitchFamily="49" charset="0"/>
                 <a:cs typeface="Menlo" panose="020B0609030804020204" pitchFamily="49" charset="0"/>
@@ -13698,6 +16287,9 @@
                     <a:lumMod val="50000"/>
                   </a:schemeClr>
                 </a:solidFill>
+                <a:highlight>
+                  <a:srgbClr val="FFFF00"/>
+                </a:highlight>
                 <a:latin typeface="Menlo" panose="020B0609030804020204" pitchFamily="49" charset="0"/>
                 <a:ea typeface="Menlo" panose="020B0609030804020204" pitchFamily="49" charset="0"/>
                 <a:cs typeface="Menlo" panose="020B0609030804020204" pitchFamily="49" charset="0"/>
@@ -13709,6 +16301,9 @@
                 <a:solidFill>
                   <a:srgbClr val="0070C0"/>
                 </a:solidFill>
+                <a:highlight>
+                  <a:srgbClr val="FFFF00"/>
+                </a:highlight>
                 <a:latin typeface="Menlo" panose="020B0609030804020204" pitchFamily="49" charset="0"/>
                 <a:ea typeface="Menlo" panose="020B0609030804020204" pitchFamily="49" charset="0"/>
                 <a:cs typeface="Menlo" panose="020B0609030804020204" pitchFamily="49" charset="0"/>
@@ -13717,6 +16312,9 @@
             </a:r>
             <a:r>
               <a:rPr lang="en-US" sz="1800" dirty="0">
+                <a:highlight>
+                  <a:srgbClr val="FFFF00"/>
+                </a:highlight>
                 <a:latin typeface="Menlo" panose="020B0609030804020204" pitchFamily="49" charset="0"/>
                 <a:ea typeface="Menlo" panose="020B0609030804020204" pitchFamily="49" charset="0"/>
                 <a:cs typeface="Menlo" panose="020B0609030804020204" pitchFamily="49" charset="0"/>
@@ -13728,6 +16326,9 @@
                 <a:solidFill>
                   <a:srgbClr val="002060"/>
                 </a:solidFill>
+                <a:highlight>
+                  <a:srgbClr val="FFFF00"/>
+                </a:highlight>
                 <a:latin typeface="Menlo" panose="020B0609030804020204" pitchFamily="49" charset="0"/>
                 <a:ea typeface="Menlo" panose="020B0609030804020204" pitchFamily="49" charset="0"/>
                 <a:cs typeface="Menlo" panose="020B0609030804020204" pitchFamily="49" charset="0"/>
@@ -13736,6 +16337,9 @@
             </a:r>
             <a:r>
               <a:rPr lang="en-US" sz="1800" dirty="0">
+                <a:highlight>
+                  <a:srgbClr val="FFFF00"/>
+                </a:highlight>
                 <a:latin typeface="Menlo" panose="020B0609030804020204" pitchFamily="49" charset="0"/>
                 <a:ea typeface="Menlo" panose="020B0609030804020204" pitchFamily="49" charset="0"/>
                 <a:cs typeface="Menlo" panose="020B0609030804020204" pitchFamily="49" charset="0"/>
@@ -13744,6 +16348,9 @@
             </a:r>
             <a:r>
               <a:rPr lang="en-US" sz="1800" dirty="0" err="1">
+                <a:highlight>
+                  <a:srgbClr val="FFFF00"/>
+                </a:highlight>
                 <a:latin typeface="Menlo" panose="020B0609030804020204" pitchFamily="49" charset="0"/>
                 <a:ea typeface="Menlo" panose="020B0609030804020204" pitchFamily="49" charset="0"/>
                 <a:cs typeface="Menlo" panose="020B0609030804020204" pitchFamily="49" charset="0"/>
@@ -13757,6 +16364,9 @@
                     <a:lumMod val="50000"/>
                   </a:schemeClr>
                 </a:solidFill>
+                <a:highlight>
+                  <a:srgbClr val="FFFF00"/>
+                </a:highlight>
                 <a:latin typeface="Menlo" panose="020B0609030804020204" pitchFamily="49" charset="0"/>
                 <a:ea typeface="Menlo" panose="020B0609030804020204" pitchFamily="49" charset="0"/>
                 <a:cs typeface="Menlo" panose="020B0609030804020204" pitchFamily="49" charset="0"/>
@@ -13768,6 +16378,9 @@
                 <a:solidFill>
                   <a:srgbClr val="0070C0"/>
                 </a:solidFill>
+                <a:highlight>
+                  <a:srgbClr val="FFFF00"/>
+                </a:highlight>
                 <a:latin typeface="Menlo" panose="020B0609030804020204" pitchFamily="49" charset="0"/>
                 <a:ea typeface="Menlo" panose="020B0609030804020204" pitchFamily="49" charset="0"/>
                 <a:cs typeface="Menlo" panose="020B0609030804020204" pitchFamily="49" charset="0"/>
@@ -13776,6 +16389,9 @@
             </a:r>
             <a:r>
               <a:rPr lang="en-US" sz="1800" dirty="0">
+                <a:highlight>
+                  <a:srgbClr val="FFFF00"/>
+                </a:highlight>
                 <a:latin typeface="Menlo" panose="020B0609030804020204" pitchFamily="49" charset="0"/>
                 <a:ea typeface="Menlo" panose="020B0609030804020204" pitchFamily="49" charset="0"/>
                 <a:cs typeface="Menlo" panose="020B0609030804020204" pitchFamily="49" charset="0"/>
@@ -13793,28 +16409,99 @@
             <a:r>
               <a:rPr lang="en-US" sz="1800" dirty="0" err="1">
                 <a:solidFill>
-                  <a:schemeClr val="bg1">
-                    <a:lumMod val="65000"/>
+                  <a:srgbClr val="002060"/>
+                </a:solidFill>
+                <a:latin typeface="Menlo" panose="020B0609030804020204" pitchFamily="49" charset="0"/>
+                <a:ea typeface="Menlo" panose="020B0609030804020204" pitchFamily="49" charset="0"/>
+                <a:cs typeface="Menlo" panose="020B0609030804020204" pitchFamily="49" charset="0"/>
+              </a:rPr>
+              <a:t>app</a:t>
+            </a:r>
+            <a:r>
+              <a:rPr lang="en-US" sz="1800" dirty="0" err="1">
+                <a:latin typeface="Menlo" panose="020B0609030804020204" pitchFamily="49" charset="0"/>
+                <a:ea typeface="Menlo" panose="020B0609030804020204" pitchFamily="49" charset="0"/>
+                <a:cs typeface="Menlo" panose="020B0609030804020204" pitchFamily="49" charset="0"/>
+              </a:rPr>
+              <a:t>.</a:t>
+            </a:r>
+            <a:r>
+              <a:rPr lang="en-US" sz="1800" dirty="0" err="1">
+                <a:solidFill>
+                  <a:schemeClr val="accent4">
+                    <a:lumMod val="50000"/>
                   </a:schemeClr>
                 </a:solidFill>
                 <a:latin typeface="Menlo" panose="020B0609030804020204" pitchFamily="49" charset="0"/>
                 <a:ea typeface="Menlo" panose="020B0609030804020204" pitchFamily="49" charset="0"/>
                 <a:cs typeface="Menlo" panose="020B0609030804020204" pitchFamily="49" charset="0"/>
               </a:rPr>
-              <a:t>app.post</a:t>
-            </a:r>
-            <a:r>
-              <a:rPr lang="en-US" sz="1800" dirty="0">
-                <a:solidFill>
-                  <a:schemeClr val="bg1">
-                    <a:lumMod val="65000"/>
-                  </a:schemeClr>
-                </a:solidFill>
-                <a:latin typeface="Menlo" panose="020B0609030804020204" pitchFamily="49" charset="0"/>
-                <a:ea typeface="Menlo" panose="020B0609030804020204" pitchFamily="49" charset="0"/>
-                <a:cs typeface="Menlo" panose="020B0609030804020204" pitchFamily="49" charset="0"/>
-              </a:rPr>
-              <a:t>('/', (req, res) =&gt; {</a:t>
+              <a:t>post</a:t>
+            </a:r>
+            <a:r>
+              <a:rPr lang="en-US" sz="1800" dirty="0">
+                <a:latin typeface="Menlo" panose="020B0609030804020204" pitchFamily="49" charset="0"/>
+                <a:ea typeface="Menlo" panose="020B0609030804020204" pitchFamily="49" charset="0"/>
+                <a:cs typeface="Menlo" panose="020B0609030804020204" pitchFamily="49" charset="0"/>
+              </a:rPr>
+              <a:t>(</a:t>
+            </a:r>
+            <a:r>
+              <a:rPr lang="en-US" sz="1800" dirty="0">
+                <a:solidFill>
+                  <a:srgbClr val="C00000"/>
+                </a:solidFill>
+                <a:latin typeface="Menlo" panose="020B0609030804020204" pitchFamily="49" charset="0"/>
+                <a:ea typeface="Menlo" panose="020B0609030804020204" pitchFamily="49" charset="0"/>
+                <a:cs typeface="Menlo" panose="020B0609030804020204" pitchFamily="49" charset="0"/>
+              </a:rPr>
+              <a:t>'/'</a:t>
+            </a:r>
+            <a:r>
+              <a:rPr lang="en-US" sz="1800" dirty="0">
+                <a:latin typeface="Menlo" panose="020B0609030804020204" pitchFamily="49" charset="0"/>
+                <a:ea typeface="Menlo" panose="020B0609030804020204" pitchFamily="49" charset="0"/>
+                <a:cs typeface="Menlo" panose="020B0609030804020204" pitchFamily="49" charset="0"/>
+              </a:rPr>
+              <a:t>, (</a:t>
+            </a:r>
+            <a:r>
+              <a:rPr lang="en-US" sz="1800" dirty="0">
+                <a:solidFill>
+                  <a:srgbClr val="002060"/>
+                </a:solidFill>
+                <a:latin typeface="Menlo" panose="020B0609030804020204" pitchFamily="49" charset="0"/>
+                <a:ea typeface="Menlo" panose="020B0609030804020204" pitchFamily="49" charset="0"/>
+                <a:cs typeface="Menlo" panose="020B0609030804020204" pitchFamily="49" charset="0"/>
+              </a:rPr>
+              <a:t>req</a:t>
+            </a:r>
+            <a:r>
+              <a:rPr lang="en-US" sz="1800" dirty="0">
+                <a:latin typeface="Menlo" panose="020B0609030804020204" pitchFamily="49" charset="0"/>
+                <a:ea typeface="Menlo" panose="020B0609030804020204" pitchFamily="49" charset="0"/>
+                <a:cs typeface="Menlo" panose="020B0609030804020204" pitchFamily="49" charset="0"/>
+              </a:rPr>
+              <a:t>, </a:t>
+            </a:r>
+            <a:r>
+              <a:rPr lang="en-US" sz="1800" dirty="0">
+                <a:solidFill>
+                  <a:srgbClr val="002060"/>
+                </a:solidFill>
+                <a:latin typeface="Menlo" panose="020B0609030804020204" pitchFamily="49" charset="0"/>
+                <a:ea typeface="Menlo" panose="020B0609030804020204" pitchFamily="49" charset="0"/>
+                <a:cs typeface="Menlo" panose="020B0609030804020204" pitchFamily="49" charset="0"/>
+              </a:rPr>
+              <a:t>res</a:t>
+            </a:r>
+            <a:r>
+              <a:rPr lang="en-US" sz="1800" dirty="0">
+                <a:latin typeface="Menlo" panose="020B0609030804020204" pitchFamily="49" charset="0"/>
+                <a:ea typeface="Menlo" panose="020B0609030804020204" pitchFamily="49" charset="0"/>
+                <a:cs typeface="Menlo" panose="020B0609030804020204" pitchFamily="49" charset="0"/>
+              </a:rPr>
+              <a:t>) =&gt; {</a:t>
             </a:r>
           </a:p>
           <a:p>
@@ -13826,6 +16513,9 @@
             </a:pPr>
             <a:r>
               <a:rPr lang="en-US" sz="1800" dirty="0">
+                <a:highlight>
+                  <a:srgbClr val="FFFF00"/>
+                </a:highlight>
                 <a:latin typeface="Menlo" panose="020B0609030804020204" pitchFamily="49" charset="0"/>
                 <a:ea typeface="Menlo" panose="020B0609030804020204" pitchFamily="49" charset="0"/>
                 <a:cs typeface="Menlo" panose="020B0609030804020204" pitchFamily="49" charset="0"/>
@@ -13837,6 +16527,9 @@
                 <a:solidFill>
                   <a:srgbClr val="002060"/>
                 </a:solidFill>
+                <a:highlight>
+                  <a:srgbClr val="FFFF00"/>
+                </a:highlight>
                 <a:latin typeface="Menlo" panose="020B0609030804020204" pitchFamily="49" charset="0"/>
                 <a:ea typeface="Menlo" panose="020B0609030804020204" pitchFamily="49" charset="0"/>
                 <a:cs typeface="Menlo" panose="020B0609030804020204" pitchFamily="49" charset="0"/>
@@ -13845,6 +16538,9 @@
             </a:r>
             <a:r>
               <a:rPr lang="en-US" sz="1800" dirty="0">
+                <a:highlight>
+                  <a:srgbClr val="FFFF00"/>
+                </a:highlight>
                 <a:latin typeface="Menlo" panose="020B0609030804020204" pitchFamily="49" charset="0"/>
                 <a:ea typeface="Menlo" panose="020B0609030804020204" pitchFamily="49" charset="0"/>
                 <a:cs typeface="Menlo" panose="020B0609030804020204" pitchFamily="49" charset="0"/>
@@ -13856,6 +16552,9 @@
                 <a:solidFill>
                   <a:srgbClr val="0070C0"/>
                 </a:solidFill>
+                <a:highlight>
+                  <a:srgbClr val="FFFF00"/>
+                </a:highlight>
                 <a:latin typeface="Menlo" panose="020B0609030804020204" pitchFamily="49" charset="0"/>
                 <a:ea typeface="Menlo" panose="020B0609030804020204" pitchFamily="49" charset="0"/>
                 <a:cs typeface="Menlo" panose="020B0609030804020204" pitchFamily="49" charset="0"/>
@@ -13864,6 +16563,9 @@
             </a:r>
             <a:r>
               <a:rPr lang="en-US" sz="1800" dirty="0">
+                <a:highlight>
+                  <a:srgbClr val="FFFF00"/>
+                </a:highlight>
                 <a:latin typeface="Menlo" panose="020B0609030804020204" pitchFamily="49" charset="0"/>
                 <a:ea typeface="Menlo" panose="020B0609030804020204" pitchFamily="49" charset="0"/>
                 <a:cs typeface="Menlo" panose="020B0609030804020204" pitchFamily="49" charset="0"/>
@@ -13875,6 +16577,9 @@
                 <a:solidFill>
                   <a:srgbClr val="002060"/>
                 </a:solidFill>
+                <a:highlight>
+                  <a:srgbClr val="FFFF00"/>
+                </a:highlight>
                 <a:latin typeface="Menlo" panose="020B0609030804020204" pitchFamily="49" charset="0"/>
                 <a:ea typeface="Menlo" panose="020B0609030804020204" pitchFamily="49" charset="0"/>
                 <a:cs typeface="Menlo" panose="020B0609030804020204" pitchFamily="49" charset="0"/>
@@ -13883,6 +16588,9 @@
             </a:r>
             <a:r>
               <a:rPr lang="en-US" sz="1800" dirty="0" err="1">
+                <a:highlight>
+                  <a:srgbClr val="FFFF00"/>
+                </a:highlight>
                 <a:latin typeface="Menlo" panose="020B0609030804020204" pitchFamily="49" charset="0"/>
                 <a:ea typeface="Menlo" panose="020B0609030804020204" pitchFamily="49" charset="0"/>
                 <a:cs typeface="Menlo" panose="020B0609030804020204" pitchFamily="49" charset="0"/>
@@ -13896,6 +16604,9 @@
                     <a:lumMod val="50000"/>
                   </a:schemeClr>
                 </a:solidFill>
+                <a:highlight>
+                  <a:srgbClr val="FFFF00"/>
+                </a:highlight>
                 <a:latin typeface="Menlo" panose="020B0609030804020204" pitchFamily="49" charset="0"/>
                 <a:ea typeface="Menlo" panose="020B0609030804020204" pitchFamily="49" charset="0"/>
                 <a:cs typeface="Menlo" panose="020B0609030804020204" pitchFamily="49" charset="0"/>
@@ -13904,6 +16615,9 @@
             </a:r>
             <a:r>
               <a:rPr lang="en-US" sz="1800" dirty="0">
+                <a:highlight>
+                  <a:srgbClr val="FFFF00"/>
+                </a:highlight>
                 <a:latin typeface="Menlo" panose="020B0609030804020204" pitchFamily="49" charset="0"/>
                 <a:ea typeface="Menlo" panose="020B0609030804020204" pitchFamily="49" charset="0"/>
                 <a:cs typeface="Menlo" panose="020B0609030804020204" pitchFamily="49" charset="0"/>
@@ -13915,6 +16629,9 @@
                 <a:solidFill>
                   <a:srgbClr val="002060"/>
                 </a:solidFill>
+                <a:highlight>
+                  <a:srgbClr val="FFFF00"/>
+                </a:highlight>
                 <a:latin typeface="Menlo" panose="020B0609030804020204" pitchFamily="49" charset="0"/>
                 <a:ea typeface="Menlo" panose="020B0609030804020204" pitchFamily="49" charset="0"/>
                 <a:cs typeface="Menlo" panose="020B0609030804020204" pitchFamily="49" charset="0"/>
@@ -13926,6 +16643,9 @@
                 <a:solidFill>
                   <a:srgbClr val="002060"/>
                 </a:solidFill>
+                <a:highlight>
+                  <a:srgbClr val="FFFF00"/>
+                </a:highlight>
                 <a:latin typeface="Menlo" panose="020B0609030804020204" pitchFamily="49" charset="0"/>
                 <a:ea typeface="Menlo" panose="020B0609030804020204" pitchFamily="49" charset="0"/>
                 <a:cs typeface="Menlo" panose="020B0609030804020204" pitchFamily="49" charset="0"/>
@@ -13934,6 +16654,9 @@
             </a:r>
             <a:r>
               <a:rPr lang="en-US" sz="1800" dirty="0">
+                <a:highlight>
+                  <a:srgbClr val="FFFF00"/>
+                </a:highlight>
                 <a:latin typeface="Menlo" panose="020B0609030804020204" pitchFamily="49" charset="0"/>
                 <a:ea typeface="Menlo" panose="020B0609030804020204" pitchFamily="49" charset="0"/>
                 <a:cs typeface="Menlo" panose="020B0609030804020204" pitchFamily="49" charset="0"/>
@@ -13950,6 +16673,9 @@
             </a:pPr>
             <a:r>
               <a:rPr lang="en-US" sz="1800" dirty="0">
+                <a:highlight>
+                  <a:srgbClr val="FFFF00"/>
+                </a:highlight>
                 <a:latin typeface="Menlo" panose="020B0609030804020204" pitchFamily="49" charset="0"/>
                 <a:ea typeface="Menlo" panose="020B0609030804020204" pitchFamily="49" charset="0"/>
                 <a:cs typeface="Menlo" panose="020B0609030804020204" pitchFamily="49" charset="0"/>
@@ -13961,12 +16687,20 @@
                 <a:solidFill>
                   <a:srgbClr val="AF00DB"/>
                 </a:solidFill>
-                <a:latin typeface="Menlo" panose="020B0609030804020204" pitchFamily="49" charset="0"/>
+                <a:highlight>
+                  <a:srgbClr val="FFFF00"/>
+                </a:highlight>
+                <a:latin typeface="Menlo" panose="020B0609030804020204" pitchFamily="49" charset="0"/>
+                <a:ea typeface="Menlo" panose="020B0609030804020204" pitchFamily="49" charset="0"/>
+                <a:cs typeface="Menlo" panose="020B0609030804020204" pitchFamily="49" charset="0"/>
               </a:rPr>
               <a:t>if</a:t>
             </a:r>
             <a:r>
               <a:rPr lang="en-US" sz="1800" dirty="0">
+                <a:highlight>
+                  <a:srgbClr val="FFFF00"/>
+                </a:highlight>
                 <a:latin typeface="Menlo" panose="020B0609030804020204" pitchFamily="49" charset="0"/>
                 <a:ea typeface="Menlo" panose="020B0609030804020204" pitchFamily="49" charset="0"/>
                 <a:cs typeface="Menlo" panose="020B0609030804020204" pitchFamily="49" charset="0"/>
@@ -13978,6 +16712,9 @@
                 <a:solidFill>
                   <a:srgbClr val="002060"/>
                 </a:solidFill>
+                <a:highlight>
+                  <a:srgbClr val="FFFF00"/>
+                </a:highlight>
                 <a:latin typeface="Menlo" panose="020B0609030804020204" pitchFamily="49" charset="0"/>
                 <a:ea typeface="Menlo" panose="020B0609030804020204" pitchFamily="49" charset="0"/>
                 <a:cs typeface="Menlo" panose="020B0609030804020204" pitchFamily="49" charset="0"/>
@@ -13986,6 +16723,9 @@
             </a:r>
             <a:r>
               <a:rPr lang="en-US" sz="1800" dirty="0">
+                <a:highlight>
+                  <a:srgbClr val="FFFF00"/>
+                </a:highlight>
                 <a:latin typeface="Menlo" panose="020B0609030804020204" pitchFamily="49" charset="0"/>
                 <a:ea typeface="Menlo" panose="020B0609030804020204" pitchFamily="49" charset="0"/>
                 <a:cs typeface="Menlo" panose="020B0609030804020204" pitchFamily="49" charset="0"/>
@@ -14002,6 +16742,9 @@
             </a:pPr>
             <a:r>
               <a:rPr lang="en-US" sz="1800" dirty="0">
+                <a:highlight>
+                  <a:srgbClr val="FFFF00"/>
+                </a:highlight>
                 <a:latin typeface="Menlo" panose="020B0609030804020204" pitchFamily="49" charset="0"/>
                 <a:ea typeface="Menlo" panose="020B0609030804020204" pitchFamily="49" charset="0"/>
                 <a:cs typeface="Menlo" panose="020B0609030804020204" pitchFamily="49" charset="0"/>
@@ -14013,6 +16756,9 @@
                 <a:solidFill>
                   <a:srgbClr val="002060"/>
                 </a:solidFill>
+                <a:highlight>
+                  <a:srgbClr val="FFFF00"/>
+                </a:highlight>
                 <a:latin typeface="Menlo" panose="020B0609030804020204" pitchFamily="49" charset="0"/>
                 <a:ea typeface="Menlo" panose="020B0609030804020204" pitchFamily="49" charset="0"/>
                 <a:cs typeface="Menlo" panose="020B0609030804020204" pitchFamily="49" charset="0"/>
@@ -14021,6 +16767,9 @@
             </a:r>
             <a:r>
               <a:rPr lang="en-US" sz="1800" dirty="0" err="1">
+                <a:highlight>
+                  <a:srgbClr val="FFFF00"/>
+                </a:highlight>
                 <a:latin typeface="Menlo" panose="020B0609030804020204" pitchFamily="49" charset="0"/>
                 <a:ea typeface="Menlo" panose="020B0609030804020204" pitchFamily="49" charset="0"/>
                 <a:cs typeface="Menlo" panose="020B0609030804020204" pitchFamily="49" charset="0"/>
@@ -14034,6 +16783,9 @@
                     <a:lumMod val="50000"/>
                   </a:schemeClr>
                 </a:solidFill>
+                <a:highlight>
+                  <a:srgbClr val="FFFF00"/>
+                </a:highlight>
                 <a:latin typeface="Menlo" panose="020B0609030804020204" pitchFamily="49" charset="0"/>
                 <a:ea typeface="Menlo" panose="020B0609030804020204" pitchFamily="49" charset="0"/>
                 <a:cs typeface="Menlo" panose="020B0609030804020204" pitchFamily="49" charset="0"/>
@@ -14042,6 +16794,9 @@
             </a:r>
             <a:r>
               <a:rPr lang="en-US" sz="1800" dirty="0">
+                <a:highlight>
+                  <a:srgbClr val="FFFF00"/>
+                </a:highlight>
                 <a:latin typeface="Menlo" panose="020B0609030804020204" pitchFamily="49" charset="0"/>
                 <a:ea typeface="Menlo" panose="020B0609030804020204" pitchFamily="49" charset="0"/>
                 <a:cs typeface="Menlo" panose="020B0609030804020204" pitchFamily="49" charset="0"/>
@@ -14053,6 +16808,9 @@
                 <a:solidFill>
                   <a:srgbClr val="0070C0"/>
                 </a:solidFill>
+                <a:highlight>
+                  <a:srgbClr val="FFFF00"/>
+                </a:highlight>
                 <a:latin typeface="Menlo" panose="020B0609030804020204" pitchFamily="49" charset="0"/>
                 <a:ea typeface="Menlo" panose="020B0609030804020204" pitchFamily="49" charset="0"/>
                 <a:cs typeface="Menlo" panose="020B0609030804020204" pitchFamily="49" charset="0"/>
@@ -14061,6 +16819,9 @@
             </a:r>
             <a:r>
               <a:rPr lang="en-US" sz="1800" dirty="0">
+                <a:highlight>
+                  <a:srgbClr val="FFFF00"/>
+                </a:highlight>
                 <a:latin typeface="Menlo" panose="020B0609030804020204" pitchFamily="49" charset="0"/>
                 <a:ea typeface="Menlo" panose="020B0609030804020204" pitchFamily="49" charset="0"/>
                 <a:cs typeface="Menlo" panose="020B0609030804020204" pitchFamily="49" charset="0"/>
@@ -14074,6 +16835,9 @@
                     <a:lumMod val="50000"/>
                   </a:schemeClr>
                 </a:solidFill>
+                <a:highlight>
+                  <a:srgbClr val="FFFF00"/>
+                </a:highlight>
                 <a:latin typeface="Menlo" panose="020B0609030804020204" pitchFamily="49" charset="0"/>
                 <a:ea typeface="Menlo" panose="020B0609030804020204" pitchFamily="49" charset="0"/>
                 <a:cs typeface="Menlo" panose="020B0609030804020204" pitchFamily="49" charset="0"/>
@@ -14082,6 +16846,9 @@
             </a:r>
             <a:r>
               <a:rPr lang="en-US" sz="1800" dirty="0">
+                <a:highlight>
+                  <a:srgbClr val="FFFF00"/>
+                </a:highlight>
                 <a:latin typeface="Menlo" panose="020B0609030804020204" pitchFamily="49" charset="0"/>
                 <a:ea typeface="Menlo" panose="020B0609030804020204" pitchFamily="49" charset="0"/>
                 <a:cs typeface="Menlo" panose="020B0609030804020204" pitchFamily="49" charset="0"/>
@@ -14093,6 +16860,9 @@
                 <a:solidFill>
                   <a:srgbClr val="C00000"/>
                 </a:solidFill>
+                <a:highlight>
+                  <a:srgbClr val="FFFF00"/>
+                </a:highlight>
                 <a:latin typeface="Menlo" panose="020B0609030804020204" pitchFamily="49" charset="0"/>
                 <a:ea typeface="Menlo" panose="020B0609030804020204" pitchFamily="49" charset="0"/>
                 <a:cs typeface="Menlo" panose="020B0609030804020204" pitchFamily="49" charset="0"/>
@@ -14101,6 +16871,9 @@
             </a:r>
             <a:r>
               <a:rPr lang="en-US" sz="1800" dirty="0">
+                <a:highlight>
+                  <a:srgbClr val="FFFF00"/>
+                </a:highlight>
                 <a:latin typeface="Menlo" panose="020B0609030804020204" pitchFamily="49" charset="0"/>
                 <a:ea typeface="Menlo" panose="020B0609030804020204" pitchFamily="49" charset="0"/>
                 <a:cs typeface="Menlo" panose="020B0609030804020204" pitchFamily="49" charset="0"/>
@@ -14116,11 +16889,22 @@
             </a:br>
             <a:r>
               <a:rPr lang="en-US" sz="1800" dirty="0">
-                <a:latin typeface="Menlo" panose="020B0609030804020204" pitchFamily="49" charset="0"/>
-                <a:ea typeface="Menlo" panose="020B0609030804020204" pitchFamily="49" charset="0"/>
-                <a:cs typeface="Menlo" panose="020B0609030804020204" pitchFamily="49" charset="0"/>
-              </a:rPr>
-              <a:t>  } </a:t>
+                <a:highlight>
+                  <a:srgbClr val="FFFF00"/>
+                </a:highlight>
+                <a:latin typeface="Menlo" panose="020B0609030804020204" pitchFamily="49" charset="0"/>
+                <a:ea typeface="Menlo" panose="020B0609030804020204" pitchFamily="49" charset="0"/>
+                <a:cs typeface="Menlo" panose="020B0609030804020204" pitchFamily="49" charset="0"/>
+              </a:rPr>
+              <a:t>  }</a:t>
+            </a:r>
+            <a:r>
+              <a:rPr lang="en-US" sz="1800" dirty="0">
+                <a:latin typeface="Menlo" panose="020B0609030804020204" pitchFamily="49" charset="0"/>
+                <a:ea typeface="Menlo" panose="020B0609030804020204" pitchFamily="49" charset="0"/>
+                <a:cs typeface="Menlo" panose="020B0609030804020204" pitchFamily="49" charset="0"/>
+              </a:rPr>
+              <a:t> </a:t>
             </a:r>
             <a:r>
               <a:rPr lang="en-US" sz="1800" dirty="0">
@@ -14128,6 +16912,8 @@
                   <a:srgbClr val="AF00DB"/>
                 </a:solidFill>
                 <a:latin typeface="Menlo" panose="020B0609030804020204" pitchFamily="49" charset="0"/>
+                <a:ea typeface="Menlo" panose="020B0609030804020204" pitchFamily="49" charset="0"/>
+                <a:cs typeface="Menlo" panose="020B0609030804020204" pitchFamily="49" charset="0"/>
               </a:rPr>
               <a:t>else if</a:t>
             </a:r>
@@ -14151,10 +16937,13 @@
               <a:t>auth.</a:t>
             </a:r>
             <a:r>
-              <a:rPr lang="en-US" sz="1800" b="1" dirty="0" err="1">
+              <a:rPr lang="en-US" sz="1800" dirty="0" err="1">
                 <a:solidFill>
                   <a:srgbClr val="002060"/>
                 </a:solidFill>
+                <a:highlight>
+                  <a:srgbClr val="FFFF00"/>
+                </a:highlight>
                 <a:latin typeface="Menlo" panose="020B0609030804020204" pitchFamily="49" charset="0"/>
                 <a:ea typeface="Menlo" panose="020B0609030804020204" pitchFamily="49" charset="0"/>
                 <a:cs typeface="Menlo" panose="020B0609030804020204" pitchFamily="49" charset="0"/>
@@ -14220,42 +17009,110 @@
             </a:pPr>
             <a:r>
               <a:rPr lang="en-US" sz="1800" dirty="0">
-                <a:solidFill>
-                  <a:schemeClr val="bg1">
-                    <a:lumMod val="65000"/>
+                <a:latin typeface="Menlo" panose="020B0609030804020204" pitchFamily="49" charset="0"/>
+                <a:ea typeface="Menlo" panose="020B0609030804020204" pitchFamily="49" charset="0"/>
+                <a:cs typeface="Menlo" panose="020B0609030804020204" pitchFamily="49" charset="0"/>
+              </a:rPr>
+              <a:t>    </a:t>
+            </a:r>
+            <a:r>
+              <a:rPr lang="en-US" sz="1800" dirty="0" err="1">
+                <a:solidFill>
+                  <a:srgbClr val="002060"/>
+                </a:solidFill>
+                <a:latin typeface="Menlo" panose="020B0609030804020204" pitchFamily="49" charset="0"/>
+                <a:ea typeface="Menlo" panose="020B0609030804020204" pitchFamily="49" charset="0"/>
+                <a:cs typeface="Menlo" panose="020B0609030804020204" pitchFamily="49" charset="0"/>
+              </a:rPr>
+              <a:t>res</a:t>
+            </a:r>
+            <a:r>
+              <a:rPr lang="en-US" sz="1800" dirty="0" err="1">
+                <a:latin typeface="Menlo" panose="020B0609030804020204" pitchFamily="49" charset="0"/>
+                <a:ea typeface="Menlo" panose="020B0609030804020204" pitchFamily="49" charset="0"/>
+                <a:cs typeface="Menlo" panose="020B0609030804020204" pitchFamily="49" charset="0"/>
+              </a:rPr>
+              <a:t>.</a:t>
+            </a:r>
+            <a:r>
+              <a:rPr lang="en-US" sz="1800" dirty="0" err="1">
+                <a:solidFill>
+                  <a:schemeClr val="accent4">
+                    <a:lumMod val="50000"/>
                   </a:schemeClr>
                 </a:solidFill>
                 <a:latin typeface="Menlo" panose="020B0609030804020204" pitchFamily="49" charset="0"/>
                 <a:ea typeface="Menlo" panose="020B0609030804020204" pitchFamily="49" charset="0"/>
                 <a:cs typeface="Menlo" panose="020B0609030804020204" pitchFamily="49" charset="0"/>
               </a:rPr>
-              <a:t>    </a:t>
-            </a:r>
-            <a:r>
-              <a:rPr lang="en-US" sz="1800" dirty="0" err="1">
-                <a:solidFill>
-                  <a:schemeClr val="bg1">
-                    <a:lumMod val="65000"/>
+              <a:t>status</a:t>
+            </a:r>
+            <a:r>
+              <a:rPr lang="en-US" sz="1800" dirty="0">
+                <a:latin typeface="Menlo" panose="020B0609030804020204" pitchFamily="49" charset="0"/>
+                <a:ea typeface="Menlo" panose="020B0609030804020204" pitchFamily="49" charset="0"/>
+                <a:cs typeface="Menlo" panose="020B0609030804020204" pitchFamily="49" charset="0"/>
+              </a:rPr>
+              <a:t>(</a:t>
+            </a:r>
+            <a:r>
+              <a:rPr lang="en-US" sz="1800" dirty="0">
+                <a:solidFill>
+                  <a:srgbClr val="0070C0"/>
+                </a:solidFill>
+                <a:latin typeface="Menlo" panose="020B0609030804020204" pitchFamily="49" charset="0"/>
+                <a:ea typeface="Menlo" panose="020B0609030804020204" pitchFamily="49" charset="0"/>
+                <a:cs typeface="Menlo" panose="020B0609030804020204" pitchFamily="49" charset="0"/>
+              </a:rPr>
+              <a:t>403</a:t>
+            </a:r>
+            <a:r>
+              <a:rPr lang="en-US" sz="1800" dirty="0">
+                <a:latin typeface="Menlo" panose="020B0609030804020204" pitchFamily="49" charset="0"/>
+                <a:ea typeface="Menlo" panose="020B0609030804020204" pitchFamily="49" charset="0"/>
+                <a:cs typeface="Menlo" panose="020B0609030804020204" pitchFamily="49" charset="0"/>
+              </a:rPr>
+              <a:t>).</a:t>
+            </a:r>
+            <a:r>
+              <a:rPr lang="en-US" sz="1800" dirty="0">
+                <a:solidFill>
+                  <a:schemeClr val="accent4">
+                    <a:lumMod val="50000"/>
                   </a:schemeClr>
                 </a:solidFill>
                 <a:latin typeface="Menlo" panose="020B0609030804020204" pitchFamily="49" charset="0"/>
                 <a:ea typeface="Menlo" panose="020B0609030804020204" pitchFamily="49" charset="0"/>
                 <a:cs typeface="Menlo" panose="020B0609030804020204" pitchFamily="49" charset="0"/>
               </a:rPr>
-              <a:t>res.status</a:t>
-            </a:r>
-            <a:r>
-              <a:rPr lang="en-US" sz="1800" dirty="0">
-                <a:solidFill>
-                  <a:schemeClr val="bg1">
-                    <a:lumMod val="65000"/>
-                  </a:schemeClr>
-                </a:solidFill>
-                <a:latin typeface="Menlo" panose="020B0609030804020204" pitchFamily="49" charset="0"/>
-                <a:ea typeface="Menlo" panose="020B0609030804020204" pitchFamily="49" charset="0"/>
-                <a:cs typeface="Menlo" panose="020B0609030804020204" pitchFamily="49" charset="0"/>
-              </a:rPr>
-              <a:t>(403).send({ error: 'Wrong password' });</a:t>
+              <a:t>send</a:t>
+            </a:r>
+            <a:r>
+              <a:rPr lang="en-US" sz="1800" dirty="0">
+                <a:latin typeface="Menlo" panose="020B0609030804020204" pitchFamily="49" charset="0"/>
+                <a:ea typeface="Menlo" panose="020B0609030804020204" pitchFamily="49" charset="0"/>
+                <a:cs typeface="Menlo" panose="020B0609030804020204" pitchFamily="49" charset="0"/>
+              </a:rPr>
+              <a:t>({ error: </a:t>
+            </a:r>
+            <a:r>
+              <a:rPr lang="en-US" sz="1800" dirty="0">
+                <a:solidFill>
+                  <a:srgbClr val="C00000"/>
+                </a:solidFill>
+                <a:latin typeface="Menlo" panose="020B0609030804020204" pitchFamily="49" charset="0"/>
+                <a:ea typeface="Menlo" panose="020B0609030804020204" pitchFamily="49" charset="0"/>
+                <a:cs typeface="Menlo" panose="020B0609030804020204" pitchFamily="49" charset="0"/>
+              </a:rPr>
+              <a:t>'Wrong password' </a:t>
+            </a:r>
+            <a:r>
+              <a:rPr lang="en-US" sz="1800" dirty="0">
+                <a:latin typeface="Menlo" panose="020B0609030804020204" pitchFamily="49" charset="0"/>
+                <a:ea typeface="Menlo" panose="020B0609030804020204" pitchFamily="49" charset="0"/>
+                <a:cs typeface="Menlo" panose="020B0609030804020204" pitchFamily="49" charset="0"/>
+              </a:rPr>
+              <a:t>});</a:t>
             </a:r>
           </a:p>
           <a:p>
@@ -14267,40 +17124,11 @@
             </a:pPr>
             <a:r>
               <a:rPr lang="en-US" sz="1800" dirty="0">
-                <a:solidFill>
-                  <a:schemeClr val="bg1">
-                    <a:lumMod val="65000"/>
-                  </a:schemeClr>
-                </a:solidFill>
-                <a:latin typeface="Menlo" panose="020B0609030804020204" pitchFamily="49" charset="0"/>
-                <a:ea typeface="Menlo" panose="020B0609030804020204" pitchFamily="49" charset="0"/>
-                <a:cs typeface="Menlo" panose="020B0609030804020204" pitchFamily="49" charset="0"/>
-              </a:rPr>
-              <a:t>  } </a:t>
-            </a:r>
-            <a:r>
-              <a:rPr lang="en-US" sz="1800" dirty="0">
-                <a:solidFill>
-                  <a:schemeClr val="bg1">
-                    <a:lumMod val="65000"/>
-                  </a:schemeClr>
-                </a:solidFill>
-                <a:latin typeface="Menlo" panose="020B0609030804020204" pitchFamily="49" charset="0"/>
-              </a:rPr>
-              <a:t>else</a:t>
-            </a:r>
-            <a:r>
-              <a:rPr lang="en-US" sz="1800" dirty="0">
-                <a:solidFill>
-                  <a:schemeClr val="bg1">
-                    <a:lumMod val="65000"/>
-                  </a:schemeClr>
-                </a:solidFill>
-                <a:latin typeface="Menlo" panose="020B0609030804020204" pitchFamily="49" charset="0"/>
-                <a:ea typeface="Menlo" panose="020B0609030804020204" pitchFamily="49" charset="0"/>
-                <a:cs typeface="Menlo" panose="020B0609030804020204" pitchFamily="49" charset="0"/>
-              </a:rPr>
-              <a:t> {</a:t>
+                <a:latin typeface="Menlo" panose="020B0609030804020204" pitchFamily="49" charset="0"/>
+                <a:ea typeface="Menlo" panose="020B0609030804020204" pitchFamily="49" charset="0"/>
+                <a:cs typeface="Menlo" panose="020B0609030804020204" pitchFamily="49" charset="0"/>
+              </a:rPr>
+              <a:t>  } else {</a:t>
             </a:r>
           </a:p>
           <a:p>
@@ -14416,10 +17244,13 @@
               <a:t>.</a:t>
             </a:r>
             <a:r>
-              <a:rPr lang="en-US" sz="1800" b="1" dirty="0" err="1">
+              <a:rPr lang="en-US" sz="1800" dirty="0" err="1">
                 <a:solidFill>
                   <a:srgbClr val="002060"/>
                 </a:solidFill>
+                <a:highlight>
+                  <a:srgbClr val="FFFF00"/>
+                </a:highlight>
                 <a:latin typeface="Menlo" panose="020B0609030804020204" pitchFamily="49" charset="0"/>
                 <a:ea typeface="Menlo" panose="020B0609030804020204" pitchFamily="49" charset="0"/>
                 <a:cs typeface="Menlo" panose="020B0609030804020204" pitchFamily="49" charset="0"/>
@@ -14503,11 +17334,6 @@
             </a:pPr>
             <a:r>
               <a:rPr lang="en-US" sz="1800" dirty="0">
-                <a:solidFill>
-                  <a:schemeClr val="bg1">
-                    <a:lumMod val="65000"/>
-                  </a:schemeClr>
-                </a:solidFill>
                 <a:latin typeface="Menlo" panose="020B0609030804020204" pitchFamily="49" charset="0"/>
                 <a:ea typeface="Menlo" panose="020B0609030804020204" pitchFamily="49" charset="0"/>
                 <a:cs typeface="Menlo" panose="020B0609030804020204" pitchFamily="49" charset="0"/>
@@ -14524,11 +17350,6 @@
             </a:pPr>
             <a:r>
               <a:rPr lang="en-US" sz="1800" dirty="0">
-                <a:solidFill>
-                  <a:schemeClr val="bg1">
-                    <a:lumMod val="65000"/>
-                  </a:schemeClr>
-                </a:solidFill>
                 <a:latin typeface="Menlo" panose="020B0609030804020204" pitchFamily="49" charset="0"/>
                 <a:ea typeface="Menlo" panose="020B0609030804020204" pitchFamily="49" charset="0"/>
                 <a:cs typeface="Menlo" panose="020B0609030804020204" pitchFamily="49" charset="0"/>
@@ -14544,11 +17365,6 @@
               <a:buNone/>
             </a:pPr>
             <a:endParaRPr lang="en-US" sz="1800" dirty="0">
-              <a:solidFill>
-                <a:schemeClr val="bg1">
-                  <a:lumMod val="65000"/>
-                </a:schemeClr>
-              </a:solidFill>
               <a:latin typeface="Menlo" panose="020B0609030804020204" pitchFamily="49" charset="0"/>
               <a:ea typeface="Menlo" panose="020B0609030804020204" pitchFamily="49" charset="0"/>
               <a:cs typeface="Menlo" panose="020B0609030804020204" pitchFamily="49" charset="0"/>
@@ -14564,54 +17380,120 @@
             <a:r>
               <a:rPr lang="en-US" sz="1800" dirty="0" err="1">
                 <a:solidFill>
-                  <a:schemeClr val="bg1">
-                    <a:lumMod val="65000"/>
+                  <a:srgbClr val="002060"/>
+                </a:solidFill>
+                <a:latin typeface="Menlo" panose="020B0609030804020204" pitchFamily="49" charset="0"/>
+                <a:ea typeface="Menlo" panose="020B0609030804020204" pitchFamily="49" charset="0"/>
+                <a:cs typeface="Menlo" panose="020B0609030804020204" pitchFamily="49" charset="0"/>
+              </a:rPr>
+              <a:t>app</a:t>
+            </a:r>
+            <a:r>
+              <a:rPr lang="en-US" sz="1800" dirty="0" err="1">
+                <a:latin typeface="Menlo" panose="020B0609030804020204" pitchFamily="49" charset="0"/>
+                <a:ea typeface="Menlo" panose="020B0609030804020204" pitchFamily="49" charset="0"/>
+                <a:cs typeface="Menlo" panose="020B0609030804020204" pitchFamily="49" charset="0"/>
+              </a:rPr>
+              <a:t>.</a:t>
+            </a:r>
+            <a:r>
+              <a:rPr lang="en-US" sz="1800" dirty="0" err="1">
+                <a:solidFill>
+                  <a:schemeClr val="accent4">
+                    <a:lumMod val="50000"/>
                   </a:schemeClr>
                 </a:solidFill>
                 <a:latin typeface="Menlo" panose="020B0609030804020204" pitchFamily="49" charset="0"/>
                 <a:ea typeface="Menlo" panose="020B0609030804020204" pitchFamily="49" charset="0"/>
                 <a:cs typeface="Menlo" panose="020B0609030804020204" pitchFamily="49" charset="0"/>
               </a:rPr>
-              <a:t>app.listen</a:t>
-            </a:r>
-            <a:r>
-              <a:rPr lang="en-US" sz="1800" dirty="0">
-                <a:solidFill>
-                  <a:schemeClr val="bg1">
-                    <a:lumMod val="65000"/>
+              <a:t>listen</a:t>
+            </a:r>
+            <a:r>
+              <a:rPr lang="en-US" sz="1800" dirty="0">
+                <a:latin typeface="Menlo" panose="020B0609030804020204" pitchFamily="49" charset="0"/>
+                <a:ea typeface="Menlo" panose="020B0609030804020204" pitchFamily="49" charset="0"/>
+                <a:cs typeface="Menlo" panose="020B0609030804020204" pitchFamily="49" charset="0"/>
+              </a:rPr>
+              <a:t>(</a:t>
+            </a:r>
+            <a:r>
+              <a:rPr lang="en-US" sz="1800" dirty="0">
+                <a:solidFill>
+                  <a:srgbClr val="0070C0"/>
+                </a:solidFill>
+                <a:latin typeface="Menlo" panose="020B0609030804020204" pitchFamily="49" charset="0"/>
+                <a:ea typeface="Menlo" panose="020B0609030804020204" pitchFamily="49" charset="0"/>
+                <a:cs typeface="Menlo" panose="020B0609030804020204" pitchFamily="49" charset="0"/>
+              </a:rPr>
+              <a:t>8000</a:t>
+            </a:r>
+            <a:r>
+              <a:rPr lang="en-US" sz="1800" dirty="0">
+                <a:latin typeface="Menlo" panose="020B0609030804020204" pitchFamily="49" charset="0"/>
+                <a:ea typeface="Menlo" panose="020B0609030804020204" pitchFamily="49" charset="0"/>
+                <a:cs typeface="Menlo" panose="020B0609030804020204" pitchFamily="49" charset="0"/>
+              </a:rPr>
+              <a:t>, () =&gt; </a:t>
+            </a:r>
+            <a:r>
+              <a:rPr lang="en-US" sz="1800" dirty="0" err="1">
+                <a:solidFill>
+                  <a:srgbClr val="002060"/>
+                </a:solidFill>
+                <a:latin typeface="Menlo" panose="020B0609030804020204" pitchFamily="49" charset="0"/>
+                <a:ea typeface="Menlo" panose="020B0609030804020204" pitchFamily="49" charset="0"/>
+                <a:cs typeface="Menlo" panose="020B0609030804020204" pitchFamily="49" charset="0"/>
+              </a:rPr>
+              <a:t>console</a:t>
+            </a:r>
+            <a:r>
+              <a:rPr lang="en-US" sz="1800" dirty="0" err="1">
+                <a:latin typeface="Menlo" panose="020B0609030804020204" pitchFamily="49" charset="0"/>
+                <a:ea typeface="Menlo" panose="020B0609030804020204" pitchFamily="49" charset="0"/>
+                <a:cs typeface="Menlo" panose="020B0609030804020204" pitchFamily="49" charset="0"/>
+              </a:rPr>
+              <a:t>.</a:t>
+            </a:r>
+            <a:r>
+              <a:rPr lang="en-US" sz="1800" dirty="0" err="1">
+                <a:solidFill>
+                  <a:schemeClr val="accent4">
+                    <a:lumMod val="50000"/>
                   </a:schemeClr>
                 </a:solidFill>
                 <a:latin typeface="Menlo" panose="020B0609030804020204" pitchFamily="49" charset="0"/>
                 <a:ea typeface="Menlo" panose="020B0609030804020204" pitchFamily="49" charset="0"/>
                 <a:cs typeface="Menlo" panose="020B0609030804020204" pitchFamily="49" charset="0"/>
               </a:rPr>
-              <a:t>(8000, () =&gt; </a:t>
-            </a:r>
-            <a:r>
-              <a:rPr lang="en-US" sz="1800" dirty="0" err="1">
-                <a:solidFill>
-                  <a:schemeClr val="bg1">
-                    <a:lumMod val="65000"/>
-                  </a:schemeClr>
-                </a:solidFill>
-                <a:latin typeface="Menlo" panose="020B0609030804020204" pitchFamily="49" charset="0"/>
-                <a:ea typeface="Menlo" panose="020B0609030804020204" pitchFamily="49" charset="0"/>
-                <a:cs typeface="Menlo" panose="020B0609030804020204" pitchFamily="49" charset="0"/>
-              </a:rPr>
-              <a:t>console.log</a:t>
-            </a:r>
-            <a:r>
-              <a:rPr lang="en-US" sz="1800" dirty="0">
-                <a:solidFill>
-                  <a:schemeClr val="bg1">
-                    <a:lumMod val="65000"/>
-                  </a:schemeClr>
-                </a:solidFill>
-                <a:latin typeface="Menlo" panose="020B0609030804020204" pitchFamily="49" charset="0"/>
-                <a:ea typeface="Menlo" panose="020B0609030804020204" pitchFamily="49" charset="0"/>
-                <a:cs typeface="Menlo" panose="020B0609030804020204" pitchFamily="49" charset="0"/>
-              </a:rPr>
-              <a:t>(`Listening on port 8000`));</a:t>
+              <a:t>log</a:t>
+            </a:r>
+            <a:r>
+              <a:rPr lang="en-US" sz="1800" dirty="0">
+                <a:latin typeface="Menlo" panose="020B0609030804020204" pitchFamily="49" charset="0"/>
+                <a:ea typeface="Menlo" panose="020B0609030804020204" pitchFamily="49" charset="0"/>
+                <a:cs typeface="Menlo" panose="020B0609030804020204" pitchFamily="49" charset="0"/>
+              </a:rPr>
+              <a:t>(</a:t>
+            </a:r>
+            <a:r>
+              <a:rPr lang="en-US" sz="1800" dirty="0">
+                <a:solidFill>
+                  <a:srgbClr val="C00000"/>
+                </a:solidFill>
+                <a:latin typeface="Menlo" panose="020B0609030804020204" pitchFamily="49" charset="0"/>
+                <a:ea typeface="Menlo" panose="020B0609030804020204" pitchFamily="49" charset="0"/>
+                <a:cs typeface="Menlo" panose="020B0609030804020204" pitchFamily="49" charset="0"/>
+              </a:rPr>
+              <a:t>`Listening on port 8000`</a:t>
+            </a:r>
+            <a:r>
+              <a:rPr lang="en-US" sz="1800" dirty="0">
+                <a:latin typeface="Menlo" panose="020B0609030804020204" pitchFamily="49" charset="0"/>
+                <a:ea typeface="Menlo" panose="020B0609030804020204" pitchFamily="49" charset="0"/>
+                <a:cs typeface="Menlo" panose="020B0609030804020204" pitchFamily="49" charset="0"/>
+              </a:rPr>
+              <a:t>));</a:t>
             </a:r>
           </a:p>
           <a:p>
@@ -14681,7 +17563,7 @@
 </p:sld>
 </file>
 
-<file path=ppt/slides/slide15.xml><?xml version="1.0" encoding="utf-8"?>
+<file path=ppt/slides/slide17.xml><?xml version="1.0" encoding="utf-8"?>
 <p:sld xmlns:a="http://schemas.openxmlformats.org/drawingml/2006/main" xmlns:r="http://schemas.openxmlformats.org/officeDocument/2006/relationships" xmlns:p="http://schemas.openxmlformats.org/presentationml/2006/main">
   <p:cSld>
     <p:spTree>
@@ -14756,7 +17638,7 @@
             <a:fld id="{20F37917-FD3A-4669-9018-DA04BCDD3D75}" type="slidenum">
               <a:rPr lang="en-US" smtClean="0"/>
               <a:pPr/>
-              <a:t>15</a:t>
+              <a:t>17</a:t>
             </a:fld>
             <a:endParaRPr lang="en-US"/>
           </a:p>
@@ -15068,7 +17950,10 @@
               <a:t> vs </a:t>
             </a:r>
             <a:r>
-              <a:rPr lang="en-US">
+              <a:rPr lang="en-US" dirty="0">
+                <a:solidFill>
+                  <a:srgbClr val="FF0000"/>
+                </a:solidFill>
                 <a:latin typeface="Menlo" panose="020B0609030804020204" pitchFamily="49" charset="0"/>
                 <a:ea typeface="Menlo" panose="020B0609030804020204" pitchFamily="49" charset="0"/>
                 <a:cs typeface="Menlo" panose="020B0609030804020204" pitchFamily="49" charset="0"/>
@@ -15076,12 +17961,8 @@
               <a:t>unknown</a:t>
             </a:r>
             <a:r>
-              <a:rPr lang="en-US"/>
-              <a:t> types </a:t>
-            </a:r>
-            <a:r>
               <a:rPr lang="en-US" dirty="0"/>
-              <a:t>in TypeScript</a:t>
+              <a:t> types in TypeScript</a:t>
             </a:r>
           </a:p>
           <a:p>
@@ -16513,6 +19394,1012 @@
         <p:cNvPr id="1" name="">
           <a:extLst>
             <a:ext uri="{FF2B5EF4-FFF2-40B4-BE49-F238E27FC236}">
+              <a16:creationId xmlns:a16="http://schemas.microsoft.com/office/drawing/2014/main" id="{AF5B0ED1-8A3F-5F48-0DE9-A50048F8D41C}"/>
+            </a:ext>
+          </a:extLst>
+        </p:cNvPr>
+        <p:cNvGrpSpPr/>
+        <p:nvPr/>
+      </p:nvGrpSpPr>
+      <p:grpSpPr>
+        <a:xfrm>
+          <a:off x="0" y="0"/>
+          <a:ext cx="0" cy="0"/>
+          <a:chOff x="0" y="0"/>
+          <a:chExt cx="0" cy="0"/>
+        </a:xfrm>
+      </p:grpSpPr>
+      <p:sp>
+        <p:nvSpPr>
+          <p:cNvPr id="2" name="Title 1">
+            <a:extLst>
+              <a:ext uri="{FF2B5EF4-FFF2-40B4-BE49-F238E27FC236}">
+                <a16:creationId xmlns:a16="http://schemas.microsoft.com/office/drawing/2014/main" id="{40CF50B1-AD48-87E8-00D9-01D2F21FB0A3}"/>
+              </a:ext>
+            </a:extLst>
+          </p:cNvPr>
+          <p:cNvSpPr>
+            <a:spLocks noGrp="1"/>
+          </p:cNvSpPr>
+          <p:nvPr>
+            <p:ph type="title"/>
+          </p:nvPr>
+        </p:nvSpPr>
+        <p:spPr>
+          <a:xfrm>
+            <a:off x="838200" y="18255"/>
+            <a:ext cx="10515600" cy="1325563"/>
+          </a:xfrm>
+        </p:spPr>
+        <p:txBody>
+          <a:bodyPr>
+            <a:normAutofit/>
+          </a:bodyPr>
+          <a:lstStyle/>
+          <a:p>
+            <a:r>
+              <a:rPr lang="en-US" dirty="0"/>
+              <a:t>For Unit Testing, Tests Inputs Should Respect a Function’s Contracts</a:t>
+            </a:r>
+          </a:p>
+        </p:txBody>
+      </p:sp>
+      <p:sp>
+        <p:nvSpPr>
+          <p:cNvPr id="3" name="Content Placeholder 2">
+            <a:extLst>
+              <a:ext uri="{FF2B5EF4-FFF2-40B4-BE49-F238E27FC236}">
+                <a16:creationId xmlns:a16="http://schemas.microsoft.com/office/drawing/2014/main" id="{E78D7B6A-C82F-32C2-BC2C-9AEC1DC4F893}"/>
+              </a:ext>
+            </a:extLst>
+          </p:cNvPr>
+          <p:cNvSpPr>
+            <a:spLocks noGrp="1"/>
+          </p:cNvSpPr>
+          <p:nvPr>
+            <p:ph idx="1"/>
+          </p:nvPr>
+        </p:nvSpPr>
+        <p:spPr>
+          <a:xfrm>
+            <a:off x="838199" y="1500188"/>
+            <a:ext cx="10906126" cy="4351337"/>
+          </a:xfrm>
+        </p:spPr>
+        <p:txBody>
+          <a:bodyPr/>
+          <a:lstStyle/>
+          <a:p>
+            <a:r>
+              <a:rPr lang="en-US" b="1" dirty="0"/>
+              <a:t>Unit Tests: </a:t>
+            </a:r>
+            <a:r>
+              <a:rPr lang="en-US" dirty="0"/>
+              <a:t>testing a single function in isolation</a:t>
+            </a:r>
+          </a:p>
+          <a:p>
+            <a:pPr lvl="1"/>
+            <a:r>
+              <a:rPr lang="en-US" dirty="0"/>
+              <a:t>Unit testing only needs to give a function tests that respect the functions preconditions: no need to test -3 or 1.4</a:t>
+            </a:r>
+          </a:p>
+          <a:p>
+            <a:r>
+              <a:rPr lang="en-US" b="1" dirty="0"/>
+              <a:t>Integration Tests</a:t>
+            </a:r>
+            <a:r>
+              <a:rPr lang="en-US" dirty="0"/>
+              <a:t> test how different parts of a program work together, and that’s where we’re concerned with ensuring that </a:t>
+            </a:r>
+            <a:r>
+              <a:rPr lang="en-US" i="1" dirty="0"/>
+              <a:t>other </a:t>
+            </a:r>
+            <a:r>
+              <a:rPr lang="en-US" dirty="0"/>
+              <a:t>parts of the program respect our function’s contracts.</a:t>
+            </a:r>
+          </a:p>
+        </p:txBody>
+      </p:sp>
+      <p:sp>
+        <p:nvSpPr>
+          <p:cNvPr id="4" name="Slide Number Placeholder 3">
+            <a:extLst>
+              <a:ext uri="{FF2B5EF4-FFF2-40B4-BE49-F238E27FC236}">
+                <a16:creationId xmlns:a16="http://schemas.microsoft.com/office/drawing/2014/main" id="{613728FD-54AD-0E30-7DA2-44DC837507E6}"/>
+              </a:ext>
+            </a:extLst>
+          </p:cNvPr>
+          <p:cNvSpPr>
+            <a:spLocks noGrp="1"/>
+          </p:cNvSpPr>
+          <p:nvPr>
+            <p:ph type="sldNum" sz="quarter" idx="12"/>
+          </p:nvPr>
+        </p:nvSpPr>
+        <p:spPr>
+          <a:xfrm>
+            <a:off x="8610600" y="6356350"/>
+            <a:ext cx="2743200" cy="365125"/>
+          </a:xfrm>
+        </p:spPr>
+        <p:txBody>
+          <a:bodyPr/>
+          <a:lstStyle/>
+          <a:p>
+            <a:fld id="{20F37917-FD3A-4669-9018-DA04BCDD3D75}" type="slidenum">
+              <a:rPr lang="en-US" smtClean="0"/>
+              <a:pPr/>
+              <a:t>5</a:t>
+            </a:fld>
+            <a:endParaRPr lang="en-US"/>
+          </a:p>
+        </p:txBody>
+      </p:sp>
+      <p:sp>
+        <p:nvSpPr>
+          <p:cNvPr id="9" name="TextBox 8">
+            <a:extLst>
+              <a:ext uri="{FF2B5EF4-FFF2-40B4-BE49-F238E27FC236}">
+                <a16:creationId xmlns:a16="http://schemas.microsoft.com/office/drawing/2014/main" id="{E9475D76-54E4-1F74-3F07-B9E3578435A7}"/>
+              </a:ext>
+            </a:extLst>
+          </p:cNvPr>
+          <p:cNvSpPr txBox="1"/>
+          <p:nvPr/>
+        </p:nvSpPr>
+        <p:spPr>
+          <a:xfrm>
+            <a:off x="744069" y="4635277"/>
+            <a:ext cx="11354146" cy="2205155"/>
+          </a:xfrm>
+          <a:prstGeom prst="rect">
+            <a:avLst/>
+          </a:prstGeom>
+          <a:noFill/>
+          <a:ln w="12700" cap="flat" cmpd="sng" algn="ctr">
+            <a:noFill/>
+            <a:prstDash val="solid"/>
+            <a:miter lim="800000"/>
+          </a:ln>
+          <a:effectLst/>
+        </p:spPr>
+        <p:style>
+          <a:lnRef idx="2">
+            <a:schemeClr val="accent1">
+              <a:shade val="50000"/>
+            </a:schemeClr>
+          </a:lnRef>
+          <a:fillRef idx="1">
+            <a:schemeClr val="accent1"/>
+          </a:fillRef>
+          <a:effectRef idx="0">
+            <a:schemeClr val="accent1"/>
+          </a:effectRef>
+          <a:fontRef idx="minor">
+            <a:schemeClr val="lt1"/>
+          </a:fontRef>
+        </p:style>
+        <p:txBody>
+          <a:bodyPr wrap="square">
+            <a:spAutoFit/>
+          </a:bodyPr>
+          <a:lstStyle/>
+          <a:p>
+            <a:pPr>
+              <a:lnSpc>
+                <a:spcPct val="110000"/>
+              </a:lnSpc>
+              <a:buNone/>
+            </a:pPr>
+            <a:r>
+              <a:rPr lang="en-US" b="0" dirty="0">
+                <a:solidFill>
+                  <a:srgbClr val="008000"/>
+                </a:solidFill>
+                <a:effectLst/>
+                <a:latin typeface="Menlo" panose="020B0609030804020204" pitchFamily="49" charset="0"/>
+              </a:rPr>
+              <a:t>/**</a:t>
+            </a:r>
+            <a:endParaRPr lang="en-US" b="0" dirty="0">
+              <a:solidFill>
+                <a:srgbClr val="3B3B3B"/>
+              </a:solidFill>
+              <a:effectLst/>
+              <a:latin typeface="Menlo" panose="020B0609030804020204" pitchFamily="49" charset="0"/>
+            </a:endParaRPr>
+          </a:p>
+          <a:p>
+            <a:pPr>
+              <a:lnSpc>
+                <a:spcPct val="110000"/>
+              </a:lnSpc>
+              <a:buNone/>
+            </a:pPr>
+            <a:r>
+              <a:rPr lang="en-US" b="0" dirty="0">
+                <a:solidFill>
+                  <a:srgbClr val="008000"/>
+                </a:solidFill>
+                <a:effectLst/>
+                <a:latin typeface="Menlo" panose="020B0609030804020204" pitchFamily="49" charset="0"/>
+              </a:rPr>
+              <a:t> * Prints "hello" repeatedly</a:t>
+            </a:r>
+            <a:endParaRPr lang="en-US" b="0" dirty="0">
+              <a:solidFill>
+                <a:srgbClr val="3B3B3B"/>
+              </a:solidFill>
+              <a:effectLst/>
+              <a:latin typeface="Menlo" panose="020B0609030804020204" pitchFamily="49" charset="0"/>
+            </a:endParaRPr>
+          </a:p>
+          <a:p>
+            <a:pPr>
+              <a:lnSpc>
+                <a:spcPct val="110000"/>
+              </a:lnSpc>
+              <a:buNone/>
+            </a:pPr>
+            <a:r>
+              <a:rPr lang="en-US" b="0" dirty="0">
+                <a:solidFill>
+                  <a:srgbClr val="008000"/>
+                </a:solidFill>
+                <a:effectLst/>
+                <a:latin typeface="Menlo" panose="020B0609030804020204" pitchFamily="49" charset="0"/>
+              </a:rPr>
+              <a:t> *</a:t>
+            </a:r>
+            <a:endParaRPr lang="en-US" b="0" dirty="0">
+              <a:solidFill>
+                <a:srgbClr val="3B3B3B"/>
+              </a:solidFill>
+              <a:effectLst/>
+              <a:latin typeface="Menlo" panose="020B0609030804020204" pitchFamily="49" charset="0"/>
+            </a:endParaRPr>
+          </a:p>
+          <a:p>
+            <a:pPr>
+              <a:lnSpc>
+                <a:spcPct val="110000"/>
+              </a:lnSpc>
+              <a:buNone/>
+            </a:pPr>
+            <a:r>
+              <a:rPr lang="en-US" dirty="0">
+                <a:solidFill>
+                  <a:srgbClr val="008000"/>
+                </a:solidFill>
+                <a:latin typeface="Menlo" panose="020B0609030804020204" pitchFamily="49" charset="0"/>
+              </a:rPr>
+              <a:t> * </a:t>
+            </a:r>
+            <a:r>
+              <a:rPr lang="en-US" dirty="0">
+                <a:solidFill>
+                  <a:srgbClr val="0000FF"/>
+                </a:solidFill>
+                <a:latin typeface="Menlo" panose="020B0609030804020204" pitchFamily="49" charset="0"/>
+              </a:rPr>
+              <a:t>@param</a:t>
+            </a:r>
+            <a:r>
+              <a:rPr lang="en-US" dirty="0">
+                <a:solidFill>
+                  <a:srgbClr val="008000"/>
+                </a:solidFill>
+                <a:latin typeface="Menlo" panose="020B0609030804020204" pitchFamily="49" charset="0"/>
+              </a:rPr>
+              <a:t> </a:t>
+            </a:r>
+            <a:r>
+              <a:rPr lang="en-US" dirty="0" err="1">
+                <a:solidFill>
+                  <a:srgbClr val="001080"/>
+                </a:solidFill>
+                <a:latin typeface="Menlo" panose="020B0609030804020204" pitchFamily="49" charset="0"/>
+              </a:rPr>
+              <a:t>numHellos</a:t>
+            </a:r>
+            <a:r>
+              <a:rPr lang="en-US" dirty="0">
+                <a:solidFill>
+                  <a:srgbClr val="008000"/>
+                </a:solidFill>
+                <a:latin typeface="Menlo" panose="020B0609030804020204" pitchFamily="49" charset="0"/>
+              </a:rPr>
+              <a:t> - number of times to print “hello”, </a:t>
+            </a:r>
+          </a:p>
+          <a:p>
+            <a:pPr>
+              <a:lnSpc>
+                <a:spcPct val="110000"/>
+              </a:lnSpc>
+              <a:buNone/>
+            </a:pPr>
+            <a:r>
+              <a:rPr lang="en-US" dirty="0">
+                <a:solidFill>
+                  <a:srgbClr val="008000"/>
+                </a:solidFill>
+                <a:latin typeface="Menlo" panose="020B0609030804020204" pitchFamily="49" charset="0"/>
+              </a:rPr>
+              <a:t> *   </a:t>
+            </a:r>
+            <a:r>
+              <a:rPr lang="en-US" b="0" dirty="0">
+                <a:solidFill>
+                  <a:srgbClr val="008000"/>
+                </a:solidFill>
+                <a:effectLst/>
+                <a:latin typeface="Menlo" panose="020B0609030804020204" pitchFamily="49" charset="0"/>
+              </a:rPr>
+              <a:t>must be an integer &gt;= 0</a:t>
+            </a:r>
+            <a:endParaRPr lang="en-US" b="0" dirty="0">
+              <a:solidFill>
+                <a:srgbClr val="3B3B3B"/>
+              </a:solidFill>
+              <a:effectLst/>
+              <a:latin typeface="Menlo" panose="020B0609030804020204" pitchFamily="49" charset="0"/>
+            </a:endParaRPr>
+          </a:p>
+          <a:p>
+            <a:pPr>
+              <a:lnSpc>
+                <a:spcPct val="110000"/>
+              </a:lnSpc>
+              <a:buNone/>
+            </a:pPr>
+            <a:r>
+              <a:rPr lang="en-US" b="0" dirty="0">
+                <a:solidFill>
+                  <a:srgbClr val="008000"/>
+                </a:solidFill>
+                <a:effectLst/>
+                <a:latin typeface="Menlo" panose="020B0609030804020204" pitchFamily="49" charset="0"/>
+              </a:rPr>
+              <a:t> */</a:t>
+            </a:r>
+            <a:endParaRPr lang="en-US" b="0" dirty="0">
+              <a:solidFill>
+                <a:srgbClr val="3B3B3B"/>
+              </a:solidFill>
+              <a:effectLst/>
+              <a:latin typeface="Menlo" panose="020B0609030804020204" pitchFamily="49" charset="0"/>
+            </a:endParaRPr>
+          </a:p>
+          <a:p>
+            <a:pPr>
+              <a:lnSpc>
+                <a:spcPct val="110000"/>
+              </a:lnSpc>
+              <a:buNone/>
+            </a:pPr>
+            <a:r>
+              <a:rPr lang="en-US" b="0" dirty="0">
+                <a:solidFill>
+                  <a:srgbClr val="0000FF"/>
+                </a:solidFill>
+                <a:effectLst/>
+                <a:latin typeface="Menlo" panose="020B0609030804020204" pitchFamily="49" charset="0"/>
+              </a:rPr>
+              <a:t>function</a:t>
+            </a:r>
+            <a:r>
+              <a:rPr lang="en-US" b="0" dirty="0">
+                <a:solidFill>
+                  <a:srgbClr val="3B3B3B"/>
+                </a:solidFill>
+                <a:effectLst/>
+                <a:latin typeface="Menlo" panose="020B0609030804020204" pitchFamily="49" charset="0"/>
+              </a:rPr>
+              <a:t> </a:t>
+            </a:r>
+            <a:r>
+              <a:rPr lang="en-US" dirty="0" err="1">
+                <a:solidFill>
+                  <a:srgbClr val="795E26"/>
+                </a:solidFill>
+                <a:latin typeface="Menlo" panose="020B0609030804020204" pitchFamily="49" charset="0"/>
+              </a:rPr>
+              <a:t>helloNTimes</a:t>
+            </a:r>
+            <a:r>
+              <a:rPr lang="en-US" b="0" dirty="0">
+                <a:solidFill>
+                  <a:srgbClr val="3B3B3B"/>
+                </a:solidFill>
+                <a:effectLst/>
+                <a:latin typeface="Menlo" panose="020B0609030804020204" pitchFamily="49" charset="0"/>
+              </a:rPr>
+              <a:t>(</a:t>
+            </a:r>
+            <a:r>
+              <a:rPr lang="en-US" b="0" dirty="0" err="1">
+                <a:solidFill>
+                  <a:srgbClr val="001080"/>
+                </a:solidFill>
+                <a:effectLst/>
+                <a:latin typeface="Menlo" panose="020B0609030804020204" pitchFamily="49" charset="0"/>
+              </a:rPr>
+              <a:t>numHellos</a:t>
+            </a:r>
+            <a:r>
+              <a:rPr lang="en-US" b="0" dirty="0">
+                <a:solidFill>
+                  <a:srgbClr val="000000"/>
+                </a:solidFill>
+                <a:effectLst/>
+                <a:latin typeface="Menlo" panose="020B0609030804020204" pitchFamily="49" charset="0"/>
+              </a:rPr>
+              <a:t>:</a:t>
+            </a:r>
+            <a:r>
+              <a:rPr lang="en-US" b="0" dirty="0">
+                <a:solidFill>
+                  <a:srgbClr val="3B3B3B"/>
+                </a:solidFill>
+                <a:effectLst/>
+                <a:latin typeface="Menlo" panose="020B0609030804020204" pitchFamily="49" charset="0"/>
+              </a:rPr>
+              <a:t> </a:t>
+            </a:r>
+            <a:r>
+              <a:rPr lang="en-US" b="0" dirty="0">
+                <a:solidFill>
+                  <a:srgbClr val="267F99"/>
+                </a:solidFill>
+                <a:effectLst/>
+                <a:latin typeface="Menlo" panose="020B0609030804020204" pitchFamily="49" charset="0"/>
+              </a:rPr>
+              <a:t>number</a:t>
+            </a:r>
+            <a:r>
+              <a:rPr lang="en-US" b="0" dirty="0">
+                <a:solidFill>
+                  <a:srgbClr val="3B3B3B"/>
+                </a:solidFill>
+                <a:effectLst/>
+                <a:latin typeface="Menlo" panose="020B0609030804020204" pitchFamily="49" charset="0"/>
+              </a:rPr>
+              <a:t>)</a:t>
+            </a:r>
+          </a:p>
+        </p:txBody>
+      </p:sp>
+    </p:spTree>
+    <p:extLst>
+      <p:ext uri="{BB962C8B-B14F-4D97-AF65-F5344CB8AC3E}">
+        <p14:creationId xmlns:p14="http://schemas.microsoft.com/office/powerpoint/2010/main" val="2205123110"/>
+      </p:ext>
+    </p:extLst>
+  </p:cSld>
+  <p:clrMapOvr>
+    <a:masterClrMapping/>
+  </p:clrMapOvr>
+</p:sld>
+</file>
+
+<file path=ppt/slides/slide6.xml><?xml version="1.0" encoding="utf-8"?>
+<p:sld xmlns:a="http://schemas.openxmlformats.org/drawingml/2006/main" xmlns:r="http://schemas.openxmlformats.org/officeDocument/2006/relationships" xmlns:p="http://schemas.openxmlformats.org/presentationml/2006/main">
+  <p:cSld>
+    <p:spTree>
+      <p:nvGrpSpPr>
+        <p:cNvPr id="1" name="">
+          <a:extLst>
+            <a:ext uri="{FF2B5EF4-FFF2-40B4-BE49-F238E27FC236}">
+              <a16:creationId xmlns:a16="http://schemas.microsoft.com/office/drawing/2014/main" id="{18F7E936-5227-CFE6-15E7-CB2D940A5FD0}"/>
+            </a:ext>
+          </a:extLst>
+        </p:cNvPr>
+        <p:cNvGrpSpPr/>
+        <p:nvPr/>
+      </p:nvGrpSpPr>
+      <p:grpSpPr>
+        <a:xfrm>
+          <a:off x="0" y="0"/>
+          <a:ext cx="0" cy="0"/>
+          <a:chOff x="0" y="0"/>
+          <a:chExt cx="0" cy="0"/>
+        </a:xfrm>
+      </p:grpSpPr>
+      <p:sp>
+        <p:nvSpPr>
+          <p:cNvPr id="2" name="Title 1">
+            <a:extLst>
+              <a:ext uri="{FF2B5EF4-FFF2-40B4-BE49-F238E27FC236}">
+                <a16:creationId xmlns:a16="http://schemas.microsoft.com/office/drawing/2014/main" id="{C52A59C5-F59F-7782-B9C2-7A6DFDCC479E}"/>
+              </a:ext>
+            </a:extLst>
+          </p:cNvPr>
+          <p:cNvSpPr>
+            <a:spLocks noGrp="1"/>
+          </p:cNvSpPr>
+          <p:nvPr>
+            <p:ph type="title"/>
+          </p:nvPr>
+        </p:nvSpPr>
+        <p:spPr>
+          <a:xfrm>
+            <a:off x="838200" y="18255"/>
+            <a:ext cx="10515600" cy="1325563"/>
+          </a:xfrm>
+        </p:spPr>
+        <p:txBody>
+          <a:bodyPr>
+            <a:normAutofit/>
+          </a:bodyPr>
+          <a:lstStyle/>
+          <a:p>
+            <a:r>
+              <a:rPr lang="en-US" dirty="0"/>
+              <a:t>For Unit Testing, Tests Inputs Should Respect a Function’s Contracts</a:t>
+            </a:r>
+          </a:p>
+        </p:txBody>
+      </p:sp>
+      <p:sp>
+        <p:nvSpPr>
+          <p:cNvPr id="3" name="Content Placeholder 2">
+            <a:extLst>
+              <a:ext uri="{FF2B5EF4-FFF2-40B4-BE49-F238E27FC236}">
+                <a16:creationId xmlns:a16="http://schemas.microsoft.com/office/drawing/2014/main" id="{323F76A1-BF52-B873-69B9-820D9DCE4075}"/>
+              </a:ext>
+            </a:extLst>
+          </p:cNvPr>
+          <p:cNvSpPr>
+            <a:spLocks noGrp="1"/>
+          </p:cNvSpPr>
+          <p:nvPr>
+            <p:ph idx="1"/>
+          </p:nvPr>
+        </p:nvSpPr>
+        <p:spPr>
+          <a:xfrm>
+            <a:off x="838199" y="1500188"/>
+            <a:ext cx="10906126" cy="4351337"/>
+          </a:xfrm>
+        </p:spPr>
+        <p:txBody>
+          <a:bodyPr/>
+          <a:lstStyle/>
+          <a:p>
+            <a:r>
+              <a:rPr lang="en-US" b="1" dirty="0"/>
+              <a:t>Unit Tests: </a:t>
+            </a:r>
+            <a:r>
+              <a:rPr lang="en-US" dirty="0"/>
+              <a:t>testing a single function in isolation</a:t>
+            </a:r>
+          </a:p>
+          <a:p>
+            <a:pPr lvl="1"/>
+            <a:r>
+              <a:rPr lang="en-US" dirty="0"/>
+              <a:t>Unit testing only needs to give a function tests that respect the functions preconditions: no need to test -3 or 1.4</a:t>
+            </a:r>
+          </a:p>
+          <a:p>
+            <a:r>
+              <a:rPr lang="en-US" b="1" dirty="0"/>
+              <a:t>Integration Tests</a:t>
+            </a:r>
+            <a:r>
+              <a:rPr lang="en-US" dirty="0"/>
+              <a:t> test how different parts of a program work together, and that’s where we’re concerned with ensuring that </a:t>
+            </a:r>
+            <a:r>
+              <a:rPr lang="en-US" i="1" dirty="0"/>
+              <a:t>other </a:t>
+            </a:r>
+            <a:r>
+              <a:rPr lang="en-US" dirty="0"/>
+              <a:t>parts of the program respect our function’s contracts.</a:t>
+            </a:r>
+          </a:p>
+        </p:txBody>
+      </p:sp>
+      <p:sp>
+        <p:nvSpPr>
+          <p:cNvPr id="4" name="Slide Number Placeholder 3">
+            <a:extLst>
+              <a:ext uri="{FF2B5EF4-FFF2-40B4-BE49-F238E27FC236}">
+                <a16:creationId xmlns:a16="http://schemas.microsoft.com/office/drawing/2014/main" id="{A3E2DFFF-1693-C2A3-00A9-A9B34BECF250}"/>
+              </a:ext>
+            </a:extLst>
+          </p:cNvPr>
+          <p:cNvSpPr>
+            <a:spLocks noGrp="1"/>
+          </p:cNvSpPr>
+          <p:nvPr>
+            <p:ph type="sldNum" sz="quarter" idx="12"/>
+          </p:nvPr>
+        </p:nvSpPr>
+        <p:spPr>
+          <a:xfrm>
+            <a:off x="8610600" y="6356350"/>
+            <a:ext cx="2743200" cy="365125"/>
+          </a:xfrm>
+        </p:spPr>
+        <p:txBody>
+          <a:bodyPr/>
+          <a:lstStyle/>
+          <a:p>
+            <a:fld id="{20F37917-FD3A-4669-9018-DA04BCDD3D75}" type="slidenum">
+              <a:rPr lang="en-US" smtClean="0"/>
+              <a:pPr/>
+              <a:t>6</a:t>
+            </a:fld>
+            <a:endParaRPr lang="en-US"/>
+          </a:p>
+        </p:txBody>
+      </p:sp>
+      <p:sp>
+        <p:nvSpPr>
+          <p:cNvPr id="9" name="TextBox 8">
+            <a:extLst>
+              <a:ext uri="{FF2B5EF4-FFF2-40B4-BE49-F238E27FC236}">
+                <a16:creationId xmlns:a16="http://schemas.microsoft.com/office/drawing/2014/main" id="{703E35E6-DF06-15D2-91E6-EAC2807CB472}"/>
+              </a:ext>
+            </a:extLst>
+          </p:cNvPr>
+          <p:cNvSpPr txBox="1"/>
+          <p:nvPr/>
+        </p:nvSpPr>
+        <p:spPr>
+          <a:xfrm>
+            <a:off x="744069" y="4635277"/>
+            <a:ext cx="11354146" cy="2205155"/>
+          </a:xfrm>
+          <a:prstGeom prst="rect">
+            <a:avLst/>
+          </a:prstGeom>
+          <a:noFill/>
+          <a:ln w="12700" cap="flat" cmpd="sng" algn="ctr">
+            <a:noFill/>
+            <a:prstDash val="solid"/>
+            <a:miter lim="800000"/>
+          </a:ln>
+          <a:effectLst/>
+        </p:spPr>
+        <p:style>
+          <a:lnRef idx="2">
+            <a:schemeClr val="accent1">
+              <a:shade val="50000"/>
+            </a:schemeClr>
+          </a:lnRef>
+          <a:fillRef idx="1">
+            <a:schemeClr val="accent1"/>
+          </a:fillRef>
+          <a:effectRef idx="0">
+            <a:schemeClr val="accent1"/>
+          </a:effectRef>
+          <a:fontRef idx="minor">
+            <a:schemeClr val="lt1"/>
+          </a:fontRef>
+        </p:style>
+        <p:txBody>
+          <a:bodyPr wrap="square">
+            <a:spAutoFit/>
+          </a:bodyPr>
+          <a:lstStyle/>
+          <a:p>
+            <a:pPr>
+              <a:lnSpc>
+                <a:spcPct val="110000"/>
+              </a:lnSpc>
+              <a:buNone/>
+            </a:pPr>
+            <a:r>
+              <a:rPr lang="en-US" b="0" dirty="0">
+                <a:solidFill>
+                  <a:srgbClr val="008000"/>
+                </a:solidFill>
+                <a:effectLst/>
+                <a:latin typeface="Menlo" panose="020B0609030804020204" pitchFamily="49" charset="0"/>
+              </a:rPr>
+              <a:t>/**</a:t>
+            </a:r>
+            <a:endParaRPr lang="en-US" b="0" dirty="0">
+              <a:solidFill>
+                <a:srgbClr val="3B3B3B"/>
+              </a:solidFill>
+              <a:effectLst/>
+              <a:latin typeface="Menlo" panose="020B0609030804020204" pitchFamily="49" charset="0"/>
+            </a:endParaRPr>
+          </a:p>
+          <a:p>
+            <a:pPr>
+              <a:lnSpc>
+                <a:spcPct val="110000"/>
+              </a:lnSpc>
+              <a:buNone/>
+            </a:pPr>
+            <a:r>
+              <a:rPr lang="en-US" b="0" dirty="0">
+                <a:solidFill>
+                  <a:srgbClr val="008000"/>
+                </a:solidFill>
+                <a:effectLst/>
+                <a:latin typeface="Menlo" panose="020B0609030804020204" pitchFamily="49" charset="0"/>
+              </a:rPr>
+              <a:t> * Prints "hello" repeatedly</a:t>
+            </a:r>
+            <a:endParaRPr lang="en-US" b="0" dirty="0">
+              <a:solidFill>
+                <a:srgbClr val="3B3B3B"/>
+              </a:solidFill>
+              <a:effectLst/>
+              <a:latin typeface="Menlo" panose="020B0609030804020204" pitchFamily="49" charset="0"/>
+            </a:endParaRPr>
+          </a:p>
+          <a:p>
+            <a:pPr>
+              <a:lnSpc>
+                <a:spcPct val="110000"/>
+              </a:lnSpc>
+              <a:buNone/>
+            </a:pPr>
+            <a:r>
+              <a:rPr lang="en-US" b="0" dirty="0">
+                <a:solidFill>
+                  <a:srgbClr val="008000"/>
+                </a:solidFill>
+                <a:effectLst/>
+                <a:latin typeface="Menlo" panose="020B0609030804020204" pitchFamily="49" charset="0"/>
+              </a:rPr>
+              <a:t> *</a:t>
+            </a:r>
+            <a:endParaRPr lang="en-US" b="0" dirty="0">
+              <a:solidFill>
+                <a:srgbClr val="3B3B3B"/>
+              </a:solidFill>
+              <a:effectLst/>
+              <a:latin typeface="Menlo" panose="020B0609030804020204" pitchFamily="49" charset="0"/>
+            </a:endParaRPr>
+          </a:p>
+          <a:p>
+            <a:pPr>
+              <a:lnSpc>
+                <a:spcPct val="110000"/>
+              </a:lnSpc>
+              <a:buNone/>
+            </a:pPr>
+            <a:r>
+              <a:rPr lang="en-US" dirty="0">
+                <a:solidFill>
+                  <a:srgbClr val="008000"/>
+                </a:solidFill>
+                <a:latin typeface="Menlo" panose="020B0609030804020204" pitchFamily="49" charset="0"/>
+              </a:rPr>
+              <a:t> * </a:t>
+            </a:r>
+            <a:r>
+              <a:rPr lang="en-US" dirty="0">
+                <a:solidFill>
+                  <a:srgbClr val="0000FF"/>
+                </a:solidFill>
+                <a:latin typeface="Menlo" panose="020B0609030804020204" pitchFamily="49" charset="0"/>
+              </a:rPr>
+              <a:t>@param</a:t>
+            </a:r>
+            <a:r>
+              <a:rPr lang="en-US" dirty="0">
+                <a:solidFill>
+                  <a:srgbClr val="008000"/>
+                </a:solidFill>
+                <a:latin typeface="Menlo" panose="020B0609030804020204" pitchFamily="49" charset="0"/>
+              </a:rPr>
+              <a:t> </a:t>
+            </a:r>
+            <a:r>
+              <a:rPr lang="en-US" dirty="0" err="1">
+                <a:solidFill>
+                  <a:srgbClr val="001080"/>
+                </a:solidFill>
+                <a:latin typeface="Menlo" panose="020B0609030804020204" pitchFamily="49" charset="0"/>
+              </a:rPr>
+              <a:t>numHellos</a:t>
+            </a:r>
+            <a:r>
+              <a:rPr lang="en-US" dirty="0">
+                <a:solidFill>
+                  <a:srgbClr val="008000"/>
+                </a:solidFill>
+                <a:latin typeface="Menlo" panose="020B0609030804020204" pitchFamily="49" charset="0"/>
+              </a:rPr>
+              <a:t> - number of times to print “hello”, </a:t>
+            </a:r>
+          </a:p>
+          <a:p>
+            <a:pPr>
+              <a:lnSpc>
+                <a:spcPct val="110000"/>
+              </a:lnSpc>
+              <a:buNone/>
+            </a:pPr>
+            <a:r>
+              <a:rPr lang="en-US" dirty="0">
+                <a:solidFill>
+                  <a:srgbClr val="008000"/>
+                </a:solidFill>
+                <a:latin typeface="Menlo" panose="020B0609030804020204" pitchFamily="49" charset="0"/>
+              </a:rPr>
+              <a:t> *   </a:t>
+            </a:r>
+            <a:r>
+              <a:rPr lang="en-US" b="0" dirty="0">
+                <a:solidFill>
+                  <a:srgbClr val="008000"/>
+                </a:solidFill>
+                <a:effectLst/>
+                <a:latin typeface="Menlo" panose="020B0609030804020204" pitchFamily="49" charset="0"/>
+              </a:rPr>
+              <a:t>must be an integer &gt;= 0</a:t>
+            </a:r>
+            <a:endParaRPr lang="en-US" b="0" dirty="0">
+              <a:solidFill>
+                <a:srgbClr val="3B3B3B"/>
+              </a:solidFill>
+              <a:effectLst/>
+              <a:latin typeface="Menlo" panose="020B0609030804020204" pitchFamily="49" charset="0"/>
+            </a:endParaRPr>
+          </a:p>
+          <a:p>
+            <a:pPr>
+              <a:lnSpc>
+                <a:spcPct val="110000"/>
+              </a:lnSpc>
+              <a:buNone/>
+            </a:pPr>
+            <a:r>
+              <a:rPr lang="en-US" b="0" dirty="0">
+                <a:solidFill>
+                  <a:srgbClr val="008000"/>
+                </a:solidFill>
+                <a:effectLst/>
+                <a:latin typeface="Menlo" panose="020B0609030804020204" pitchFamily="49" charset="0"/>
+              </a:rPr>
+              <a:t> */</a:t>
+            </a:r>
+            <a:endParaRPr lang="en-US" b="0" dirty="0">
+              <a:solidFill>
+                <a:srgbClr val="3B3B3B"/>
+              </a:solidFill>
+              <a:effectLst/>
+              <a:latin typeface="Menlo" panose="020B0609030804020204" pitchFamily="49" charset="0"/>
+            </a:endParaRPr>
+          </a:p>
+          <a:p>
+            <a:pPr>
+              <a:lnSpc>
+                <a:spcPct val="110000"/>
+              </a:lnSpc>
+              <a:buNone/>
+            </a:pPr>
+            <a:r>
+              <a:rPr lang="en-US" b="0" dirty="0">
+                <a:solidFill>
+                  <a:srgbClr val="0000FF"/>
+                </a:solidFill>
+                <a:effectLst/>
+                <a:latin typeface="Menlo" panose="020B0609030804020204" pitchFamily="49" charset="0"/>
+              </a:rPr>
+              <a:t>function</a:t>
+            </a:r>
+            <a:r>
+              <a:rPr lang="en-US" b="0" dirty="0">
+                <a:solidFill>
+                  <a:srgbClr val="3B3B3B"/>
+                </a:solidFill>
+                <a:effectLst/>
+                <a:latin typeface="Menlo" panose="020B0609030804020204" pitchFamily="49" charset="0"/>
+              </a:rPr>
+              <a:t> </a:t>
+            </a:r>
+            <a:r>
+              <a:rPr lang="en-US" dirty="0" err="1">
+                <a:solidFill>
+                  <a:srgbClr val="795E26"/>
+                </a:solidFill>
+                <a:latin typeface="Menlo" panose="020B0609030804020204" pitchFamily="49" charset="0"/>
+              </a:rPr>
+              <a:t>helloNTimes</a:t>
+            </a:r>
+            <a:r>
+              <a:rPr lang="en-US" b="0" dirty="0">
+                <a:solidFill>
+                  <a:srgbClr val="3B3B3B"/>
+                </a:solidFill>
+                <a:effectLst/>
+                <a:latin typeface="Menlo" panose="020B0609030804020204" pitchFamily="49" charset="0"/>
+              </a:rPr>
+              <a:t>(</a:t>
+            </a:r>
+            <a:r>
+              <a:rPr lang="en-US" b="0" dirty="0" err="1">
+                <a:solidFill>
+                  <a:srgbClr val="001080"/>
+                </a:solidFill>
+                <a:effectLst/>
+                <a:latin typeface="Menlo" panose="020B0609030804020204" pitchFamily="49" charset="0"/>
+              </a:rPr>
+              <a:t>numHellos</a:t>
+            </a:r>
+            <a:r>
+              <a:rPr lang="en-US" b="0" dirty="0">
+                <a:solidFill>
+                  <a:srgbClr val="000000"/>
+                </a:solidFill>
+                <a:effectLst/>
+                <a:latin typeface="Menlo" panose="020B0609030804020204" pitchFamily="49" charset="0"/>
+              </a:rPr>
+              <a:t>:</a:t>
+            </a:r>
+            <a:r>
+              <a:rPr lang="en-US" b="0" dirty="0">
+                <a:solidFill>
+                  <a:srgbClr val="3B3B3B"/>
+                </a:solidFill>
+                <a:effectLst/>
+                <a:latin typeface="Menlo" panose="020B0609030804020204" pitchFamily="49" charset="0"/>
+              </a:rPr>
+              <a:t> </a:t>
+            </a:r>
+            <a:r>
+              <a:rPr lang="en-US" b="0" dirty="0">
+                <a:solidFill>
+                  <a:srgbClr val="267F99"/>
+                </a:solidFill>
+                <a:effectLst/>
+                <a:latin typeface="Menlo" panose="020B0609030804020204" pitchFamily="49" charset="0"/>
+              </a:rPr>
+              <a:t>number</a:t>
+            </a:r>
+            <a:r>
+              <a:rPr lang="en-US" b="0" dirty="0">
+                <a:solidFill>
+                  <a:srgbClr val="3B3B3B"/>
+                </a:solidFill>
+                <a:effectLst/>
+                <a:latin typeface="Menlo" panose="020B0609030804020204" pitchFamily="49" charset="0"/>
+              </a:rPr>
+              <a:t>)</a:t>
+            </a:r>
+          </a:p>
+        </p:txBody>
+      </p:sp>
+    </p:spTree>
+    <p:extLst>
+      <p:ext uri="{BB962C8B-B14F-4D97-AF65-F5344CB8AC3E}">
+        <p14:creationId xmlns:p14="http://schemas.microsoft.com/office/powerpoint/2010/main" val="3957785371"/>
+      </p:ext>
+    </p:extLst>
+  </p:cSld>
+  <p:clrMapOvr>
+    <a:masterClrMapping/>
+  </p:clrMapOvr>
+</p:sld>
+</file>
+
+<file path=ppt/slides/slide7.xml><?xml version="1.0" encoding="utf-8"?>
+<p:sld xmlns:a="http://schemas.openxmlformats.org/drawingml/2006/main" xmlns:r="http://schemas.openxmlformats.org/officeDocument/2006/relationships" xmlns:p="http://schemas.openxmlformats.org/presentationml/2006/main">
+  <p:cSld>
+    <p:spTree>
+      <p:nvGrpSpPr>
+        <p:cNvPr id="1" name="">
+          <a:extLst>
+            <a:ext uri="{FF2B5EF4-FFF2-40B4-BE49-F238E27FC236}">
               <a16:creationId xmlns:a16="http://schemas.microsoft.com/office/drawing/2014/main" id="{983EDE22-3767-1FAB-9FB0-77BAC9825DA2}"/>
             </a:ext>
           </a:extLst>
@@ -16546,8 +20433,8 @@
         </p:nvSpPr>
         <p:spPr>
           <a:xfrm>
-            <a:off x="838200" y="18255"/>
-            <a:ext cx="10515600" cy="1325563"/>
+            <a:off x="838199" y="18255"/>
+            <a:ext cx="10834991" cy="1325563"/>
           </a:xfrm>
         </p:spPr>
         <p:txBody>
@@ -16556,7 +20443,7 @@
           <a:p>
             <a:r>
               <a:rPr lang="en-US" dirty="0"/>
-              <a:t>TypeScript Types Cannot Be Trusted</a:t>
+              <a:t>TypeScript Types Are Easily Circumvented (1)</a:t>
             </a:r>
           </a:p>
         </p:txBody>
@@ -16590,7 +20477,7 @@
             <a:fld id="{20F37917-FD3A-4669-9018-DA04BCDD3D75}" type="slidenum">
               <a:rPr lang="en-US" smtClean="0"/>
               <a:pPr/>
-              <a:t>5</a:t>
+              <a:t>7</a:t>
             </a:fld>
             <a:endParaRPr lang="en-US"/>
           </a:p>
@@ -16626,181 +20513,383 @@
           <a:p>
             <a:r>
               <a:rPr lang="en-US" dirty="0"/>
-              <a:t>TypeScript types are, at the end of the day, </a:t>
-            </a:r>
-            <a:br>
+              <a:t>In a language like Java, we’d need to worry that another function could call </a:t>
+            </a:r>
+            <a:r>
+              <a:rPr lang="en-US" sz="2400" dirty="0" err="1">
+                <a:solidFill>
+                  <a:schemeClr val="accent4">
+                    <a:lumMod val="50000"/>
+                  </a:schemeClr>
+                </a:solidFill>
+                <a:latin typeface="Menlo" panose="020B0609030804020204" pitchFamily="49" charset="0"/>
+                <a:ea typeface="Menlo" panose="020B0609030804020204" pitchFamily="49" charset="0"/>
+                <a:cs typeface="Menlo" panose="020B0609030804020204" pitchFamily="49" charset="0"/>
+              </a:rPr>
+              <a:t>helloNTimes</a:t>
+            </a:r>
+            <a:r>
               <a:rPr lang="en-US" dirty="0"/>
-            </a:br>
+              <a:t> with -3, but not with a string or </a:t>
+            </a:r>
+            <a:r>
+              <a:rPr lang="en-US" sz="2400" dirty="0">
+                <a:solidFill>
+                  <a:schemeClr val="accent4">
+                    <a:lumMod val="50000"/>
+                  </a:schemeClr>
+                </a:solidFill>
+                <a:latin typeface="Menlo" panose="020B0609030804020204" pitchFamily="49" charset="0"/>
+                <a:ea typeface="Menlo" panose="020B0609030804020204" pitchFamily="49" charset="0"/>
+                <a:cs typeface="Menlo" panose="020B0609030804020204" pitchFamily="49" charset="0"/>
+              </a:rPr>
+              <a:t>null</a:t>
+            </a:r>
             <a:r>
               <a:rPr lang="en-US" dirty="0"/>
-              <a:t>no better than preconditions mentioned in comments.</a:t>
-            </a:r>
-            <a:br>
+              <a:t>.</a:t>
+            </a:r>
+          </a:p>
+          <a:p>
+            <a:r>
               <a:rPr lang="en-US" dirty="0"/>
-            </a:br>
-            <a:endParaRPr lang="en-US" dirty="0"/>
-          </a:p>
-          <a:p>
-            <a:pPr marL="457200" lvl="1" indent="0">
+              <a:t>That’s not true in TypeScript!</a:t>
+            </a:r>
+          </a:p>
+        </p:txBody>
+      </p:sp>
+      <p:sp>
+        <p:nvSpPr>
+          <p:cNvPr id="3" name="TextBox 2">
+            <a:extLst>
+              <a:ext uri="{FF2B5EF4-FFF2-40B4-BE49-F238E27FC236}">
+                <a16:creationId xmlns:a16="http://schemas.microsoft.com/office/drawing/2014/main" id="{83AC3B45-76F9-2331-42FC-C7E7FD853618}"/>
+              </a:ext>
+            </a:extLst>
+          </p:cNvPr>
+          <p:cNvSpPr txBox="1"/>
+          <p:nvPr/>
+        </p:nvSpPr>
+        <p:spPr>
+          <a:xfrm>
+            <a:off x="744069" y="4635277"/>
+            <a:ext cx="11354146" cy="2205155"/>
+          </a:xfrm>
+          <a:prstGeom prst="rect">
+            <a:avLst/>
+          </a:prstGeom>
+          <a:noFill/>
+          <a:ln w="12700" cap="flat" cmpd="sng" algn="ctr">
+            <a:noFill/>
+            <a:prstDash val="solid"/>
+            <a:miter lim="800000"/>
+          </a:ln>
+          <a:effectLst/>
+        </p:spPr>
+        <p:style>
+          <a:lnRef idx="2">
+            <a:schemeClr val="accent1">
+              <a:shade val="50000"/>
+            </a:schemeClr>
+          </a:lnRef>
+          <a:fillRef idx="1">
+            <a:schemeClr val="accent1"/>
+          </a:fillRef>
+          <a:effectRef idx="0">
+            <a:schemeClr val="accent1"/>
+          </a:effectRef>
+          <a:fontRef idx="minor">
+            <a:schemeClr val="lt1"/>
+          </a:fontRef>
+        </p:style>
+        <p:txBody>
+          <a:bodyPr wrap="square">
+            <a:spAutoFit/>
+          </a:bodyPr>
+          <a:lstStyle/>
+          <a:p>
+            <a:pPr>
+              <a:lnSpc>
+                <a:spcPct val="110000"/>
+              </a:lnSpc>
               <a:buNone/>
             </a:pPr>
             <a:r>
-              <a:rPr lang="en-US" sz="1600" b="0" dirty="0" err="1">
-                <a:solidFill>
-                  <a:srgbClr val="795E26"/>
+              <a:rPr lang="en-US" b="0" dirty="0">
+                <a:solidFill>
+                  <a:srgbClr val="008000"/>
                 </a:solidFill>
                 <a:effectLst/>
                 <a:latin typeface="Menlo" panose="020B0609030804020204" pitchFamily="49" charset="0"/>
               </a:rPr>
-              <a:t>helloNTimes</a:t>
-            </a:r>
-            <a:r>
-              <a:rPr lang="en-US" sz="1600" b="0" dirty="0">
-                <a:solidFill>
-                  <a:srgbClr val="3B3B3B"/>
-                </a:solidFill>
-                <a:effectLst/>
-                <a:latin typeface="Menlo" panose="020B0609030804020204" pitchFamily="49" charset="0"/>
-              </a:rPr>
-              <a:t>({ </a:t>
-            </a:r>
-            <a:r>
-              <a:rPr lang="en-US" sz="1600" b="0" dirty="0">
-                <a:solidFill>
-                  <a:srgbClr val="001080"/>
-                </a:solidFill>
-                <a:effectLst/>
-                <a:latin typeface="Menlo" panose="020B0609030804020204" pitchFamily="49" charset="0"/>
-              </a:rPr>
-              <a:t>lol:</a:t>
-            </a:r>
-            <a:r>
-              <a:rPr lang="en-US" sz="1600" b="0" dirty="0">
-                <a:solidFill>
-                  <a:srgbClr val="3B3B3B"/>
-                </a:solidFill>
-                <a:effectLst/>
-                <a:latin typeface="Menlo" panose="020B0609030804020204" pitchFamily="49" charset="0"/>
-              </a:rPr>
-              <a:t> </a:t>
-            </a:r>
-            <a:r>
-              <a:rPr lang="en-US" sz="1600" b="0" dirty="0">
-                <a:solidFill>
-                  <a:srgbClr val="A31515"/>
-                </a:solidFill>
-                <a:effectLst/>
-                <a:latin typeface="Menlo" panose="020B0609030804020204" pitchFamily="49" charset="0"/>
-              </a:rPr>
-              <a:t>'owned '</a:t>
-            </a:r>
-            <a:r>
-              <a:rPr lang="en-US" sz="1600" b="0" dirty="0">
-                <a:solidFill>
-                  <a:srgbClr val="3B3B3B"/>
-                </a:solidFill>
-                <a:effectLst/>
-                <a:latin typeface="Menlo" panose="020B0609030804020204" pitchFamily="49" charset="0"/>
-              </a:rPr>
-              <a:t> } </a:t>
-            </a:r>
-            <a:r>
-              <a:rPr lang="en-US" sz="1600" b="0" dirty="0">
-                <a:solidFill>
-                  <a:srgbClr val="AF00DB"/>
-                </a:solidFill>
-                <a:effectLst/>
-                <a:latin typeface="Menlo" panose="020B0609030804020204" pitchFamily="49" charset="0"/>
-              </a:rPr>
-              <a:t>as</a:t>
-            </a:r>
-            <a:r>
-              <a:rPr lang="en-US" sz="1600" b="0" dirty="0">
-                <a:solidFill>
-                  <a:srgbClr val="3B3B3B"/>
-                </a:solidFill>
-                <a:effectLst/>
-                <a:latin typeface="Menlo" panose="020B0609030804020204" pitchFamily="49" charset="0"/>
-              </a:rPr>
-              <a:t> </a:t>
-            </a:r>
-            <a:r>
-              <a:rPr lang="en-US" sz="1600" b="0" dirty="0">
-                <a:solidFill>
-                  <a:srgbClr val="267F99"/>
-                </a:solidFill>
-                <a:effectLst/>
-                <a:latin typeface="Menlo" panose="020B0609030804020204" pitchFamily="49" charset="0"/>
-              </a:rPr>
-              <a:t>unknown</a:t>
-            </a:r>
-            <a:r>
-              <a:rPr lang="en-US" sz="1600" b="0" dirty="0">
-                <a:solidFill>
-                  <a:srgbClr val="3B3B3B"/>
-                </a:solidFill>
-                <a:effectLst/>
-                <a:latin typeface="Menlo" panose="020B0609030804020204" pitchFamily="49" charset="0"/>
-              </a:rPr>
-              <a:t> </a:t>
-            </a:r>
-            <a:r>
-              <a:rPr lang="en-US" sz="1600" b="0" dirty="0">
-                <a:solidFill>
-                  <a:srgbClr val="AF00DB"/>
-                </a:solidFill>
-                <a:effectLst/>
-                <a:latin typeface="Menlo" panose="020B0609030804020204" pitchFamily="49" charset="0"/>
-              </a:rPr>
-              <a:t>as</a:t>
-            </a:r>
-            <a:r>
-              <a:rPr lang="en-US" sz="1600" b="0" dirty="0">
-                <a:solidFill>
-                  <a:srgbClr val="3B3B3B"/>
-                </a:solidFill>
-                <a:effectLst/>
-                <a:latin typeface="Menlo" panose="020B0609030804020204" pitchFamily="49" charset="0"/>
-              </a:rPr>
-              <a:t> </a:t>
-            </a:r>
-            <a:r>
-              <a:rPr lang="en-US" sz="1600" b="0" dirty="0">
-                <a:solidFill>
-                  <a:srgbClr val="267F99"/>
-                </a:solidFill>
-                <a:effectLst/>
-                <a:latin typeface="Menlo" panose="020B0609030804020204" pitchFamily="49" charset="0"/>
-              </a:rPr>
-              <a:t>number</a:t>
-            </a:r>
-            <a:r>
-              <a:rPr lang="en-US" sz="1600" b="0" dirty="0">
-                <a:solidFill>
-                  <a:srgbClr val="3B3B3B"/>
-                </a:solidFill>
-                <a:effectLst/>
-                <a:latin typeface="Menlo" panose="020B0609030804020204" pitchFamily="49" charset="0"/>
-              </a:rPr>
-              <a:t>)</a:t>
-            </a:r>
-          </a:p>
-          <a:p>
-            <a:pPr marL="0" indent="0">
+              <a:t>/**</a:t>
+            </a:r>
+            <a:endParaRPr lang="en-US" b="0" dirty="0">
+              <a:solidFill>
+                <a:srgbClr val="3B3B3B"/>
+              </a:solidFill>
+              <a:effectLst/>
+              <a:latin typeface="Menlo" panose="020B0609030804020204" pitchFamily="49" charset="0"/>
+            </a:endParaRPr>
+          </a:p>
+          <a:p>
+            <a:pPr>
+              <a:lnSpc>
+                <a:spcPct val="110000"/>
+              </a:lnSpc>
               <a:buNone/>
             </a:pPr>
-            <a:endParaRPr lang="en-US" dirty="0"/>
-          </a:p>
-          <a:p>
-            <a:r>
-              <a:rPr lang="en-US" dirty="0"/>
-              <a:t>They do at least make it less likely you’ll screw up </a:t>
-            </a:r>
-            <a:r>
-              <a:rPr lang="en-US" i="1" dirty="0"/>
-              <a:t>accidentally…</a:t>
-            </a:r>
-            <a:endParaRPr lang="en-US" dirty="0"/>
+            <a:r>
+              <a:rPr lang="en-US" b="0" dirty="0">
+                <a:solidFill>
+                  <a:srgbClr val="008000"/>
+                </a:solidFill>
+                <a:effectLst/>
+                <a:latin typeface="Menlo" panose="020B0609030804020204" pitchFamily="49" charset="0"/>
+              </a:rPr>
+              <a:t> * Prints "hello" repeatedly</a:t>
+            </a:r>
+            <a:endParaRPr lang="en-US" b="0" dirty="0">
+              <a:solidFill>
+                <a:srgbClr val="3B3B3B"/>
+              </a:solidFill>
+              <a:effectLst/>
+              <a:latin typeface="Menlo" panose="020B0609030804020204" pitchFamily="49" charset="0"/>
+            </a:endParaRPr>
+          </a:p>
+          <a:p>
+            <a:pPr>
+              <a:lnSpc>
+                <a:spcPct val="110000"/>
+              </a:lnSpc>
+              <a:buNone/>
+            </a:pPr>
+            <a:r>
+              <a:rPr lang="en-US" b="0" dirty="0">
+                <a:solidFill>
+                  <a:srgbClr val="008000"/>
+                </a:solidFill>
+                <a:effectLst/>
+                <a:latin typeface="Menlo" panose="020B0609030804020204" pitchFamily="49" charset="0"/>
+              </a:rPr>
+              <a:t> *</a:t>
+            </a:r>
+            <a:endParaRPr lang="en-US" b="0" dirty="0">
+              <a:solidFill>
+                <a:srgbClr val="3B3B3B"/>
+              </a:solidFill>
+              <a:effectLst/>
+              <a:latin typeface="Menlo" panose="020B0609030804020204" pitchFamily="49" charset="0"/>
+            </a:endParaRPr>
+          </a:p>
+          <a:p>
+            <a:pPr>
+              <a:lnSpc>
+                <a:spcPct val="110000"/>
+              </a:lnSpc>
+              <a:buNone/>
+            </a:pPr>
+            <a:r>
+              <a:rPr lang="en-US" dirty="0">
+                <a:solidFill>
+                  <a:srgbClr val="008000"/>
+                </a:solidFill>
+                <a:latin typeface="Menlo" panose="020B0609030804020204" pitchFamily="49" charset="0"/>
+              </a:rPr>
+              <a:t> * </a:t>
+            </a:r>
+            <a:r>
+              <a:rPr lang="en-US" dirty="0">
+                <a:solidFill>
+                  <a:srgbClr val="0000FF"/>
+                </a:solidFill>
+                <a:latin typeface="Menlo" panose="020B0609030804020204" pitchFamily="49" charset="0"/>
+              </a:rPr>
+              <a:t>@param</a:t>
+            </a:r>
+            <a:r>
+              <a:rPr lang="en-US" dirty="0">
+                <a:solidFill>
+                  <a:srgbClr val="008000"/>
+                </a:solidFill>
+                <a:latin typeface="Menlo" panose="020B0609030804020204" pitchFamily="49" charset="0"/>
+              </a:rPr>
+              <a:t> </a:t>
+            </a:r>
+            <a:r>
+              <a:rPr lang="en-US" dirty="0" err="1">
+                <a:solidFill>
+                  <a:srgbClr val="001080"/>
+                </a:solidFill>
+                <a:latin typeface="Menlo" panose="020B0609030804020204" pitchFamily="49" charset="0"/>
+              </a:rPr>
+              <a:t>numHellos</a:t>
+            </a:r>
+            <a:r>
+              <a:rPr lang="en-US" dirty="0">
+                <a:solidFill>
+                  <a:srgbClr val="008000"/>
+                </a:solidFill>
+                <a:latin typeface="Menlo" panose="020B0609030804020204" pitchFamily="49" charset="0"/>
+              </a:rPr>
+              <a:t> - number of times to print “hello”, </a:t>
+            </a:r>
+          </a:p>
+          <a:p>
+            <a:pPr>
+              <a:lnSpc>
+                <a:spcPct val="110000"/>
+              </a:lnSpc>
+              <a:buNone/>
+            </a:pPr>
+            <a:r>
+              <a:rPr lang="en-US" dirty="0">
+                <a:solidFill>
+                  <a:srgbClr val="008000"/>
+                </a:solidFill>
+                <a:latin typeface="Menlo" panose="020B0609030804020204" pitchFamily="49" charset="0"/>
+              </a:rPr>
+              <a:t> *   </a:t>
+            </a:r>
+            <a:r>
+              <a:rPr lang="en-US" b="0" dirty="0">
+                <a:solidFill>
+                  <a:srgbClr val="008000"/>
+                </a:solidFill>
+                <a:effectLst/>
+                <a:latin typeface="Menlo" panose="020B0609030804020204" pitchFamily="49" charset="0"/>
+              </a:rPr>
+              <a:t>must be an integer &gt;= 0</a:t>
+            </a:r>
+            <a:endParaRPr lang="en-US" b="0" dirty="0">
+              <a:solidFill>
+                <a:srgbClr val="3B3B3B"/>
+              </a:solidFill>
+              <a:effectLst/>
+              <a:latin typeface="Menlo" panose="020B0609030804020204" pitchFamily="49" charset="0"/>
+            </a:endParaRPr>
+          </a:p>
+          <a:p>
+            <a:pPr>
+              <a:lnSpc>
+                <a:spcPct val="110000"/>
+              </a:lnSpc>
+              <a:buNone/>
+            </a:pPr>
+            <a:r>
+              <a:rPr lang="en-US" b="0" dirty="0">
+                <a:solidFill>
+                  <a:srgbClr val="008000"/>
+                </a:solidFill>
+                <a:effectLst/>
+                <a:latin typeface="Menlo" panose="020B0609030804020204" pitchFamily="49" charset="0"/>
+              </a:rPr>
+              <a:t> */</a:t>
+            </a:r>
+            <a:endParaRPr lang="en-US" b="0" dirty="0">
+              <a:solidFill>
+                <a:srgbClr val="3B3B3B"/>
+              </a:solidFill>
+              <a:effectLst/>
+              <a:latin typeface="Menlo" panose="020B0609030804020204" pitchFamily="49" charset="0"/>
+            </a:endParaRPr>
+          </a:p>
+          <a:p>
+            <a:pPr>
+              <a:lnSpc>
+                <a:spcPct val="110000"/>
+              </a:lnSpc>
+              <a:buNone/>
+            </a:pPr>
+            <a:r>
+              <a:rPr lang="en-US" b="0" dirty="0">
+                <a:solidFill>
+                  <a:srgbClr val="0000FF"/>
+                </a:solidFill>
+                <a:effectLst/>
+                <a:latin typeface="Menlo" panose="020B0609030804020204" pitchFamily="49" charset="0"/>
+              </a:rPr>
+              <a:t>function</a:t>
+            </a:r>
+            <a:r>
+              <a:rPr lang="en-US" b="0" dirty="0">
+                <a:solidFill>
+                  <a:srgbClr val="3B3B3B"/>
+                </a:solidFill>
+                <a:effectLst/>
+                <a:latin typeface="Menlo" panose="020B0609030804020204" pitchFamily="49" charset="0"/>
+              </a:rPr>
+              <a:t> </a:t>
+            </a:r>
+            <a:r>
+              <a:rPr lang="en-US" dirty="0" err="1">
+                <a:solidFill>
+                  <a:srgbClr val="795E26"/>
+                </a:solidFill>
+                <a:latin typeface="Menlo" panose="020B0609030804020204" pitchFamily="49" charset="0"/>
+              </a:rPr>
+              <a:t>helloNTimes</a:t>
+            </a:r>
+            <a:r>
+              <a:rPr lang="en-US" b="0" dirty="0">
+                <a:solidFill>
+                  <a:srgbClr val="3B3B3B"/>
+                </a:solidFill>
+                <a:effectLst/>
+                <a:latin typeface="Menlo" panose="020B0609030804020204" pitchFamily="49" charset="0"/>
+              </a:rPr>
+              <a:t>(</a:t>
+            </a:r>
+            <a:r>
+              <a:rPr lang="en-US" b="0" dirty="0" err="1">
+                <a:solidFill>
+                  <a:srgbClr val="001080"/>
+                </a:solidFill>
+                <a:effectLst/>
+                <a:latin typeface="Menlo" panose="020B0609030804020204" pitchFamily="49" charset="0"/>
+              </a:rPr>
+              <a:t>numHellos</a:t>
+            </a:r>
+            <a:r>
+              <a:rPr lang="en-US" b="0" dirty="0">
+                <a:solidFill>
+                  <a:srgbClr val="000000"/>
+                </a:solidFill>
+                <a:effectLst/>
+                <a:latin typeface="Menlo" panose="020B0609030804020204" pitchFamily="49" charset="0"/>
+              </a:rPr>
+              <a:t>:</a:t>
+            </a:r>
+            <a:r>
+              <a:rPr lang="en-US" b="0" dirty="0">
+                <a:solidFill>
+                  <a:srgbClr val="3B3B3B"/>
+                </a:solidFill>
+                <a:effectLst/>
+                <a:latin typeface="Menlo" panose="020B0609030804020204" pitchFamily="49" charset="0"/>
+              </a:rPr>
+              <a:t> </a:t>
+            </a:r>
+            <a:r>
+              <a:rPr lang="en-US" b="0" dirty="0">
+                <a:solidFill>
+                  <a:srgbClr val="267F99"/>
+                </a:solidFill>
+                <a:effectLst/>
+                <a:latin typeface="Menlo" panose="020B0609030804020204" pitchFamily="49" charset="0"/>
+              </a:rPr>
+              <a:t>number</a:t>
+            </a:r>
+            <a:r>
+              <a:rPr lang="en-US" b="0" dirty="0">
+                <a:solidFill>
+                  <a:srgbClr val="3B3B3B"/>
+                </a:solidFill>
+                <a:effectLst/>
+                <a:latin typeface="Menlo" panose="020B0609030804020204" pitchFamily="49" charset="0"/>
+              </a:rPr>
+              <a:t>)</a:t>
+            </a:r>
           </a:p>
         </p:txBody>
       </p:sp>
@@ -16817,7 +20906,7 @@
 </p:sld>
 </file>
 
-<file path=ppt/slides/slide6.xml><?xml version="1.0" encoding="utf-8"?>
+<file path=ppt/slides/slide8.xml><?xml version="1.0" encoding="utf-8"?>
 <p:sld xmlns:a="http://schemas.openxmlformats.org/drawingml/2006/main" xmlns:r="http://schemas.openxmlformats.org/officeDocument/2006/relationships" xmlns:p="http://schemas.openxmlformats.org/presentationml/2006/main">
   <p:cSld>
     <p:spTree>
@@ -16825,7 +20914,7 @@
         <p:cNvPr id="1" name="">
           <a:extLst>
             <a:ext uri="{FF2B5EF4-FFF2-40B4-BE49-F238E27FC236}">
-              <a16:creationId xmlns:a16="http://schemas.microsoft.com/office/drawing/2014/main" id="{78E79078-7FEB-FB08-C9B4-ECDECB1558B9}"/>
+              <a16:creationId xmlns:a16="http://schemas.microsoft.com/office/drawing/2014/main" id="{ABFF2E1C-AF47-3F10-1AA6-D6D388F83346}"/>
             </a:ext>
           </a:extLst>
         </p:cNvPr>
@@ -16845,7 +20934,7 @@
           <p:cNvPr id="2" name="Title 1">
             <a:extLst>
               <a:ext uri="{FF2B5EF4-FFF2-40B4-BE49-F238E27FC236}">
-                <a16:creationId xmlns:a16="http://schemas.microsoft.com/office/drawing/2014/main" id="{CF752A5D-57C7-9E80-03A8-9998E491CB18}"/>
+                <a16:creationId xmlns:a16="http://schemas.microsoft.com/office/drawing/2014/main" id="{65A1D2CF-B43E-A897-F5A7-A6D8C3C50AAE}"/>
               </a:ext>
             </a:extLst>
           </p:cNvPr>
@@ -16856,24 +20945,64 @@
             <p:ph type="title"/>
           </p:nvPr>
         </p:nvSpPr>
-        <p:spPr/>
+        <p:spPr>
+          <a:xfrm>
+            <a:off x="838199" y="18255"/>
+            <a:ext cx="10912813" cy="1325563"/>
+          </a:xfrm>
+        </p:spPr>
         <p:txBody>
           <a:bodyPr/>
           <a:lstStyle/>
           <a:p>
             <a:r>
               <a:rPr lang="en-US" dirty="0"/>
-              <a:t>TypeScript Types… Can Be Trusted?</a:t>
+              <a:t>TypeScript Types Are Easily Circumvented (2)</a:t>
             </a:r>
           </a:p>
         </p:txBody>
       </p:sp>
       <p:sp>
         <p:nvSpPr>
-          <p:cNvPr id="5" name="Content Placeholder 4">
+          <p:cNvPr id="4" name="Slide Number Placeholder 3">
             <a:extLst>
               <a:ext uri="{FF2B5EF4-FFF2-40B4-BE49-F238E27FC236}">
-                <a16:creationId xmlns:a16="http://schemas.microsoft.com/office/drawing/2014/main" id="{C37A77FF-2F73-32A6-C83B-33D520E1CC75}"/>
+                <a16:creationId xmlns:a16="http://schemas.microsoft.com/office/drawing/2014/main" id="{4901E884-A524-4D8A-5BA9-D06FA720821A}"/>
+              </a:ext>
+            </a:extLst>
+          </p:cNvPr>
+          <p:cNvSpPr>
+            <a:spLocks noGrp="1"/>
+          </p:cNvSpPr>
+          <p:nvPr>
+            <p:ph type="sldNum" sz="quarter" idx="12"/>
+          </p:nvPr>
+        </p:nvSpPr>
+        <p:spPr>
+          <a:xfrm>
+            <a:off x="8610600" y="6356350"/>
+            <a:ext cx="2743200" cy="365125"/>
+          </a:xfrm>
+        </p:spPr>
+        <p:txBody>
+          <a:bodyPr/>
+          <a:lstStyle/>
+          <a:p>
+            <a:fld id="{20F37917-FD3A-4669-9018-DA04BCDD3D75}" type="slidenum">
+              <a:rPr lang="en-US" smtClean="0"/>
+              <a:pPr/>
+              <a:t>8</a:t>
+            </a:fld>
+            <a:endParaRPr lang="en-US"/>
+          </a:p>
+        </p:txBody>
+      </p:sp>
+      <p:sp>
+        <p:nvSpPr>
+          <p:cNvPr id="10" name="Content Placeholder 9">
+            <a:extLst>
+              <a:ext uri="{FF2B5EF4-FFF2-40B4-BE49-F238E27FC236}">
+                <a16:creationId xmlns:a16="http://schemas.microsoft.com/office/drawing/2014/main" id="{C83C6FFD-746E-026E-E506-DB11C8E044B1}"/>
               </a:ext>
             </a:extLst>
           </p:cNvPr>
@@ -16886,8 +21015,8 @@
         </p:nvSpPr>
         <p:spPr>
           <a:xfrm>
-            <a:off x="838200" y="1500160"/>
-            <a:ext cx="9300882" cy="4351338"/>
+            <a:off x="838200" y="1500159"/>
+            <a:ext cx="8877300" cy="5457854"/>
           </a:xfrm>
         </p:spPr>
         <p:txBody>
@@ -16898,236 +21027,217 @@
           <a:p>
             <a:r>
               <a:rPr lang="en-US" dirty="0"/>
-              <a:t>If you use TypeScript with care, you can rely on the control it gives you over what might get passed to the function</a:t>
-            </a:r>
-          </a:p>
-          <a:p>
-            <a:pPr lvl="1"/>
+              <a:t>In a language like Java, we’d need to worry that another function could call </a:t>
+            </a:r>
+            <a:r>
+              <a:rPr lang="en-US" sz="2400" dirty="0" err="1">
+                <a:solidFill>
+                  <a:schemeClr val="accent4">
+                    <a:lumMod val="50000"/>
+                  </a:schemeClr>
+                </a:solidFill>
+                <a:latin typeface="Menlo" panose="020B0609030804020204" pitchFamily="49" charset="0"/>
+                <a:ea typeface="Menlo" panose="020B0609030804020204" pitchFamily="49" charset="0"/>
+                <a:cs typeface="Menlo" panose="020B0609030804020204" pitchFamily="49" charset="0"/>
+              </a:rPr>
+              <a:t>helloNTimes</a:t>
+            </a:r>
             <a:r>
               <a:rPr lang="en-US" dirty="0"/>
-              <a:t>If a function is only being called from other sources that respect contracts… then you can rely on the contracts being respected?</a:t>
-            </a:r>
-          </a:p>
-          <a:p>
-            <a:pPr lvl="1"/>
+              <a:t> with -3, but not with a string.</a:t>
+            </a:r>
+          </a:p>
+          <a:p>
             <a:r>
               <a:rPr lang="en-US" dirty="0"/>
-              <a:t>Don’t have contracts on functions that won’t be respected!</a:t>
-            </a:r>
-          </a:p>
-        </p:txBody>
-      </p:sp>
-      <p:sp>
-        <p:nvSpPr>
-          <p:cNvPr id="4" name="Slide Number Placeholder 3">
-            <a:extLst>
-              <a:ext uri="{FF2B5EF4-FFF2-40B4-BE49-F238E27FC236}">
-                <a16:creationId xmlns:a16="http://schemas.microsoft.com/office/drawing/2014/main" id="{1AE47F66-96DD-AF15-C1DD-4071CF94F6BF}"/>
-              </a:ext>
-            </a:extLst>
-          </p:cNvPr>
-          <p:cNvSpPr>
-            <a:spLocks noGrp="1"/>
-          </p:cNvSpPr>
-          <p:nvPr>
-            <p:ph type="sldNum" sz="quarter" idx="12"/>
-          </p:nvPr>
-        </p:nvSpPr>
-        <p:spPr/>
-        <p:txBody>
-          <a:bodyPr/>
-          <a:lstStyle/>
-          <a:p>
-            <a:fld id="{20F37917-FD3A-4669-9018-DA04BCDD3D75}" type="slidenum">
-              <a:rPr lang="en-US" smtClean="0"/>
-              <a:pPr/>
-              <a:t>6</a:t>
-            </a:fld>
-            <a:endParaRPr lang="en-US"/>
-          </a:p>
-        </p:txBody>
-      </p:sp>
-      <p:sp>
-        <p:nvSpPr>
-          <p:cNvPr id="3" name="TextBox 2">
-            <a:extLst>
-              <a:ext uri="{FF2B5EF4-FFF2-40B4-BE49-F238E27FC236}">
-                <a16:creationId xmlns:a16="http://schemas.microsoft.com/office/drawing/2014/main" id="{1FB16FB1-5FD1-C403-9583-EA8AD5F90D5E}"/>
-              </a:ext>
-            </a:extLst>
-          </p:cNvPr>
-          <p:cNvSpPr txBox="1"/>
-          <p:nvPr/>
-        </p:nvSpPr>
-        <p:spPr>
-          <a:xfrm>
-            <a:off x="2151529" y="739588"/>
-            <a:ext cx="0" cy="0"/>
-          </a:xfrm>
-          <a:prstGeom prst="rect">
-            <a:avLst/>
-          </a:prstGeom>
-          <a:noFill/>
-          <a:ln>
-            <a:noFill/>
-          </a:ln>
-        </p:spPr>
-        <p:style>
-          <a:lnRef idx="2">
-            <a:schemeClr val="accent1">
-              <a:shade val="50000"/>
-            </a:schemeClr>
-          </a:lnRef>
-          <a:fillRef idx="1">
-            <a:schemeClr val="accent1"/>
-          </a:fillRef>
-          <a:effectRef idx="0">
-            <a:schemeClr val="accent1"/>
-          </a:effectRef>
-          <a:fontRef idx="minor">
-            <a:schemeClr val="lt1"/>
-          </a:fontRef>
-        </p:style>
-        <p:txBody>
-          <a:bodyPr rot="0" spcFirstLastPara="0" vertOverflow="overflow" horzOverflow="overflow" vert="horz" wrap="none" lIns="91440" tIns="45720" rIns="91440" bIns="45720" numCol="1" spcCol="0" rtlCol="0" fromWordArt="0" anchor="ctr" anchorCtr="0" forceAA="0" compatLnSpc="1">
-            <a:prstTxWarp prst="textNoShape">
-              <a:avLst/>
-            </a:prstTxWarp>
-            <a:noAutofit/>
-          </a:bodyPr>
-          <a:lstStyle/>
-          <a:p>
-            <a:pPr algn="l"/>
-            <a:endParaRPr lang="en-US" dirty="0">
-              <a:solidFill>
-                <a:schemeClr val="tx1"/>
-              </a:solidFill>
-            </a:endParaRPr>
-          </a:p>
-        </p:txBody>
-      </p:sp>
-      <p:sp>
-        <p:nvSpPr>
-          <p:cNvPr id="9" name="TextBox 8">
-            <a:extLst>
-              <a:ext uri="{FF2B5EF4-FFF2-40B4-BE49-F238E27FC236}">
-                <a16:creationId xmlns:a16="http://schemas.microsoft.com/office/drawing/2014/main" id="{A289D19E-0F6F-CF73-B14A-BF609439A95C}"/>
-              </a:ext>
-            </a:extLst>
-          </p:cNvPr>
-          <p:cNvSpPr txBox="1"/>
-          <p:nvPr/>
-        </p:nvSpPr>
-        <p:spPr>
-          <a:xfrm>
-            <a:off x="443753" y="2232212"/>
-            <a:ext cx="0" cy="0"/>
-          </a:xfrm>
-          <a:prstGeom prst="rect">
-            <a:avLst/>
-          </a:prstGeom>
-          <a:noFill/>
-          <a:ln>
-            <a:noFill/>
-          </a:ln>
-        </p:spPr>
-        <p:style>
-          <a:lnRef idx="2">
-            <a:schemeClr val="accent1">
-              <a:shade val="50000"/>
-            </a:schemeClr>
-          </a:lnRef>
-          <a:fillRef idx="1">
-            <a:schemeClr val="accent1"/>
-          </a:fillRef>
-          <a:effectRef idx="0">
-            <a:schemeClr val="accent1"/>
-          </a:effectRef>
-          <a:fontRef idx="minor">
-            <a:schemeClr val="lt1"/>
-          </a:fontRef>
-        </p:style>
-        <p:txBody>
-          <a:bodyPr rot="0" spcFirstLastPara="0" vertOverflow="overflow" horzOverflow="overflow" vert="horz" wrap="none" lIns="91440" tIns="45720" rIns="91440" bIns="45720" numCol="1" spcCol="0" rtlCol="0" fromWordArt="0" anchor="ctr" anchorCtr="0" forceAA="0" compatLnSpc="1">
-            <a:prstTxWarp prst="textNoShape">
-              <a:avLst/>
-            </a:prstTxWarp>
-            <a:noAutofit/>
-          </a:bodyPr>
-          <a:lstStyle/>
-          <a:p>
-            <a:pPr algn="l"/>
-            <a:endParaRPr lang="en-US" dirty="0">
-              <a:solidFill>
-                <a:schemeClr val="tx1"/>
-              </a:solidFill>
-            </a:endParaRPr>
-          </a:p>
-        </p:txBody>
-      </p:sp>
-      <p:sp>
-        <p:nvSpPr>
-          <p:cNvPr id="6" name="TextBox 5">
-            <a:extLst>
-              <a:ext uri="{FF2B5EF4-FFF2-40B4-BE49-F238E27FC236}">
-                <a16:creationId xmlns:a16="http://schemas.microsoft.com/office/drawing/2014/main" id="{F25E5EA8-3C62-C15C-87FA-BFED90716FB6}"/>
-              </a:ext>
-            </a:extLst>
-          </p:cNvPr>
-          <p:cNvSpPr txBox="1"/>
-          <p:nvPr/>
-        </p:nvSpPr>
-        <p:spPr>
-          <a:xfrm>
-            <a:off x="4504765" y="753035"/>
-            <a:ext cx="0" cy="0"/>
-          </a:xfrm>
-          <a:prstGeom prst="rect">
-            <a:avLst/>
-          </a:prstGeom>
-          <a:noFill/>
-          <a:ln>
-            <a:noFill/>
-          </a:ln>
-        </p:spPr>
-        <p:style>
-          <a:lnRef idx="2">
-            <a:schemeClr val="accent1">
-              <a:shade val="50000"/>
-            </a:schemeClr>
-          </a:lnRef>
-          <a:fillRef idx="1">
-            <a:schemeClr val="accent1"/>
-          </a:fillRef>
-          <a:effectRef idx="0">
-            <a:schemeClr val="accent1"/>
-          </a:effectRef>
-          <a:fontRef idx="minor">
-            <a:schemeClr val="lt1"/>
-          </a:fontRef>
-        </p:style>
-        <p:txBody>
-          <a:bodyPr rot="0" spcFirstLastPara="0" vertOverflow="overflow" horzOverflow="overflow" vert="horz" wrap="none" lIns="91440" tIns="45720" rIns="91440" bIns="45720" numCol="1" spcCol="0" rtlCol="0" fromWordArt="0" anchor="ctr" anchorCtr="0" forceAA="0" compatLnSpc="1">
-            <a:prstTxWarp prst="textNoShape">
-              <a:avLst/>
-            </a:prstTxWarp>
-            <a:noAutofit/>
-          </a:bodyPr>
-          <a:lstStyle/>
-          <a:p>
-            <a:pPr algn="l"/>
-            <a:endParaRPr lang="en-US" dirty="0">
-              <a:solidFill>
-                <a:schemeClr val="tx1"/>
-              </a:solidFill>
-            </a:endParaRPr>
+              <a:t>That’s not true in TypeScript!</a:t>
+            </a:r>
+          </a:p>
+          <a:p>
+            <a:r>
+              <a:rPr lang="en-US" dirty="0"/>
+              <a:t>TypeScript types are, at the end of the day, </a:t>
+            </a:r>
+            <a:br>
+              <a:rPr lang="en-US" dirty="0"/>
+            </a:br>
+            <a:r>
+              <a:rPr lang="en-US" dirty="0"/>
+              <a:t>no better than preconditions mentioned in comments.</a:t>
+            </a:r>
+            <a:br>
+              <a:rPr lang="en-US" dirty="0"/>
+            </a:br>
+            <a:endParaRPr lang="en-US" dirty="0"/>
+          </a:p>
+          <a:p>
+            <a:pPr marL="457200" lvl="1" indent="0">
+              <a:buNone/>
+            </a:pPr>
+            <a:r>
+              <a:rPr lang="en-US" sz="1600" b="0" dirty="0" err="1">
+                <a:solidFill>
+                  <a:srgbClr val="795E26"/>
+                </a:solidFill>
+                <a:effectLst/>
+                <a:latin typeface="Menlo" panose="020B0609030804020204" pitchFamily="49" charset="0"/>
+              </a:rPr>
+              <a:t>helloNTimes</a:t>
+            </a:r>
+            <a:r>
+              <a:rPr lang="en-US" sz="1600" b="0" dirty="0">
+                <a:solidFill>
+                  <a:srgbClr val="3B3B3B"/>
+                </a:solidFill>
+                <a:effectLst/>
+                <a:latin typeface="Menlo" panose="020B0609030804020204" pitchFamily="49" charset="0"/>
+              </a:rPr>
+              <a:t>({ </a:t>
+            </a:r>
+            <a:r>
+              <a:rPr lang="en-US" sz="1600" b="0" dirty="0">
+                <a:solidFill>
+                  <a:srgbClr val="001080"/>
+                </a:solidFill>
+                <a:effectLst/>
+                <a:latin typeface="Menlo" panose="020B0609030804020204" pitchFamily="49" charset="0"/>
+              </a:rPr>
+              <a:t>lol:</a:t>
+            </a:r>
+            <a:r>
+              <a:rPr lang="en-US" sz="1600" b="0" dirty="0">
+                <a:solidFill>
+                  <a:srgbClr val="3B3B3B"/>
+                </a:solidFill>
+                <a:effectLst/>
+                <a:latin typeface="Menlo" panose="020B0609030804020204" pitchFamily="49" charset="0"/>
+              </a:rPr>
+              <a:t> </a:t>
+            </a:r>
+            <a:r>
+              <a:rPr lang="en-US" sz="1600" b="0" dirty="0">
+                <a:solidFill>
+                  <a:srgbClr val="A31515"/>
+                </a:solidFill>
+                <a:effectLst/>
+                <a:latin typeface="Menlo" panose="020B0609030804020204" pitchFamily="49" charset="0"/>
+              </a:rPr>
+              <a:t>'owned '</a:t>
+            </a:r>
+            <a:r>
+              <a:rPr lang="en-US" sz="1600" b="0" dirty="0">
+                <a:solidFill>
+                  <a:srgbClr val="3B3B3B"/>
+                </a:solidFill>
+                <a:effectLst/>
+                <a:latin typeface="Menlo" panose="020B0609030804020204" pitchFamily="49" charset="0"/>
+              </a:rPr>
+              <a:t> } </a:t>
+            </a:r>
+            <a:r>
+              <a:rPr lang="en-US" sz="1600" b="0" dirty="0">
+                <a:solidFill>
+                  <a:srgbClr val="AF00DB"/>
+                </a:solidFill>
+                <a:effectLst/>
+                <a:latin typeface="Menlo" panose="020B0609030804020204" pitchFamily="49" charset="0"/>
+              </a:rPr>
+              <a:t>as</a:t>
+            </a:r>
+            <a:r>
+              <a:rPr lang="en-US" sz="1600" b="0" dirty="0">
+                <a:solidFill>
+                  <a:srgbClr val="3B3B3B"/>
+                </a:solidFill>
+                <a:effectLst/>
+                <a:latin typeface="Menlo" panose="020B0609030804020204" pitchFamily="49" charset="0"/>
+              </a:rPr>
+              <a:t> </a:t>
+            </a:r>
+            <a:r>
+              <a:rPr lang="en-US" sz="1600" b="0" dirty="0">
+                <a:solidFill>
+                  <a:srgbClr val="267F99"/>
+                </a:solidFill>
+                <a:effectLst/>
+                <a:latin typeface="Menlo" panose="020B0609030804020204" pitchFamily="49" charset="0"/>
+              </a:rPr>
+              <a:t>unknown</a:t>
+            </a:r>
+            <a:r>
+              <a:rPr lang="en-US" sz="1600" b="0" dirty="0">
+                <a:solidFill>
+                  <a:srgbClr val="3B3B3B"/>
+                </a:solidFill>
+                <a:effectLst/>
+                <a:latin typeface="Menlo" panose="020B0609030804020204" pitchFamily="49" charset="0"/>
+              </a:rPr>
+              <a:t> </a:t>
+            </a:r>
+            <a:r>
+              <a:rPr lang="en-US" sz="1600" b="0" dirty="0">
+                <a:solidFill>
+                  <a:srgbClr val="AF00DB"/>
+                </a:solidFill>
+                <a:effectLst/>
+                <a:latin typeface="Menlo" panose="020B0609030804020204" pitchFamily="49" charset="0"/>
+              </a:rPr>
+              <a:t>as</a:t>
+            </a:r>
+            <a:r>
+              <a:rPr lang="en-US" sz="1600" b="0" dirty="0">
+                <a:solidFill>
+                  <a:srgbClr val="3B3B3B"/>
+                </a:solidFill>
+                <a:effectLst/>
+                <a:latin typeface="Menlo" panose="020B0609030804020204" pitchFamily="49" charset="0"/>
+              </a:rPr>
+              <a:t> </a:t>
+            </a:r>
+            <a:r>
+              <a:rPr lang="en-US" sz="1600" b="0" dirty="0">
+                <a:solidFill>
+                  <a:srgbClr val="267F99"/>
+                </a:solidFill>
+                <a:effectLst/>
+                <a:latin typeface="Menlo" panose="020B0609030804020204" pitchFamily="49" charset="0"/>
+              </a:rPr>
+              <a:t>number</a:t>
+            </a:r>
+            <a:r>
+              <a:rPr lang="en-US" sz="1600" b="0" dirty="0">
+                <a:solidFill>
+                  <a:srgbClr val="3B3B3B"/>
+                </a:solidFill>
+                <a:effectLst/>
+                <a:latin typeface="Menlo" panose="020B0609030804020204" pitchFamily="49" charset="0"/>
+              </a:rPr>
+              <a:t>)</a:t>
+            </a:r>
+          </a:p>
+          <a:p>
+            <a:pPr marL="0" indent="0">
+              <a:buNone/>
+            </a:pPr>
+            <a:endParaRPr lang="en-US" dirty="0"/>
+          </a:p>
+          <a:p>
+            <a:r>
+              <a:rPr lang="en-US" dirty="0"/>
+              <a:t>They do seem to make it less likely you’ll screw up </a:t>
+            </a:r>
+            <a:r>
+              <a:rPr lang="en-US" i="1" dirty="0"/>
+              <a:t>accidentally…</a:t>
+            </a:r>
+            <a:endParaRPr lang="en-US" dirty="0"/>
           </a:p>
         </p:txBody>
       </p:sp>
     </p:spTree>
     <p:extLst>
       <p:ext uri="{BB962C8B-B14F-4D97-AF65-F5344CB8AC3E}">
-        <p14:creationId xmlns:p14="http://schemas.microsoft.com/office/powerpoint/2010/main" val="290075432"/>
+        <p14:creationId xmlns:p14="http://schemas.microsoft.com/office/powerpoint/2010/main" val="1328486479"/>
       </p:ext>
     </p:extLst>
   </p:cSld>
@@ -17137,7 +21247,7 @@
 </p:sld>
 </file>
 
-<file path=ppt/slides/slide7.xml><?xml version="1.0" encoding="utf-8"?>
+<file path=ppt/slides/slide9.xml><?xml version="1.0" encoding="utf-8"?>
 <p:sld xmlns:a="http://schemas.openxmlformats.org/drawingml/2006/main" xmlns:r="http://schemas.openxmlformats.org/officeDocument/2006/relationships" xmlns:p="http://schemas.openxmlformats.org/presentationml/2006/main">
   <p:cSld>
     <p:spTree>
@@ -17864,7 +21974,7 @@
             <a:fld id="{20F37917-FD3A-4669-9018-DA04BCDD3D75}" type="slidenum">
               <a:rPr lang="en-US" smtClean="0"/>
               <a:pPr/>
-              <a:t>7</a:t>
+              <a:t>9</a:t>
             </a:fld>
             <a:endParaRPr lang="en-US"/>
           </a:p>
@@ -17998,2012 +22108,6 @@
   <p:clrMapOvr>
     <a:masterClrMapping/>
   </p:clrMapOvr>
-</p:sld>
-</file>
-
-<file path=ppt/slides/slide8.xml><?xml version="1.0" encoding="utf-8"?>
-<p:sld xmlns:a="http://schemas.openxmlformats.org/drawingml/2006/main" xmlns:r="http://schemas.openxmlformats.org/officeDocument/2006/relationships" xmlns:p="http://schemas.openxmlformats.org/presentationml/2006/main">
-  <p:cSld>
-    <p:spTree>
-      <p:nvGrpSpPr>
-        <p:cNvPr id="1" name="">
-          <a:extLst>
-            <a:ext uri="{FF2B5EF4-FFF2-40B4-BE49-F238E27FC236}">
-              <a16:creationId xmlns:a16="http://schemas.microsoft.com/office/drawing/2014/main" id="{AA8E99D1-3EFE-CC1D-4232-46A4B4731ED9}"/>
-            </a:ext>
-          </a:extLst>
-        </p:cNvPr>
-        <p:cNvGrpSpPr/>
-        <p:nvPr/>
-      </p:nvGrpSpPr>
-      <p:grpSpPr>
-        <a:xfrm>
-          <a:off x="0" y="0"/>
-          <a:ext cx="0" cy="0"/>
-          <a:chOff x="0" y="0"/>
-          <a:chExt cx="0" cy="0"/>
-        </a:xfrm>
-      </p:grpSpPr>
-      <p:sp>
-        <p:nvSpPr>
-          <p:cNvPr id="2" name="Title 1">
-            <a:extLst>
-              <a:ext uri="{FF2B5EF4-FFF2-40B4-BE49-F238E27FC236}">
-                <a16:creationId xmlns:a16="http://schemas.microsoft.com/office/drawing/2014/main" id="{57DCDC19-47F1-62C9-F77F-A3DD8994E0CF}"/>
-              </a:ext>
-            </a:extLst>
-          </p:cNvPr>
-          <p:cNvSpPr>
-            <a:spLocks noGrp="1"/>
-          </p:cNvSpPr>
-          <p:nvPr>
-            <p:ph type="title"/>
-          </p:nvPr>
-        </p:nvSpPr>
-        <p:spPr/>
-        <p:txBody>
-          <a:bodyPr/>
-          <a:lstStyle/>
-          <a:p>
-            <a:r>
-              <a:rPr lang="en-US" dirty="0"/>
-              <a:t>Untrusted Inputs</a:t>
-            </a:r>
-          </a:p>
-        </p:txBody>
-      </p:sp>
-      <p:sp>
-        <p:nvSpPr>
-          <p:cNvPr id="4" name="Slide Number Placeholder 3">
-            <a:extLst>
-              <a:ext uri="{FF2B5EF4-FFF2-40B4-BE49-F238E27FC236}">
-                <a16:creationId xmlns:a16="http://schemas.microsoft.com/office/drawing/2014/main" id="{49BF43A1-E0F6-792E-915A-F1EE88354758}"/>
-              </a:ext>
-            </a:extLst>
-          </p:cNvPr>
-          <p:cNvSpPr>
-            <a:spLocks noGrp="1"/>
-          </p:cNvSpPr>
-          <p:nvPr>
-            <p:ph type="sldNum" sz="quarter" idx="12"/>
-          </p:nvPr>
-        </p:nvSpPr>
-        <p:spPr/>
-        <p:txBody>
-          <a:bodyPr/>
-          <a:lstStyle/>
-          <a:p>
-            <a:fld id="{20F37917-FD3A-4669-9018-DA04BCDD3D75}" type="slidenum">
-              <a:rPr lang="en-US" smtClean="0"/>
-              <a:pPr/>
-              <a:t>8</a:t>
-            </a:fld>
-            <a:endParaRPr lang="en-US" dirty="0"/>
-          </a:p>
-        </p:txBody>
-      </p:sp>
-      <p:sp>
-        <p:nvSpPr>
-          <p:cNvPr id="3" name="TextBox 2">
-            <a:extLst>
-              <a:ext uri="{FF2B5EF4-FFF2-40B4-BE49-F238E27FC236}">
-                <a16:creationId xmlns:a16="http://schemas.microsoft.com/office/drawing/2014/main" id="{26933C7F-EDFD-7B22-60C3-822A5D294EDA}"/>
-              </a:ext>
-            </a:extLst>
-          </p:cNvPr>
-          <p:cNvSpPr txBox="1"/>
-          <p:nvPr/>
-        </p:nvSpPr>
-        <p:spPr>
-          <a:xfrm>
-            <a:off x="2151529" y="739588"/>
-            <a:ext cx="0" cy="0"/>
-          </a:xfrm>
-          <a:prstGeom prst="rect">
-            <a:avLst/>
-          </a:prstGeom>
-          <a:noFill/>
-          <a:ln>
-            <a:noFill/>
-          </a:ln>
-        </p:spPr>
-        <p:style>
-          <a:lnRef idx="2">
-            <a:schemeClr val="accent1">
-              <a:shade val="50000"/>
-            </a:schemeClr>
-          </a:lnRef>
-          <a:fillRef idx="1">
-            <a:schemeClr val="accent1"/>
-          </a:fillRef>
-          <a:effectRef idx="0">
-            <a:schemeClr val="accent1"/>
-          </a:effectRef>
-          <a:fontRef idx="minor">
-            <a:schemeClr val="lt1"/>
-          </a:fontRef>
-        </p:style>
-        <p:txBody>
-          <a:bodyPr rot="0" spcFirstLastPara="0" vertOverflow="overflow" horzOverflow="overflow" vert="horz" wrap="none" lIns="91440" tIns="45720" rIns="91440" bIns="45720" numCol="1" spcCol="0" rtlCol="0" fromWordArt="0" anchor="ctr" anchorCtr="0" forceAA="0" compatLnSpc="1">
-            <a:prstTxWarp prst="textNoShape">
-              <a:avLst/>
-            </a:prstTxWarp>
-            <a:noAutofit/>
-          </a:bodyPr>
-          <a:lstStyle/>
-          <a:p>
-            <a:pPr algn="l"/>
-            <a:endParaRPr lang="en-US" dirty="0">
-              <a:solidFill>
-                <a:schemeClr val="tx1"/>
-              </a:solidFill>
-            </a:endParaRPr>
-          </a:p>
-        </p:txBody>
-      </p:sp>
-      <p:sp>
-        <p:nvSpPr>
-          <p:cNvPr id="14" name="TextBox 13">
-            <a:extLst>
-              <a:ext uri="{FF2B5EF4-FFF2-40B4-BE49-F238E27FC236}">
-                <a16:creationId xmlns:a16="http://schemas.microsoft.com/office/drawing/2014/main" id="{1A5354DA-E2DB-A31F-8480-DB5EC910D95D}"/>
-              </a:ext>
-            </a:extLst>
-          </p:cNvPr>
-          <p:cNvSpPr txBox="1"/>
-          <p:nvPr/>
-        </p:nvSpPr>
-        <p:spPr>
-          <a:xfrm>
-            <a:off x="-3227294" y="-1169894"/>
-            <a:ext cx="0" cy="0"/>
-          </a:xfrm>
-          <a:prstGeom prst="rect">
-            <a:avLst/>
-          </a:prstGeom>
-          <a:noFill/>
-          <a:ln>
-            <a:noFill/>
-          </a:ln>
-        </p:spPr>
-        <p:style>
-          <a:lnRef idx="2">
-            <a:schemeClr val="accent1">
-              <a:shade val="50000"/>
-            </a:schemeClr>
-          </a:lnRef>
-          <a:fillRef idx="1">
-            <a:schemeClr val="accent1"/>
-          </a:fillRef>
-          <a:effectRef idx="0">
-            <a:schemeClr val="accent1"/>
-          </a:effectRef>
-          <a:fontRef idx="minor">
-            <a:schemeClr val="lt1"/>
-          </a:fontRef>
-        </p:style>
-        <p:txBody>
-          <a:bodyPr rot="0" spcFirstLastPara="0" vertOverflow="overflow" horzOverflow="overflow" vert="horz" wrap="none" lIns="91440" tIns="45720" rIns="91440" bIns="45720" numCol="1" spcCol="0" rtlCol="0" fromWordArt="0" anchor="ctr" anchorCtr="0" forceAA="0" compatLnSpc="1">
-            <a:prstTxWarp prst="textNoShape">
-              <a:avLst/>
-            </a:prstTxWarp>
-            <a:noAutofit/>
-          </a:bodyPr>
-          <a:lstStyle/>
-          <a:p>
-            <a:pPr algn="l"/>
-            <a:endParaRPr lang="en-US" dirty="0">
-              <a:solidFill>
-                <a:schemeClr val="tx1"/>
-              </a:solidFill>
-            </a:endParaRPr>
-          </a:p>
-        </p:txBody>
-      </p:sp>
-      <p:sp>
-        <p:nvSpPr>
-          <p:cNvPr id="7" name="Content Placeholder 6">
-            <a:extLst>
-              <a:ext uri="{FF2B5EF4-FFF2-40B4-BE49-F238E27FC236}">
-                <a16:creationId xmlns:a16="http://schemas.microsoft.com/office/drawing/2014/main" id="{B07DBF23-21C5-DE37-E827-58241A3AB489}"/>
-              </a:ext>
-            </a:extLst>
-          </p:cNvPr>
-          <p:cNvSpPr>
-            <a:spLocks noGrp="1"/>
-          </p:cNvSpPr>
-          <p:nvPr>
-            <p:ph idx="1"/>
-          </p:nvPr>
-        </p:nvSpPr>
-        <p:spPr>
-          <a:xfrm>
-            <a:off x="342582" y="1509357"/>
-            <a:ext cx="4598128" cy="3519843"/>
-          </a:xfrm>
-        </p:spPr>
-        <p:txBody>
-          <a:bodyPr>
-            <a:normAutofit/>
-          </a:bodyPr>
-          <a:lstStyle/>
-          <a:p>
-            <a:pPr marL="0" indent="0">
-              <a:buNone/>
-            </a:pPr>
-            <a:r>
-              <a:rPr lang="en-US" dirty="0"/>
-              <a:t>Any input given to a web app</a:t>
-            </a:r>
-            <a:br>
-              <a:rPr lang="en-US" dirty="0"/>
-            </a:br>
-            <a:r>
-              <a:rPr lang="en-US" dirty="0"/>
-              <a:t>can also</a:t>
-            </a:r>
-            <a:br>
-              <a:rPr lang="en-US" dirty="0"/>
-            </a:br>
-            <a:r>
-              <a:rPr lang="en-US" dirty="0"/>
-              <a:t>be given</a:t>
-            </a:r>
-            <a:br>
-              <a:rPr lang="en-US" dirty="0"/>
-            </a:br>
-            <a:r>
-              <a:rPr lang="en-US" dirty="0"/>
-              <a:t>by other</a:t>
-            </a:r>
-            <a:br>
-              <a:rPr lang="en-US" dirty="0"/>
-            </a:br>
-            <a:r>
-              <a:rPr lang="en-US" dirty="0"/>
-              <a:t>means…</a:t>
-            </a:r>
-          </a:p>
-        </p:txBody>
-      </p:sp>
-      <p:pic>
-        <p:nvPicPr>
-          <p:cNvPr id="8" name="Picture 7">
-            <a:extLst>
-              <a:ext uri="{FF2B5EF4-FFF2-40B4-BE49-F238E27FC236}">
-                <a16:creationId xmlns:a16="http://schemas.microsoft.com/office/drawing/2014/main" id="{A27C73C2-A36E-1690-B592-29A0DCEE9962}"/>
-              </a:ext>
-            </a:extLst>
-          </p:cNvPr>
-          <p:cNvPicPr>
-            <a:picLocks noChangeAspect="1"/>
-          </p:cNvPicPr>
-          <p:nvPr/>
-        </p:nvPicPr>
-        <p:blipFill>
-          <a:blip r:embed="rId3"/>
-          <a:stretch>
-            <a:fillRect/>
-          </a:stretch>
-        </p:blipFill>
-        <p:spPr>
-          <a:xfrm>
-            <a:off x="2130317" y="2261135"/>
-            <a:ext cx="3130123" cy="3096705"/>
-          </a:xfrm>
-          <a:prstGeom prst="rect">
-            <a:avLst/>
-          </a:prstGeom>
-        </p:spPr>
-        <p:style>
-          <a:lnRef idx="2">
-            <a:schemeClr val="accent2">
-              <a:shade val="15000"/>
-            </a:schemeClr>
-          </a:lnRef>
-          <a:fillRef idx="1">
-            <a:schemeClr val="accent2"/>
-          </a:fillRef>
-          <a:effectRef idx="0">
-            <a:schemeClr val="accent2"/>
-          </a:effectRef>
-          <a:fontRef idx="minor">
-            <a:schemeClr val="lt1"/>
-          </a:fontRef>
-        </p:style>
-      </p:pic>
-      <p:sp>
-        <p:nvSpPr>
-          <p:cNvPr id="9" name="TextBox 8">
-            <a:extLst>
-              <a:ext uri="{FF2B5EF4-FFF2-40B4-BE49-F238E27FC236}">
-                <a16:creationId xmlns:a16="http://schemas.microsoft.com/office/drawing/2014/main" id="{05900EFC-DE70-FBE8-2791-FB2B07B74AEB}"/>
-              </a:ext>
-            </a:extLst>
-          </p:cNvPr>
-          <p:cNvSpPr txBox="1"/>
-          <p:nvPr/>
-        </p:nvSpPr>
-        <p:spPr>
-          <a:xfrm>
-            <a:off x="354676" y="5357840"/>
-            <a:ext cx="11482647" cy="831182"/>
-          </a:xfrm>
-          <a:prstGeom prst="rect">
-            <a:avLst/>
-          </a:prstGeom>
-          <a:noFill/>
-          <a:ln>
-            <a:solidFill>
-              <a:schemeClr val="accent1"/>
-            </a:solidFill>
-          </a:ln>
-        </p:spPr>
-        <p:style>
-          <a:lnRef idx="2">
-            <a:schemeClr val="accent1">
-              <a:shade val="50000"/>
-            </a:schemeClr>
-          </a:lnRef>
-          <a:fillRef idx="1">
-            <a:schemeClr val="accent1"/>
-          </a:fillRef>
-          <a:effectRef idx="0">
-            <a:schemeClr val="accent1"/>
-          </a:effectRef>
-          <a:fontRef idx="minor">
-            <a:schemeClr val="lt1"/>
-          </a:fontRef>
-        </p:style>
-        <p:txBody>
-          <a:bodyPr rot="0" spcFirstLastPara="0" vertOverflow="overflow" horzOverflow="overflow" vert="horz" wrap="square" lIns="91440" tIns="45720" rIns="91440" bIns="45720" numCol="1" spcCol="0" rtlCol="0" fromWordArt="0" anchor="ctr" anchorCtr="0" forceAA="0" compatLnSpc="1">
-            <a:prstTxWarp prst="textNoShape">
-              <a:avLst/>
-            </a:prstTxWarp>
-            <a:noAutofit/>
-          </a:bodyPr>
-          <a:lstStyle/>
-          <a:p>
-            <a:r>
-              <a:rPr lang="en-US" dirty="0">
-                <a:solidFill>
-                  <a:schemeClr val="accent2">
-                    <a:lumMod val="50000"/>
-                  </a:schemeClr>
-                </a:solidFill>
-                <a:latin typeface="Menlo" panose="020B0609030804020204" pitchFamily="49" charset="0"/>
-                <a:ea typeface="Menlo" panose="020B0609030804020204" pitchFamily="49" charset="0"/>
-                <a:cs typeface="Menlo" panose="020B0609030804020204" pitchFamily="49" charset="0"/>
-              </a:rPr>
-              <a:t>curl https://</a:t>
-            </a:r>
-            <a:r>
-              <a:rPr lang="en-US" dirty="0" err="1">
-                <a:solidFill>
-                  <a:schemeClr val="accent2">
-                    <a:lumMod val="50000"/>
-                  </a:schemeClr>
-                </a:solidFill>
-                <a:latin typeface="Menlo" panose="020B0609030804020204" pitchFamily="49" charset="0"/>
-                <a:ea typeface="Menlo" panose="020B0609030804020204" pitchFamily="49" charset="0"/>
-                <a:cs typeface="Menlo" panose="020B0609030804020204" pitchFamily="49" charset="0"/>
-              </a:rPr>
-              <a:t>strategy.town</a:t>
-            </a:r>
-            <a:r>
-              <a:rPr lang="en-US" dirty="0">
-                <a:solidFill>
-                  <a:schemeClr val="accent2">
-                    <a:lumMod val="50000"/>
-                  </a:schemeClr>
-                </a:solidFill>
-                <a:latin typeface="Menlo" panose="020B0609030804020204" pitchFamily="49" charset="0"/>
-                <a:ea typeface="Menlo" panose="020B0609030804020204" pitchFamily="49" charset="0"/>
-                <a:cs typeface="Menlo" panose="020B0609030804020204" pitchFamily="49" charset="0"/>
-              </a:rPr>
-              <a:t>/</a:t>
-            </a:r>
-            <a:r>
-              <a:rPr lang="en-US" dirty="0" err="1">
-                <a:solidFill>
-                  <a:schemeClr val="accent2">
-                    <a:lumMod val="50000"/>
-                  </a:schemeClr>
-                </a:solidFill>
-                <a:latin typeface="Menlo" panose="020B0609030804020204" pitchFamily="49" charset="0"/>
-                <a:ea typeface="Menlo" panose="020B0609030804020204" pitchFamily="49" charset="0"/>
-                <a:cs typeface="Menlo" panose="020B0609030804020204" pitchFamily="49" charset="0"/>
-              </a:rPr>
-              <a:t>api</a:t>
-            </a:r>
-            <a:r>
-              <a:rPr lang="en-US" dirty="0">
-                <a:solidFill>
-                  <a:schemeClr val="accent2">
-                    <a:lumMod val="50000"/>
-                  </a:schemeClr>
-                </a:solidFill>
-                <a:latin typeface="Menlo" panose="020B0609030804020204" pitchFamily="49" charset="0"/>
-                <a:ea typeface="Menlo" panose="020B0609030804020204" pitchFamily="49" charset="0"/>
-                <a:cs typeface="Menlo" panose="020B0609030804020204" pitchFamily="49" charset="0"/>
-              </a:rPr>
-              <a:t>/user/signup -H 'Content-Type: application/</a:t>
-            </a:r>
-            <a:r>
-              <a:rPr lang="en-US" dirty="0" err="1">
-                <a:solidFill>
-                  <a:schemeClr val="accent2">
-                    <a:lumMod val="50000"/>
-                  </a:schemeClr>
-                </a:solidFill>
-                <a:latin typeface="Menlo" panose="020B0609030804020204" pitchFamily="49" charset="0"/>
-                <a:ea typeface="Menlo" panose="020B0609030804020204" pitchFamily="49" charset="0"/>
-                <a:cs typeface="Menlo" panose="020B0609030804020204" pitchFamily="49" charset="0"/>
-              </a:rPr>
-              <a:t>json</a:t>
-            </a:r>
-            <a:r>
-              <a:rPr lang="en-US" dirty="0">
-                <a:solidFill>
-                  <a:schemeClr val="accent2">
-                    <a:lumMod val="50000"/>
-                  </a:schemeClr>
-                </a:solidFill>
-                <a:latin typeface="Menlo" panose="020B0609030804020204" pitchFamily="49" charset="0"/>
-                <a:ea typeface="Menlo" panose="020B0609030804020204" pitchFamily="49" charset="0"/>
-                <a:cs typeface="Menlo" panose="020B0609030804020204" pitchFamily="49" charset="0"/>
-              </a:rPr>
-              <a:t>' \</a:t>
-            </a:r>
-          </a:p>
-          <a:p>
-            <a:r>
-              <a:rPr lang="en-US" dirty="0">
-                <a:solidFill>
-                  <a:schemeClr val="accent2">
-                    <a:lumMod val="50000"/>
-                  </a:schemeClr>
-                </a:solidFill>
-                <a:latin typeface="Menlo" panose="020B0609030804020204" pitchFamily="49" charset="0"/>
-                <a:ea typeface="Menlo" panose="020B0609030804020204" pitchFamily="49" charset="0"/>
-                <a:cs typeface="Menlo" panose="020B0609030804020204" pitchFamily="49" charset="0"/>
-              </a:rPr>
-              <a:t>  --data '{ "username": "</a:t>
-            </a:r>
-            <a:r>
-              <a:rPr lang="en-US" dirty="0" err="1">
-                <a:solidFill>
-                  <a:schemeClr val="accent2">
-                    <a:lumMod val="50000"/>
-                  </a:schemeClr>
-                </a:solidFill>
-                <a:latin typeface="Menlo" panose="020B0609030804020204" pitchFamily="49" charset="0"/>
-                <a:ea typeface="Menlo" panose="020B0609030804020204" pitchFamily="49" charset="0"/>
-                <a:cs typeface="Menlo" panose="020B0609030804020204" pitchFamily="49" charset="0"/>
-              </a:rPr>
-              <a:t>trugamer</a:t>
-            </a:r>
-            <a:r>
-              <a:rPr lang="en-US" dirty="0">
-                <a:solidFill>
-                  <a:schemeClr val="accent2">
-                    <a:lumMod val="50000"/>
-                  </a:schemeClr>
-                </a:solidFill>
-                <a:latin typeface="Menlo" panose="020B0609030804020204" pitchFamily="49" charset="0"/>
-                <a:ea typeface="Menlo" panose="020B0609030804020204" pitchFamily="49" charset="0"/>
-                <a:cs typeface="Menlo" panose="020B0609030804020204" pitchFamily="49" charset="0"/>
-              </a:rPr>
-              <a:t>", "password": "Hunter2" }'</a:t>
-            </a:r>
-          </a:p>
-        </p:txBody>
-      </p:sp>
-      <p:pic>
-        <p:nvPicPr>
-          <p:cNvPr id="10" name="Picture 9">
-            <a:extLst>
-              <a:ext uri="{FF2B5EF4-FFF2-40B4-BE49-F238E27FC236}">
-                <a16:creationId xmlns:a16="http://schemas.microsoft.com/office/drawing/2014/main" id="{4020EB59-7465-48E2-D307-42A460E296D6}"/>
-              </a:ext>
-            </a:extLst>
-          </p:cNvPr>
-          <p:cNvPicPr>
-            <a:picLocks noChangeAspect="1"/>
-          </p:cNvPicPr>
-          <p:nvPr/>
-        </p:nvPicPr>
-        <p:blipFill>
-          <a:blip r:embed="rId4"/>
-          <a:stretch>
-            <a:fillRect/>
-          </a:stretch>
-        </p:blipFill>
-        <p:spPr>
-          <a:xfrm>
-            <a:off x="5270077" y="898937"/>
-            <a:ext cx="6576883" cy="4458903"/>
-          </a:xfrm>
-          <a:prstGeom prst="rect">
-            <a:avLst/>
-          </a:prstGeom>
-          <a:ln>
-            <a:solidFill>
-              <a:schemeClr val="accent1"/>
-            </a:solidFill>
-          </a:ln>
-        </p:spPr>
-      </p:pic>
-      <p:sp>
-        <p:nvSpPr>
-          <p:cNvPr id="12" name="TextBox 11">
-            <a:extLst>
-              <a:ext uri="{FF2B5EF4-FFF2-40B4-BE49-F238E27FC236}">
-                <a16:creationId xmlns:a16="http://schemas.microsoft.com/office/drawing/2014/main" id="{AF846D40-6CA3-FF19-8447-AC098381090C}"/>
-              </a:ext>
-            </a:extLst>
-          </p:cNvPr>
-          <p:cNvSpPr txBox="1"/>
-          <p:nvPr/>
-        </p:nvSpPr>
-        <p:spPr>
-          <a:xfrm>
-            <a:off x="1841157" y="2001795"/>
-            <a:ext cx="0" cy="0"/>
-          </a:xfrm>
-          <a:prstGeom prst="rect">
-            <a:avLst/>
-          </a:prstGeom>
-          <a:noFill/>
-          <a:ln>
-            <a:noFill/>
-          </a:ln>
-        </p:spPr>
-        <p:style>
-          <a:lnRef idx="2">
-            <a:schemeClr val="accent1">
-              <a:shade val="50000"/>
-            </a:schemeClr>
-          </a:lnRef>
-          <a:fillRef idx="1">
-            <a:schemeClr val="accent1"/>
-          </a:fillRef>
-          <a:effectRef idx="0">
-            <a:schemeClr val="accent1"/>
-          </a:effectRef>
-          <a:fontRef idx="minor">
-            <a:schemeClr val="lt1"/>
-          </a:fontRef>
-        </p:style>
-        <p:txBody>
-          <a:bodyPr rot="0" spcFirstLastPara="0" vertOverflow="overflow" horzOverflow="overflow" vert="horz" wrap="none" lIns="91440" tIns="45720" rIns="91440" bIns="45720" numCol="1" spcCol="0" rtlCol="0" fromWordArt="0" anchor="ctr" anchorCtr="0" forceAA="0" compatLnSpc="1">
-            <a:prstTxWarp prst="textNoShape">
-              <a:avLst/>
-            </a:prstTxWarp>
-            <a:noAutofit/>
-          </a:bodyPr>
-          <a:lstStyle/>
-          <a:p>
-            <a:pPr algn="l"/>
-            <a:endParaRPr lang="en-US" dirty="0">
-              <a:solidFill>
-                <a:schemeClr val="tx1"/>
-              </a:solidFill>
-            </a:endParaRPr>
-          </a:p>
-        </p:txBody>
-      </p:sp>
-      <p:sp>
-        <p:nvSpPr>
-          <p:cNvPr id="13" name="TextBox 12">
-            <a:extLst>
-              <a:ext uri="{FF2B5EF4-FFF2-40B4-BE49-F238E27FC236}">
-                <a16:creationId xmlns:a16="http://schemas.microsoft.com/office/drawing/2014/main" id="{A6AAFFBB-2531-3239-1536-926BA1CE3E55}"/>
-              </a:ext>
-            </a:extLst>
-          </p:cNvPr>
-          <p:cNvSpPr txBox="1"/>
-          <p:nvPr/>
-        </p:nvSpPr>
-        <p:spPr>
-          <a:xfrm>
-            <a:off x="3524865" y="1828800"/>
-            <a:ext cx="0" cy="0"/>
-          </a:xfrm>
-          <a:prstGeom prst="rect">
-            <a:avLst/>
-          </a:prstGeom>
-          <a:noFill/>
-          <a:ln>
-            <a:noFill/>
-          </a:ln>
-        </p:spPr>
-        <p:style>
-          <a:lnRef idx="2">
-            <a:schemeClr val="accent1">
-              <a:shade val="50000"/>
-            </a:schemeClr>
-          </a:lnRef>
-          <a:fillRef idx="1">
-            <a:schemeClr val="accent1"/>
-          </a:fillRef>
-          <a:effectRef idx="0">
-            <a:schemeClr val="accent1"/>
-          </a:effectRef>
-          <a:fontRef idx="minor">
-            <a:schemeClr val="lt1"/>
-          </a:fontRef>
-        </p:style>
-        <p:txBody>
-          <a:bodyPr rot="0" spcFirstLastPara="0" vertOverflow="overflow" horzOverflow="overflow" vert="horz" wrap="none" lIns="91440" tIns="45720" rIns="91440" bIns="45720" numCol="1" spcCol="0" rtlCol="0" fromWordArt="0" anchor="ctr" anchorCtr="0" forceAA="0" compatLnSpc="1">
-            <a:prstTxWarp prst="textNoShape">
-              <a:avLst/>
-            </a:prstTxWarp>
-            <a:noAutofit/>
-          </a:bodyPr>
-          <a:lstStyle/>
-          <a:p>
-            <a:pPr algn="l"/>
-            <a:endParaRPr lang="en-US" dirty="0">
-              <a:solidFill>
-                <a:schemeClr val="tx1"/>
-              </a:solidFill>
-            </a:endParaRPr>
-          </a:p>
-        </p:txBody>
-      </p:sp>
-    </p:spTree>
-    <p:extLst>
-      <p:ext uri="{BB962C8B-B14F-4D97-AF65-F5344CB8AC3E}">
-        <p14:creationId xmlns:p14="http://schemas.microsoft.com/office/powerpoint/2010/main" val="3569258405"/>
-      </p:ext>
-    </p:extLst>
-  </p:cSld>
-  <p:clrMapOvr>
-    <a:masterClrMapping/>
-  </p:clrMapOvr>
-</p:sld>
-</file>
-
-<file path=ppt/slides/slide9.xml><?xml version="1.0" encoding="utf-8"?>
-<p:sld xmlns:a="http://schemas.openxmlformats.org/drawingml/2006/main" xmlns:r="http://schemas.openxmlformats.org/officeDocument/2006/relationships" xmlns:p="http://schemas.openxmlformats.org/presentationml/2006/main">
-  <p:cSld>
-    <p:spTree>
-      <p:nvGrpSpPr>
-        <p:cNvPr id="1" name="">
-          <a:extLst>
-            <a:ext uri="{FF2B5EF4-FFF2-40B4-BE49-F238E27FC236}">
-              <a16:creationId xmlns:a16="http://schemas.microsoft.com/office/drawing/2014/main" id="{DE2C4F2E-07F2-D81B-66BA-BB4EF1E927FD}"/>
-            </a:ext>
-          </a:extLst>
-        </p:cNvPr>
-        <p:cNvGrpSpPr/>
-        <p:nvPr/>
-      </p:nvGrpSpPr>
-      <p:grpSpPr>
-        <a:xfrm>
-          <a:off x="0" y="0"/>
-          <a:ext cx="0" cy="0"/>
-          <a:chOff x="0" y="0"/>
-          <a:chExt cx="0" cy="0"/>
-        </a:xfrm>
-      </p:grpSpPr>
-      <p:sp>
-        <p:nvSpPr>
-          <p:cNvPr id="2" name="Title 1">
-            <a:extLst>
-              <a:ext uri="{FF2B5EF4-FFF2-40B4-BE49-F238E27FC236}">
-                <a16:creationId xmlns:a16="http://schemas.microsoft.com/office/drawing/2014/main" id="{08941892-B670-C220-0AC5-0F82ECC89AAE}"/>
-              </a:ext>
-            </a:extLst>
-          </p:cNvPr>
-          <p:cNvSpPr>
-            <a:spLocks noGrp="1"/>
-          </p:cNvSpPr>
-          <p:nvPr>
-            <p:ph type="title"/>
-          </p:nvPr>
-        </p:nvSpPr>
-        <p:spPr/>
-        <p:txBody>
-          <a:bodyPr/>
-          <a:lstStyle/>
-          <a:p>
-            <a:r>
-              <a:rPr lang="en-US" dirty="0"/>
-              <a:t>Untrusted Inputs should be </a:t>
-            </a:r>
-            <a:r>
-              <a:rPr lang="en-US" dirty="0">
-                <a:latin typeface="Menlo" panose="020B0609030804020204" pitchFamily="49" charset="0"/>
-                <a:ea typeface="Menlo" panose="020B0609030804020204" pitchFamily="49" charset="0"/>
-                <a:cs typeface="Menlo" panose="020B0609030804020204" pitchFamily="49" charset="0"/>
-              </a:rPr>
-              <a:t>unknown</a:t>
-            </a:r>
-          </a:p>
-        </p:txBody>
-      </p:sp>
-      <p:sp>
-        <p:nvSpPr>
-          <p:cNvPr id="4" name="Slide Number Placeholder 3">
-            <a:extLst>
-              <a:ext uri="{FF2B5EF4-FFF2-40B4-BE49-F238E27FC236}">
-                <a16:creationId xmlns:a16="http://schemas.microsoft.com/office/drawing/2014/main" id="{789D95B4-F24B-7C04-70AB-3D4867516548}"/>
-              </a:ext>
-            </a:extLst>
-          </p:cNvPr>
-          <p:cNvSpPr>
-            <a:spLocks noGrp="1"/>
-          </p:cNvSpPr>
-          <p:nvPr>
-            <p:ph type="sldNum" sz="quarter" idx="12"/>
-          </p:nvPr>
-        </p:nvSpPr>
-        <p:spPr/>
-        <p:txBody>
-          <a:bodyPr/>
-          <a:lstStyle/>
-          <a:p>
-            <a:fld id="{20F37917-FD3A-4669-9018-DA04BCDD3D75}" type="slidenum">
-              <a:rPr lang="en-US" smtClean="0"/>
-              <a:pPr/>
-              <a:t>9</a:t>
-            </a:fld>
-            <a:endParaRPr lang="en-US" dirty="0"/>
-          </a:p>
-        </p:txBody>
-      </p:sp>
-      <p:sp>
-        <p:nvSpPr>
-          <p:cNvPr id="3" name="TextBox 2">
-            <a:extLst>
-              <a:ext uri="{FF2B5EF4-FFF2-40B4-BE49-F238E27FC236}">
-                <a16:creationId xmlns:a16="http://schemas.microsoft.com/office/drawing/2014/main" id="{CAB67779-0FD8-1EDF-670B-3D3FBE19B5F4}"/>
-              </a:ext>
-            </a:extLst>
-          </p:cNvPr>
-          <p:cNvSpPr txBox="1"/>
-          <p:nvPr/>
-        </p:nvSpPr>
-        <p:spPr>
-          <a:xfrm>
-            <a:off x="2151529" y="739588"/>
-            <a:ext cx="0" cy="0"/>
-          </a:xfrm>
-          <a:prstGeom prst="rect">
-            <a:avLst/>
-          </a:prstGeom>
-          <a:noFill/>
-          <a:ln>
-            <a:noFill/>
-          </a:ln>
-        </p:spPr>
-        <p:style>
-          <a:lnRef idx="2">
-            <a:schemeClr val="accent1">
-              <a:shade val="50000"/>
-            </a:schemeClr>
-          </a:lnRef>
-          <a:fillRef idx="1">
-            <a:schemeClr val="accent1"/>
-          </a:fillRef>
-          <a:effectRef idx="0">
-            <a:schemeClr val="accent1"/>
-          </a:effectRef>
-          <a:fontRef idx="minor">
-            <a:schemeClr val="lt1"/>
-          </a:fontRef>
-        </p:style>
-        <p:txBody>
-          <a:bodyPr rot="0" spcFirstLastPara="0" vertOverflow="overflow" horzOverflow="overflow" vert="horz" wrap="none" lIns="91440" tIns="45720" rIns="91440" bIns="45720" numCol="1" spcCol="0" rtlCol="0" fromWordArt="0" anchor="ctr" anchorCtr="0" forceAA="0" compatLnSpc="1">
-            <a:prstTxWarp prst="textNoShape">
-              <a:avLst/>
-            </a:prstTxWarp>
-            <a:noAutofit/>
-          </a:bodyPr>
-          <a:lstStyle/>
-          <a:p>
-            <a:pPr algn="l"/>
-            <a:endParaRPr lang="en-US" dirty="0">
-              <a:solidFill>
-                <a:schemeClr val="tx1"/>
-              </a:solidFill>
-            </a:endParaRPr>
-          </a:p>
-        </p:txBody>
-      </p:sp>
-      <p:sp>
-        <p:nvSpPr>
-          <p:cNvPr id="14" name="TextBox 13">
-            <a:extLst>
-              <a:ext uri="{FF2B5EF4-FFF2-40B4-BE49-F238E27FC236}">
-                <a16:creationId xmlns:a16="http://schemas.microsoft.com/office/drawing/2014/main" id="{24032205-46D0-6F87-1E21-A5DECCF9C4C9}"/>
-              </a:ext>
-            </a:extLst>
-          </p:cNvPr>
-          <p:cNvSpPr txBox="1"/>
-          <p:nvPr/>
-        </p:nvSpPr>
-        <p:spPr>
-          <a:xfrm>
-            <a:off x="-3227294" y="-1169894"/>
-            <a:ext cx="0" cy="0"/>
-          </a:xfrm>
-          <a:prstGeom prst="rect">
-            <a:avLst/>
-          </a:prstGeom>
-          <a:noFill/>
-          <a:ln>
-            <a:noFill/>
-          </a:ln>
-        </p:spPr>
-        <p:style>
-          <a:lnRef idx="2">
-            <a:schemeClr val="accent1">
-              <a:shade val="50000"/>
-            </a:schemeClr>
-          </a:lnRef>
-          <a:fillRef idx="1">
-            <a:schemeClr val="accent1"/>
-          </a:fillRef>
-          <a:effectRef idx="0">
-            <a:schemeClr val="accent1"/>
-          </a:effectRef>
-          <a:fontRef idx="minor">
-            <a:schemeClr val="lt1"/>
-          </a:fontRef>
-        </p:style>
-        <p:txBody>
-          <a:bodyPr rot="0" spcFirstLastPara="0" vertOverflow="overflow" horzOverflow="overflow" vert="horz" wrap="none" lIns="91440" tIns="45720" rIns="91440" bIns="45720" numCol="1" spcCol="0" rtlCol="0" fromWordArt="0" anchor="ctr" anchorCtr="0" forceAA="0" compatLnSpc="1">
-            <a:prstTxWarp prst="textNoShape">
-              <a:avLst/>
-            </a:prstTxWarp>
-            <a:noAutofit/>
-          </a:bodyPr>
-          <a:lstStyle/>
-          <a:p>
-            <a:pPr algn="l"/>
-            <a:endParaRPr lang="en-US" dirty="0">
-              <a:solidFill>
-                <a:schemeClr val="tx1"/>
-              </a:solidFill>
-            </a:endParaRPr>
-          </a:p>
-        </p:txBody>
-      </p:sp>
-      <p:sp>
-        <p:nvSpPr>
-          <p:cNvPr id="6" name="Content Placeholder 5">
-            <a:extLst>
-              <a:ext uri="{FF2B5EF4-FFF2-40B4-BE49-F238E27FC236}">
-                <a16:creationId xmlns:a16="http://schemas.microsoft.com/office/drawing/2014/main" id="{45FD9428-A4EC-DE5B-666A-02FAA3D7F1C8}"/>
-              </a:ext>
-            </a:extLst>
-          </p:cNvPr>
-          <p:cNvSpPr>
-            <a:spLocks noGrp="1"/>
-          </p:cNvSpPr>
-          <p:nvPr>
-            <p:ph idx="1"/>
-          </p:nvPr>
-        </p:nvSpPr>
-        <p:spPr>
-          <a:xfrm>
-            <a:off x="838199" y="1500160"/>
-            <a:ext cx="10515599" cy="4856190"/>
-          </a:xfrm>
-        </p:spPr>
-        <p:txBody>
-          <a:bodyPr>
-            <a:normAutofit lnSpcReduction="10000"/>
-          </a:bodyPr>
-          <a:lstStyle/>
-          <a:p>
-            <a:r>
-              <a:rPr lang="en-US" dirty="0"/>
-              <a:t>The appropriate TypeScript type for an unknown value is </a:t>
-            </a:r>
-            <a:r>
-              <a:rPr lang="en-US" dirty="0">
-                <a:latin typeface="Menlo" panose="020B0609030804020204" pitchFamily="49" charset="0"/>
-                <a:ea typeface="Menlo" panose="020B0609030804020204" pitchFamily="49" charset="0"/>
-                <a:cs typeface="Menlo" panose="020B0609030804020204" pitchFamily="49" charset="0"/>
-              </a:rPr>
-              <a:t>unknown</a:t>
-            </a:r>
-          </a:p>
-          <a:p>
-            <a:pPr marL="0" indent="0">
-              <a:buNone/>
-            </a:pPr>
-            <a:endParaRPr lang="en-US" dirty="0">
-              <a:latin typeface="Menlo" panose="020B0609030804020204" pitchFamily="49" charset="0"/>
-              <a:ea typeface="Menlo" panose="020B0609030804020204" pitchFamily="49" charset="0"/>
-              <a:cs typeface="Menlo" panose="020B0609030804020204" pitchFamily="49" charset="0"/>
-            </a:endParaRPr>
-          </a:p>
-          <a:p>
-            <a:pPr marL="0" indent="0">
-              <a:buNone/>
-            </a:pPr>
-            <a:r>
-              <a:rPr lang="en-US" sz="2000" dirty="0">
-                <a:solidFill>
-                  <a:srgbClr val="002060"/>
-                </a:solidFill>
-                <a:latin typeface="Menlo" panose="020B0609030804020204" pitchFamily="49" charset="0"/>
-                <a:ea typeface="Menlo" panose="020B0609030804020204" pitchFamily="49" charset="0"/>
-                <a:cs typeface="Menlo" panose="020B0609030804020204" pitchFamily="49" charset="0"/>
-              </a:rPr>
-              <a:t>function</a:t>
-            </a:r>
-            <a:r>
-              <a:rPr lang="en-US" sz="2000" dirty="0">
-                <a:latin typeface="Menlo" panose="020B0609030804020204" pitchFamily="49" charset="0"/>
-                <a:ea typeface="Menlo" panose="020B0609030804020204" pitchFamily="49" charset="0"/>
-                <a:cs typeface="Menlo" panose="020B0609030804020204" pitchFamily="49" charset="0"/>
-              </a:rPr>
-              <a:t> </a:t>
-            </a:r>
-            <a:r>
-              <a:rPr lang="en-US" sz="2000" dirty="0" err="1">
-                <a:solidFill>
-                  <a:schemeClr val="accent4">
-                    <a:lumMod val="50000"/>
-                  </a:schemeClr>
-                </a:solidFill>
-                <a:latin typeface="Menlo" panose="020B0609030804020204" pitchFamily="49" charset="0"/>
-                <a:ea typeface="Menlo" panose="020B0609030804020204" pitchFamily="49" charset="0"/>
-                <a:cs typeface="Menlo" panose="020B0609030804020204" pitchFamily="49" charset="0"/>
-              </a:rPr>
-              <a:t>lookAtMe</a:t>
-            </a:r>
-            <a:r>
-              <a:rPr lang="en-US" sz="2000" dirty="0">
-                <a:latin typeface="Menlo" panose="020B0609030804020204" pitchFamily="49" charset="0"/>
-                <a:ea typeface="Menlo" panose="020B0609030804020204" pitchFamily="49" charset="0"/>
-                <a:cs typeface="Menlo" panose="020B0609030804020204" pitchFamily="49" charset="0"/>
-              </a:rPr>
-              <a:t>(</a:t>
-            </a:r>
-            <a:r>
-              <a:rPr lang="en-US" sz="2000" dirty="0">
-                <a:solidFill>
-                  <a:srgbClr val="002060"/>
-                </a:solidFill>
-                <a:latin typeface="Menlo" panose="020B0609030804020204" pitchFamily="49" charset="0"/>
-                <a:ea typeface="Menlo" panose="020B0609030804020204" pitchFamily="49" charset="0"/>
-                <a:cs typeface="Menlo" panose="020B0609030804020204" pitchFamily="49" charset="0"/>
-              </a:rPr>
-              <a:t>input</a:t>
-            </a:r>
-            <a:r>
-              <a:rPr lang="en-US" sz="2000" dirty="0">
-                <a:latin typeface="Menlo" panose="020B0609030804020204" pitchFamily="49" charset="0"/>
-                <a:ea typeface="Menlo" panose="020B0609030804020204" pitchFamily="49" charset="0"/>
-                <a:cs typeface="Menlo" panose="020B0609030804020204" pitchFamily="49" charset="0"/>
-              </a:rPr>
-              <a:t>: </a:t>
-            </a:r>
-            <a:r>
-              <a:rPr lang="en-US" sz="2000" dirty="0">
-                <a:solidFill>
-                  <a:srgbClr val="0070C0"/>
-                </a:solidFill>
-                <a:latin typeface="Menlo" panose="020B0609030804020204" pitchFamily="49" charset="0"/>
-                <a:ea typeface="Menlo" panose="020B0609030804020204" pitchFamily="49" charset="0"/>
-                <a:cs typeface="Menlo" panose="020B0609030804020204" pitchFamily="49" charset="0"/>
-              </a:rPr>
-              <a:t>unknown</a:t>
-            </a:r>
-            <a:r>
-              <a:rPr lang="en-US" sz="2000" dirty="0">
-                <a:latin typeface="Menlo" panose="020B0609030804020204" pitchFamily="49" charset="0"/>
-                <a:ea typeface="Menlo" panose="020B0609030804020204" pitchFamily="49" charset="0"/>
-                <a:cs typeface="Menlo" panose="020B0609030804020204" pitchFamily="49" charset="0"/>
-              </a:rPr>
-              <a:t>) {</a:t>
-            </a:r>
-          </a:p>
-          <a:p>
-            <a:pPr marL="0" indent="0">
-              <a:buNone/>
-            </a:pPr>
-            <a:r>
-              <a:rPr lang="en-US" sz="2000" dirty="0">
-                <a:latin typeface="Menlo" panose="020B0609030804020204" pitchFamily="49" charset="0"/>
-                <a:ea typeface="Menlo" panose="020B0609030804020204" pitchFamily="49" charset="0"/>
-                <a:cs typeface="Menlo" panose="020B0609030804020204" pitchFamily="49" charset="0"/>
-              </a:rPr>
-              <a:t>  </a:t>
-            </a:r>
-            <a:r>
-              <a:rPr lang="en-US" sz="2000" dirty="0" err="1">
-                <a:latin typeface="Menlo" panose="020B0609030804020204" pitchFamily="49" charset="0"/>
-                <a:ea typeface="Menlo" panose="020B0609030804020204" pitchFamily="49" charset="0"/>
-                <a:cs typeface="Menlo" panose="020B0609030804020204" pitchFamily="49" charset="0"/>
-              </a:rPr>
-              <a:t>console.log</a:t>
-            </a:r>
-            <a:r>
-              <a:rPr lang="en-US" sz="2000" dirty="0">
-                <a:latin typeface="Menlo" panose="020B0609030804020204" pitchFamily="49" charset="0"/>
-                <a:ea typeface="Menlo" panose="020B0609030804020204" pitchFamily="49" charset="0"/>
-                <a:cs typeface="Menlo" panose="020B0609030804020204" pitchFamily="49" charset="0"/>
-              </a:rPr>
-              <a:t>(</a:t>
-            </a:r>
-            <a:r>
-              <a:rPr lang="en-US" sz="2000" dirty="0" err="1">
-                <a:solidFill>
-                  <a:srgbClr val="002060"/>
-                </a:solidFill>
-                <a:latin typeface="Menlo" panose="020B0609030804020204" pitchFamily="49" charset="0"/>
-                <a:ea typeface="Menlo" panose="020B0609030804020204" pitchFamily="49" charset="0"/>
-                <a:cs typeface="Menlo" panose="020B0609030804020204" pitchFamily="49" charset="0"/>
-              </a:rPr>
-              <a:t>input</a:t>
-            </a:r>
-            <a:r>
-              <a:rPr lang="en-US" sz="2000" dirty="0" err="1">
-                <a:latin typeface="Menlo" panose="020B0609030804020204" pitchFamily="49" charset="0"/>
-                <a:ea typeface="Menlo" panose="020B0609030804020204" pitchFamily="49" charset="0"/>
-                <a:cs typeface="Menlo" panose="020B0609030804020204" pitchFamily="49" charset="0"/>
-              </a:rPr>
-              <a:t>.</a:t>
-            </a:r>
-            <a:r>
-              <a:rPr lang="en-US" sz="2000" dirty="0" err="1">
-                <a:solidFill>
-                  <a:schemeClr val="accent4">
-                    <a:lumMod val="50000"/>
-                  </a:schemeClr>
-                </a:solidFill>
-                <a:latin typeface="Menlo" panose="020B0609030804020204" pitchFamily="49" charset="0"/>
-                <a:ea typeface="Menlo" panose="020B0609030804020204" pitchFamily="49" charset="0"/>
-                <a:cs typeface="Menlo" panose="020B0609030804020204" pitchFamily="49" charset="0"/>
-              </a:rPr>
-              <a:t>toUpperCase</a:t>
-            </a:r>
-            <a:r>
-              <a:rPr lang="en-US" sz="2000" dirty="0">
-                <a:latin typeface="Menlo" panose="020B0609030804020204" pitchFamily="49" charset="0"/>
-                <a:ea typeface="Menlo" panose="020B0609030804020204" pitchFamily="49" charset="0"/>
-                <a:cs typeface="Menlo" panose="020B0609030804020204" pitchFamily="49" charset="0"/>
-              </a:rPr>
-              <a:t>());</a:t>
-            </a:r>
-          </a:p>
-          <a:p>
-            <a:pPr marL="0" indent="0">
-              <a:buNone/>
-            </a:pPr>
-            <a:r>
-              <a:rPr lang="en-US" sz="2000" dirty="0">
-                <a:latin typeface="Menlo" panose="020B0609030804020204" pitchFamily="49" charset="0"/>
-                <a:ea typeface="Menlo" panose="020B0609030804020204" pitchFamily="49" charset="0"/>
-                <a:cs typeface="Menlo" panose="020B0609030804020204" pitchFamily="49" charset="0"/>
-              </a:rPr>
-              <a:t> </a:t>
-            </a:r>
-            <a:r>
-              <a:rPr lang="en-US" sz="2000" dirty="0">
-                <a:solidFill>
-                  <a:srgbClr val="AF00DB"/>
-                </a:solidFill>
-                <a:latin typeface="Menlo" panose="020B0609030804020204" pitchFamily="49" charset="0"/>
-                <a:ea typeface="Menlo" panose="020B0609030804020204" pitchFamily="49" charset="0"/>
-                <a:cs typeface="Menlo" panose="020B0609030804020204" pitchFamily="49" charset="0"/>
-              </a:rPr>
-              <a:t> </a:t>
-            </a:r>
-            <a:r>
-              <a:rPr lang="en-US" sz="2000" dirty="0">
-                <a:solidFill>
-                  <a:srgbClr val="AF00DB"/>
-                </a:solidFill>
-                <a:latin typeface="Menlo" panose="020B0609030804020204" pitchFamily="49" charset="0"/>
-              </a:rPr>
-              <a:t>if</a:t>
-            </a:r>
-            <a:r>
-              <a:rPr lang="en-US" sz="2000" dirty="0">
-                <a:latin typeface="Menlo" panose="020B0609030804020204" pitchFamily="49" charset="0"/>
-                <a:ea typeface="Menlo" panose="020B0609030804020204" pitchFamily="49" charset="0"/>
-                <a:cs typeface="Menlo" panose="020B0609030804020204" pitchFamily="49" charset="0"/>
-              </a:rPr>
-              <a:t> (</a:t>
-            </a:r>
-            <a:r>
-              <a:rPr lang="en-US" sz="2000" dirty="0" err="1">
-                <a:solidFill>
-                  <a:srgbClr val="002060"/>
-                </a:solidFill>
-                <a:latin typeface="Menlo" panose="020B0609030804020204" pitchFamily="49" charset="0"/>
-                <a:ea typeface="Menlo" panose="020B0609030804020204" pitchFamily="49" charset="0"/>
-                <a:cs typeface="Menlo" panose="020B0609030804020204" pitchFamily="49" charset="0"/>
-              </a:rPr>
-              <a:t>typeof</a:t>
-            </a:r>
-            <a:r>
-              <a:rPr lang="en-US" sz="2000" dirty="0">
-                <a:solidFill>
-                  <a:srgbClr val="002060"/>
-                </a:solidFill>
-                <a:latin typeface="Menlo" panose="020B0609030804020204" pitchFamily="49" charset="0"/>
-                <a:ea typeface="Menlo" panose="020B0609030804020204" pitchFamily="49" charset="0"/>
-                <a:cs typeface="Menlo" panose="020B0609030804020204" pitchFamily="49" charset="0"/>
-              </a:rPr>
-              <a:t> input </a:t>
-            </a:r>
-            <a:r>
-              <a:rPr lang="en-US" sz="2000" dirty="0">
-                <a:latin typeface="Menlo" panose="020B0609030804020204" pitchFamily="49" charset="0"/>
-                <a:ea typeface="Menlo" panose="020B0609030804020204" pitchFamily="49" charset="0"/>
-                <a:cs typeface="Menlo" panose="020B0609030804020204" pitchFamily="49" charset="0"/>
-              </a:rPr>
-              <a:t>=== </a:t>
-            </a:r>
-            <a:r>
-              <a:rPr lang="en-US" sz="2000" dirty="0">
-                <a:solidFill>
-                  <a:srgbClr val="C00000"/>
-                </a:solidFill>
-                <a:latin typeface="Menlo" panose="020B0609030804020204" pitchFamily="49" charset="0"/>
-                <a:ea typeface="Menlo" panose="020B0609030804020204" pitchFamily="49" charset="0"/>
-                <a:cs typeface="Menlo" panose="020B0609030804020204" pitchFamily="49" charset="0"/>
-              </a:rPr>
-              <a:t>"string"</a:t>
-            </a:r>
-            <a:r>
-              <a:rPr lang="en-US" sz="2000" dirty="0">
-                <a:latin typeface="Menlo" panose="020B0609030804020204" pitchFamily="49" charset="0"/>
-                <a:ea typeface="Menlo" panose="020B0609030804020204" pitchFamily="49" charset="0"/>
-                <a:cs typeface="Menlo" panose="020B0609030804020204" pitchFamily="49" charset="0"/>
-              </a:rPr>
-              <a:t>) {</a:t>
-            </a:r>
-          </a:p>
-          <a:p>
-            <a:pPr marL="0" indent="0">
-              <a:buNone/>
-            </a:pPr>
-            <a:r>
-              <a:rPr lang="en-US" sz="2000" dirty="0">
-                <a:latin typeface="Menlo" panose="020B0609030804020204" pitchFamily="49" charset="0"/>
-                <a:ea typeface="Menlo" panose="020B0609030804020204" pitchFamily="49" charset="0"/>
-                <a:cs typeface="Menlo" panose="020B0609030804020204" pitchFamily="49" charset="0"/>
-              </a:rPr>
-              <a:t>    </a:t>
-            </a:r>
-            <a:r>
-              <a:rPr lang="en-US" sz="2000" dirty="0" err="1">
-                <a:solidFill>
-                  <a:srgbClr val="002060"/>
-                </a:solidFill>
-                <a:latin typeface="Menlo" panose="020B0609030804020204" pitchFamily="49" charset="0"/>
-                <a:ea typeface="Menlo" panose="020B0609030804020204" pitchFamily="49" charset="0"/>
-                <a:cs typeface="Menlo" panose="020B0609030804020204" pitchFamily="49" charset="0"/>
-              </a:rPr>
-              <a:t>console</a:t>
-            </a:r>
-            <a:r>
-              <a:rPr lang="en-US" sz="2000" dirty="0" err="1">
-                <a:latin typeface="Menlo" panose="020B0609030804020204" pitchFamily="49" charset="0"/>
-                <a:ea typeface="Menlo" panose="020B0609030804020204" pitchFamily="49" charset="0"/>
-                <a:cs typeface="Menlo" panose="020B0609030804020204" pitchFamily="49" charset="0"/>
-              </a:rPr>
-              <a:t>.</a:t>
-            </a:r>
-            <a:r>
-              <a:rPr lang="en-US" sz="2000" dirty="0" err="1">
-                <a:solidFill>
-                  <a:schemeClr val="accent4">
-                    <a:lumMod val="50000"/>
-                  </a:schemeClr>
-                </a:solidFill>
-                <a:latin typeface="Menlo" panose="020B0609030804020204" pitchFamily="49" charset="0"/>
-                <a:ea typeface="Menlo" panose="020B0609030804020204" pitchFamily="49" charset="0"/>
-                <a:cs typeface="Menlo" panose="020B0609030804020204" pitchFamily="49" charset="0"/>
-              </a:rPr>
-              <a:t>log</a:t>
-            </a:r>
-            <a:r>
-              <a:rPr lang="en-US" sz="2000" dirty="0">
-                <a:latin typeface="Menlo" panose="020B0609030804020204" pitchFamily="49" charset="0"/>
-                <a:ea typeface="Menlo" panose="020B0609030804020204" pitchFamily="49" charset="0"/>
-                <a:cs typeface="Menlo" panose="020B0609030804020204" pitchFamily="49" charset="0"/>
-              </a:rPr>
-              <a:t>(</a:t>
-            </a:r>
-            <a:r>
-              <a:rPr lang="en-US" sz="2000" dirty="0" err="1">
-                <a:solidFill>
-                  <a:srgbClr val="002060"/>
-                </a:solidFill>
-                <a:latin typeface="Menlo" panose="020B0609030804020204" pitchFamily="49" charset="0"/>
-                <a:ea typeface="Menlo" panose="020B0609030804020204" pitchFamily="49" charset="0"/>
-                <a:cs typeface="Menlo" panose="020B0609030804020204" pitchFamily="49" charset="0"/>
-              </a:rPr>
-              <a:t>input</a:t>
-            </a:r>
-            <a:r>
-              <a:rPr lang="en-US" sz="2000" dirty="0" err="1">
-                <a:latin typeface="Menlo" panose="020B0609030804020204" pitchFamily="49" charset="0"/>
-                <a:ea typeface="Menlo" panose="020B0609030804020204" pitchFamily="49" charset="0"/>
-                <a:cs typeface="Menlo" panose="020B0609030804020204" pitchFamily="49" charset="0"/>
-              </a:rPr>
-              <a:t>.</a:t>
-            </a:r>
-            <a:r>
-              <a:rPr lang="en-US" sz="2000" dirty="0" err="1">
-                <a:solidFill>
-                  <a:schemeClr val="accent4">
-                    <a:lumMod val="50000"/>
-                  </a:schemeClr>
-                </a:solidFill>
-                <a:latin typeface="Menlo" panose="020B0609030804020204" pitchFamily="49" charset="0"/>
-                <a:ea typeface="Menlo" panose="020B0609030804020204" pitchFamily="49" charset="0"/>
-                <a:cs typeface="Menlo" panose="020B0609030804020204" pitchFamily="49" charset="0"/>
-              </a:rPr>
-              <a:t>toUpperCase</a:t>
-            </a:r>
-            <a:r>
-              <a:rPr lang="en-US" sz="2000" dirty="0">
-                <a:latin typeface="Menlo" panose="020B0609030804020204" pitchFamily="49" charset="0"/>
-                <a:ea typeface="Menlo" panose="020B0609030804020204" pitchFamily="49" charset="0"/>
-                <a:cs typeface="Menlo" panose="020B0609030804020204" pitchFamily="49" charset="0"/>
-              </a:rPr>
-              <a:t>());</a:t>
-            </a:r>
-          </a:p>
-          <a:p>
-            <a:pPr marL="0" indent="0">
-              <a:buNone/>
-            </a:pPr>
-            <a:r>
-              <a:rPr lang="en-US" sz="2000" dirty="0">
-                <a:latin typeface="Menlo" panose="020B0609030804020204" pitchFamily="49" charset="0"/>
-                <a:ea typeface="Menlo" panose="020B0609030804020204" pitchFamily="49" charset="0"/>
-                <a:cs typeface="Menlo" panose="020B0609030804020204" pitchFamily="49" charset="0"/>
-              </a:rPr>
-              <a:t>  }</a:t>
-            </a:r>
-          </a:p>
-          <a:p>
-            <a:pPr marL="0" indent="0">
-              <a:buNone/>
-            </a:pPr>
-            <a:r>
-              <a:rPr lang="en-US" sz="2000" dirty="0">
-                <a:latin typeface="Menlo" panose="020B0609030804020204" pitchFamily="49" charset="0"/>
-                <a:ea typeface="Menlo" panose="020B0609030804020204" pitchFamily="49" charset="0"/>
-                <a:cs typeface="Menlo" panose="020B0609030804020204" pitchFamily="49" charset="0"/>
-              </a:rPr>
-              <a:t>}</a:t>
-            </a:r>
-            <a:br>
-              <a:rPr lang="en-US" sz="2100" dirty="0">
-                <a:latin typeface="Menlo" panose="020B0609030804020204" pitchFamily="49" charset="0"/>
-                <a:ea typeface="Menlo" panose="020B0609030804020204" pitchFamily="49" charset="0"/>
-                <a:cs typeface="Menlo" panose="020B0609030804020204" pitchFamily="49" charset="0"/>
-              </a:rPr>
-            </a:br>
-            <a:endParaRPr lang="en-US" sz="2100" dirty="0">
-              <a:latin typeface="Menlo" panose="020B0609030804020204" pitchFamily="49" charset="0"/>
-              <a:ea typeface="Menlo" panose="020B0609030804020204" pitchFamily="49" charset="0"/>
-              <a:cs typeface="Menlo" panose="020B0609030804020204" pitchFamily="49" charset="0"/>
-            </a:endParaRPr>
-          </a:p>
-          <a:p>
-            <a:r>
-              <a:rPr lang="en-US" dirty="0">
-                <a:latin typeface="Calibri" panose="020F0502020204030204" pitchFamily="34" charset="0"/>
-                <a:ea typeface="Menlo" panose="020B0609030804020204" pitchFamily="49" charset="0"/>
-                <a:cs typeface="Calibri" panose="020F0502020204030204" pitchFamily="34" charset="0"/>
-              </a:rPr>
-              <a:t>If you use the </a:t>
-            </a:r>
-            <a:r>
-              <a:rPr lang="en-US" dirty="0">
-                <a:solidFill>
-                  <a:srgbClr val="FF0000"/>
-                </a:solidFill>
-                <a:latin typeface="Menlo" panose="020B0609030804020204" pitchFamily="49" charset="0"/>
-                <a:ea typeface="Menlo" panose="020B0609030804020204" pitchFamily="49" charset="0"/>
-                <a:cs typeface="Menlo" panose="020B0609030804020204" pitchFamily="49" charset="0"/>
-              </a:rPr>
-              <a:t>any</a:t>
-            </a:r>
-            <a:r>
-              <a:rPr lang="en-US" dirty="0">
-                <a:latin typeface="Calibri" panose="020F0502020204030204" pitchFamily="34" charset="0"/>
-                <a:ea typeface="Menlo" panose="020B0609030804020204" pitchFamily="49" charset="0"/>
-                <a:cs typeface="Calibri" panose="020F0502020204030204" pitchFamily="34" charset="0"/>
-              </a:rPr>
-              <a:t> type instead, TypeScript will just say “ok, I guess you know what you’re doing”</a:t>
-            </a:r>
-          </a:p>
-          <a:p>
-            <a:pPr marL="0" indent="0">
-              <a:buNone/>
-            </a:pPr>
-            <a:endParaRPr lang="en-US" dirty="0">
-              <a:latin typeface="Menlo" panose="020B0609030804020204" pitchFamily="49" charset="0"/>
-              <a:ea typeface="Menlo" panose="020B0609030804020204" pitchFamily="49" charset="0"/>
-              <a:cs typeface="Menlo" panose="020B0609030804020204" pitchFamily="49" charset="0"/>
-            </a:endParaRPr>
-          </a:p>
-          <a:p>
-            <a:endParaRPr lang="en-US" dirty="0">
-              <a:latin typeface="Menlo" panose="020B0609030804020204" pitchFamily="49" charset="0"/>
-              <a:ea typeface="Menlo" panose="020B0609030804020204" pitchFamily="49" charset="0"/>
-              <a:cs typeface="Menlo" panose="020B0609030804020204" pitchFamily="49" charset="0"/>
-            </a:endParaRPr>
-          </a:p>
-        </p:txBody>
-      </p:sp>
-      <p:sp>
-        <p:nvSpPr>
-          <p:cNvPr id="11" name="AutoShape 9">
-            <a:extLst>
-              <a:ext uri="{FF2B5EF4-FFF2-40B4-BE49-F238E27FC236}">
-                <a16:creationId xmlns:a16="http://schemas.microsoft.com/office/drawing/2014/main" id="{AB28CA65-9D21-D22A-CFE2-BC1D530FA211}"/>
-              </a:ext>
-            </a:extLst>
-          </p:cNvPr>
-          <p:cNvSpPr>
-            <a:spLocks/>
-          </p:cNvSpPr>
-          <p:nvPr/>
-        </p:nvSpPr>
-        <p:spPr bwMode="auto">
-          <a:xfrm>
-            <a:off x="8043888" y="2301189"/>
-            <a:ext cx="3096061" cy="861245"/>
-          </a:xfrm>
-          <a:prstGeom prst="roundRect">
-            <a:avLst>
-              <a:gd name="adj" fmla="val 16667"/>
-            </a:avLst>
-          </a:prstGeom>
-          <a:solidFill>
-            <a:srgbClr val="00B050"/>
-          </a:solidFill>
-          <a:ln w="9525" cap="flat" cmpd="sng">
-            <a:solidFill>
-              <a:srgbClr val="C70000"/>
-            </a:solidFill>
-            <a:prstDash val="solid"/>
-            <a:round/>
-            <a:headEnd type="none" w="med" len="med"/>
-            <a:tailEnd type="triangle" w="med" len="med"/>
-          </a:ln>
-          <a:effectLst>
-            <a:outerShdw blurRad="38100" dist="23000" dir="5400000" algn="ctr" rotWithShape="0">
-              <a:srgbClr val="000000">
-                <a:alpha val="34999"/>
-              </a:srgbClr>
-            </a:outerShdw>
-          </a:effectLst>
-        </p:spPr>
-        <p:txBody>
-          <a:bodyPr lIns="32146" tIns="32146" rIns="32146" bIns="32146" anchor="ctr"/>
-          <a:lstStyle>
-            <a:lvl1pPr defTabSz="457200">
-              <a:defRPr sz="3600">
-                <a:solidFill>
-                  <a:srgbClr val="000000"/>
-                </a:solidFill>
-                <a:latin typeface="Helvetica Neue Light" charset="0"/>
-                <a:ea typeface="Helvetica Neue Light" charset="0"/>
-                <a:cs typeface="Helvetica Neue Light" charset="0"/>
-                <a:sym typeface="Helvetica Neue Light" charset="0"/>
-              </a:defRPr>
-            </a:lvl1pPr>
-            <a:lvl2pPr defTabSz="457200">
-              <a:defRPr sz="3600">
-                <a:solidFill>
-                  <a:srgbClr val="000000"/>
-                </a:solidFill>
-                <a:latin typeface="Helvetica Neue Light" charset="0"/>
-                <a:ea typeface="Helvetica Neue Light" charset="0"/>
-                <a:cs typeface="Helvetica Neue Light" charset="0"/>
-                <a:sym typeface="Helvetica Neue Light" charset="0"/>
-              </a:defRPr>
-            </a:lvl2pPr>
-            <a:lvl3pPr defTabSz="457200">
-              <a:defRPr sz="3600">
-                <a:solidFill>
-                  <a:srgbClr val="000000"/>
-                </a:solidFill>
-                <a:latin typeface="Helvetica Neue Light" charset="0"/>
-                <a:ea typeface="Helvetica Neue Light" charset="0"/>
-                <a:cs typeface="Helvetica Neue Light" charset="0"/>
-                <a:sym typeface="Helvetica Neue Light" charset="0"/>
-              </a:defRPr>
-            </a:lvl3pPr>
-            <a:lvl4pPr defTabSz="457200">
-              <a:defRPr sz="3600">
-                <a:solidFill>
-                  <a:srgbClr val="000000"/>
-                </a:solidFill>
-                <a:latin typeface="Helvetica Neue Light" charset="0"/>
-                <a:ea typeface="Helvetica Neue Light" charset="0"/>
-                <a:cs typeface="Helvetica Neue Light" charset="0"/>
-                <a:sym typeface="Helvetica Neue Light" charset="0"/>
-              </a:defRPr>
-            </a:lvl4pPr>
-            <a:lvl5pPr defTabSz="457200">
-              <a:defRPr sz="3600">
-                <a:solidFill>
-                  <a:srgbClr val="000000"/>
-                </a:solidFill>
-                <a:latin typeface="Helvetica Neue Light" charset="0"/>
-                <a:ea typeface="Helvetica Neue Light" charset="0"/>
-                <a:cs typeface="Helvetica Neue Light" charset="0"/>
-                <a:sym typeface="Helvetica Neue Light" charset="0"/>
-              </a:defRPr>
-            </a:lvl5pPr>
-            <a:lvl6pPr marL="457200" algn="ctr" defTabSz="457200" fontAlgn="base" hangingPunct="0">
-              <a:spcBef>
-                <a:spcPct val="0"/>
-              </a:spcBef>
-              <a:spcAft>
-                <a:spcPct val="0"/>
-              </a:spcAft>
-              <a:defRPr sz="3600">
-                <a:solidFill>
-                  <a:srgbClr val="000000"/>
-                </a:solidFill>
-                <a:latin typeface="Helvetica Neue Light" charset="0"/>
-                <a:ea typeface="Helvetica Neue Light" charset="0"/>
-                <a:cs typeface="Helvetica Neue Light" charset="0"/>
-                <a:sym typeface="Helvetica Neue Light" charset="0"/>
-              </a:defRPr>
-            </a:lvl6pPr>
-            <a:lvl7pPr marL="914400" algn="ctr" defTabSz="457200" fontAlgn="base" hangingPunct="0">
-              <a:spcBef>
-                <a:spcPct val="0"/>
-              </a:spcBef>
-              <a:spcAft>
-                <a:spcPct val="0"/>
-              </a:spcAft>
-              <a:defRPr sz="3600">
-                <a:solidFill>
-                  <a:srgbClr val="000000"/>
-                </a:solidFill>
-                <a:latin typeface="Helvetica Neue Light" charset="0"/>
-                <a:ea typeface="Helvetica Neue Light" charset="0"/>
-                <a:cs typeface="Helvetica Neue Light" charset="0"/>
-                <a:sym typeface="Helvetica Neue Light" charset="0"/>
-              </a:defRPr>
-            </a:lvl7pPr>
-            <a:lvl8pPr marL="1371600" algn="ctr" defTabSz="457200" fontAlgn="base" hangingPunct="0">
-              <a:spcBef>
-                <a:spcPct val="0"/>
-              </a:spcBef>
-              <a:spcAft>
-                <a:spcPct val="0"/>
-              </a:spcAft>
-              <a:defRPr sz="3600">
-                <a:solidFill>
-                  <a:srgbClr val="000000"/>
-                </a:solidFill>
-                <a:latin typeface="Helvetica Neue Light" charset="0"/>
-                <a:ea typeface="Helvetica Neue Light" charset="0"/>
-                <a:cs typeface="Helvetica Neue Light" charset="0"/>
-                <a:sym typeface="Helvetica Neue Light" charset="0"/>
-              </a:defRPr>
-            </a:lvl8pPr>
-            <a:lvl9pPr marL="1828800" algn="ctr" defTabSz="457200" fontAlgn="base" hangingPunct="0">
-              <a:spcBef>
-                <a:spcPct val="0"/>
-              </a:spcBef>
-              <a:spcAft>
-                <a:spcPct val="0"/>
-              </a:spcAft>
-              <a:defRPr sz="3600">
-                <a:solidFill>
-                  <a:srgbClr val="000000"/>
-                </a:solidFill>
-                <a:latin typeface="Helvetica Neue Light" charset="0"/>
-                <a:ea typeface="Helvetica Neue Light" charset="0"/>
-                <a:cs typeface="Helvetica Neue Light" charset="0"/>
-                <a:sym typeface="Helvetica Neue Light" charset="0"/>
-              </a:defRPr>
-            </a:lvl9pPr>
-          </a:lstStyle>
-          <a:p>
-            <a:r>
-              <a:rPr lang="en-US" altLang="en-US" sz="2400" dirty="0">
-                <a:solidFill>
-                  <a:srgbClr val="FFFFFF"/>
-                </a:solidFill>
-                <a:latin typeface="Calibri" panose="020F0502020204030204" pitchFamily="34" charset="0"/>
-                <a:ea typeface="Helvetica" panose="020B0604020202020204" pitchFamily="34" charset="0"/>
-                <a:cs typeface="Calibri" panose="020F0502020204030204" pitchFamily="34" charset="0"/>
-                <a:sym typeface="Helvetica" panose="020B0604020202020204" pitchFamily="34" charset="0"/>
-              </a:rPr>
-              <a:t>TypeScript error here!</a:t>
-            </a:r>
-          </a:p>
-        </p:txBody>
-      </p:sp>
-      <p:cxnSp>
-        <p:nvCxnSpPr>
-          <p:cNvPr id="15" name="Straight Arrow Connector 14">
-            <a:extLst>
-              <a:ext uri="{FF2B5EF4-FFF2-40B4-BE49-F238E27FC236}">
-                <a16:creationId xmlns:a16="http://schemas.microsoft.com/office/drawing/2014/main" id="{8254D0C4-B77E-A70A-08B5-496BD696E952}"/>
-              </a:ext>
-            </a:extLst>
-          </p:cNvPr>
-          <p:cNvCxnSpPr>
-            <a:cxnSpLocks/>
-            <a:stCxn id="11" idx="1"/>
-          </p:cNvCxnSpPr>
-          <p:nvPr/>
-        </p:nvCxnSpPr>
-        <p:spPr>
-          <a:xfrm flipH="1">
-            <a:off x="6341806" y="2731812"/>
-            <a:ext cx="1702082" cy="262111"/>
-          </a:xfrm>
-          <a:prstGeom prst="straightConnector1">
-            <a:avLst/>
-          </a:prstGeom>
-          <a:ln w="127000">
-            <a:solidFill>
-              <a:srgbClr val="00B050"/>
-            </a:solidFill>
-            <a:tailEnd type="triangle"/>
-          </a:ln>
-        </p:spPr>
-        <p:style>
-          <a:lnRef idx="1">
-            <a:schemeClr val="accent1"/>
-          </a:lnRef>
-          <a:fillRef idx="0">
-            <a:schemeClr val="accent1"/>
-          </a:fillRef>
-          <a:effectRef idx="0">
-            <a:schemeClr val="accent1"/>
-          </a:effectRef>
-          <a:fontRef idx="minor">
-            <a:schemeClr val="tx1"/>
-          </a:fontRef>
-        </p:style>
-      </p:cxnSp>
-      <p:cxnSp>
-        <p:nvCxnSpPr>
-          <p:cNvPr id="17" name="Straight Arrow Connector 16">
-            <a:extLst>
-              <a:ext uri="{FF2B5EF4-FFF2-40B4-BE49-F238E27FC236}">
-                <a16:creationId xmlns:a16="http://schemas.microsoft.com/office/drawing/2014/main" id="{5BA6B0B8-7851-E694-4E67-ADC772252335}"/>
-              </a:ext>
-            </a:extLst>
-          </p:cNvPr>
-          <p:cNvCxnSpPr>
-            <a:cxnSpLocks/>
-          </p:cNvCxnSpPr>
-          <p:nvPr/>
-        </p:nvCxnSpPr>
-        <p:spPr>
-          <a:xfrm flipH="1" flipV="1">
-            <a:off x="6341806" y="3928255"/>
-            <a:ext cx="1623423" cy="174801"/>
-          </a:xfrm>
-          <a:prstGeom prst="straightConnector1">
-            <a:avLst/>
-          </a:prstGeom>
-          <a:ln w="127000">
-            <a:solidFill>
-              <a:srgbClr val="00B050"/>
-            </a:solidFill>
-            <a:tailEnd type="triangle"/>
-          </a:ln>
-        </p:spPr>
-        <p:style>
-          <a:lnRef idx="1">
-            <a:schemeClr val="accent1"/>
-          </a:lnRef>
-          <a:fillRef idx="0">
-            <a:schemeClr val="accent1"/>
-          </a:fillRef>
-          <a:effectRef idx="0">
-            <a:schemeClr val="accent1"/>
-          </a:effectRef>
-          <a:fontRef idx="minor">
-            <a:schemeClr val="tx1"/>
-          </a:fontRef>
-        </p:style>
-      </p:cxnSp>
-      <p:sp>
-        <p:nvSpPr>
-          <p:cNvPr id="16" name="AutoShape 9">
-            <a:extLst>
-              <a:ext uri="{FF2B5EF4-FFF2-40B4-BE49-F238E27FC236}">
-                <a16:creationId xmlns:a16="http://schemas.microsoft.com/office/drawing/2014/main" id="{40F315DA-B79C-C615-3DE7-EC73AF2C91A4}"/>
-              </a:ext>
-            </a:extLst>
-          </p:cNvPr>
-          <p:cNvSpPr>
-            <a:spLocks/>
-          </p:cNvSpPr>
-          <p:nvPr/>
-        </p:nvSpPr>
-        <p:spPr bwMode="auto">
-          <a:xfrm>
-            <a:off x="7894753" y="3695566"/>
-            <a:ext cx="1697166" cy="948286"/>
-          </a:xfrm>
-          <a:prstGeom prst="roundRect">
-            <a:avLst>
-              <a:gd name="adj" fmla="val 16667"/>
-            </a:avLst>
-          </a:prstGeom>
-          <a:solidFill>
-            <a:srgbClr val="00B050"/>
-          </a:solidFill>
-          <a:ln w="9525" cap="flat" cmpd="sng">
-            <a:solidFill>
-              <a:srgbClr val="C70000"/>
-            </a:solidFill>
-            <a:prstDash val="solid"/>
-            <a:round/>
-            <a:headEnd type="none" w="med" len="med"/>
-            <a:tailEnd type="triangle" w="med" len="med"/>
-          </a:ln>
-          <a:effectLst>
-            <a:outerShdw blurRad="38100" dist="23000" dir="5400000" algn="ctr" rotWithShape="0">
-              <a:srgbClr val="000000">
-                <a:alpha val="34999"/>
-              </a:srgbClr>
-            </a:outerShdw>
-          </a:effectLst>
-        </p:spPr>
-        <p:txBody>
-          <a:bodyPr lIns="32146" tIns="32146" rIns="32146" bIns="32146" anchor="ctr"/>
-          <a:lstStyle>
-            <a:lvl1pPr defTabSz="457200">
-              <a:defRPr sz="3600">
-                <a:solidFill>
-                  <a:srgbClr val="000000"/>
-                </a:solidFill>
-                <a:latin typeface="Helvetica Neue Light" charset="0"/>
-                <a:ea typeface="Helvetica Neue Light" charset="0"/>
-                <a:cs typeface="Helvetica Neue Light" charset="0"/>
-                <a:sym typeface="Helvetica Neue Light" charset="0"/>
-              </a:defRPr>
-            </a:lvl1pPr>
-            <a:lvl2pPr defTabSz="457200">
-              <a:defRPr sz="3600">
-                <a:solidFill>
-                  <a:srgbClr val="000000"/>
-                </a:solidFill>
-                <a:latin typeface="Helvetica Neue Light" charset="0"/>
-                <a:ea typeface="Helvetica Neue Light" charset="0"/>
-                <a:cs typeface="Helvetica Neue Light" charset="0"/>
-                <a:sym typeface="Helvetica Neue Light" charset="0"/>
-              </a:defRPr>
-            </a:lvl2pPr>
-            <a:lvl3pPr defTabSz="457200">
-              <a:defRPr sz="3600">
-                <a:solidFill>
-                  <a:srgbClr val="000000"/>
-                </a:solidFill>
-                <a:latin typeface="Helvetica Neue Light" charset="0"/>
-                <a:ea typeface="Helvetica Neue Light" charset="0"/>
-                <a:cs typeface="Helvetica Neue Light" charset="0"/>
-                <a:sym typeface="Helvetica Neue Light" charset="0"/>
-              </a:defRPr>
-            </a:lvl3pPr>
-            <a:lvl4pPr defTabSz="457200">
-              <a:defRPr sz="3600">
-                <a:solidFill>
-                  <a:srgbClr val="000000"/>
-                </a:solidFill>
-                <a:latin typeface="Helvetica Neue Light" charset="0"/>
-                <a:ea typeface="Helvetica Neue Light" charset="0"/>
-                <a:cs typeface="Helvetica Neue Light" charset="0"/>
-                <a:sym typeface="Helvetica Neue Light" charset="0"/>
-              </a:defRPr>
-            </a:lvl4pPr>
-            <a:lvl5pPr defTabSz="457200">
-              <a:defRPr sz="3600">
-                <a:solidFill>
-                  <a:srgbClr val="000000"/>
-                </a:solidFill>
-                <a:latin typeface="Helvetica Neue Light" charset="0"/>
-                <a:ea typeface="Helvetica Neue Light" charset="0"/>
-                <a:cs typeface="Helvetica Neue Light" charset="0"/>
-                <a:sym typeface="Helvetica Neue Light" charset="0"/>
-              </a:defRPr>
-            </a:lvl5pPr>
-            <a:lvl6pPr marL="457200" algn="ctr" defTabSz="457200" fontAlgn="base" hangingPunct="0">
-              <a:spcBef>
-                <a:spcPct val="0"/>
-              </a:spcBef>
-              <a:spcAft>
-                <a:spcPct val="0"/>
-              </a:spcAft>
-              <a:defRPr sz="3600">
-                <a:solidFill>
-                  <a:srgbClr val="000000"/>
-                </a:solidFill>
-                <a:latin typeface="Helvetica Neue Light" charset="0"/>
-                <a:ea typeface="Helvetica Neue Light" charset="0"/>
-                <a:cs typeface="Helvetica Neue Light" charset="0"/>
-                <a:sym typeface="Helvetica Neue Light" charset="0"/>
-              </a:defRPr>
-            </a:lvl6pPr>
-            <a:lvl7pPr marL="914400" algn="ctr" defTabSz="457200" fontAlgn="base" hangingPunct="0">
-              <a:spcBef>
-                <a:spcPct val="0"/>
-              </a:spcBef>
-              <a:spcAft>
-                <a:spcPct val="0"/>
-              </a:spcAft>
-              <a:defRPr sz="3600">
-                <a:solidFill>
-                  <a:srgbClr val="000000"/>
-                </a:solidFill>
-                <a:latin typeface="Helvetica Neue Light" charset="0"/>
-                <a:ea typeface="Helvetica Neue Light" charset="0"/>
-                <a:cs typeface="Helvetica Neue Light" charset="0"/>
-                <a:sym typeface="Helvetica Neue Light" charset="0"/>
-              </a:defRPr>
-            </a:lvl7pPr>
-            <a:lvl8pPr marL="1371600" algn="ctr" defTabSz="457200" fontAlgn="base" hangingPunct="0">
-              <a:spcBef>
-                <a:spcPct val="0"/>
-              </a:spcBef>
-              <a:spcAft>
-                <a:spcPct val="0"/>
-              </a:spcAft>
-              <a:defRPr sz="3600">
-                <a:solidFill>
-                  <a:srgbClr val="000000"/>
-                </a:solidFill>
-                <a:latin typeface="Helvetica Neue Light" charset="0"/>
-                <a:ea typeface="Helvetica Neue Light" charset="0"/>
-                <a:cs typeface="Helvetica Neue Light" charset="0"/>
-                <a:sym typeface="Helvetica Neue Light" charset="0"/>
-              </a:defRPr>
-            </a:lvl8pPr>
-            <a:lvl9pPr marL="1828800" algn="ctr" defTabSz="457200" fontAlgn="base" hangingPunct="0">
-              <a:spcBef>
-                <a:spcPct val="0"/>
-              </a:spcBef>
-              <a:spcAft>
-                <a:spcPct val="0"/>
-              </a:spcAft>
-              <a:defRPr sz="3600">
-                <a:solidFill>
-                  <a:srgbClr val="000000"/>
-                </a:solidFill>
-                <a:latin typeface="Helvetica Neue Light" charset="0"/>
-                <a:ea typeface="Helvetica Neue Light" charset="0"/>
-                <a:cs typeface="Helvetica Neue Light" charset="0"/>
-                <a:sym typeface="Helvetica Neue Light" charset="0"/>
-              </a:defRPr>
-            </a:lvl9pPr>
-          </a:lstStyle>
-          <a:p>
-            <a:r>
-              <a:rPr lang="en-US" altLang="en-US" sz="2400" dirty="0">
-                <a:solidFill>
-                  <a:srgbClr val="FFFFFF"/>
-                </a:solidFill>
-                <a:latin typeface="Calibri" panose="020F0502020204030204" pitchFamily="34" charset="0"/>
-                <a:ea typeface="Helvetica" panose="020B0604020202020204" pitchFamily="34" charset="0"/>
-                <a:cs typeface="Calibri" panose="020F0502020204030204" pitchFamily="34" charset="0"/>
-                <a:sym typeface="Helvetica" panose="020B0604020202020204" pitchFamily="34" charset="0"/>
-              </a:rPr>
-              <a:t>it’s ok here!</a:t>
-            </a:r>
-            <a:endParaRPr lang="en-US" altLang="en-US" sz="2400" i="1" dirty="0">
-              <a:solidFill>
-                <a:srgbClr val="FFFFFF"/>
-              </a:solidFill>
-              <a:latin typeface="Calibri" panose="020F0502020204030204" pitchFamily="34" charset="0"/>
-              <a:ea typeface="Helvetica" panose="020B0604020202020204" pitchFamily="34" charset="0"/>
-              <a:cs typeface="Calibri" panose="020F0502020204030204" pitchFamily="34" charset="0"/>
-              <a:sym typeface="Helvetica" panose="020B0604020202020204" pitchFamily="34" charset="0"/>
-            </a:endParaRPr>
-          </a:p>
-        </p:txBody>
-      </p:sp>
-    </p:spTree>
-    <p:extLst>
-      <p:ext uri="{BB962C8B-B14F-4D97-AF65-F5344CB8AC3E}">
-        <p14:creationId xmlns:p14="http://schemas.microsoft.com/office/powerpoint/2010/main" val="1960269477"/>
-      </p:ext>
-    </p:extLst>
-  </p:cSld>
-  <p:clrMapOvr>
-    <a:masterClrMapping/>
-  </p:clrMapOvr>
-  <p:timing>
-    <p:tnLst>
-      <p:par>
-        <p:cTn id="1" dur="indefinite" restart="never" nodeType="tmRoot">
-          <p:childTnLst>
-            <p:seq concurrent="1" nextAc="seek">
-              <p:cTn id="2" dur="indefinite" nodeType="mainSeq">
-                <p:childTnLst>
-                  <p:par>
-                    <p:cTn id="3" fill="hold">
-                      <p:stCondLst>
-                        <p:cond delay="indefinite"/>
-                      </p:stCondLst>
-                      <p:childTnLst>
-                        <p:par>
-                          <p:cTn id="4" fill="hold">
-                            <p:stCondLst>
-                              <p:cond delay="0"/>
-                            </p:stCondLst>
-                            <p:childTnLst>
-                              <p:par>
-                                <p:cTn id="5" presetID="1" presetClass="entr" presetSubtype="0" fill="hold" grpId="0" nodeType="clickEffect">
-                                  <p:stCondLst>
-                                    <p:cond delay="0"/>
-                                  </p:stCondLst>
-                                  <p:childTnLst>
-                                    <p:set>
-                                      <p:cBhvr>
-                                        <p:cTn id="6" dur="1" fill="hold">
-                                          <p:stCondLst>
-                                            <p:cond delay="0"/>
-                                          </p:stCondLst>
-                                        </p:cTn>
-                                        <p:tgtEl>
-                                          <p:spTgt spid="11"/>
-                                        </p:tgtEl>
-                                        <p:attrNameLst>
-                                          <p:attrName>style.visibility</p:attrName>
-                                        </p:attrNameLst>
-                                      </p:cBhvr>
-                                      <p:to>
-                                        <p:strVal val="visible"/>
-                                      </p:to>
-                                    </p:set>
-                                  </p:childTnLst>
-                                </p:cTn>
-                              </p:par>
-                              <p:par>
-                                <p:cTn id="7" presetID="1" presetClass="entr" presetSubtype="0" fill="hold" nodeType="withEffect">
-                                  <p:stCondLst>
-                                    <p:cond delay="0"/>
-                                  </p:stCondLst>
-                                  <p:childTnLst>
-                                    <p:set>
-                                      <p:cBhvr>
-                                        <p:cTn id="8" dur="1" fill="hold">
-                                          <p:stCondLst>
-                                            <p:cond delay="0"/>
-                                          </p:stCondLst>
-                                        </p:cTn>
-                                        <p:tgtEl>
-                                          <p:spTgt spid="15"/>
-                                        </p:tgtEl>
-                                        <p:attrNameLst>
-                                          <p:attrName>style.visibility</p:attrName>
-                                        </p:attrNameLst>
-                                      </p:cBhvr>
-                                      <p:to>
-                                        <p:strVal val="visible"/>
-                                      </p:to>
-                                    </p:set>
-                                  </p:childTnLst>
-                                </p:cTn>
-                              </p:par>
-                            </p:childTnLst>
-                          </p:cTn>
-                        </p:par>
-                      </p:childTnLst>
-                    </p:cTn>
-                  </p:par>
-                  <p:par>
-                    <p:cTn id="9" fill="hold">
-                      <p:stCondLst>
-                        <p:cond delay="indefinite"/>
-                      </p:stCondLst>
-                      <p:childTnLst>
-                        <p:par>
-                          <p:cTn id="10" fill="hold">
-                            <p:stCondLst>
-                              <p:cond delay="0"/>
-                            </p:stCondLst>
-                            <p:childTnLst>
-                              <p:par>
-                                <p:cTn id="11" presetID="1" presetClass="entr" presetSubtype="0" fill="hold" grpId="0" nodeType="clickEffect">
-                                  <p:stCondLst>
-                                    <p:cond delay="0"/>
-                                  </p:stCondLst>
-                                  <p:childTnLst>
-                                    <p:set>
-                                      <p:cBhvr>
-                                        <p:cTn id="12" dur="1" fill="hold">
-                                          <p:stCondLst>
-                                            <p:cond delay="0"/>
-                                          </p:stCondLst>
-                                        </p:cTn>
-                                        <p:tgtEl>
-                                          <p:spTgt spid="16"/>
-                                        </p:tgtEl>
-                                        <p:attrNameLst>
-                                          <p:attrName>style.visibility</p:attrName>
-                                        </p:attrNameLst>
-                                      </p:cBhvr>
-                                      <p:to>
-                                        <p:strVal val="visible"/>
-                                      </p:to>
-                                    </p:set>
-                                  </p:childTnLst>
-                                </p:cTn>
-                              </p:par>
-                              <p:par>
-                                <p:cTn id="13" presetID="1" presetClass="entr" presetSubtype="0" fill="hold" nodeType="withEffect">
-                                  <p:stCondLst>
-                                    <p:cond delay="0"/>
-                                  </p:stCondLst>
-                                  <p:childTnLst>
-                                    <p:set>
-                                      <p:cBhvr>
-                                        <p:cTn id="14" dur="1" fill="hold">
-                                          <p:stCondLst>
-                                            <p:cond delay="0"/>
-                                          </p:stCondLst>
-                                        </p:cTn>
-                                        <p:tgtEl>
-                                          <p:spTgt spid="17"/>
-                                        </p:tgtEl>
-                                        <p:attrNameLst>
-                                          <p:attrName>style.visibility</p:attrName>
-                                        </p:attrNameLst>
-                                      </p:cBhvr>
-                                      <p:to>
-                                        <p:strVal val="visible"/>
-                                      </p:to>
-                                    </p:set>
-                                  </p:childTnLst>
-                                </p:cTn>
-                              </p:par>
-                            </p:childTnLst>
-                          </p:cTn>
-                        </p:par>
-                      </p:childTnLst>
-                    </p:cTn>
-                  </p:par>
-                </p:childTnLst>
-              </p:cTn>
-              <p:prevCondLst>
-                <p:cond evt="onPrev" delay="0">
-                  <p:tgtEl>
-                    <p:sldTgt/>
-                  </p:tgtEl>
-                </p:cond>
-              </p:prevCondLst>
-              <p:nextCondLst>
-                <p:cond evt="onNext" delay="0">
-                  <p:tgtEl>
-                    <p:sldTgt/>
-                  </p:tgtEl>
-                </p:cond>
-              </p:nextCondLst>
-            </p:seq>
-          </p:childTnLst>
-        </p:cTn>
-      </p:par>
-    </p:tnLst>
-    <p:bldLst>
-      <p:bldP spid="11" grpId="0" animBg="1"/>
-      <p:bldP spid="16" grpId="0" animBg="1"/>
-    </p:bldLst>
-  </p:timing>
 </p:sld>
 </file>
 
